--- a/Model – View - View Model.pptx
+++ b/Model – View - View Model.pptx
@@ -5,7 +5,7 @@
     <p:sldMasterId id="2147483648" r:id="rId1"/>
   </p:sldMasterIdLst>
   <p:notesMasterIdLst>
-    <p:notesMasterId r:id="rId14"/>
+    <p:notesMasterId r:id="rId15"/>
   </p:notesMasterIdLst>
   <p:sldIdLst>
     <p:sldId id="256" r:id="rId2"/>
@@ -17,9 +17,10 @@
     <p:sldId id="280" r:id="rId8"/>
     <p:sldId id="279" r:id="rId9"/>
     <p:sldId id="290" r:id="rId10"/>
-    <p:sldId id="282" r:id="rId11"/>
-    <p:sldId id="292" r:id="rId12"/>
-    <p:sldId id="285" r:id="rId13"/>
+    <p:sldId id="293" r:id="rId11"/>
+    <p:sldId id="282" r:id="rId12"/>
+    <p:sldId id="292" r:id="rId13"/>
+    <p:sldId id="285" r:id="rId14"/>
   </p:sldIdLst>
   <p:sldSz cx="12192000" cy="6858000"/>
   <p:notesSz cx="6858000" cy="9144000"/>
@@ -1458,6 +1459,13 @@
         </dgm:presLayoutVars>
       </dgm:prSet>
       <dgm:spPr/>
+      <dgm:t>
+        <a:bodyPr/>
+        <a:lstStyle/>
+        <a:p>
+          <a:endParaRPr lang="en-IN"/>
+        </a:p>
+      </dgm:t>
     </dgm:pt>
     <dgm:pt modelId="{3F6293C4-B2C6-42D9-B537-4C471F52B177}" type="pres">
       <dgm:prSet presAssocID="{DB4975F5-044D-49ED-82EC-554A04BA60ED}" presName="root1" presStyleCnt="0"/>
@@ -1470,6 +1478,13 @@
         </dgm:presLayoutVars>
       </dgm:prSet>
       <dgm:spPr/>
+      <dgm:t>
+        <a:bodyPr/>
+        <a:lstStyle/>
+        <a:p>
+          <a:endParaRPr lang="en-IN"/>
+        </a:p>
+      </dgm:t>
     </dgm:pt>
     <dgm:pt modelId="{29958A4C-8EBE-4D46-A759-403756521677}" type="pres">
       <dgm:prSet presAssocID="{DB4975F5-044D-49ED-82EC-554A04BA60ED}" presName="level2hierChild" presStyleCnt="0"/>
@@ -1478,10 +1493,24 @@
     <dgm:pt modelId="{D9E55D84-0786-44C2-A169-348BB7EAE87F}" type="pres">
       <dgm:prSet presAssocID="{334BF905-A969-439D-B918-1AAC52CFCEF3}" presName="conn2-1" presStyleLbl="parChTrans1D2" presStyleIdx="0" presStyleCnt="4"/>
       <dgm:spPr/>
+      <dgm:t>
+        <a:bodyPr/>
+        <a:lstStyle/>
+        <a:p>
+          <a:endParaRPr lang="en-IN"/>
+        </a:p>
+      </dgm:t>
     </dgm:pt>
     <dgm:pt modelId="{3DC17A28-FCC6-424A-86B4-C25D699A142B}" type="pres">
       <dgm:prSet presAssocID="{334BF905-A969-439D-B918-1AAC52CFCEF3}" presName="connTx" presStyleLbl="parChTrans1D2" presStyleIdx="0" presStyleCnt="4"/>
       <dgm:spPr/>
+      <dgm:t>
+        <a:bodyPr/>
+        <a:lstStyle/>
+        <a:p>
+          <a:endParaRPr lang="en-IN"/>
+        </a:p>
+      </dgm:t>
     </dgm:pt>
     <dgm:pt modelId="{D34B7A49-213C-4C78-9EBB-B1C79ED7E29F}" type="pres">
       <dgm:prSet presAssocID="{86746738-2AAC-4E86-96EF-AA2275ADEEF3}" presName="root2" presStyleCnt="0"/>
@@ -1494,6 +1523,13 @@
         </dgm:presLayoutVars>
       </dgm:prSet>
       <dgm:spPr/>
+      <dgm:t>
+        <a:bodyPr/>
+        <a:lstStyle/>
+        <a:p>
+          <a:endParaRPr lang="en-IN"/>
+        </a:p>
+      </dgm:t>
     </dgm:pt>
     <dgm:pt modelId="{764E8B5F-C1E2-42E4-8534-F7F60E86EB0F}" type="pres">
       <dgm:prSet presAssocID="{86746738-2AAC-4E86-96EF-AA2275ADEEF3}" presName="level3hierChild" presStyleCnt="0"/>
@@ -1502,10 +1538,24 @@
     <dgm:pt modelId="{66A3DB31-0A90-4503-BD11-8F22685ED060}" type="pres">
       <dgm:prSet presAssocID="{F0AB63C3-13DE-49CF-B11C-B216AACD103B}" presName="conn2-1" presStyleLbl="parChTrans1D2" presStyleIdx="1" presStyleCnt="4"/>
       <dgm:spPr/>
+      <dgm:t>
+        <a:bodyPr/>
+        <a:lstStyle/>
+        <a:p>
+          <a:endParaRPr lang="en-IN"/>
+        </a:p>
+      </dgm:t>
     </dgm:pt>
     <dgm:pt modelId="{8C249465-43E7-4D75-B8BA-8C5DA27057CE}" type="pres">
       <dgm:prSet presAssocID="{F0AB63C3-13DE-49CF-B11C-B216AACD103B}" presName="connTx" presStyleLbl="parChTrans1D2" presStyleIdx="1" presStyleCnt="4"/>
       <dgm:spPr/>
+      <dgm:t>
+        <a:bodyPr/>
+        <a:lstStyle/>
+        <a:p>
+          <a:endParaRPr lang="en-IN"/>
+        </a:p>
+      </dgm:t>
     </dgm:pt>
     <dgm:pt modelId="{39C0097F-F2F2-4608-8FAD-41FDB9CCAB68}" type="pres">
       <dgm:prSet presAssocID="{C18BDC97-BDDD-461D-8AED-F2C04054F5E8}" presName="root2" presStyleCnt="0"/>
@@ -1518,6 +1568,13 @@
         </dgm:presLayoutVars>
       </dgm:prSet>
       <dgm:spPr/>
+      <dgm:t>
+        <a:bodyPr/>
+        <a:lstStyle/>
+        <a:p>
+          <a:endParaRPr lang="en-IN"/>
+        </a:p>
+      </dgm:t>
     </dgm:pt>
     <dgm:pt modelId="{E5963219-E6D7-49FA-A72E-6C187C63FC56}" type="pres">
       <dgm:prSet presAssocID="{C18BDC97-BDDD-461D-8AED-F2C04054F5E8}" presName="level3hierChild" presStyleCnt="0"/>
@@ -1526,10 +1583,24 @@
     <dgm:pt modelId="{2F710F2A-E9BD-4F36-BD3B-FFBF378D4D54}" type="pres">
       <dgm:prSet presAssocID="{7C3EE6D3-8A83-46D2-9202-A93133853DC2}" presName="conn2-1" presStyleLbl="parChTrans1D3" presStyleIdx="0" presStyleCnt="8"/>
       <dgm:spPr/>
+      <dgm:t>
+        <a:bodyPr/>
+        <a:lstStyle/>
+        <a:p>
+          <a:endParaRPr lang="en-IN"/>
+        </a:p>
+      </dgm:t>
     </dgm:pt>
     <dgm:pt modelId="{0125C7F5-6A92-4710-B104-550E51494242}" type="pres">
       <dgm:prSet presAssocID="{7C3EE6D3-8A83-46D2-9202-A93133853DC2}" presName="connTx" presStyleLbl="parChTrans1D3" presStyleIdx="0" presStyleCnt="8"/>
       <dgm:spPr/>
+      <dgm:t>
+        <a:bodyPr/>
+        <a:lstStyle/>
+        <a:p>
+          <a:endParaRPr lang="en-IN"/>
+        </a:p>
+      </dgm:t>
     </dgm:pt>
     <dgm:pt modelId="{F5C6CD6F-1AC5-49D5-97AD-B45FFB695DF1}" type="pres">
       <dgm:prSet presAssocID="{5426166C-E933-4125-AC2F-37D3D26300C4}" presName="root2" presStyleCnt="0"/>
@@ -1557,10 +1628,24 @@
     <dgm:pt modelId="{8BFED4FA-EB99-49C4-98E7-5F50290EE98F}" type="pres">
       <dgm:prSet presAssocID="{C0E0A83F-4500-437D-8112-D51ACB5A56E0}" presName="conn2-1" presStyleLbl="parChTrans1D3" presStyleIdx="1" presStyleCnt="8"/>
       <dgm:spPr/>
+      <dgm:t>
+        <a:bodyPr/>
+        <a:lstStyle/>
+        <a:p>
+          <a:endParaRPr lang="en-IN"/>
+        </a:p>
+      </dgm:t>
     </dgm:pt>
     <dgm:pt modelId="{C54010C2-5A97-46C6-B77B-456EE0A69057}" type="pres">
       <dgm:prSet presAssocID="{C0E0A83F-4500-437D-8112-D51ACB5A56E0}" presName="connTx" presStyleLbl="parChTrans1D3" presStyleIdx="1" presStyleCnt="8"/>
       <dgm:spPr/>
+      <dgm:t>
+        <a:bodyPr/>
+        <a:lstStyle/>
+        <a:p>
+          <a:endParaRPr lang="en-IN"/>
+        </a:p>
+      </dgm:t>
     </dgm:pt>
     <dgm:pt modelId="{986E17C9-FE39-4354-9685-CF1597D509BF}" type="pres">
       <dgm:prSet presAssocID="{ED9D829D-4366-4B5A-963E-B4EFD9D96CA9}" presName="root2" presStyleCnt="0"/>
@@ -1573,6 +1658,13 @@
         </dgm:presLayoutVars>
       </dgm:prSet>
       <dgm:spPr/>
+      <dgm:t>
+        <a:bodyPr/>
+        <a:lstStyle/>
+        <a:p>
+          <a:endParaRPr lang="en-IN"/>
+        </a:p>
+      </dgm:t>
     </dgm:pt>
     <dgm:pt modelId="{4C512079-A50A-4A57-9203-840F589E5C0F}" type="pres">
       <dgm:prSet presAssocID="{ED9D829D-4366-4B5A-963E-B4EFD9D96CA9}" presName="level3hierChild" presStyleCnt="0"/>
@@ -1581,10 +1673,24 @@
     <dgm:pt modelId="{76B3E13B-27C3-4F3E-B4C6-5CED406C0321}" type="pres">
       <dgm:prSet presAssocID="{8F9D5AE9-F213-4BB4-AA51-6BD33C58D475}" presName="conn2-1" presStyleLbl="parChTrans1D3" presStyleIdx="2" presStyleCnt="8"/>
       <dgm:spPr/>
+      <dgm:t>
+        <a:bodyPr/>
+        <a:lstStyle/>
+        <a:p>
+          <a:endParaRPr lang="en-IN"/>
+        </a:p>
+      </dgm:t>
     </dgm:pt>
     <dgm:pt modelId="{F160296C-BE3F-4930-AE6F-F1ECA37B8F1B}" type="pres">
       <dgm:prSet presAssocID="{8F9D5AE9-F213-4BB4-AA51-6BD33C58D475}" presName="connTx" presStyleLbl="parChTrans1D3" presStyleIdx="2" presStyleCnt="8"/>
       <dgm:spPr/>
+      <dgm:t>
+        <a:bodyPr/>
+        <a:lstStyle/>
+        <a:p>
+          <a:endParaRPr lang="en-IN"/>
+        </a:p>
+      </dgm:t>
     </dgm:pt>
     <dgm:pt modelId="{E9B04239-10FC-4C9B-BC26-307A1BC020F5}" type="pres">
       <dgm:prSet presAssocID="{5D08A5FF-704D-41E1-8F92-8F21BD815064}" presName="root2" presStyleCnt="0"/>
@@ -1597,6 +1703,13 @@
         </dgm:presLayoutVars>
       </dgm:prSet>
       <dgm:spPr/>
+      <dgm:t>
+        <a:bodyPr/>
+        <a:lstStyle/>
+        <a:p>
+          <a:endParaRPr lang="en-IN"/>
+        </a:p>
+      </dgm:t>
     </dgm:pt>
     <dgm:pt modelId="{F7ABDB4E-EEB1-42C6-AEAE-36804377E3A0}" type="pres">
       <dgm:prSet presAssocID="{5D08A5FF-704D-41E1-8F92-8F21BD815064}" presName="level3hierChild" presStyleCnt="0"/>
@@ -1605,10 +1718,24 @@
     <dgm:pt modelId="{186F14DE-6434-487E-B37E-EDEADA4F7281}" type="pres">
       <dgm:prSet presAssocID="{FDBB49DC-E237-4331-9D9A-6C30E730AEC2}" presName="conn2-1" presStyleLbl="parChTrans1D3" presStyleIdx="3" presStyleCnt="8"/>
       <dgm:spPr/>
+      <dgm:t>
+        <a:bodyPr/>
+        <a:lstStyle/>
+        <a:p>
+          <a:endParaRPr lang="en-IN"/>
+        </a:p>
+      </dgm:t>
     </dgm:pt>
     <dgm:pt modelId="{E94F859C-DCA0-4D1D-846F-DA99A57BF98F}" type="pres">
       <dgm:prSet presAssocID="{FDBB49DC-E237-4331-9D9A-6C30E730AEC2}" presName="connTx" presStyleLbl="parChTrans1D3" presStyleIdx="3" presStyleCnt="8"/>
       <dgm:spPr/>
+      <dgm:t>
+        <a:bodyPr/>
+        <a:lstStyle/>
+        <a:p>
+          <a:endParaRPr lang="en-IN"/>
+        </a:p>
+      </dgm:t>
     </dgm:pt>
     <dgm:pt modelId="{E9248D99-CCE9-459B-B7DA-8DDD22F3B990}" type="pres">
       <dgm:prSet presAssocID="{82330AF7-CFE0-48B2-8CC3-9F0BD31846A5}" presName="root2" presStyleCnt="0"/>
@@ -1636,10 +1763,24 @@
     <dgm:pt modelId="{B53C076F-8A3C-4841-B286-C156BCDAE294}" type="pres">
       <dgm:prSet presAssocID="{EFF3D82F-3421-44D3-8A60-D2497CB5B1AF}" presName="conn2-1" presStyleLbl="parChTrans1D3" presStyleIdx="4" presStyleCnt="8"/>
       <dgm:spPr/>
+      <dgm:t>
+        <a:bodyPr/>
+        <a:lstStyle/>
+        <a:p>
+          <a:endParaRPr lang="en-IN"/>
+        </a:p>
+      </dgm:t>
     </dgm:pt>
     <dgm:pt modelId="{CF4CCC0F-FCE4-49DD-B519-16D8B26F1630}" type="pres">
       <dgm:prSet presAssocID="{EFF3D82F-3421-44D3-8A60-D2497CB5B1AF}" presName="connTx" presStyleLbl="parChTrans1D3" presStyleIdx="4" presStyleCnt="8"/>
       <dgm:spPr/>
+      <dgm:t>
+        <a:bodyPr/>
+        <a:lstStyle/>
+        <a:p>
+          <a:endParaRPr lang="en-IN"/>
+        </a:p>
+      </dgm:t>
     </dgm:pt>
     <dgm:pt modelId="{9A9D9F62-50C4-4AA1-8180-DCDB47170B3D}" type="pres">
       <dgm:prSet presAssocID="{C701C62C-9BEE-476A-88CB-14E3EC88AC1E}" presName="root2" presStyleCnt="0"/>
@@ -1667,10 +1808,24 @@
     <dgm:pt modelId="{5B337747-A5A4-41FE-8DFC-0214E778844A}" type="pres">
       <dgm:prSet presAssocID="{0214251E-9482-4BBF-A4FB-C173EB6FD0DB}" presName="conn2-1" presStyleLbl="parChTrans1D3" presStyleIdx="5" presStyleCnt="8"/>
       <dgm:spPr/>
+      <dgm:t>
+        <a:bodyPr/>
+        <a:lstStyle/>
+        <a:p>
+          <a:endParaRPr lang="en-IN"/>
+        </a:p>
+      </dgm:t>
     </dgm:pt>
     <dgm:pt modelId="{8947DF2E-709D-4CAA-8C54-2D67F01DD37F}" type="pres">
       <dgm:prSet presAssocID="{0214251E-9482-4BBF-A4FB-C173EB6FD0DB}" presName="connTx" presStyleLbl="parChTrans1D3" presStyleIdx="5" presStyleCnt="8"/>
       <dgm:spPr/>
+      <dgm:t>
+        <a:bodyPr/>
+        <a:lstStyle/>
+        <a:p>
+          <a:endParaRPr lang="en-IN"/>
+        </a:p>
+      </dgm:t>
     </dgm:pt>
     <dgm:pt modelId="{8F9A9548-3B52-4A43-B66E-DCDD4485BB30}" type="pres">
       <dgm:prSet presAssocID="{0AEE3189-D0CB-48BB-A7A9-2386C8D8D936}" presName="root2" presStyleCnt="0"/>
@@ -1683,6 +1838,13 @@
         </dgm:presLayoutVars>
       </dgm:prSet>
       <dgm:spPr/>
+      <dgm:t>
+        <a:bodyPr/>
+        <a:lstStyle/>
+        <a:p>
+          <a:endParaRPr lang="en-IN"/>
+        </a:p>
+      </dgm:t>
     </dgm:pt>
     <dgm:pt modelId="{45E6C0F4-32AC-489D-8BD2-1F8334D07850}" type="pres">
       <dgm:prSet presAssocID="{0AEE3189-D0CB-48BB-A7A9-2386C8D8D936}" presName="level3hierChild" presStyleCnt="0"/>
@@ -1691,10 +1853,24 @@
     <dgm:pt modelId="{9A413A59-4C25-4DA5-A964-6EC2BDAE01E6}" type="pres">
       <dgm:prSet presAssocID="{6A4D08DC-0579-44DB-8366-28068F56C0F5}" presName="conn2-1" presStyleLbl="parChTrans1D3" presStyleIdx="6" presStyleCnt="8"/>
       <dgm:spPr/>
+      <dgm:t>
+        <a:bodyPr/>
+        <a:lstStyle/>
+        <a:p>
+          <a:endParaRPr lang="en-IN"/>
+        </a:p>
+      </dgm:t>
     </dgm:pt>
     <dgm:pt modelId="{92563460-93EF-4C4B-A687-AD193956AA1A}" type="pres">
       <dgm:prSet presAssocID="{6A4D08DC-0579-44DB-8366-28068F56C0F5}" presName="connTx" presStyleLbl="parChTrans1D3" presStyleIdx="6" presStyleCnt="8"/>
       <dgm:spPr/>
+      <dgm:t>
+        <a:bodyPr/>
+        <a:lstStyle/>
+        <a:p>
+          <a:endParaRPr lang="en-IN"/>
+        </a:p>
+      </dgm:t>
     </dgm:pt>
     <dgm:pt modelId="{B42D51F3-DBA4-4778-AD58-7A9EC8D1B070}" type="pres">
       <dgm:prSet presAssocID="{DF634524-B72E-4596-8707-B4861D4D533E}" presName="root2" presStyleCnt="0"/>
@@ -1707,6 +1883,13 @@
         </dgm:presLayoutVars>
       </dgm:prSet>
       <dgm:spPr/>
+      <dgm:t>
+        <a:bodyPr/>
+        <a:lstStyle/>
+        <a:p>
+          <a:endParaRPr lang="en-IN"/>
+        </a:p>
+      </dgm:t>
     </dgm:pt>
     <dgm:pt modelId="{8D749FAA-4DCC-4321-9E89-69D31D0038ED}" type="pres">
       <dgm:prSet presAssocID="{DF634524-B72E-4596-8707-B4861D4D533E}" presName="level3hierChild" presStyleCnt="0"/>
@@ -1715,10 +1898,24 @@
     <dgm:pt modelId="{146B3513-93CD-44B9-AA5E-56D7286DD073}" type="pres">
       <dgm:prSet presAssocID="{95B02947-8EA5-4B00-B71A-8C0C62296EFE}" presName="conn2-1" presStyleLbl="parChTrans1D3" presStyleIdx="7" presStyleCnt="8"/>
       <dgm:spPr/>
+      <dgm:t>
+        <a:bodyPr/>
+        <a:lstStyle/>
+        <a:p>
+          <a:endParaRPr lang="en-IN"/>
+        </a:p>
+      </dgm:t>
     </dgm:pt>
     <dgm:pt modelId="{08C80391-4D18-45D7-AE5F-AF72F75FECFB}" type="pres">
       <dgm:prSet presAssocID="{95B02947-8EA5-4B00-B71A-8C0C62296EFE}" presName="connTx" presStyleLbl="parChTrans1D3" presStyleIdx="7" presStyleCnt="8"/>
       <dgm:spPr/>
+      <dgm:t>
+        <a:bodyPr/>
+        <a:lstStyle/>
+        <a:p>
+          <a:endParaRPr lang="en-IN"/>
+        </a:p>
+      </dgm:t>
     </dgm:pt>
     <dgm:pt modelId="{815755F1-43CC-4F76-A645-DAD351F3314F}" type="pres">
       <dgm:prSet presAssocID="{BD4BE4E4-68D6-4074-88BD-28F35657D214}" presName="root2" presStyleCnt="0"/>
@@ -1731,6 +1928,13 @@
         </dgm:presLayoutVars>
       </dgm:prSet>
       <dgm:spPr/>
+      <dgm:t>
+        <a:bodyPr/>
+        <a:lstStyle/>
+        <a:p>
+          <a:endParaRPr lang="en-IN"/>
+        </a:p>
+      </dgm:t>
     </dgm:pt>
     <dgm:pt modelId="{4EBC0C8C-9CE3-4D7F-8E3C-A0059D700490}" type="pres">
       <dgm:prSet presAssocID="{BD4BE4E4-68D6-4074-88BD-28F35657D214}" presName="level3hierChild" presStyleCnt="0"/>
@@ -1739,10 +1943,24 @@
     <dgm:pt modelId="{CA28A5FE-BD5B-4B88-B799-60E93EBAF76E}" type="pres">
       <dgm:prSet presAssocID="{0F271C52-76B2-4D29-86F4-C111016A3199}" presName="conn2-1" presStyleLbl="parChTrans1D2" presStyleIdx="2" presStyleCnt="4"/>
       <dgm:spPr/>
+      <dgm:t>
+        <a:bodyPr/>
+        <a:lstStyle/>
+        <a:p>
+          <a:endParaRPr lang="en-IN"/>
+        </a:p>
+      </dgm:t>
     </dgm:pt>
     <dgm:pt modelId="{072E4933-E067-419A-B9BE-489D9E780581}" type="pres">
       <dgm:prSet presAssocID="{0F271C52-76B2-4D29-86F4-C111016A3199}" presName="connTx" presStyleLbl="parChTrans1D2" presStyleIdx="2" presStyleCnt="4"/>
       <dgm:spPr/>
+      <dgm:t>
+        <a:bodyPr/>
+        <a:lstStyle/>
+        <a:p>
+          <a:endParaRPr lang="en-IN"/>
+        </a:p>
+      </dgm:t>
     </dgm:pt>
     <dgm:pt modelId="{85EF2E17-D376-464A-B9FE-2E55D6AE1850}" type="pres">
       <dgm:prSet presAssocID="{B81F01C7-06D4-4E42-8877-BDB6E8840A8B}" presName="root2" presStyleCnt="0"/>
@@ -1755,6 +1973,13 @@
         </dgm:presLayoutVars>
       </dgm:prSet>
       <dgm:spPr/>
+      <dgm:t>
+        <a:bodyPr/>
+        <a:lstStyle/>
+        <a:p>
+          <a:endParaRPr lang="en-IN"/>
+        </a:p>
+      </dgm:t>
     </dgm:pt>
     <dgm:pt modelId="{F557230B-74A4-4190-BD54-98BC2DBA39B4}" type="pres">
       <dgm:prSet presAssocID="{B81F01C7-06D4-4E42-8877-BDB6E8840A8B}" presName="level3hierChild" presStyleCnt="0"/>
@@ -1763,10 +1988,24 @@
     <dgm:pt modelId="{435EDAAC-8468-465C-88F3-293744F4545F}" type="pres">
       <dgm:prSet presAssocID="{E8D01A0E-52EC-460F-9A6C-D975239AAE58}" presName="conn2-1" presStyleLbl="parChTrans1D2" presStyleIdx="3" presStyleCnt="4"/>
       <dgm:spPr/>
+      <dgm:t>
+        <a:bodyPr/>
+        <a:lstStyle/>
+        <a:p>
+          <a:endParaRPr lang="en-IN"/>
+        </a:p>
+      </dgm:t>
     </dgm:pt>
     <dgm:pt modelId="{430B30BA-EB57-4469-ABF8-1A2CDA21694A}" type="pres">
       <dgm:prSet presAssocID="{E8D01A0E-52EC-460F-9A6C-D975239AAE58}" presName="connTx" presStyleLbl="parChTrans1D2" presStyleIdx="3" presStyleCnt="4"/>
       <dgm:spPr/>
+      <dgm:t>
+        <a:bodyPr/>
+        <a:lstStyle/>
+        <a:p>
+          <a:endParaRPr lang="en-IN"/>
+        </a:p>
+      </dgm:t>
     </dgm:pt>
     <dgm:pt modelId="{228627AA-6490-4050-90C6-0CBD4141BBBB}" type="pres">
       <dgm:prSet presAssocID="{F2F4799C-E5FD-491D-9F4B-C896413695F6}" presName="root2" presStyleCnt="0"/>
@@ -1779,6 +2018,13 @@
         </dgm:presLayoutVars>
       </dgm:prSet>
       <dgm:spPr/>
+      <dgm:t>
+        <a:bodyPr/>
+        <a:lstStyle/>
+        <a:p>
+          <a:endParaRPr lang="en-IN"/>
+        </a:p>
+      </dgm:t>
     </dgm:pt>
     <dgm:pt modelId="{D0B6B7BA-18B7-49C4-9B80-48DC27DB8687}" type="pres">
       <dgm:prSet presAssocID="{F2F4799C-E5FD-491D-9F4B-C896413695F6}" presName="level3hierChild" presStyleCnt="0"/>
@@ -1786,57 +2032,57 @@
     </dgm:pt>
   </dgm:ptLst>
   <dgm:cxnLst>
+    <dgm:cxn modelId="{1BE3B392-5C2F-4ACF-90DC-5122792E48D7}" type="presOf" srcId="{334BF905-A969-439D-B918-1AAC52CFCEF3}" destId="{D9E55D84-0786-44C2-A169-348BB7EAE87F}" srcOrd="0" destOrd="0" presId="urn:microsoft.com/office/officeart/2005/8/layout/hierarchy2"/>
+    <dgm:cxn modelId="{DF87916D-CB3A-45AB-8DEE-989E6F5923D0}" srcId="{C18BDC97-BDDD-461D-8AED-F2C04054F5E8}" destId="{ED9D829D-4366-4B5A-963E-B4EFD9D96CA9}" srcOrd="1" destOrd="0" parTransId="{C0E0A83F-4500-437D-8112-D51ACB5A56E0}" sibTransId="{41C1B242-D0D8-494C-92C8-F6EC0C352BDA}"/>
+    <dgm:cxn modelId="{00C066A9-7DBA-4B36-A337-116C00D5E3FE}" type="presOf" srcId="{95B02947-8EA5-4B00-B71A-8C0C62296EFE}" destId="{146B3513-93CD-44B9-AA5E-56D7286DD073}" srcOrd="0" destOrd="0" presId="urn:microsoft.com/office/officeart/2005/8/layout/hierarchy2"/>
+    <dgm:cxn modelId="{5B3175AE-EB01-4DD6-BF9E-FB71BF79C8A8}" srcId="{DB4975F5-044D-49ED-82EC-554A04BA60ED}" destId="{B81F01C7-06D4-4E42-8877-BDB6E8840A8B}" srcOrd="2" destOrd="0" parTransId="{0F271C52-76B2-4D29-86F4-C111016A3199}" sibTransId="{5445B1BC-8432-42E4-8E0C-1CF7676379CA}"/>
     <dgm:cxn modelId="{ABCCF50F-4B6B-4DF9-84D9-B8C31275ACF9}" type="presOf" srcId="{E8D01A0E-52EC-460F-9A6C-D975239AAE58}" destId="{435EDAAC-8468-465C-88F3-293744F4545F}" srcOrd="0" destOrd="0" presId="urn:microsoft.com/office/officeart/2005/8/layout/hierarchy2"/>
-    <dgm:cxn modelId="{179CF14B-645F-4568-A5C2-D1E02DDE6FD5}" type="presOf" srcId="{C18BDC97-BDDD-461D-8AED-F2C04054F5E8}" destId="{9F2B781C-2F97-43BE-B5DA-BE30D8C1096F}" srcOrd="0" destOrd="0" presId="urn:microsoft.com/office/officeart/2005/8/layout/hierarchy2"/>
-    <dgm:cxn modelId="{1F3AA487-98E9-4A2A-9D52-BAA69DE67855}" type="presOf" srcId="{8F9D5AE9-F213-4BB4-AA51-6BD33C58D475}" destId="{76B3E13B-27C3-4F3E-B4C6-5CED406C0321}" srcOrd="0" destOrd="0" presId="urn:microsoft.com/office/officeart/2005/8/layout/hierarchy2"/>
-    <dgm:cxn modelId="{07C8D58F-EE71-4948-A8B4-39753FB2129B}" type="presOf" srcId="{C701C62C-9BEE-476A-88CB-14E3EC88AC1E}" destId="{506B8E89-FA19-44E7-A8C6-A13936DCECAD}" srcOrd="0" destOrd="0" presId="urn:microsoft.com/office/officeart/2005/8/layout/hierarchy2"/>
+    <dgm:cxn modelId="{706CBF44-2962-4506-A13D-D95C4A886D49}" type="presOf" srcId="{C0E0A83F-4500-437D-8112-D51ACB5A56E0}" destId="{C54010C2-5A97-46C6-B77B-456EE0A69057}" srcOrd="1" destOrd="0" presId="urn:microsoft.com/office/officeart/2005/8/layout/hierarchy2"/>
+    <dgm:cxn modelId="{B3CAC312-6BB9-4906-9D8A-373E65FCDD23}" type="presOf" srcId="{334BF905-A969-439D-B918-1AAC52CFCEF3}" destId="{3DC17A28-FCC6-424A-86B4-C25D699A142B}" srcOrd="1" destOrd="0" presId="urn:microsoft.com/office/officeart/2005/8/layout/hierarchy2"/>
+    <dgm:cxn modelId="{E8E0A17E-79BB-4464-A45F-D4C0C2F2C0E0}" type="presOf" srcId="{FDBB49DC-E237-4331-9D9A-6C30E730AEC2}" destId="{186F14DE-6434-487E-B37E-EDEADA4F7281}" srcOrd="0" destOrd="0" presId="urn:microsoft.com/office/officeart/2005/8/layout/hierarchy2"/>
+    <dgm:cxn modelId="{B2FFC91C-13E7-43D8-B924-FB2141043F2A}" srcId="{DB4975F5-044D-49ED-82EC-554A04BA60ED}" destId="{86746738-2AAC-4E86-96EF-AA2275ADEEF3}" srcOrd="0" destOrd="0" parTransId="{334BF905-A969-439D-B918-1AAC52CFCEF3}" sibTransId="{08B9D32C-F0FF-44A2-A519-3B6430C7A3D2}"/>
+    <dgm:cxn modelId="{9F30E860-D323-4BF7-B75C-B54519ABFD8D}" srcId="{BF669447-E759-4EF2-948B-ABB5AD27DD94}" destId="{DB4975F5-044D-49ED-82EC-554A04BA60ED}" srcOrd="0" destOrd="0" parTransId="{CF5E8B45-E867-4252-8AB4-A35A6C149911}" sibTransId="{6A78AAD4-A0E1-4B80-BD18-7B3A3110D47A}"/>
+    <dgm:cxn modelId="{1F17275B-864D-4304-8691-150D9CC3FF01}" srcId="{C18BDC97-BDDD-461D-8AED-F2C04054F5E8}" destId="{DF634524-B72E-4596-8707-B4861D4D533E}" srcOrd="6" destOrd="0" parTransId="{6A4D08DC-0579-44DB-8366-28068F56C0F5}" sibTransId="{F9F6A236-0BB5-43FC-9BC3-3ACA2E32CB87}"/>
+    <dgm:cxn modelId="{44889770-7F98-4DD9-98F0-243D5C333DB8}" type="presOf" srcId="{0AEE3189-D0CB-48BB-A7A9-2386C8D8D936}" destId="{B3881B2B-8642-4F25-B6D3-56577A73B637}" srcOrd="0" destOrd="0" presId="urn:microsoft.com/office/officeart/2005/8/layout/hierarchy2"/>
+    <dgm:cxn modelId="{39C27901-C2FA-4DD3-BB33-EB9825FD175A}" type="presOf" srcId="{7C3EE6D3-8A83-46D2-9202-A93133853DC2}" destId="{0125C7F5-6A92-4710-B104-550E51494242}" srcOrd="1" destOrd="0" presId="urn:microsoft.com/office/officeart/2005/8/layout/hierarchy2"/>
+    <dgm:cxn modelId="{F81E3D5E-8B52-4670-AAAE-E2932E6779BF}" type="presOf" srcId="{F2F4799C-E5FD-491D-9F4B-C896413695F6}" destId="{C7DC6482-356E-465A-BB42-F28FF2795DEC}" srcOrd="0" destOrd="0" presId="urn:microsoft.com/office/officeart/2005/8/layout/hierarchy2"/>
+    <dgm:cxn modelId="{18C8FE13-EA0D-4FBF-8D91-06EC65630C81}" srcId="{C18BDC97-BDDD-461D-8AED-F2C04054F5E8}" destId="{C701C62C-9BEE-476A-88CB-14E3EC88AC1E}" srcOrd="4" destOrd="0" parTransId="{EFF3D82F-3421-44D3-8A60-D2497CB5B1AF}" sibTransId="{45DD5870-E65F-4479-A5FB-E164BAC85BD5}"/>
     <dgm:cxn modelId="{EBDC1275-8A15-46C1-8A0A-349309385C00}" type="presOf" srcId="{7C3EE6D3-8A83-46D2-9202-A93133853DC2}" destId="{2F710F2A-E9BD-4F36-BD3B-FFBF378D4D54}" srcOrd="0" destOrd="0" presId="urn:microsoft.com/office/officeart/2005/8/layout/hierarchy2"/>
-    <dgm:cxn modelId="{42749CBB-4374-471A-AE61-4C61C919C527}" srcId="{C18BDC97-BDDD-461D-8AED-F2C04054F5E8}" destId="{5426166C-E933-4125-AC2F-37D3D26300C4}" srcOrd="0" destOrd="0" parTransId="{7C3EE6D3-8A83-46D2-9202-A93133853DC2}" sibTransId="{B8EC491B-B99D-4FDE-BB5D-FDD04A4B004D}"/>
     <dgm:cxn modelId="{605D3B26-E44B-4073-A17E-965B98BBA7CD}" type="presOf" srcId="{5426166C-E933-4125-AC2F-37D3D26300C4}" destId="{B341FCB6-C8CE-4D69-8110-833D66A99465}" srcOrd="0" destOrd="0" presId="urn:microsoft.com/office/officeart/2005/8/layout/hierarchy2"/>
-    <dgm:cxn modelId="{16C1A204-F548-451B-BE2A-B9AE87DA08B2}" type="presOf" srcId="{82330AF7-CFE0-48B2-8CC3-9F0BD31846A5}" destId="{91C9BF6A-8CA0-4C06-8A52-DB264B3C1039}" srcOrd="0" destOrd="0" presId="urn:microsoft.com/office/officeart/2005/8/layout/hierarchy2"/>
-    <dgm:cxn modelId="{B203F705-BA3F-4787-BE9E-18BC70516BB3}" srcId="{C18BDC97-BDDD-461D-8AED-F2C04054F5E8}" destId="{0AEE3189-D0CB-48BB-A7A9-2386C8D8D936}" srcOrd="5" destOrd="0" parTransId="{0214251E-9482-4BBF-A4FB-C173EB6FD0DB}" sibTransId="{56248FB4-3F28-4F79-8CAF-EDFB30ACEDC8}"/>
-    <dgm:cxn modelId="{9F30E860-D323-4BF7-B75C-B54519ABFD8D}" srcId="{BF669447-E759-4EF2-948B-ABB5AD27DD94}" destId="{DB4975F5-044D-49ED-82EC-554A04BA60ED}" srcOrd="0" destOrd="0" parTransId="{CF5E8B45-E867-4252-8AB4-A35A6C149911}" sibTransId="{6A78AAD4-A0E1-4B80-BD18-7B3A3110D47A}"/>
-    <dgm:cxn modelId="{A9A4428B-7898-42B2-8C26-0D822F2665A3}" type="presOf" srcId="{86746738-2AAC-4E86-96EF-AA2275ADEEF3}" destId="{6DBE5D1B-CCC7-4BB6-B705-0653077E6CEF}" srcOrd="0" destOrd="0" presId="urn:microsoft.com/office/officeart/2005/8/layout/hierarchy2"/>
-    <dgm:cxn modelId="{7C99FC9A-4391-47D2-BFA7-64514B4FB475}" type="presOf" srcId="{0F271C52-76B2-4D29-86F4-C111016A3199}" destId="{072E4933-E067-419A-B9BE-489D9E780581}" srcOrd="1" destOrd="0" presId="urn:microsoft.com/office/officeart/2005/8/layout/hierarchy2"/>
-    <dgm:cxn modelId="{5BE9AA0C-75F5-4965-A0B2-68BE99BE31CB}" type="presOf" srcId="{BF669447-E759-4EF2-948B-ABB5AD27DD94}" destId="{45301BD4-9DBA-43FF-9F12-D815D525295C}" srcOrd="0" destOrd="0" presId="urn:microsoft.com/office/officeart/2005/8/layout/hierarchy2"/>
-    <dgm:cxn modelId="{1B785AC2-E8D7-4109-B9BD-98BDC13D5DD8}" srcId="{DB4975F5-044D-49ED-82EC-554A04BA60ED}" destId="{F2F4799C-E5FD-491D-9F4B-C896413695F6}" srcOrd="3" destOrd="0" parTransId="{E8D01A0E-52EC-460F-9A6C-D975239AAE58}" sibTransId="{79E2DDE4-FB7F-4261-A92A-D57E6CFFC6EB}"/>
-    <dgm:cxn modelId="{3312C68E-C2CB-4409-9746-02064090D405}" type="presOf" srcId="{EFF3D82F-3421-44D3-8A60-D2497CB5B1AF}" destId="{CF4CCC0F-FCE4-49DD-B519-16D8B26F1630}" srcOrd="1" destOrd="0" presId="urn:microsoft.com/office/officeart/2005/8/layout/hierarchy2"/>
-    <dgm:cxn modelId="{39C27901-C2FA-4DD3-BB33-EB9825FD175A}" type="presOf" srcId="{7C3EE6D3-8A83-46D2-9202-A93133853DC2}" destId="{0125C7F5-6A92-4710-B104-550E51494242}" srcOrd="1" destOrd="0" presId="urn:microsoft.com/office/officeart/2005/8/layout/hierarchy2"/>
-    <dgm:cxn modelId="{44889770-7F98-4DD9-98F0-243D5C333DB8}" type="presOf" srcId="{0AEE3189-D0CB-48BB-A7A9-2386C8D8D936}" destId="{B3881B2B-8642-4F25-B6D3-56577A73B637}" srcOrd="0" destOrd="0" presId="urn:microsoft.com/office/officeart/2005/8/layout/hierarchy2"/>
-    <dgm:cxn modelId="{95749EE8-94FD-4D1F-A793-936012F3BE3C}" type="presOf" srcId="{5D08A5FF-704D-41E1-8F92-8F21BD815064}" destId="{6D09562F-B2AD-4227-99FF-F8A36A4D1839}" srcOrd="0" destOrd="0" presId="urn:microsoft.com/office/officeart/2005/8/layout/hierarchy2"/>
-    <dgm:cxn modelId="{31B3E2D0-E89C-4FBF-B180-19234FE2E302}" type="presOf" srcId="{8F9D5AE9-F213-4BB4-AA51-6BD33C58D475}" destId="{F160296C-BE3F-4930-AE6F-F1ECA37B8F1B}" srcOrd="1" destOrd="0" presId="urn:microsoft.com/office/officeart/2005/8/layout/hierarchy2"/>
-    <dgm:cxn modelId="{F81E3D5E-8B52-4670-AAAE-E2932E6779BF}" type="presOf" srcId="{F2F4799C-E5FD-491D-9F4B-C896413695F6}" destId="{C7DC6482-356E-465A-BB42-F28FF2795DEC}" srcOrd="0" destOrd="0" presId="urn:microsoft.com/office/officeart/2005/8/layout/hierarchy2"/>
-    <dgm:cxn modelId="{637EED6D-BDA4-4370-91E9-FBD3CB5BD31E}" type="presOf" srcId="{6A4D08DC-0579-44DB-8366-28068F56C0F5}" destId="{9A413A59-4C25-4DA5-A964-6EC2BDAE01E6}" srcOrd="0" destOrd="0" presId="urn:microsoft.com/office/officeart/2005/8/layout/hierarchy2"/>
-    <dgm:cxn modelId="{1BDEF841-D724-4A52-A5A7-EF9A3D36B828}" type="presOf" srcId="{DF634524-B72E-4596-8707-B4861D4D533E}" destId="{9B9070ED-82C1-48F4-B9F1-E4C4FCA78B5B}" srcOrd="0" destOrd="0" presId="urn:microsoft.com/office/officeart/2005/8/layout/hierarchy2"/>
-    <dgm:cxn modelId="{00C066A9-7DBA-4B36-A337-116C00D5E3FE}" type="presOf" srcId="{95B02947-8EA5-4B00-B71A-8C0C62296EFE}" destId="{146B3513-93CD-44B9-AA5E-56D7286DD073}" srcOrd="0" destOrd="0" presId="urn:microsoft.com/office/officeart/2005/8/layout/hierarchy2"/>
     <dgm:cxn modelId="{7A4DC474-65E3-4338-B6AC-3D96B67C4053}" type="presOf" srcId="{6A4D08DC-0579-44DB-8366-28068F56C0F5}" destId="{92563460-93EF-4C4B-A687-AD193956AA1A}" srcOrd="1" destOrd="0" presId="urn:microsoft.com/office/officeart/2005/8/layout/hierarchy2"/>
     <dgm:cxn modelId="{1E72D054-595E-499E-9EAD-F436B25F2E6C}" type="presOf" srcId="{0214251E-9482-4BBF-A4FB-C173EB6FD0DB}" destId="{5B337747-A5A4-41FE-8DFC-0214E778844A}" srcOrd="0" destOrd="0" presId="urn:microsoft.com/office/officeart/2005/8/layout/hierarchy2"/>
+    <dgm:cxn modelId="{5AC4B415-9AD2-49F2-88B6-65F0E71A26E6}" type="presOf" srcId="{95B02947-8EA5-4B00-B71A-8C0C62296EFE}" destId="{08C80391-4D18-45D7-AE5F-AF72F75FECFB}" srcOrd="1" destOrd="0" presId="urn:microsoft.com/office/officeart/2005/8/layout/hierarchy2"/>
+    <dgm:cxn modelId="{637EED6D-BDA4-4370-91E9-FBD3CB5BD31E}" type="presOf" srcId="{6A4D08DC-0579-44DB-8366-28068F56C0F5}" destId="{9A413A59-4C25-4DA5-A964-6EC2BDAE01E6}" srcOrd="0" destOrd="0" presId="urn:microsoft.com/office/officeart/2005/8/layout/hierarchy2"/>
+    <dgm:cxn modelId="{2A795C97-EBBC-468F-8F5A-AB31C95CC4AC}" type="presOf" srcId="{EFF3D82F-3421-44D3-8A60-D2497CB5B1AF}" destId="{B53C076F-8A3C-4841-B286-C156BCDAE294}" srcOrd="0" destOrd="0" presId="urn:microsoft.com/office/officeart/2005/8/layout/hierarchy2"/>
+    <dgm:cxn modelId="{469CB5CC-78A8-4C27-B41C-49662DC602F3}" type="presOf" srcId="{DB4975F5-044D-49ED-82EC-554A04BA60ED}" destId="{F2B55CF0-392C-4C75-8BAC-C1B58CE6B464}" srcOrd="0" destOrd="0" presId="urn:microsoft.com/office/officeart/2005/8/layout/hierarchy2"/>
+    <dgm:cxn modelId="{981DF05B-5ACB-4AE6-9B7A-0CF54BFD11DF}" type="presOf" srcId="{0F271C52-76B2-4D29-86F4-C111016A3199}" destId="{CA28A5FE-BD5B-4B88-B799-60E93EBAF76E}" srcOrd="0" destOrd="0" presId="urn:microsoft.com/office/officeart/2005/8/layout/hierarchy2"/>
+    <dgm:cxn modelId="{060434E0-CA5C-407F-8A21-4AD66D320D24}" srcId="{C18BDC97-BDDD-461D-8AED-F2C04054F5E8}" destId="{5D08A5FF-704D-41E1-8F92-8F21BD815064}" srcOrd="2" destOrd="0" parTransId="{8F9D5AE9-F213-4BB4-AA51-6BD33C58D475}" sibTransId="{4615150C-CD97-4D4C-96F0-21E6D16601E1}"/>
+    <dgm:cxn modelId="{38855A56-AFC4-4197-85EF-EE1AD112C01C}" type="presOf" srcId="{ED9D829D-4366-4B5A-963E-B4EFD9D96CA9}" destId="{A3E147E7-A66C-4E46-B3D7-58F5FBD76BF1}" srcOrd="0" destOrd="0" presId="urn:microsoft.com/office/officeart/2005/8/layout/hierarchy2"/>
+    <dgm:cxn modelId="{1BDEF841-D724-4A52-A5A7-EF9A3D36B828}" type="presOf" srcId="{DF634524-B72E-4596-8707-B4861D4D533E}" destId="{9B9070ED-82C1-48F4-B9F1-E4C4FCA78B5B}" srcOrd="0" destOrd="0" presId="urn:microsoft.com/office/officeart/2005/8/layout/hierarchy2"/>
+    <dgm:cxn modelId="{5BE9AA0C-75F5-4965-A0B2-68BE99BE31CB}" type="presOf" srcId="{BF669447-E759-4EF2-948B-ABB5AD27DD94}" destId="{45301BD4-9DBA-43FF-9F12-D815D525295C}" srcOrd="0" destOrd="0" presId="urn:microsoft.com/office/officeart/2005/8/layout/hierarchy2"/>
+    <dgm:cxn modelId="{59D031AF-A0C9-4DCD-9831-CAD8E25C223C}" type="presOf" srcId="{C0E0A83F-4500-437D-8112-D51ACB5A56E0}" destId="{8BFED4FA-EB99-49C4-98E7-5F50290EE98F}" srcOrd="0" destOrd="0" presId="urn:microsoft.com/office/officeart/2005/8/layout/hierarchy2"/>
+    <dgm:cxn modelId="{AD3B0CAE-D12D-4870-8A68-18DBEAB9F0CD}" srcId="{C18BDC97-BDDD-461D-8AED-F2C04054F5E8}" destId="{82330AF7-CFE0-48B2-8CC3-9F0BD31846A5}" srcOrd="3" destOrd="0" parTransId="{FDBB49DC-E237-4331-9D9A-6C30E730AEC2}" sibTransId="{42613B49-2995-4327-9675-64B28885D9DA}"/>
+    <dgm:cxn modelId="{7C99FC9A-4391-47D2-BFA7-64514B4FB475}" type="presOf" srcId="{0F271C52-76B2-4D29-86F4-C111016A3199}" destId="{072E4933-E067-419A-B9BE-489D9E780581}" srcOrd="1" destOrd="0" presId="urn:microsoft.com/office/officeart/2005/8/layout/hierarchy2"/>
+    <dgm:cxn modelId="{86B78126-3E36-4C1C-AEF2-A132213CE1B1}" type="presOf" srcId="{FDBB49DC-E237-4331-9D9A-6C30E730AEC2}" destId="{E94F859C-DCA0-4D1D-846F-DA99A57BF98F}" srcOrd="1" destOrd="0" presId="urn:microsoft.com/office/officeart/2005/8/layout/hierarchy2"/>
+    <dgm:cxn modelId="{07C8D58F-EE71-4948-A8B4-39753FB2129B}" type="presOf" srcId="{C701C62C-9BEE-476A-88CB-14E3EC88AC1E}" destId="{506B8E89-FA19-44E7-A8C6-A13936DCECAD}" srcOrd="0" destOrd="0" presId="urn:microsoft.com/office/officeart/2005/8/layout/hierarchy2"/>
+    <dgm:cxn modelId="{31839CAF-8FCC-4E28-BC5A-5936B8C56D9A}" type="presOf" srcId="{F0AB63C3-13DE-49CF-B11C-B216AACD103B}" destId="{66A3DB31-0A90-4503-BD11-8F22685ED060}" srcOrd="0" destOrd="0" presId="urn:microsoft.com/office/officeart/2005/8/layout/hierarchy2"/>
+    <dgm:cxn modelId="{E758270C-BE88-4289-BE9F-980707014F02}" type="presOf" srcId="{E8D01A0E-52EC-460F-9A6C-D975239AAE58}" destId="{430B30BA-EB57-4469-ABF8-1A2CDA21694A}" srcOrd="1" destOrd="0" presId="urn:microsoft.com/office/officeart/2005/8/layout/hierarchy2"/>
+    <dgm:cxn modelId="{05669821-B460-4247-8C35-AA7C1AA3D607}" type="presOf" srcId="{0214251E-9482-4BBF-A4FB-C173EB6FD0DB}" destId="{8947DF2E-709D-4CAA-8C54-2D67F01DD37F}" srcOrd="1" destOrd="0" presId="urn:microsoft.com/office/officeart/2005/8/layout/hierarchy2"/>
+    <dgm:cxn modelId="{B203F705-BA3F-4787-BE9E-18BC70516BB3}" srcId="{C18BDC97-BDDD-461D-8AED-F2C04054F5E8}" destId="{0AEE3189-D0CB-48BB-A7A9-2386C8D8D936}" srcOrd="5" destOrd="0" parTransId="{0214251E-9482-4BBF-A4FB-C173EB6FD0DB}" sibTransId="{56248FB4-3F28-4F79-8CAF-EDFB30ACEDC8}"/>
+    <dgm:cxn modelId="{EDE98B97-313E-4BDE-BF34-4BB4075AA2EA}" srcId="{C18BDC97-BDDD-461D-8AED-F2C04054F5E8}" destId="{BD4BE4E4-68D6-4074-88BD-28F35657D214}" srcOrd="7" destOrd="0" parTransId="{95B02947-8EA5-4B00-B71A-8C0C62296EFE}" sibTransId="{898AF8AB-FD3D-4D5A-B28F-A37D21DB5054}"/>
+    <dgm:cxn modelId="{8237923A-0089-4787-8EE9-C9B5F388E25C}" type="presOf" srcId="{B81F01C7-06D4-4E42-8877-BDB6E8840A8B}" destId="{99F32FDF-7439-48D5-8405-58C9B2BD3740}" srcOrd="0" destOrd="0" presId="urn:microsoft.com/office/officeart/2005/8/layout/hierarchy2"/>
+    <dgm:cxn modelId="{179CF14B-645F-4568-A5C2-D1E02DDE6FD5}" type="presOf" srcId="{C18BDC97-BDDD-461D-8AED-F2C04054F5E8}" destId="{9F2B781C-2F97-43BE-B5DA-BE30D8C1096F}" srcOrd="0" destOrd="0" presId="urn:microsoft.com/office/officeart/2005/8/layout/hierarchy2"/>
+    <dgm:cxn modelId="{31B3E2D0-E89C-4FBF-B180-19234FE2E302}" type="presOf" srcId="{8F9D5AE9-F213-4BB4-AA51-6BD33C58D475}" destId="{F160296C-BE3F-4930-AE6F-F1ECA37B8F1B}" srcOrd="1" destOrd="0" presId="urn:microsoft.com/office/officeart/2005/8/layout/hierarchy2"/>
+    <dgm:cxn modelId="{EB232E62-8E15-441B-897B-92597CC4257A}" type="presOf" srcId="{BD4BE4E4-68D6-4074-88BD-28F35657D214}" destId="{BF28130C-C4FB-437A-B58E-FAB373B3300C}" srcOrd="0" destOrd="0" presId="urn:microsoft.com/office/officeart/2005/8/layout/hierarchy2"/>
+    <dgm:cxn modelId="{A9A4428B-7898-42B2-8C26-0D822F2665A3}" type="presOf" srcId="{86746738-2AAC-4E86-96EF-AA2275ADEEF3}" destId="{6DBE5D1B-CCC7-4BB6-B705-0653077E6CEF}" srcOrd="0" destOrd="0" presId="urn:microsoft.com/office/officeart/2005/8/layout/hierarchy2"/>
+    <dgm:cxn modelId="{95749EE8-94FD-4D1F-A793-936012F3BE3C}" type="presOf" srcId="{5D08A5FF-704D-41E1-8F92-8F21BD815064}" destId="{6D09562F-B2AD-4227-99FF-F8A36A4D1839}" srcOrd="0" destOrd="0" presId="urn:microsoft.com/office/officeart/2005/8/layout/hierarchy2"/>
+    <dgm:cxn modelId="{16C1A204-F548-451B-BE2A-B9AE87DA08B2}" type="presOf" srcId="{82330AF7-CFE0-48B2-8CC3-9F0BD31846A5}" destId="{91C9BF6A-8CA0-4C06-8A52-DB264B3C1039}" srcOrd="0" destOrd="0" presId="urn:microsoft.com/office/officeart/2005/8/layout/hierarchy2"/>
+    <dgm:cxn modelId="{1F3AA487-98E9-4A2A-9D52-BAA69DE67855}" type="presOf" srcId="{8F9D5AE9-F213-4BB4-AA51-6BD33C58D475}" destId="{76B3E13B-27C3-4F3E-B4C6-5CED406C0321}" srcOrd="0" destOrd="0" presId="urn:microsoft.com/office/officeart/2005/8/layout/hierarchy2"/>
+    <dgm:cxn modelId="{C003C068-B074-4FA8-9497-AB01FB4D42DA}" type="presOf" srcId="{F0AB63C3-13DE-49CF-B11C-B216AACD103B}" destId="{8C249465-43E7-4D75-B8BA-8C5DA27057CE}" srcOrd="1" destOrd="0" presId="urn:microsoft.com/office/officeart/2005/8/layout/hierarchy2"/>
+    <dgm:cxn modelId="{42749CBB-4374-471A-AE61-4C61C919C527}" srcId="{C18BDC97-BDDD-461D-8AED-F2C04054F5E8}" destId="{5426166C-E933-4125-AC2F-37D3D26300C4}" srcOrd="0" destOrd="0" parTransId="{7C3EE6D3-8A83-46D2-9202-A93133853DC2}" sibTransId="{B8EC491B-B99D-4FDE-BB5D-FDD04A4B004D}"/>
     <dgm:cxn modelId="{2FAAF21F-BED9-49D5-93DA-7FC039DF943E}" srcId="{DB4975F5-044D-49ED-82EC-554A04BA60ED}" destId="{C18BDC97-BDDD-461D-8AED-F2C04054F5E8}" srcOrd="1" destOrd="0" parTransId="{F0AB63C3-13DE-49CF-B11C-B216AACD103B}" sibTransId="{3FCEA467-FF8A-407F-B53C-2633C8174683}"/>
-    <dgm:cxn modelId="{B3CAC312-6BB9-4906-9D8A-373E65FCDD23}" type="presOf" srcId="{334BF905-A969-439D-B918-1AAC52CFCEF3}" destId="{3DC17A28-FCC6-424A-86B4-C25D699A142B}" srcOrd="1" destOrd="0" presId="urn:microsoft.com/office/officeart/2005/8/layout/hierarchy2"/>
-    <dgm:cxn modelId="{981DF05B-5ACB-4AE6-9B7A-0CF54BFD11DF}" type="presOf" srcId="{0F271C52-76B2-4D29-86F4-C111016A3199}" destId="{CA28A5FE-BD5B-4B88-B799-60E93EBAF76E}" srcOrd="0" destOrd="0" presId="urn:microsoft.com/office/officeart/2005/8/layout/hierarchy2"/>
-    <dgm:cxn modelId="{31839CAF-8FCC-4E28-BC5A-5936B8C56D9A}" type="presOf" srcId="{F0AB63C3-13DE-49CF-B11C-B216AACD103B}" destId="{66A3DB31-0A90-4503-BD11-8F22685ED060}" srcOrd="0" destOrd="0" presId="urn:microsoft.com/office/officeart/2005/8/layout/hierarchy2"/>
-    <dgm:cxn modelId="{1BE3B392-5C2F-4ACF-90DC-5122792E48D7}" type="presOf" srcId="{334BF905-A969-439D-B918-1AAC52CFCEF3}" destId="{D9E55D84-0786-44C2-A169-348BB7EAE87F}" srcOrd="0" destOrd="0" presId="urn:microsoft.com/office/officeart/2005/8/layout/hierarchy2"/>
-    <dgm:cxn modelId="{1F17275B-864D-4304-8691-150D9CC3FF01}" srcId="{C18BDC97-BDDD-461D-8AED-F2C04054F5E8}" destId="{DF634524-B72E-4596-8707-B4861D4D533E}" srcOrd="6" destOrd="0" parTransId="{6A4D08DC-0579-44DB-8366-28068F56C0F5}" sibTransId="{F9F6A236-0BB5-43FC-9BC3-3ACA2E32CB87}"/>
-    <dgm:cxn modelId="{38855A56-AFC4-4197-85EF-EE1AD112C01C}" type="presOf" srcId="{ED9D829D-4366-4B5A-963E-B4EFD9D96CA9}" destId="{A3E147E7-A66C-4E46-B3D7-58F5FBD76BF1}" srcOrd="0" destOrd="0" presId="urn:microsoft.com/office/officeart/2005/8/layout/hierarchy2"/>
-    <dgm:cxn modelId="{EDE98B97-313E-4BDE-BF34-4BB4075AA2EA}" srcId="{C18BDC97-BDDD-461D-8AED-F2C04054F5E8}" destId="{BD4BE4E4-68D6-4074-88BD-28F35657D214}" srcOrd="7" destOrd="0" parTransId="{95B02947-8EA5-4B00-B71A-8C0C62296EFE}" sibTransId="{898AF8AB-FD3D-4D5A-B28F-A37D21DB5054}"/>
-    <dgm:cxn modelId="{B2FFC91C-13E7-43D8-B924-FB2141043F2A}" srcId="{DB4975F5-044D-49ED-82EC-554A04BA60ED}" destId="{86746738-2AAC-4E86-96EF-AA2275ADEEF3}" srcOrd="0" destOrd="0" parTransId="{334BF905-A969-439D-B918-1AAC52CFCEF3}" sibTransId="{08B9D32C-F0FF-44A2-A519-3B6430C7A3D2}"/>
-    <dgm:cxn modelId="{AD3B0CAE-D12D-4870-8A68-18DBEAB9F0CD}" srcId="{C18BDC97-BDDD-461D-8AED-F2C04054F5E8}" destId="{82330AF7-CFE0-48B2-8CC3-9F0BD31846A5}" srcOrd="3" destOrd="0" parTransId="{FDBB49DC-E237-4331-9D9A-6C30E730AEC2}" sibTransId="{42613B49-2995-4327-9675-64B28885D9DA}"/>
-    <dgm:cxn modelId="{E758270C-BE88-4289-BE9F-980707014F02}" type="presOf" srcId="{E8D01A0E-52EC-460F-9A6C-D975239AAE58}" destId="{430B30BA-EB57-4469-ABF8-1A2CDA21694A}" srcOrd="1" destOrd="0" presId="urn:microsoft.com/office/officeart/2005/8/layout/hierarchy2"/>
-    <dgm:cxn modelId="{18C8FE13-EA0D-4FBF-8D91-06EC65630C81}" srcId="{C18BDC97-BDDD-461D-8AED-F2C04054F5E8}" destId="{C701C62C-9BEE-476A-88CB-14E3EC88AC1E}" srcOrd="4" destOrd="0" parTransId="{EFF3D82F-3421-44D3-8A60-D2497CB5B1AF}" sibTransId="{45DD5870-E65F-4479-A5FB-E164BAC85BD5}"/>
-    <dgm:cxn modelId="{5AC4B415-9AD2-49F2-88B6-65F0E71A26E6}" type="presOf" srcId="{95B02947-8EA5-4B00-B71A-8C0C62296EFE}" destId="{08C80391-4D18-45D7-AE5F-AF72F75FECFB}" srcOrd="1" destOrd="0" presId="urn:microsoft.com/office/officeart/2005/8/layout/hierarchy2"/>
-    <dgm:cxn modelId="{2A795C97-EBBC-468F-8F5A-AB31C95CC4AC}" type="presOf" srcId="{EFF3D82F-3421-44D3-8A60-D2497CB5B1AF}" destId="{B53C076F-8A3C-4841-B286-C156BCDAE294}" srcOrd="0" destOrd="0" presId="urn:microsoft.com/office/officeart/2005/8/layout/hierarchy2"/>
-    <dgm:cxn modelId="{DF87916D-CB3A-45AB-8DEE-989E6F5923D0}" srcId="{C18BDC97-BDDD-461D-8AED-F2C04054F5E8}" destId="{ED9D829D-4366-4B5A-963E-B4EFD9D96CA9}" srcOrd="1" destOrd="0" parTransId="{C0E0A83F-4500-437D-8112-D51ACB5A56E0}" sibTransId="{41C1B242-D0D8-494C-92C8-F6EC0C352BDA}"/>
-    <dgm:cxn modelId="{05669821-B460-4247-8C35-AA7C1AA3D607}" type="presOf" srcId="{0214251E-9482-4BBF-A4FB-C173EB6FD0DB}" destId="{8947DF2E-709D-4CAA-8C54-2D67F01DD37F}" srcOrd="1" destOrd="0" presId="urn:microsoft.com/office/officeart/2005/8/layout/hierarchy2"/>
-    <dgm:cxn modelId="{469CB5CC-78A8-4C27-B41C-49662DC602F3}" type="presOf" srcId="{DB4975F5-044D-49ED-82EC-554A04BA60ED}" destId="{F2B55CF0-392C-4C75-8BAC-C1B58CE6B464}" srcOrd="0" destOrd="0" presId="urn:microsoft.com/office/officeart/2005/8/layout/hierarchy2"/>
-    <dgm:cxn modelId="{060434E0-CA5C-407F-8A21-4AD66D320D24}" srcId="{C18BDC97-BDDD-461D-8AED-F2C04054F5E8}" destId="{5D08A5FF-704D-41E1-8F92-8F21BD815064}" srcOrd="2" destOrd="0" parTransId="{8F9D5AE9-F213-4BB4-AA51-6BD33C58D475}" sibTransId="{4615150C-CD97-4D4C-96F0-21E6D16601E1}"/>
-    <dgm:cxn modelId="{8237923A-0089-4787-8EE9-C9B5F388E25C}" type="presOf" srcId="{B81F01C7-06D4-4E42-8877-BDB6E8840A8B}" destId="{99F32FDF-7439-48D5-8405-58C9B2BD3740}" srcOrd="0" destOrd="0" presId="urn:microsoft.com/office/officeart/2005/8/layout/hierarchy2"/>
-    <dgm:cxn modelId="{EB232E62-8E15-441B-897B-92597CC4257A}" type="presOf" srcId="{BD4BE4E4-68D6-4074-88BD-28F35657D214}" destId="{BF28130C-C4FB-437A-B58E-FAB373B3300C}" srcOrd="0" destOrd="0" presId="urn:microsoft.com/office/officeart/2005/8/layout/hierarchy2"/>
-    <dgm:cxn modelId="{E8E0A17E-79BB-4464-A45F-D4C0C2F2C0E0}" type="presOf" srcId="{FDBB49DC-E237-4331-9D9A-6C30E730AEC2}" destId="{186F14DE-6434-487E-B37E-EDEADA4F7281}" srcOrd="0" destOrd="0" presId="urn:microsoft.com/office/officeart/2005/8/layout/hierarchy2"/>
-    <dgm:cxn modelId="{706CBF44-2962-4506-A13D-D95C4A886D49}" type="presOf" srcId="{C0E0A83F-4500-437D-8112-D51ACB5A56E0}" destId="{C54010C2-5A97-46C6-B77B-456EE0A69057}" srcOrd="1" destOrd="0" presId="urn:microsoft.com/office/officeart/2005/8/layout/hierarchy2"/>
-    <dgm:cxn modelId="{5B3175AE-EB01-4DD6-BF9E-FB71BF79C8A8}" srcId="{DB4975F5-044D-49ED-82EC-554A04BA60ED}" destId="{B81F01C7-06D4-4E42-8877-BDB6E8840A8B}" srcOrd="2" destOrd="0" parTransId="{0F271C52-76B2-4D29-86F4-C111016A3199}" sibTransId="{5445B1BC-8432-42E4-8E0C-1CF7676379CA}"/>
-    <dgm:cxn modelId="{86B78126-3E36-4C1C-AEF2-A132213CE1B1}" type="presOf" srcId="{FDBB49DC-E237-4331-9D9A-6C30E730AEC2}" destId="{E94F859C-DCA0-4D1D-846F-DA99A57BF98F}" srcOrd="1" destOrd="0" presId="urn:microsoft.com/office/officeart/2005/8/layout/hierarchy2"/>
-    <dgm:cxn modelId="{59D031AF-A0C9-4DCD-9831-CAD8E25C223C}" type="presOf" srcId="{C0E0A83F-4500-437D-8112-D51ACB5A56E0}" destId="{8BFED4FA-EB99-49C4-98E7-5F50290EE98F}" srcOrd="0" destOrd="0" presId="urn:microsoft.com/office/officeart/2005/8/layout/hierarchy2"/>
-    <dgm:cxn modelId="{C003C068-B074-4FA8-9497-AB01FB4D42DA}" type="presOf" srcId="{F0AB63C3-13DE-49CF-B11C-B216AACD103B}" destId="{8C249465-43E7-4D75-B8BA-8C5DA27057CE}" srcOrd="1" destOrd="0" presId="urn:microsoft.com/office/officeart/2005/8/layout/hierarchy2"/>
+    <dgm:cxn modelId="{3312C68E-C2CB-4409-9746-02064090D405}" type="presOf" srcId="{EFF3D82F-3421-44D3-8A60-D2497CB5B1AF}" destId="{CF4CCC0F-FCE4-49DD-B519-16D8B26F1630}" srcOrd="1" destOrd="0" presId="urn:microsoft.com/office/officeart/2005/8/layout/hierarchy2"/>
+    <dgm:cxn modelId="{1B785AC2-E8D7-4109-B9BD-98BDC13D5DD8}" srcId="{DB4975F5-044D-49ED-82EC-554A04BA60ED}" destId="{F2F4799C-E5FD-491D-9F4B-C896413695F6}" srcOrd="3" destOrd="0" parTransId="{E8D01A0E-52EC-460F-9A6C-D975239AAE58}" sibTransId="{79E2DDE4-FB7F-4261-A92A-D57E6CFFC6EB}"/>
     <dgm:cxn modelId="{8AD95E95-EFAF-49F9-BF35-B326421BE38D}" type="presParOf" srcId="{45301BD4-9DBA-43FF-9F12-D815D525295C}" destId="{3F6293C4-B2C6-42D9-B537-4C471F52B177}" srcOrd="0" destOrd="0" presId="urn:microsoft.com/office/officeart/2005/8/layout/hierarchy2"/>
     <dgm:cxn modelId="{956DC970-9722-487E-AD26-59C228917E15}" type="presParOf" srcId="{3F6293C4-B2C6-42D9-B537-4C471F52B177}" destId="{F2B55CF0-392C-4C75-8BAC-C1B58CE6B464}" srcOrd="0" destOrd="0" presId="urn:microsoft.com/office/officeart/2005/8/layout/hierarchy2"/>
     <dgm:cxn modelId="{863751C0-1074-4C0F-9D0D-2631429C2EF6}" type="presParOf" srcId="{3F6293C4-B2C6-42D9-B537-4C471F52B177}" destId="{29958A4C-8EBE-4D46-A759-403756521677}" srcOrd="1" destOrd="0" presId="urn:microsoft.com/office/officeart/2005/8/layout/hierarchy2"/>
@@ -7080,7 +7326,7 @@
           <p:cNvPr id="2" name="Title 1">
             <a:extLst>
               <a:ext uri="{FF2B5EF4-FFF2-40B4-BE49-F238E27FC236}">
-                <a16:creationId xmlns="" xmlns:a16="http://schemas.microsoft.com/office/drawing/2014/main" id="{8E0F864C-44C4-4000-952D-01F31BFB3FD3}"/>
+                <a16:creationId xmlns:a16="http://schemas.microsoft.com/office/drawing/2014/main" xmlns="" id="{8E0F864C-44C4-4000-952D-01F31BFB3FD3}"/>
               </a:ext>
             </a:extLst>
           </p:cNvPr>
@@ -7118,7 +7364,7 @@
           <p:cNvPr id="3" name="Subtitle 2">
             <a:extLst>
               <a:ext uri="{FF2B5EF4-FFF2-40B4-BE49-F238E27FC236}">
-                <a16:creationId xmlns="" xmlns:a16="http://schemas.microsoft.com/office/drawing/2014/main" id="{21392E06-C914-467E-9D4F-BD763EDA2DD5}"/>
+                <a16:creationId xmlns:a16="http://schemas.microsoft.com/office/drawing/2014/main" xmlns="" id="{21392E06-C914-467E-9D4F-BD763EDA2DD5}"/>
               </a:ext>
             </a:extLst>
           </p:cNvPr>
@@ -7189,7 +7435,7 @@
           <p:cNvPr id="4" name="Date Placeholder 3">
             <a:extLst>
               <a:ext uri="{FF2B5EF4-FFF2-40B4-BE49-F238E27FC236}">
-                <a16:creationId xmlns="" xmlns:a16="http://schemas.microsoft.com/office/drawing/2014/main" id="{1FBEFBAF-82E9-49AD-B2CF-7D154E024431}"/>
+                <a16:creationId xmlns:a16="http://schemas.microsoft.com/office/drawing/2014/main" xmlns="" id="{1FBEFBAF-82E9-49AD-B2CF-7D154E024431}"/>
               </a:ext>
             </a:extLst>
           </p:cNvPr>
@@ -7218,7 +7464,7 @@
           <p:cNvPr id="5" name="Footer Placeholder 4">
             <a:extLst>
               <a:ext uri="{FF2B5EF4-FFF2-40B4-BE49-F238E27FC236}">
-                <a16:creationId xmlns="" xmlns:a16="http://schemas.microsoft.com/office/drawing/2014/main" id="{5AD8006A-94B1-44F7-972D-56767EDE3CC3}"/>
+                <a16:creationId xmlns:a16="http://schemas.microsoft.com/office/drawing/2014/main" xmlns="" id="{5AD8006A-94B1-44F7-972D-56767EDE3CC3}"/>
               </a:ext>
             </a:extLst>
           </p:cNvPr>
@@ -7243,7 +7489,7 @@
           <p:cNvPr id="6" name="Slide Number Placeholder 5">
             <a:extLst>
               <a:ext uri="{FF2B5EF4-FFF2-40B4-BE49-F238E27FC236}">
-                <a16:creationId xmlns="" xmlns:a16="http://schemas.microsoft.com/office/drawing/2014/main" id="{F5E7BFAB-D84B-45E1-A0BD-2516AC14F8AC}"/>
+                <a16:creationId xmlns:a16="http://schemas.microsoft.com/office/drawing/2014/main" xmlns="" id="{F5E7BFAB-D84B-45E1-A0BD-2516AC14F8AC}"/>
               </a:ext>
             </a:extLst>
           </p:cNvPr>
@@ -7302,7 +7548,7 @@
           <p:cNvPr id="2" name="Title 1">
             <a:extLst>
               <a:ext uri="{FF2B5EF4-FFF2-40B4-BE49-F238E27FC236}">
-                <a16:creationId xmlns="" xmlns:a16="http://schemas.microsoft.com/office/drawing/2014/main" id="{65F7B869-BFB2-4C20-8AB1-46704BB3D177}"/>
+                <a16:creationId xmlns:a16="http://schemas.microsoft.com/office/drawing/2014/main" xmlns="" id="{65F7B869-BFB2-4C20-8AB1-46704BB3D177}"/>
               </a:ext>
             </a:extLst>
           </p:cNvPr>
@@ -7331,7 +7577,7 @@
           <p:cNvPr id="3" name="Vertical Text Placeholder 2">
             <a:extLst>
               <a:ext uri="{FF2B5EF4-FFF2-40B4-BE49-F238E27FC236}">
-                <a16:creationId xmlns="" xmlns:a16="http://schemas.microsoft.com/office/drawing/2014/main" id="{19F007DB-4F12-4428-9C48-5120DF07046D}"/>
+                <a16:creationId xmlns:a16="http://schemas.microsoft.com/office/drawing/2014/main" xmlns="" id="{19F007DB-4F12-4428-9C48-5120DF07046D}"/>
               </a:ext>
             </a:extLst>
           </p:cNvPr>
@@ -7389,7 +7635,7 @@
           <p:cNvPr id="4" name="Date Placeholder 3">
             <a:extLst>
               <a:ext uri="{FF2B5EF4-FFF2-40B4-BE49-F238E27FC236}">
-                <a16:creationId xmlns="" xmlns:a16="http://schemas.microsoft.com/office/drawing/2014/main" id="{16FFA8DA-0E31-4CA6-BBFC-2467AAD1D30B}"/>
+                <a16:creationId xmlns:a16="http://schemas.microsoft.com/office/drawing/2014/main" xmlns="" id="{16FFA8DA-0E31-4CA6-BBFC-2467AAD1D30B}"/>
               </a:ext>
             </a:extLst>
           </p:cNvPr>
@@ -7418,7 +7664,7 @@
           <p:cNvPr id="5" name="Footer Placeholder 4">
             <a:extLst>
               <a:ext uri="{FF2B5EF4-FFF2-40B4-BE49-F238E27FC236}">
-                <a16:creationId xmlns="" xmlns:a16="http://schemas.microsoft.com/office/drawing/2014/main" id="{064974BD-9845-459A-9AAA-12731E2507C4}"/>
+                <a16:creationId xmlns:a16="http://schemas.microsoft.com/office/drawing/2014/main" xmlns="" id="{064974BD-9845-459A-9AAA-12731E2507C4}"/>
               </a:ext>
             </a:extLst>
           </p:cNvPr>
@@ -7443,7 +7689,7 @@
           <p:cNvPr id="6" name="Slide Number Placeholder 5">
             <a:extLst>
               <a:ext uri="{FF2B5EF4-FFF2-40B4-BE49-F238E27FC236}">
-                <a16:creationId xmlns="" xmlns:a16="http://schemas.microsoft.com/office/drawing/2014/main" id="{C2A71B0A-FDFB-4B2C-A9EC-2334C590013E}"/>
+                <a16:creationId xmlns:a16="http://schemas.microsoft.com/office/drawing/2014/main" xmlns="" id="{C2A71B0A-FDFB-4B2C-A9EC-2334C590013E}"/>
               </a:ext>
             </a:extLst>
           </p:cNvPr>
@@ -7502,7 +7748,7 @@
           <p:cNvPr id="2" name="Vertical Title 1">
             <a:extLst>
               <a:ext uri="{FF2B5EF4-FFF2-40B4-BE49-F238E27FC236}">
-                <a16:creationId xmlns="" xmlns:a16="http://schemas.microsoft.com/office/drawing/2014/main" id="{E60B5D73-1652-4A8E-B5A3-101523D7290A}"/>
+                <a16:creationId xmlns:a16="http://schemas.microsoft.com/office/drawing/2014/main" xmlns="" id="{E60B5D73-1652-4A8E-B5A3-101523D7290A}"/>
               </a:ext>
             </a:extLst>
           </p:cNvPr>
@@ -7536,7 +7782,7 @@
           <p:cNvPr id="3" name="Vertical Text Placeholder 2">
             <a:extLst>
               <a:ext uri="{FF2B5EF4-FFF2-40B4-BE49-F238E27FC236}">
-                <a16:creationId xmlns="" xmlns:a16="http://schemas.microsoft.com/office/drawing/2014/main" id="{A9B7FB99-7425-444D-B602-01B672BCE8C6}"/>
+                <a16:creationId xmlns:a16="http://schemas.microsoft.com/office/drawing/2014/main" xmlns="" id="{A9B7FB99-7425-444D-B602-01B672BCE8C6}"/>
               </a:ext>
             </a:extLst>
           </p:cNvPr>
@@ -7599,7 +7845,7 @@
           <p:cNvPr id="4" name="Date Placeholder 3">
             <a:extLst>
               <a:ext uri="{FF2B5EF4-FFF2-40B4-BE49-F238E27FC236}">
-                <a16:creationId xmlns="" xmlns:a16="http://schemas.microsoft.com/office/drawing/2014/main" id="{00EEA9C5-552A-48A1-AB54-ED54209B3B48}"/>
+                <a16:creationId xmlns:a16="http://schemas.microsoft.com/office/drawing/2014/main" xmlns="" id="{00EEA9C5-552A-48A1-AB54-ED54209B3B48}"/>
               </a:ext>
             </a:extLst>
           </p:cNvPr>
@@ -7628,7 +7874,7 @@
           <p:cNvPr id="5" name="Footer Placeholder 4">
             <a:extLst>
               <a:ext uri="{FF2B5EF4-FFF2-40B4-BE49-F238E27FC236}">
-                <a16:creationId xmlns="" xmlns:a16="http://schemas.microsoft.com/office/drawing/2014/main" id="{1A83AAA3-4155-48FB-8F00-16DBE0C9C256}"/>
+                <a16:creationId xmlns:a16="http://schemas.microsoft.com/office/drawing/2014/main" xmlns="" id="{1A83AAA3-4155-48FB-8F00-16DBE0C9C256}"/>
               </a:ext>
             </a:extLst>
           </p:cNvPr>
@@ -7653,7 +7899,7 @@
           <p:cNvPr id="6" name="Slide Number Placeholder 5">
             <a:extLst>
               <a:ext uri="{FF2B5EF4-FFF2-40B4-BE49-F238E27FC236}">
-                <a16:creationId xmlns="" xmlns:a16="http://schemas.microsoft.com/office/drawing/2014/main" id="{5D694EAE-CB3C-4DEF-A66D-583C7AAC92D8}"/>
+                <a16:creationId xmlns:a16="http://schemas.microsoft.com/office/drawing/2014/main" xmlns="" id="{5D694EAE-CB3C-4DEF-A66D-583C7AAC92D8}"/>
               </a:ext>
             </a:extLst>
           </p:cNvPr>
@@ -7712,7 +7958,7 @@
           <p:cNvPr id="2" name="Title 1">
             <a:extLst>
               <a:ext uri="{FF2B5EF4-FFF2-40B4-BE49-F238E27FC236}">
-                <a16:creationId xmlns="" xmlns:a16="http://schemas.microsoft.com/office/drawing/2014/main" id="{4C807FBE-061D-452C-A8A6-213063CFD678}"/>
+                <a16:creationId xmlns:a16="http://schemas.microsoft.com/office/drawing/2014/main" xmlns="" id="{4C807FBE-061D-452C-A8A6-213063CFD678}"/>
               </a:ext>
             </a:extLst>
           </p:cNvPr>
@@ -7741,7 +7987,7 @@
           <p:cNvPr id="3" name="Content Placeholder 2">
             <a:extLst>
               <a:ext uri="{FF2B5EF4-FFF2-40B4-BE49-F238E27FC236}">
-                <a16:creationId xmlns="" xmlns:a16="http://schemas.microsoft.com/office/drawing/2014/main" id="{433A3535-1708-499D-B5D2-7D8F9FD182D0}"/>
+                <a16:creationId xmlns:a16="http://schemas.microsoft.com/office/drawing/2014/main" xmlns="" id="{433A3535-1708-499D-B5D2-7D8F9FD182D0}"/>
               </a:ext>
             </a:extLst>
           </p:cNvPr>
@@ -7799,7 +8045,7 @@
           <p:cNvPr id="4" name="Date Placeholder 3">
             <a:extLst>
               <a:ext uri="{FF2B5EF4-FFF2-40B4-BE49-F238E27FC236}">
-                <a16:creationId xmlns="" xmlns:a16="http://schemas.microsoft.com/office/drawing/2014/main" id="{ACB06063-A112-49AB-80C8-504D99ECD771}"/>
+                <a16:creationId xmlns:a16="http://schemas.microsoft.com/office/drawing/2014/main" xmlns="" id="{ACB06063-A112-49AB-80C8-504D99ECD771}"/>
               </a:ext>
             </a:extLst>
           </p:cNvPr>
@@ -7828,7 +8074,7 @@
           <p:cNvPr id="5" name="Footer Placeholder 4">
             <a:extLst>
               <a:ext uri="{FF2B5EF4-FFF2-40B4-BE49-F238E27FC236}">
-                <a16:creationId xmlns="" xmlns:a16="http://schemas.microsoft.com/office/drawing/2014/main" id="{6344C8D5-F898-4318-A76D-1FBD87329198}"/>
+                <a16:creationId xmlns:a16="http://schemas.microsoft.com/office/drawing/2014/main" xmlns="" id="{6344C8D5-F898-4318-A76D-1FBD87329198}"/>
               </a:ext>
             </a:extLst>
           </p:cNvPr>
@@ -7853,7 +8099,7 @@
           <p:cNvPr id="6" name="Slide Number Placeholder 5">
             <a:extLst>
               <a:ext uri="{FF2B5EF4-FFF2-40B4-BE49-F238E27FC236}">
-                <a16:creationId xmlns="" xmlns:a16="http://schemas.microsoft.com/office/drawing/2014/main" id="{2976EC76-E8E8-4FFA-B671-7FA2F3EF5DEF}"/>
+                <a16:creationId xmlns:a16="http://schemas.microsoft.com/office/drawing/2014/main" xmlns="" id="{2976EC76-E8E8-4FFA-B671-7FA2F3EF5DEF}"/>
               </a:ext>
             </a:extLst>
           </p:cNvPr>
@@ -7912,7 +8158,7 @@
           <p:cNvPr id="2" name="Title 1">
             <a:extLst>
               <a:ext uri="{FF2B5EF4-FFF2-40B4-BE49-F238E27FC236}">
-                <a16:creationId xmlns="" xmlns:a16="http://schemas.microsoft.com/office/drawing/2014/main" id="{B6C2CABF-E3C1-431A-A69C-D4881CC43F0F}"/>
+                <a16:creationId xmlns:a16="http://schemas.microsoft.com/office/drawing/2014/main" xmlns="" id="{B6C2CABF-E3C1-431A-A69C-D4881CC43F0F}"/>
               </a:ext>
             </a:extLst>
           </p:cNvPr>
@@ -7950,7 +8196,7 @@
           <p:cNvPr id="3" name="Text Placeholder 2">
             <a:extLst>
               <a:ext uri="{FF2B5EF4-FFF2-40B4-BE49-F238E27FC236}">
-                <a16:creationId xmlns="" xmlns:a16="http://schemas.microsoft.com/office/drawing/2014/main" id="{D5584226-69DA-4211-B2C8-C29FD05A4A69}"/>
+                <a16:creationId xmlns:a16="http://schemas.microsoft.com/office/drawing/2014/main" xmlns="" id="{D5584226-69DA-4211-B2C8-C29FD05A4A69}"/>
               </a:ext>
             </a:extLst>
           </p:cNvPr>
@@ -8075,7 +8321,7 @@
           <p:cNvPr id="4" name="Date Placeholder 3">
             <a:extLst>
               <a:ext uri="{FF2B5EF4-FFF2-40B4-BE49-F238E27FC236}">
-                <a16:creationId xmlns="" xmlns:a16="http://schemas.microsoft.com/office/drawing/2014/main" id="{D5FF82DB-B518-40FD-8A66-44B874C055FB}"/>
+                <a16:creationId xmlns:a16="http://schemas.microsoft.com/office/drawing/2014/main" xmlns="" id="{D5FF82DB-B518-40FD-8A66-44B874C055FB}"/>
               </a:ext>
             </a:extLst>
           </p:cNvPr>
@@ -8104,7 +8350,7 @@
           <p:cNvPr id="5" name="Footer Placeholder 4">
             <a:extLst>
               <a:ext uri="{FF2B5EF4-FFF2-40B4-BE49-F238E27FC236}">
-                <a16:creationId xmlns="" xmlns:a16="http://schemas.microsoft.com/office/drawing/2014/main" id="{FCC1CCEE-725F-4745-837B-87EFB70E71D8}"/>
+                <a16:creationId xmlns:a16="http://schemas.microsoft.com/office/drawing/2014/main" xmlns="" id="{FCC1CCEE-725F-4745-837B-87EFB70E71D8}"/>
               </a:ext>
             </a:extLst>
           </p:cNvPr>
@@ -8129,7 +8375,7 @@
           <p:cNvPr id="6" name="Slide Number Placeholder 5">
             <a:extLst>
               <a:ext uri="{FF2B5EF4-FFF2-40B4-BE49-F238E27FC236}">
-                <a16:creationId xmlns="" xmlns:a16="http://schemas.microsoft.com/office/drawing/2014/main" id="{C561522A-E0E6-406B-BF30-A7C7A57294BE}"/>
+                <a16:creationId xmlns:a16="http://schemas.microsoft.com/office/drawing/2014/main" xmlns="" id="{C561522A-E0E6-406B-BF30-A7C7A57294BE}"/>
               </a:ext>
             </a:extLst>
           </p:cNvPr>
@@ -8188,7 +8434,7 @@
           <p:cNvPr id="2" name="Title 1">
             <a:extLst>
               <a:ext uri="{FF2B5EF4-FFF2-40B4-BE49-F238E27FC236}">
-                <a16:creationId xmlns="" xmlns:a16="http://schemas.microsoft.com/office/drawing/2014/main" id="{DBCC9BDC-6F21-4EF5-A8DD-E35E27EACA58}"/>
+                <a16:creationId xmlns:a16="http://schemas.microsoft.com/office/drawing/2014/main" xmlns="" id="{DBCC9BDC-6F21-4EF5-A8DD-E35E27EACA58}"/>
               </a:ext>
             </a:extLst>
           </p:cNvPr>
@@ -8217,7 +8463,7 @@
           <p:cNvPr id="3" name="Content Placeholder 2">
             <a:extLst>
               <a:ext uri="{FF2B5EF4-FFF2-40B4-BE49-F238E27FC236}">
-                <a16:creationId xmlns="" xmlns:a16="http://schemas.microsoft.com/office/drawing/2014/main" id="{6B968D5F-2AB6-42D3-A54E-AB3E60325170}"/>
+                <a16:creationId xmlns:a16="http://schemas.microsoft.com/office/drawing/2014/main" xmlns="" id="{6B968D5F-2AB6-42D3-A54E-AB3E60325170}"/>
               </a:ext>
             </a:extLst>
           </p:cNvPr>
@@ -8280,7 +8526,7 @@
           <p:cNvPr id="4" name="Content Placeholder 3">
             <a:extLst>
               <a:ext uri="{FF2B5EF4-FFF2-40B4-BE49-F238E27FC236}">
-                <a16:creationId xmlns="" xmlns:a16="http://schemas.microsoft.com/office/drawing/2014/main" id="{465AB07F-D5F7-402A-AE4E-027BF1CA9127}"/>
+                <a16:creationId xmlns:a16="http://schemas.microsoft.com/office/drawing/2014/main" xmlns="" id="{465AB07F-D5F7-402A-AE4E-027BF1CA9127}"/>
               </a:ext>
             </a:extLst>
           </p:cNvPr>
@@ -8343,7 +8589,7 @@
           <p:cNvPr id="5" name="Date Placeholder 4">
             <a:extLst>
               <a:ext uri="{FF2B5EF4-FFF2-40B4-BE49-F238E27FC236}">
-                <a16:creationId xmlns="" xmlns:a16="http://schemas.microsoft.com/office/drawing/2014/main" id="{85108EDC-3863-43B9-93C7-37465DC73B28}"/>
+                <a16:creationId xmlns:a16="http://schemas.microsoft.com/office/drawing/2014/main" xmlns="" id="{85108EDC-3863-43B9-93C7-37465DC73B28}"/>
               </a:ext>
             </a:extLst>
           </p:cNvPr>
@@ -8372,7 +8618,7 @@
           <p:cNvPr id="6" name="Footer Placeholder 5">
             <a:extLst>
               <a:ext uri="{FF2B5EF4-FFF2-40B4-BE49-F238E27FC236}">
-                <a16:creationId xmlns="" xmlns:a16="http://schemas.microsoft.com/office/drawing/2014/main" id="{A777D452-958D-4159-A9A4-16DD29680A04}"/>
+                <a16:creationId xmlns:a16="http://schemas.microsoft.com/office/drawing/2014/main" xmlns="" id="{A777D452-958D-4159-A9A4-16DD29680A04}"/>
               </a:ext>
             </a:extLst>
           </p:cNvPr>
@@ -8397,7 +8643,7 @@
           <p:cNvPr id="7" name="Slide Number Placeholder 6">
             <a:extLst>
               <a:ext uri="{FF2B5EF4-FFF2-40B4-BE49-F238E27FC236}">
-                <a16:creationId xmlns="" xmlns:a16="http://schemas.microsoft.com/office/drawing/2014/main" id="{289654B6-1460-48B9-AC7E-592F68BAB276}"/>
+                <a16:creationId xmlns:a16="http://schemas.microsoft.com/office/drawing/2014/main" xmlns="" id="{289654B6-1460-48B9-AC7E-592F68BAB276}"/>
               </a:ext>
             </a:extLst>
           </p:cNvPr>
@@ -8456,7 +8702,7 @@
           <p:cNvPr id="2" name="Title 1">
             <a:extLst>
               <a:ext uri="{FF2B5EF4-FFF2-40B4-BE49-F238E27FC236}">
-                <a16:creationId xmlns="" xmlns:a16="http://schemas.microsoft.com/office/drawing/2014/main" id="{7EE8C848-926A-4FD3-A311-A100A2662BE1}"/>
+                <a16:creationId xmlns:a16="http://schemas.microsoft.com/office/drawing/2014/main" xmlns="" id="{7EE8C848-926A-4FD3-A311-A100A2662BE1}"/>
               </a:ext>
             </a:extLst>
           </p:cNvPr>
@@ -8490,7 +8736,7 @@
           <p:cNvPr id="3" name="Text Placeholder 2">
             <a:extLst>
               <a:ext uri="{FF2B5EF4-FFF2-40B4-BE49-F238E27FC236}">
-                <a16:creationId xmlns="" xmlns:a16="http://schemas.microsoft.com/office/drawing/2014/main" id="{3C8ECD90-B4F0-4DFB-BB3D-F2310207896F}"/>
+                <a16:creationId xmlns:a16="http://schemas.microsoft.com/office/drawing/2014/main" xmlns="" id="{3C8ECD90-B4F0-4DFB-BB3D-F2310207896F}"/>
               </a:ext>
             </a:extLst>
           </p:cNvPr>
@@ -8561,7 +8807,7 @@
           <p:cNvPr id="4" name="Content Placeholder 3">
             <a:extLst>
               <a:ext uri="{FF2B5EF4-FFF2-40B4-BE49-F238E27FC236}">
-                <a16:creationId xmlns="" xmlns:a16="http://schemas.microsoft.com/office/drawing/2014/main" id="{335A6C3A-033E-474B-AB97-D8291A04E7DD}"/>
+                <a16:creationId xmlns:a16="http://schemas.microsoft.com/office/drawing/2014/main" xmlns="" id="{335A6C3A-033E-474B-AB97-D8291A04E7DD}"/>
               </a:ext>
             </a:extLst>
           </p:cNvPr>
@@ -8624,7 +8870,7 @@
           <p:cNvPr id="5" name="Text Placeholder 4">
             <a:extLst>
               <a:ext uri="{FF2B5EF4-FFF2-40B4-BE49-F238E27FC236}">
-                <a16:creationId xmlns="" xmlns:a16="http://schemas.microsoft.com/office/drawing/2014/main" id="{A532B928-3A23-4FCA-AD1F-E45A467B54F5}"/>
+                <a16:creationId xmlns:a16="http://schemas.microsoft.com/office/drawing/2014/main" xmlns="" id="{A532B928-3A23-4FCA-AD1F-E45A467B54F5}"/>
               </a:ext>
             </a:extLst>
           </p:cNvPr>
@@ -8695,7 +8941,7 @@
           <p:cNvPr id="6" name="Content Placeholder 5">
             <a:extLst>
               <a:ext uri="{FF2B5EF4-FFF2-40B4-BE49-F238E27FC236}">
-                <a16:creationId xmlns="" xmlns:a16="http://schemas.microsoft.com/office/drawing/2014/main" id="{3BDC8376-6FC6-4A11-B0DB-9A148E9C00E2}"/>
+                <a16:creationId xmlns:a16="http://schemas.microsoft.com/office/drawing/2014/main" xmlns="" id="{3BDC8376-6FC6-4A11-B0DB-9A148E9C00E2}"/>
               </a:ext>
             </a:extLst>
           </p:cNvPr>
@@ -8758,7 +9004,7 @@
           <p:cNvPr id="7" name="Date Placeholder 6">
             <a:extLst>
               <a:ext uri="{FF2B5EF4-FFF2-40B4-BE49-F238E27FC236}">
-                <a16:creationId xmlns="" xmlns:a16="http://schemas.microsoft.com/office/drawing/2014/main" id="{6E80206F-8846-425C-A56E-16FFBA442014}"/>
+                <a16:creationId xmlns:a16="http://schemas.microsoft.com/office/drawing/2014/main" xmlns="" id="{6E80206F-8846-425C-A56E-16FFBA442014}"/>
               </a:ext>
             </a:extLst>
           </p:cNvPr>
@@ -8787,7 +9033,7 @@
           <p:cNvPr id="8" name="Footer Placeholder 7">
             <a:extLst>
               <a:ext uri="{FF2B5EF4-FFF2-40B4-BE49-F238E27FC236}">
-                <a16:creationId xmlns="" xmlns:a16="http://schemas.microsoft.com/office/drawing/2014/main" id="{6A45E89F-12CF-4561-A5F2-1E05783A3063}"/>
+                <a16:creationId xmlns:a16="http://schemas.microsoft.com/office/drawing/2014/main" xmlns="" id="{6A45E89F-12CF-4561-A5F2-1E05783A3063}"/>
               </a:ext>
             </a:extLst>
           </p:cNvPr>
@@ -8812,7 +9058,7 @@
           <p:cNvPr id="9" name="Slide Number Placeholder 8">
             <a:extLst>
               <a:ext uri="{FF2B5EF4-FFF2-40B4-BE49-F238E27FC236}">
-                <a16:creationId xmlns="" xmlns:a16="http://schemas.microsoft.com/office/drawing/2014/main" id="{9EB4DFE4-927C-43B1-A061-5CB97FFB33BE}"/>
+                <a16:creationId xmlns:a16="http://schemas.microsoft.com/office/drawing/2014/main" xmlns="" id="{9EB4DFE4-927C-43B1-A061-5CB97FFB33BE}"/>
               </a:ext>
             </a:extLst>
           </p:cNvPr>
@@ -8871,7 +9117,7 @@
           <p:cNvPr id="2" name="Title 1">
             <a:extLst>
               <a:ext uri="{FF2B5EF4-FFF2-40B4-BE49-F238E27FC236}">
-                <a16:creationId xmlns="" xmlns:a16="http://schemas.microsoft.com/office/drawing/2014/main" id="{B560E367-8DA0-4655-BCBC-F4280D8642CD}"/>
+                <a16:creationId xmlns:a16="http://schemas.microsoft.com/office/drawing/2014/main" xmlns="" id="{B560E367-8DA0-4655-BCBC-F4280D8642CD}"/>
               </a:ext>
             </a:extLst>
           </p:cNvPr>
@@ -8900,7 +9146,7 @@
           <p:cNvPr id="3" name="Date Placeholder 2">
             <a:extLst>
               <a:ext uri="{FF2B5EF4-FFF2-40B4-BE49-F238E27FC236}">
-                <a16:creationId xmlns="" xmlns:a16="http://schemas.microsoft.com/office/drawing/2014/main" id="{2FEF9592-AA3C-4CF8-A5DB-4D010195A438}"/>
+                <a16:creationId xmlns:a16="http://schemas.microsoft.com/office/drawing/2014/main" xmlns="" id="{2FEF9592-AA3C-4CF8-A5DB-4D010195A438}"/>
               </a:ext>
             </a:extLst>
           </p:cNvPr>
@@ -8929,7 +9175,7 @@
           <p:cNvPr id="4" name="Footer Placeholder 3">
             <a:extLst>
               <a:ext uri="{FF2B5EF4-FFF2-40B4-BE49-F238E27FC236}">
-                <a16:creationId xmlns="" xmlns:a16="http://schemas.microsoft.com/office/drawing/2014/main" id="{3C2C9377-F93E-4515-852A-264707755154}"/>
+                <a16:creationId xmlns:a16="http://schemas.microsoft.com/office/drawing/2014/main" xmlns="" id="{3C2C9377-F93E-4515-852A-264707755154}"/>
               </a:ext>
             </a:extLst>
           </p:cNvPr>
@@ -8954,7 +9200,7 @@
           <p:cNvPr id="5" name="Slide Number Placeholder 4">
             <a:extLst>
               <a:ext uri="{FF2B5EF4-FFF2-40B4-BE49-F238E27FC236}">
-                <a16:creationId xmlns="" xmlns:a16="http://schemas.microsoft.com/office/drawing/2014/main" id="{9AED076D-476B-42BA-8795-14FE6C1E6974}"/>
+                <a16:creationId xmlns:a16="http://schemas.microsoft.com/office/drawing/2014/main" xmlns="" id="{9AED076D-476B-42BA-8795-14FE6C1E6974}"/>
               </a:ext>
             </a:extLst>
           </p:cNvPr>
@@ -9013,7 +9259,7 @@
           <p:cNvPr id="2" name="Date Placeholder 1">
             <a:extLst>
               <a:ext uri="{FF2B5EF4-FFF2-40B4-BE49-F238E27FC236}">
-                <a16:creationId xmlns="" xmlns:a16="http://schemas.microsoft.com/office/drawing/2014/main" id="{1EA599B4-6AB2-4190-82B5-7667EE1E922A}"/>
+                <a16:creationId xmlns:a16="http://schemas.microsoft.com/office/drawing/2014/main" xmlns="" id="{1EA599B4-6AB2-4190-82B5-7667EE1E922A}"/>
               </a:ext>
             </a:extLst>
           </p:cNvPr>
@@ -9042,7 +9288,7 @@
           <p:cNvPr id="3" name="Footer Placeholder 2">
             <a:extLst>
               <a:ext uri="{FF2B5EF4-FFF2-40B4-BE49-F238E27FC236}">
-                <a16:creationId xmlns="" xmlns:a16="http://schemas.microsoft.com/office/drawing/2014/main" id="{1B8FBFB3-AD86-4E39-B8AE-B4EC14528156}"/>
+                <a16:creationId xmlns:a16="http://schemas.microsoft.com/office/drawing/2014/main" xmlns="" id="{1B8FBFB3-AD86-4E39-B8AE-B4EC14528156}"/>
               </a:ext>
             </a:extLst>
           </p:cNvPr>
@@ -9067,7 +9313,7 @@
           <p:cNvPr id="4" name="Slide Number Placeholder 3">
             <a:extLst>
               <a:ext uri="{FF2B5EF4-FFF2-40B4-BE49-F238E27FC236}">
-                <a16:creationId xmlns="" xmlns:a16="http://schemas.microsoft.com/office/drawing/2014/main" id="{B9A4AF55-C114-4B60-9A20-56B00A11B3BF}"/>
+                <a16:creationId xmlns:a16="http://schemas.microsoft.com/office/drawing/2014/main" xmlns="" id="{B9A4AF55-C114-4B60-9A20-56B00A11B3BF}"/>
               </a:ext>
             </a:extLst>
           </p:cNvPr>
@@ -9126,7 +9372,7 @@
           <p:cNvPr id="2" name="Title 1">
             <a:extLst>
               <a:ext uri="{FF2B5EF4-FFF2-40B4-BE49-F238E27FC236}">
-                <a16:creationId xmlns="" xmlns:a16="http://schemas.microsoft.com/office/drawing/2014/main" id="{70883DA1-5CB8-405D-9613-8A9B7BC5664C}"/>
+                <a16:creationId xmlns:a16="http://schemas.microsoft.com/office/drawing/2014/main" xmlns="" id="{70883DA1-5CB8-405D-9613-8A9B7BC5664C}"/>
               </a:ext>
             </a:extLst>
           </p:cNvPr>
@@ -9164,7 +9410,7 @@
           <p:cNvPr id="3" name="Content Placeholder 2">
             <a:extLst>
               <a:ext uri="{FF2B5EF4-FFF2-40B4-BE49-F238E27FC236}">
-                <a16:creationId xmlns="" xmlns:a16="http://schemas.microsoft.com/office/drawing/2014/main" id="{9842BB15-A24D-42E9-9CAE-BB827226301E}"/>
+                <a16:creationId xmlns:a16="http://schemas.microsoft.com/office/drawing/2014/main" xmlns="" id="{9842BB15-A24D-42E9-9CAE-BB827226301E}"/>
               </a:ext>
             </a:extLst>
           </p:cNvPr>
@@ -9255,7 +9501,7 @@
           <p:cNvPr id="4" name="Text Placeholder 3">
             <a:extLst>
               <a:ext uri="{FF2B5EF4-FFF2-40B4-BE49-F238E27FC236}">
-                <a16:creationId xmlns="" xmlns:a16="http://schemas.microsoft.com/office/drawing/2014/main" id="{78F0849D-D3C3-462A-9751-4EAB0B9145E4}"/>
+                <a16:creationId xmlns:a16="http://schemas.microsoft.com/office/drawing/2014/main" xmlns="" id="{78F0849D-D3C3-462A-9751-4EAB0B9145E4}"/>
               </a:ext>
             </a:extLst>
           </p:cNvPr>
@@ -9326,7 +9572,7 @@
           <p:cNvPr id="5" name="Date Placeholder 4">
             <a:extLst>
               <a:ext uri="{FF2B5EF4-FFF2-40B4-BE49-F238E27FC236}">
-                <a16:creationId xmlns="" xmlns:a16="http://schemas.microsoft.com/office/drawing/2014/main" id="{F180DD20-7A20-4574-98A4-427795876739}"/>
+                <a16:creationId xmlns:a16="http://schemas.microsoft.com/office/drawing/2014/main" xmlns="" id="{F180DD20-7A20-4574-98A4-427795876739}"/>
               </a:ext>
             </a:extLst>
           </p:cNvPr>
@@ -9355,7 +9601,7 @@
           <p:cNvPr id="6" name="Footer Placeholder 5">
             <a:extLst>
               <a:ext uri="{FF2B5EF4-FFF2-40B4-BE49-F238E27FC236}">
-                <a16:creationId xmlns="" xmlns:a16="http://schemas.microsoft.com/office/drawing/2014/main" id="{54D0ED2B-71C4-421A-9DB0-676E00C10BDC}"/>
+                <a16:creationId xmlns:a16="http://schemas.microsoft.com/office/drawing/2014/main" xmlns="" id="{54D0ED2B-71C4-421A-9DB0-676E00C10BDC}"/>
               </a:ext>
             </a:extLst>
           </p:cNvPr>
@@ -9380,7 +9626,7 @@
           <p:cNvPr id="7" name="Slide Number Placeholder 6">
             <a:extLst>
               <a:ext uri="{FF2B5EF4-FFF2-40B4-BE49-F238E27FC236}">
-                <a16:creationId xmlns="" xmlns:a16="http://schemas.microsoft.com/office/drawing/2014/main" id="{78C4572A-ADFC-4C53-BCA2-42BDF693BC4D}"/>
+                <a16:creationId xmlns:a16="http://schemas.microsoft.com/office/drawing/2014/main" xmlns="" id="{78C4572A-ADFC-4C53-BCA2-42BDF693BC4D}"/>
               </a:ext>
             </a:extLst>
           </p:cNvPr>
@@ -9439,7 +9685,7 @@
           <p:cNvPr id="2" name="Title 1">
             <a:extLst>
               <a:ext uri="{FF2B5EF4-FFF2-40B4-BE49-F238E27FC236}">
-                <a16:creationId xmlns="" xmlns:a16="http://schemas.microsoft.com/office/drawing/2014/main" id="{028F5C67-EEEC-4AB0-9653-0F80D6B10941}"/>
+                <a16:creationId xmlns:a16="http://schemas.microsoft.com/office/drawing/2014/main" xmlns="" id="{028F5C67-EEEC-4AB0-9653-0F80D6B10941}"/>
               </a:ext>
             </a:extLst>
           </p:cNvPr>
@@ -9477,7 +9723,7 @@
           <p:cNvPr id="3" name="Picture Placeholder 2">
             <a:extLst>
               <a:ext uri="{FF2B5EF4-FFF2-40B4-BE49-F238E27FC236}">
-                <a16:creationId xmlns="" xmlns:a16="http://schemas.microsoft.com/office/drawing/2014/main" id="{1DD50D6D-5277-4324-AF23-5FAF007834EB}"/>
+                <a16:creationId xmlns:a16="http://schemas.microsoft.com/office/drawing/2014/main" xmlns="" id="{1DD50D6D-5277-4324-AF23-5FAF007834EB}"/>
               </a:ext>
             </a:extLst>
           </p:cNvPr>
@@ -9548,7 +9794,7 @@
           <p:cNvPr id="4" name="Text Placeholder 3">
             <a:extLst>
               <a:ext uri="{FF2B5EF4-FFF2-40B4-BE49-F238E27FC236}">
-                <a16:creationId xmlns="" xmlns:a16="http://schemas.microsoft.com/office/drawing/2014/main" id="{75275657-2BF9-4761-96B6-50EE3CFCFAD0}"/>
+                <a16:creationId xmlns:a16="http://schemas.microsoft.com/office/drawing/2014/main" xmlns="" id="{75275657-2BF9-4761-96B6-50EE3CFCFAD0}"/>
               </a:ext>
             </a:extLst>
           </p:cNvPr>
@@ -9619,7 +9865,7 @@
           <p:cNvPr id="5" name="Date Placeholder 4">
             <a:extLst>
               <a:ext uri="{FF2B5EF4-FFF2-40B4-BE49-F238E27FC236}">
-                <a16:creationId xmlns="" xmlns:a16="http://schemas.microsoft.com/office/drawing/2014/main" id="{5C3C3F7B-A4C8-4F9D-8165-BC5186EA0929}"/>
+                <a16:creationId xmlns:a16="http://schemas.microsoft.com/office/drawing/2014/main" xmlns="" id="{5C3C3F7B-A4C8-4F9D-8165-BC5186EA0929}"/>
               </a:ext>
             </a:extLst>
           </p:cNvPr>
@@ -9648,7 +9894,7 @@
           <p:cNvPr id="6" name="Footer Placeholder 5">
             <a:extLst>
               <a:ext uri="{FF2B5EF4-FFF2-40B4-BE49-F238E27FC236}">
-                <a16:creationId xmlns="" xmlns:a16="http://schemas.microsoft.com/office/drawing/2014/main" id="{DE696EA5-2FA2-464D-982F-C53E6426A843}"/>
+                <a16:creationId xmlns:a16="http://schemas.microsoft.com/office/drawing/2014/main" xmlns="" id="{DE696EA5-2FA2-464D-982F-C53E6426A843}"/>
               </a:ext>
             </a:extLst>
           </p:cNvPr>
@@ -9673,7 +9919,7 @@
           <p:cNvPr id="7" name="Slide Number Placeholder 6">
             <a:extLst>
               <a:ext uri="{FF2B5EF4-FFF2-40B4-BE49-F238E27FC236}">
-                <a16:creationId xmlns="" xmlns:a16="http://schemas.microsoft.com/office/drawing/2014/main" id="{8911B398-191B-4AB1-86ED-00D0046EACF5}"/>
+                <a16:creationId xmlns:a16="http://schemas.microsoft.com/office/drawing/2014/main" xmlns="" id="{8911B398-191B-4AB1-86ED-00D0046EACF5}"/>
               </a:ext>
             </a:extLst>
           </p:cNvPr>
@@ -9737,7 +9983,7 @@
           <p:cNvPr id="2" name="Title Placeholder 1">
             <a:extLst>
               <a:ext uri="{FF2B5EF4-FFF2-40B4-BE49-F238E27FC236}">
-                <a16:creationId xmlns="" xmlns:a16="http://schemas.microsoft.com/office/drawing/2014/main" id="{7B3445CA-54C1-4DDE-A216-DD2414E3F593}"/>
+                <a16:creationId xmlns:a16="http://schemas.microsoft.com/office/drawing/2014/main" xmlns="" id="{7B3445CA-54C1-4DDE-A216-DD2414E3F593}"/>
               </a:ext>
             </a:extLst>
           </p:cNvPr>
@@ -9776,7 +10022,7 @@
           <p:cNvPr id="3" name="Text Placeholder 2">
             <a:extLst>
               <a:ext uri="{FF2B5EF4-FFF2-40B4-BE49-F238E27FC236}">
-                <a16:creationId xmlns="" xmlns:a16="http://schemas.microsoft.com/office/drawing/2014/main" id="{0306395A-6879-4E93-B24E-067F88AC1D69}"/>
+                <a16:creationId xmlns:a16="http://schemas.microsoft.com/office/drawing/2014/main" xmlns="" id="{0306395A-6879-4E93-B24E-067F88AC1D69}"/>
               </a:ext>
             </a:extLst>
           </p:cNvPr>
@@ -9843,7 +10089,7 @@
           <p:cNvPr id="4" name="Date Placeholder 3">
             <a:extLst>
               <a:ext uri="{FF2B5EF4-FFF2-40B4-BE49-F238E27FC236}">
-                <a16:creationId xmlns="" xmlns:a16="http://schemas.microsoft.com/office/drawing/2014/main" id="{9450FF5B-A6A6-4F0F-AA5D-3F0F69A43AEB}"/>
+                <a16:creationId xmlns:a16="http://schemas.microsoft.com/office/drawing/2014/main" xmlns="" id="{9450FF5B-A6A6-4F0F-AA5D-3F0F69A43AEB}"/>
               </a:ext>
             </a:extLst>
           </p:cNvPr>
@@ -9890,7 +10136,7 @@
           <p:cNvPr id="5" name="Footer Placeholder 4">
             <a:extLst>
               <a:ext uri="{FF2B5EF4-FFF2-40B4-BE49-F238E27FC236}">
-                <a16:creationId xmlns="" xmlns:a16="http://schemas.microsoft.com/office/drawing/2014/main" id="{FA798FAA-76CC-42EF-8BE0-466A41BBAB09}"/>
+                <a16:creationId xmlns:a16="http://schemas.microsoft.com/office/drawing/2014/main" xmlns="" id="{FA798FAA-76CC-42EF-8BE0-466A41BBAB09}"/>
               </a:ext>
             </a:extLst>
           </p:cNvPr>
@@ -9933,7 +10179,7 @@
           <p:cNvPr id="6" name="Slide Number Placeholder 5">
             <a:extLst>
               <a:ext uri="{FF2B5EF4-FFF2-40B4-BE49-F238E27FC236}">
-                <a16:creationId xmlns="" xmlns:a16="http://schemas.microsoft.com/office/drawing/2014/main" id="{5149FF02-6890-4E10-B958-1097AD32C6FA}"/>
+                <a16:creationId xmlns:a16="http://schemas.microsoft.com/office/drawing/2014/main" xmlns="" id="{5149FF02-6890-4E10-B958-1097AD32C6FA}"/>
               </a:ext>
             </a:extLst>
           </p:cNvPr>
@@ -10319,7 +10565,7 @@
           <p:cNvPr id="2" name="Title 1">
             <a:extLst>
               <a:ext uri="{FF2B5EF4-FFF2-40B4-BE49-F238E27FC236}">
-                <a16:creationId xmlns="" xmlns:a16="http://schemas.microsoft.com/office/drawing/2014/main" id="{C4300AEF-1595-4419-801B-6E36A33BB8CF}"/>
+                <a16:creationId xmlns:a16="http://schemas.microsoft.com/office/drawing/2014/main" xmlns="" id="{C4300AEF-1595-4419-801B-6E36A33BB8CF}"/>
               </a:ext>
             </a:extLst>
           </p:cNvPr>
@@ -10386,10 +10632,10 @@
           <p:cNvPr id="4" name="Diamond 3">
             <a:extLst>
               <a:ext uri="{FF2B5EF4-FFF2-40B4-BE49-F238E27FC236}">
-                <a16:creationId xmlns="" xmlns:a16="http://schemas.microsoft.com/office/drawing/2014/main" id="{1C59176D-59A8-4C02-B448-EE01232FB3E7}"/>
+                <a16:creationId xmlns:a16="http://schemas.microsoft.com/office/drawing/2014/main" xmlns="" id="{1C59176D-59A8-4C02-B448-EE01232FB3E7}"/>
               </a:ext>
               <a:ext uri="{C183D7F6-B498-43B3-948B-1728B52AA6E4}">
-                <adec:decorative xmlns="" xmlns:adec="http://schemas.microsoft.com/office/drawing/2017/decorative" val="1"/>
+                <adec:decorative xmlns:adec="http://schemas.microsoft.com/office/drawing/2017/decorative" xmlns="" val="1"/>
               </a:ext>
             </a:extLst>
           </p:cNvPr>
@@ -10441,10 +10687,10 @@
           <p:cNvPr id="5" name="Diamond 4">
             <a:extLst>
               <a:ext uri="{FF2B5EF4-FFF2-40B4-BE49-F238E27FC236}">
-                <a16:creationId xmlns="" xmlns:a16="http://schemas.microsoft.com/office/drawing/2014/main" id="{A50B1817-3C7F-41BC-8557-7A00C928EE16}"/>
+                <a16:creationId xmlns:a16="http://schemas.microsoft.com/office/drawing/2014/main" xmlns="" id="{A50B1817-3C7F-41BC-8557-7A00C928EE16}"/>
               </a:ext>
               <a:ext uri="{C183D7F6-B498-43B3-948B-1728B52AA6E4}">
-                <adec:decorative xmlns="" xmlns:adec="http://schemas.microsoft.com/office/drawing/2017/decorative" val="1"/>
+                <adec:decorative xmlns:adec="http://schemas.microsoft.com/office/drawing/2017/decorative" xmlns="" val="1"/>
               </a:ext>
             </a:extLst>
           </p:cNvPr>
@@ -10496,7 +10742,7 @@
           <p:cNvPr id="7" name="Group 6" descr="Icon of chart. ">
             <a:extLst>
               <a:ext uri="{FF2B5EF4-FFF2-40B4-BE49-F238E27FC236}">
-                <a16:creationId xmlns="" xmlns:a16="http://schemas.microsoft.com/office/drawing/2014/main" id="{B95DF07A-CE7E-4D89-9AA0-25F4FFF3B9C7}"/>
+                <a16:creationId xmlns:a16="http://schemas.microsoft.com/office/drawing/2014/main" xmlns="" id="{B95DF07A-CE7E-4D89-9AA0-25F4FFF3B9C7}"/>
               </a:ext>
             </a:extLst>
           </p:cNvPr>
@@ -10519,7 +10765,7 @@
             <p:cNvPr id="8" name="Freeform 565">
               <a:extLst>
                 <a:ext uri="{FF2B5EF4-FFF2-40B4-BE49-F238E27FC236}">
-                  <a16:creationId xmlns="" xmlns:a16="http://schemas.microsoft.com/office/drawing/2014/main" id="{548FC78B-EF83-4185-A63D-1A5A85640B62}"/>
+                  <a16:creationId xmlns:a16="http://schemas.microsoft.com/office/drawing/2014/main" xmlns="" id="{548FC78B-EF83-4185-A63D-1A5A85640B62}"/>
                 </a:ext>
               </a:extLst>
             </p:cNvPr>
@@ -11209,7 +11455,7 @@
             <p:cNvPr id="9" name="Freeform 566">
               <a:extLst>
                 <a:ext uri="{FF2B5EF4-FFF2-40B4-BE49-F238E27FC236}">
-                  <a16:creationId xmlns="" xmlns:a16="http://schemas.microsoft.com/office/drawing/2014/main" id="{B7B50F87-A3AA-4FB6-9692-24BF5512FC5B}"/>
+                  <a16:creationId xmlns:a16="http://schemas.microsoft.com/office/drawing/2014/main" xmlns="" id="{B7B50F87-A3AA-4FB6-9692-24BF5512FC5B}"/>
                 </a:ext>
               </a:extLst>
             </p:cNvPr>
@@ -11814,7 +12060,7 @@
           <p:cNvPr id="7" name="Title 6" hidden="1">
             <a:extLst>
               <a:ext uri="{FF2B5EF4-FFF2-40B4-BE49-F238E27FC236}">
-                <a16:creationId xmlns="" xmlns:a16="http://schemas.microsoft.com/office/drawing/2014/main" id="{7C70995F-D8C5-410A-AA8B-1EE172A29454}"/>
+                <a16:creationId xmlns:a16="http://schemas.microsoft.com/office/drawing/2014/main" xmlns="" id="{166BC32C-2E11-43D3-963B-9766918E0FE5}"/>
               </a:ext>
             </a:extLst>
           </p:cNvPr>
@@ -11837,7 +12083,7 @@
           <a:p>
             <a:r>
               <a:rPr lang="en-US" dirty="0"/>
-              <a:t>Project analysis slide 10</a:t>
+              <a:t>Project analysis slide 6</a:t>
             </a:r>
           </a:p>
         </p:txBody>
@@ -11847,10 +12093,10 @@
           <p:cNvPr id="8" name="Straight Connector 7">
             <a:extLst>
               <a:ext uri="{FF2B5EF4-FFF2-40B4-BE49-F238E27FC236}">
-                <a16:creationId xmlns="" xmlns:a16="http://schemas.microsoft.com/office/drawing/2014/main" id="{D0986099-F5F2-4E8B-BE17-81194861A00C}"/>
+                <a16:creationId xmlns:a16="http://schemas.microsoft.com/office/drawing/2014/main" xmlns="" id="{D0986099-F5F2-4E8B-BE17-81194861A00C}"/>
               </a:ext>
               <a:ext uri="{C183D7F6-B498-43B3-948B-1728B52AA6E4}">
-                <adec:decorative xmlns="" xmlns:adec="http://schemas.microsoft.com/office/drawing/2017/decorative" val="1"/>
+                <adec:decorative xmlns:adec="http://schemas.microsoft.com/office/drawing/2017/decorative" xmlns="" val="1"/>
               </a:ext>
             </a:extLst>
           </p:cNvPr>
@@ -11896,7 +12142,334 @@
           <p:cNvPr id="11" name="Title 1">
             <a:extLst>
               <a:ext uri="{FF2B5EF4-FFF2-40B4-BE49-F238E27FC236}">
-                <a16:creationId xmlns="" xmlns:a16="http://schemas.microsoft.com/office/drawing/2014/main" id="{4E3F5479-058B-4FA8-92E9-18CAB8CDC5C5}"/>
+                <a16:creationId xmlns:a16="http://schemas.microsoft.com/office/drawing/2014/main" xmlns="" id="{4E3F5479-058B-4FA8-92E9-18CAB8CDC5C5}"/>
+              </a:ext>
+            </a:extLst>
+          </p:cNvPr>
+          <p:cNvSpPr txBox="1">
+            <a:spLocks/>
+          </p:cNvSpPr>
+          <p:nvPr/>
+        </p:nvSpPr>
+        <p:spPr>
+          <a:xfrm>
+            <a:off x="228600" y="190500"/>
+            <a:ext cx="11734800" cy="775597"/>
+          </a:xfrm>
+          <a:prstGeom prst="rect">
+            <a:avLst/>
+          </a:prstGeom>
+        </p:spPr>
+        <p:txBody>
+          <a:bodyPr vert="horz" wrap="square" lIns="0" tIns="0" rIns="0" bIns="0" rtlCol="0" anchor="t">
+            <a:spAutoFit/>
+          </a:bodyPr>
+          <a:lstStyle>
+            <a:lvl1pPr algn="l" defTabSz="914400" rtl="0" eaLnBrk="1" latinLnBrk="0" hangingPunct="1">
+              <a:lnSpc>
+                <a:spcPct val="90000"/>
+              </a:lnSpc>
+              <a:spcBef>
+                <a:spcPct val="0"/>
+              </a:spcBef>
+              <a:buNone/>
+              <a:defRPr sz="4400" kern="1200">
+                <a:solidFill>
+                  <a:schemeClr val="tx1"/>
+                </a:solidFill>
+                <a:latin typeface="+mj-lt"/>
+                <a:ea typeface="+mj-ea"/>
+                <a:cs typeface="+mj-cs"/>
+              </a:defRPr>
+            </a:lvl1pPr>
+          </a:lstStyle>
+          <a:p>
+            <a:pPr algn="ctr"/>
+            <a:r>
+              <a:rPr lang="en-US" sz="2800" b="1" dirty="0" smtClean="0">
+                <a:solidFill>
+                  <a:schemeClr val="tx1">
+                    <a:lumMod val="75000"/>
+                    <a:lumOff val="25000"/>
+                  </a:schemeClr>
+                </a:solidFill>
+              </a:rPr>
+              <a:t>MVVM Overview</a:t>
+            </a:r>
+            <a:r>
+              <a:rPr lang="en-US" sz="2800" dirty="0">
+                <a:solidFill>
+                  <a:schemeClr val="tx1">
+                    <a:lumMod val="75000"/>
+                    <a:lumOff val="25000"/>
+                  </a:schemeClr>
+                </a:solidFill>
+              </a:rPr>
+              <a:t/>
+            </a:r>
+            <a:br>
+              <a:rPr lang="en-US" sz="2800" dirty="0">
+                <a:solidFill>
+                  <a:schemeClr val="tx1">
+                    <a:lumMod val="75000"/>
+                    <a:lumOff val="25000"/>
+                  </a:schemeClr>
+                </a:solidFill>
+              </a:rPr>
+            </a:br>
+            <a:endParaRPr lang="en-US" sz="2800" dirty="0">
+              <a:solidFill>
+                <a:schemeClr val="tx1">
+                  <a:lumMod val="75000"/>
+                  <a:lumOff val="25000"/>
+                </a:schemeClr>
+              </a:solidFill>
+            </a:endParaRPr>
+          </a:p>
+        </p:txBody>
+      </p:sp>
+      <p:cxnSp>
+        <p:nvCxnSpPr>
+          <p:cNvPr id="14" name="Straight Connector 13">
+            <a:extLst>
+              <a:ext uri="{FF2B5EF4-FFF2-40B4-BE49-F238E27FC236}">
+                <a16:creationId xmlns:a16="http://schemas.microsoft.com/office/drawing/2014/main" xmlns="" id="{83E690F4-843A-47A5-8620-4FB01C0D8E68}"/>
+              </a:ext>
+              <a:ext uri="{C183D7F6-B498-43B3-948B-1728B52AA6E4}">
+                <adec:decorative xmlns:adec="http://schemas.microsoft.com/office/drawing/2017/decorative" xmlns="" val="1"/>
+              </a:ext>
+            </a:extLst>
+          </p:cNvPr>
+          <p:cNvCxnSpPr>
+            <a:cxnSpLocks/>
+          </p:cNvCxnSpPr>
+          <p:nvPr/>
+        </p:nvCxnSpPr>
+        <p:spPr>
+          <a:xfrm>
+            <a:off x="0" y="522898"/>
+            <a:ext cx="4086225" cy="0"/>
+          </a:xfrm>
+          <a:prstGeom prst="line">
+            <a:avLst/>
+          </a:prstGeom>
+          <a:ln>
+            <a:solidFill>
+              <a:schemeClr val="accent3">
+                <a:lumMod val="50000"/>
+              </a:schemeClr>
+            </a:solidFill>
+            <a:tailEnd type="oval"/>
+          </a:ln>
+        </p:spPr>
+        <p:style>
+          <a:lnRef idx="1">
+            <a:schemeClr val="accent1"/>
+          </a:lnRef>
+          <a:fillRef idx="0">
+            <a:schemeClr val="accent1"/>
+          </a:fillRef>
+          <a:effectRef idx="0">
+            <a:schemeClr val="accent1"/>
+          </a:effectRef>
+          <a:fontRef idx="minor">
+            <a:schemeClr val="tx1"/>
+          </a:fontRef>
+        </p:style>
+      </p:cxnSp>
+      <p:sp>
+        <p:nvSpPr>
+          <p:cNvPr id="49" name="Left Arrow 48">
+            <a:hlinkClick r:id="rId2" action="ppaction://hlinksldjump"/>
+          </p:cNvPr>
+          <p:cNvSpPr/>
+          <p:nvPr/>
+        </p:nvSpPr>
+        <p:spPr>
+          <a:xfrm>
+            <a:off x="500332" y="6055743"/>
+            <a:ext cx="793630" cy="534838"/>
+          </a:xfrm>
+          <a:prstGeom prst="leftArrow">
+            <a:avLst/>
+          </a:prstGeom>
+        </p:spPr>
+        <p:style>
+          <a:lnRef idx="1">
+            <a:schemeClr val="accent3"/>
+          </a:lnRef>
+          <a:fillRef idx="3">
+            <a:schemeClr val="accent3"/>
+          </a:fillRef>
+          <a:effectRef idx="2">
+            <a:schemeClr val="accent3"/>
+          </a:effectRef>
+          <a:fontRef idx="minor">
+            <a:schemeClr val="lt1"/>
+          </a:fontRef>
+        </p:style>
+        <p:txBody>
+          <a:bodyPr rtlCol="0" anchor="ctr"/>
+          <a:lstStyle/>
+          <a:p>
+            <a:pPr algn="ctr"/>
+            <a:endParaRPr lang="en-IN">
+              <a:solidFill>
+                <a:srgbClr val="00B0F0"/>
+              </a:solidFill>
+            </a:endParaRPr>
+          </a:p>
+        </p:txBody>
+      </p:sp>
+      <p:pic>
+        <p:nvPicPr>
+          <p:cNvPr id="3" name="Picture 2"/>
+          <p:cNvPicPr>
+            <a:picLocks noChangeAspect="1"/>
+          </p:cNvPicPr>
+          <p:nvPr/>
+        </p:nvPicPr>
+        <p:blipFill>
+          <a:blip r:embed="rId3"/>
+          <a:stretch>
+            <a:fillRect/>
+          </a:stretch>
+        </p:blipFill>
+        <p:spPr>
+          <a:xfrm>
+            <a:off x="2619375" y="966097"/>
+            <a:ext cx="6953250" cy="5219700"/>
+          </a:xfrm>
+          <a:prstGeom prst="rect">
+            <a:avLst/>
+          </a:prstGeom>
+        </p:spPr>
+      </p:pic>
+    </p:spTree>
+    <p:extLst>
+      <p:ext uri="{BB962C8B-B14F-4D97-AF65-F5344CB8AC3E}">
+        <p14:creationId xmlns:p14="http://schemas.microsoft.com/office/powerpoint/2010/main" val="2180818788"/>
+      </p:ext>
+    </p:extLst>
+  </p:cSld>
+  <p:clrMapOvr>
+    <a:masterClrMapping/>
+  </p:clrMapOvr>
+  <p:timing>
+    <p:tnLst>
+      <p:par>
+        <p:cTn id="1" dur="indefinite" restart="never" nodeType="tmRoot"/>
+      </p:par>
+    </p:tnLst>
+  </p:timing>
+</p:sld>
+</file>
+
+<file path=ppt/slides/slide11.xml><?xml version="1.0" encoding="utf-8"?>
+<p:sld xmlns:a="http://schemas.openxmlformats.org/drawingml/2006/main" xmlns:r="http://schemas.openxmlformats.org/officeDocument/2006/relationships" xmlns:p="http://schemas.openxmlformats.org/presentationml/2006/main">
+  <p:cSld>
+    <p:spTree>
+      <p:nvGrpSpPr>
+        <p:cNvPr id="1" name=""/>
+        <p:cNvGrpSpPr/>
+        <p:nvPr/>
+      </p:nvGrpSpPr>
+      <p:grpSpPr>
+        <a:xfrm>
+          <a:off x="0" y="0"/>
+          <a:ext cx="0" cy="0"/>
+          <a:chOff x="0" y="0"/>
+          <a:chExt cx="0" cy="0"/>
+        </a:xfrm>
+      </p:grpSpPr>
+      <p:sp>
+        <p:nvSpPr>
+          <p:cNvPr id="7" name="Title 6" hidden="1">
+            <a:extLst>
+              <a:ext uri="{FF2B5EF4-FFF2-40B4-BE49-F238E27FC236}">
+                <a16:creationId xmlns:a16="http://schemas.microsoft.com/office/drawing/2014/main" xmlns="" id="{7C70995F-D8C5-410A-AA8B-1EE172A29454}"/>
+              </a:ext>
+            </a:extLst>
+          </p:cNvPr>
+          <p:cNvSpPr>
+            <a:spLocks noGrp="1"/>
+          </p:cNvSpPr>
+          <p:nvPr>
+            <p:ph type="title" idx="4294967295"/>
+          </p:nvPr>
+        </p:nvSpPr>
+        <p:spPr>
+          <a:xfrm>
+            <a:off x="0" y="365125"/>
+            <a:ext cx="10515600" cy="1325563"/>
+          </a:xfrm>
+        </p:spPr>
+        <p:txBody>
+          <a:bodyPr/>
+          <a:lstStyle/>
+          <a:p>
+            <a:r>
+              <a:rPr lang="en-US" dirty="0"/>
+              <a:t>Project analysis slide 10</a:t>
+            </a:r>
+          </a:p>
+        </p:txBody>
+      </p:sp>
+      <p:cxnSp>
+        <p:nvCxnSpPr>
+          <p:cNvPr id="8" name="Straight Connector 7">
+            <a:extLst>
+              <a:ext uri="{FF2B5EF4-FFF2-40B4-BE49-F238E27FC236}">
+                <a16:creationId xmlns:a16="http://schemas.microsoft.com/office/drawing/2014/main" xmlns="" id="{D0986099-F5F2-4E8B-BE17-81194861A00C}"/>
+              </a:ext>
+              <a:ext uri="{C183D7F6-B498-43B3-948B-1728B52AA6E4}">
+                <adec:decorative xmlns:adec="http://schemas.microsoft.com/office/drawing/2017/decorative" xmlns="" val="1"/>
+              </a:ext>
+            </a:extLst>
+          </p:cNvPr>
+          <p:cNvCxnSpPr>
+            <a:cxnSpLocks/>
+          </p:cNvCxnSpPr>
+          <p:nvPr/>
+        </p:nvCxnSpPr>
+        <p:spPr>
+          <a:xfrm>
+            <a:off x="8105775" y="522898"/>
+            <a:ext cx="4086225" cy="0"/>
+          </a:xfrm>
+          <a:prstGeom prst="line">
+            <a:avLst/>
+          </a:prstGeom>
+          <a:ln>
+            <a:solidFill>
+              <a:schemeClr val="accent3">
+                <a:lumMod val="50000"/>
+              </a:schemeClr>
+            </a:solidFill>
+            <a:headEnd type="oval"/>
+          </a:ln>
+        </p:spPr>
+        <p:style>
+          <a:lnRef idx="1">
+            <a:schemeClr val="accent1"/>
+          </a:lnRef>
+          <a:fillRef idx="0">
+            <a:schemeClr val="accent1"/>
+          </a:fillRef>
+          <a:effectRef idx="0">
+            <a:schemeClr val="accent1"/>
+          </a:effectRef>
+          <a:fontRef idx="minor">
+            <a:schemeClr val="tx1"/>
+          </a:fontRef>
+        </p:style>
+      </p:cxnSp>
+      <p:sp>
+        <p:nvSpPr>
+          <p:cNvPr id="11" name="Title 1">
+            <a:extLst>
+              <a:ext uri="{FF2B5EF4-FFF2-40B4-BE49-F238E27FC236}">
+                <a16:creationId xmlns:a16="http://schemas.microsoft.com/office/drawing/2014/main" xmlns="" id="{4E3F5479-058B-4FA8-92E9-18CAB8CDC5C5}"/>
               </a:ext>
             </a:extLst>
           </p:cNvPr>
@@ -11998,10 +12571,10 @@
           <p:cNvPr id="14" name="Straight Connector 13">
             <a:extLst>
               <a:ext uri="{FF2B5EF4-FFF2-40B4-BE49-F238E27FC236}">
-                <a16:creationId xmlns="" xmlns:a16="http://schemas.microsoft.com/office/drawing/2014/main" id="{83E690F4-843A-47A5-8620-4FB01C0D8E68}"/>
+                <a16:creationId xmlns:a16="http://schemas.microsoft.com/office/drawing/2014/main" xmlns="" id="{83E690F4-843A-47A5-8620-4FB01C0D8E68}"/>
               </a:ext>
               <a:ext uri="{C183D7F6-B498-43B3-948B-1728B52AA6E4}">
-                <adec:decorative xmlns="" xmlns:adec="http://schemas.microsoft.com/office/drawing/2017/decorative" val="1"/>
+                <adec:decorative xmlns:adec="http://schemas.microsoft.com/office/drawing/2017/decorative" xmlns="" val="1"/>
               </a:ext>
             </a:extLst>
           </p:cNvPr>
@@ -12103,7 +12676,7 @@
 </p:sld>
 </file>
 
-<file path=ppt/slides/slide11.xml><?xml version="1.0" encoding="utf-8"?>
+<file path=ppt/slides/slide12.xml><?xml version="1.0" encoding="utf-8"?>
 <p:sld xmlns:a="http://schemas.openxmlformats.org/drawingml/2006/main" xmlns:r="http://schemas.openxmlformats.org/officeDocument/2006/relationships" xmlns:p="http://schemas.openxmlformats.org/presentationml/2006/main">
   <p:cSld>
     <p:spTree>
@@ -12125,7 +12698,7 @@
           <p:cNvPr id="7" name="Title 6" hidden="1">
             <a:extLst>
               <a:ext uri="{FF2B5EF4-FFF2-40B4-BE49-F238E27FC236}">
-                <a16:creationId xmlns="" xmlns:a16="http://schemas.microsoft.com/office/drawing/2014/main" id="{7C70995F-D8C5-410A-AA8B-1EE172A29454}"/>
+                <a16:creationId xmlns:a16="http://schemas.microsoft.com/office/drawing/2014/main" xmlns="" id="{7C70995F-D8C5-410A-AA8B-1EE172A29454}"/>
               </a:ext>
             </a:extLst>
           </p:cNvPr>
@@ -12158,10 +12731,10 @@
           <p:cNvPr id="8" name="Straight Connector 7">
             <a:extLst>
               <a:ext uri="{FF2B5EF4-FFF2-40B4-BE49-F238E27FC236}">
-                <a16:creationId xmlns="" xmlns:a16="http://schemas.microsoft.com/office/drawing/2014/main" id="{D0986099-F5F2-4E8B-BE17-81194861A00C}"/>
+                <a16:creationId xmlns:a16="http://schemas.microsoft.com/office/drawing/2014/main" xmlns="" id="{D0986099-F5F2-4E8B-BE17-81194861A00C}"/>
               </a:ext>
               <a:ext uri="{C183D7F6-B498-43B3-948B-1728B52AA6E4}">
-                <adec:decorative xmlns="" xmlns:adec="http://schemas.microsoft.com/office/drawing/2017/decorative" val="1"/>
+                <adec:decorative xmlns:adec="http://schemas.microsoft.com/office/drawing/2017/decorative" xmlns="" val="1"/>
               </a:ext>
             </a:extLst>
           </p:cNvPr>
@@ -12207,7 +12780,7 @@
           <p:cNvPr id="11" name="Title 1">
             <a:extLst>
               <a:ext uri="{FF2B5EF4-FFF2-40B4-BE49-F238E27FC236}">
-                <a16:creationId xmlns="" xmlns:a16="http://schemas.microsoft.com/office/drawing/2014/main" id="{4E3F5479-058B-4FA8-92E9-18CAB8CDC5C5}"/>
+                <a16:creationId xmlns:a16="http://schemas.microsoft.com/office/drawing/2014/main" xmlns="" id="{4E3F5479-058B-4FA8-92E9-18CAB8CDC5C5}"/>
               </a:ext>
             </a:extLst>
           </p:cNvPr>
@@ -12309,10 +12882,10 @@
           <p:cNvPr id="14" name="Straight Connector 13">
             <a:extLst>
               <a:ext uri="{FF2B5EF4-FFF2-40B4-BE49-F238E27FC236}">
-                <a16:creationId xmlns="" xmlns:a16="http://schemas.microsoft.com/office/drawing/2014/main" id="{83E690F4-843A-47A5-8620-4FB01C0D8E68}"/>
+                <a16:creationId xmlns:a16="http://schemas.microsoft.com/office/drawing/2014/main" xmlns="" id="{83E690F4-843A-47A5-8620-4FB01C0D8E68}"/>
               </a:ext>
               <a:ext uri="{C183D7F6-B498-43B3-948B-1728B52AA6E4}">
-                <adec:decorative xmlns="" xmlns:adec="http://schemas.microsoft.com/office/drawing/2017/decorative" val="1"/>
+                <adec:decorative xmlns:adec="http://schemas.microsoft.com/office/drawing/2017/decorative" xmlns="" val="1"/>
               </a:ext>
             </a:extLst>
           </p:cNvPr>
@@ -12362,27 +12935,27 @@
           <p:nvPr>
             <p:extLst>
               <p:ext uri="{D42A27DB-BD31-4B8C-83A1-F6EECF244321}">
-                <p14:modId xmlns:p14="http://schemas.microsoft.com/office/powerpoint/2010/main" val="1200653036"/>
+                <p14:modId xmlns:p14="http://schemas.microsoft.com/office/powerpoint/2010/main" val="1398796850"/>
               </p:ext>
             </p:extLst>
           </p:nvPr>
         </p:nvGraphicFramePr>
         <p:xfrm>
-          <a:off x="1455314" y="855297"/>
-          <a:ext cx="9440214" cy="5615192"/>
+          <a:off x="347730" y="746974"/>
+          <a:ext cx="11615669" cy="5976649"/>
         </p:xfrm>
         <a:graphic>
           <a:graphicData uri="http://schemas.openxmlformats.org/drawingml/2006/table">
             <a:tbl>
               <a:tblPr firstRow="1" bandRow="1">
-                <a:tableStyleId>{7E9639D4-E3E2-4D34-9284-5A2195B3D0D7}</a:tableStyleId>
+                <a:tableStyleId>{5FD0F851-EC5A-4D38-B0AD-8093EC10F338}</a:tableStyleId>
               </a:tblPr>
               <a:tblGrid>
-                <a:gridCol w="1095264"/>
-                <a:gridCol w="2722372"/>
-                <a:gridCol w="5622578"/>
+                <a:gridCol w="1347661"/>
+                <a:gridCol w="3349731"/>
+                <a:gridCol w="6918277"/>
               </a:tblGrid>
-              <a:tr h="504814">
+              <a:tr h="465133">
                 <a:tc>
                   <a:txBody>
                     <a:bodyPr/>
@@ -12429,12 +13002,13 @@
                   <a:tcPr/>
                 </a:tc>
               </a:tr>
-              <a:tr h="504814">
+              <a:tr h="465133">
                 <a:tc>
                   <a:txBody>
                     <a:bodyPr/>
                     <a:lstStyle/>
                     <a:p>
+                      <a:pPr algn="ctr"/>
                       <a:r>
                         <a:rPr lang="en-IN" dirty="0" smtClean="0"/>
                         <a:t>1</a:t>
@@ -12464,9 +13038,7 @@
                     <a:lstStyle/>
                     <a:p>
                       <a:r>
-                        <a:rPr lang="en-IN" dirty="0" smtClean="0">
-                          <a:hlinkClick r:id="rId2"/>
-                        </a:rPr>
+                        <a:rPr lang="en-IN" dirty="0" smtClean="0"/>
                         <a:t>https://developer.android.com/jetpack</a:t>
                       </a:r>
                       <a:endParaRPr lang="en-IN" dirty="0"/>
@@ -12475,12 +13047,13 @@
                   <a:tcPr/>
                 </a:tc>
               </a:tr>
-              <a:tr h="1244747">
+              <a:tr h="1146905">
                 <a:tc>
                   <a:txBody>
                     <a:bodyPr/>
                     <a:lstStyle/>
                     <a:p>
+                      <a:pPr algn="ctr"/>
                       <a:r>
                         <a:rPr lang="en-IN" dirty="0" smtClean="0"/>
                         <a:t>2</a:t>
@@ -12510,33 +13083,23 @@
                     <a:lstStyle/>
                     <a:p>
                       <a:r>
-                        <a:rPr lang="en-IN" dirty="0" smtClean="0">
-                          <a:hlinkClick r:id="rId3"/>
-                        </a:rPr>
+                        <a:rPr lang="en-IN" dirty="0" smtClean="0"/>
                         <a:t>https://codelabs.developers.google.com/</a:t>
                       </a:r>
                       <a:r>
-                        <a:rPr lang="en-IN" dirty="0" err="1" smtClean="0">
-                          <a:hlinkClick r:id="rId3"/>
-                        </a:rPr>
+                        <a:rPr lang="en-IN" dirty="0" err="1" smtClean="0"/>
                         <a:t>codelabs</a:t>
                       </a:r>
                       <a:r>
-                        <a:rPr lang="en-IN" dirty="0" smtClean="0">
-                          <a:hlinkClick r:id="rId3"/>
-                        </a:rPr>
+                        <a:rPr lang="en-IN" dirty="0" smtClean="0"/>
                         <a:t>/android-room-with-a-view/</a:t>
                       </a:r>
                       <a:r>
-                        <a:rPr lang="en-IN" dirty="0" err="1" smtClean="0">
-                          <a:hlinkClick r:id="rId3"/>
-                        </a:rPr>
+                        <a:rPr lang="en-IN" dirty="0" err="1" smtClean="0"/>
                         <a:t>index.html?index</a:t>
                       </a:r>
                       <a:r>
-                        <a:rPr lang="en-IN" dirty="0" smtClean="0">
-                          <a:hlinkClick r:id="rId3"/>
-                        </a:rPr>
+                        <a:rPr lang="en-IN" dirty="0" smtClean="0"/>
                         <a:t>=..%2F..index#0</a:t>
                       </a:r>
                       <a:endParaRPr lang="en-IN" dirty="0"/>
@@ -12545,12 +13108,13 @@
                   <a:tcPr/>
                 </a:tc>
               </a:tr>
-              <a:tr h="1244747">
+              <a:tr h="1146905">
                 <a:tc>
                   <a:txBody>
                     <a:bodyPr/>
                     <a:lstStyle/>
                     <a:p>
+                      <a:pPr algn="ctr"/>
                       <a:r>
                         <a:rPr lang="en-IN" dirty="0" smtClean="0"/>
                         <a:t>3</a:t>
@@ -12584,45 +13148,31 @@
                     <a:lstStyle/>
                     <a:p>
                       <a:r>
-                        <a:rPr lang="en-IN" dirty="0" smtClean="0">
-                          <a:hlinkClick r:id="rId4"/>
-                        </a:rPr>
+                        <a:rPr lang="en-IN" dirty="0" smtClean="0"/>
                         <a:t>https://codelabs.developers.google.com/</a:t>
                       </a:r>
                       <a:r>
-                        <a:rPr lang="en-IN" dirty="0" err="1" smtClean="0">
-                          <a:hlinkClick r:id="rId4"/>
-                        </a:rPr>
+                        <a:rPr lang="en-IN" dirty="0" err="1" smtClean="0"/>
                         <a:t>codelabs</a:t>
                       </a:r>
                       <a:r>
-                        <a:rPr lang="en-IN" dirty="0" smtClean="0">
-                          <a:hlinkClick r:id="rId4"/>
-                        </a:rPr>
+                        <a:rPr lang="en-IN" dirty="0" smtClean="0"/>
                         <a:t>/android-</a:t>
                       </a:r>
                       <a:r>
-                        <a:rPr lang="en-IN" dirty="0" err="1" smtClean="0">
-                          <a:hlinkClick r:id="rId4"/>
-                        </a:rPr>
+                        <a:rPr lang="en-IN" dirty="0" err="1" smtClean="0"/>
                         <a:t>databinding</a:t>
                       </a:r>
                       <a:r>
-                        <a:rPr lang="en-IN" dirty="0" smtClean="0">
-                          <a:hlinkClick r:id="rId4"/>
-                        </a:rPr>
+                        <a:rPr lang="en-IN" dirty="0" smtClean="0"/>
                         <a:t>/</a:t>
                       </a:r>
                       <a:r>
-                        <a:rPr lang="en-IN" dirty="0" err="1" smtClean="0">
-                          <a:hlinkClick r:id="rId4"/>
-                        </a:rPr>
+                        <a:rPr lang="en-IN" dirty="0" err="1" smtClean="0"/>
                         <a:t>index.html?index</a:t>
                       </a:r>
                       <a:r>
-                        <a:rPr lang="en-IN" dirty="0" smtClean="0">
-                          <a:hlinkClick r:id="rId4"/>
-                        </a:rPr>
+                        <a:rPr lang="en-IN" dirty="0" smtClean="0"/>
                         <a:t>=..%2F..index#0</a:t>
                       </a:r>
                       <a:endParaRPr lang="en-IN" dirty="0"/>
@@ -12631,12 +13181,13 @@
                   <a:tcPr/>
                 </a:tc>
               </a:tr>
-              <a:tr h="1244747">
+              <a:tr h="1146905">
                 <a:tc>
                   <a:txBody>
                     <a:bodyPr/>
                     <a:lstStyle/>
                     <a:p>
+                      <a:pPr algn="ctr"/>
                       <a:r>
                         <a:rPr lang="en-IN" dirty="0" smtClean="0"/>
                         <a:t>4</a:t>
@@ -12686,47 +13237,41 @@
                     <a:lstStyle/>
                     <a:p>
                       <a:r>
-                        <a:rPr lang="en-IN" dirty="0" smtClean="0">
-                          <a:hlinkClick r:id="rId5"/>
-                        </a:rPr>
+                        <a:rPr lang="en-IN" dirty="0" smtClean="0"/>
                         <a:t>https://codelabs.developers.google.com/</a:t>
                       </a:r>
                       <a:r>
-                        <a:rPr lang="en-IN" dirty="0" err="1" smtClean="0">
-                          <a:hlinkClick r:id="rId5"/>
-                        </a:rPr>
+                        <a:rPr lang="en-IN" dirty="0" err="1" smtClean="0"/>
                         <a:t>codelabs</a:t>
                       </a:r>
                       <a:r>
-                        <a:rPr lang="en-IN" dirty="0" smtClean="0">
-                          <a:hlinkClick r:id="rId5"/>
-                        </a:rPr>
+                        <a:rPr lang="en-IN" dirty="0" smtClean="0"/>
                         <a:t>/android-lifecycles/</a:t>
                       </a:r>
                       <a:r>
-                        <a:rPr lang="en-IN" dirty="0" err="1" smtClean="0">
-                          <a:hlinkClick r:id="rId5"/>
-                        </a:rPr>
+                        <a:rPr lang="en-IN" dirty="0" err="1" smtClean="0"/>
                         <a:t>index.html?index</a:t>
                       </a:r>
                       <a:r>
-                        <a:rPr lang="en-IN" dirty="0" smtClean="0">
-                          <a:hlinkClick r:id="rId5"/>
-                        </a:rPr>
-                        <a:t>=..%2F..index#0</a:t>
+                        <a:rPr lang="en-IN" dirty="0" smtClean="0"/>
+                        <a:t>=..%2F..</a:t>
                       </a:r>
-                      <a:endParaRPr lang="en-IN" dirty="0"/>
+                      <a:r>
+                        <a:rPr lang="en-IN" dirty="0" smtClean="0"/>
+                        <a:t>index#0</a:t>
+                      </a:r>
                     </a:p>
                   </a:txBody>
                   <a:tcPr/>
                 </a:tc>
               </a:tr>
-              <a:tr h="871323">
+              <a:tr h="802834">
                 <a:tc>
                   <a:txBody>
                     <a:bodyPr/>
                     <a:lstStyle/>
                     <a:p>
+                      <a:pPr algn="ctr"/>
                       <a:r>
                         <a:rPr lang="en-IN" dirty="0" smtClean="0"/>
                         <a:t>5</a:t>
@@ -12741,12 +13286,16 @@
                     <a:lstStyle/>
                     <a:p>
                       <a:r>
-                        <a:rPr lang="en-IN" dirty="0" smtClean="0"/>
+                        <a:rPr lang="en-IN" smtClean="0"/>
                         <a:t>My</a:t>
                       </a:r>
                       <a:r>
-                        <a:rPr lang="en-IN" baseline="0" dirty="0" smtClean="0"/>
-                        <a:t> Demo</a:t>
+                        <a:rPr lang="en-IN" baseline="0" smtClean="0"/>
+                        <a:t> </a:t>
+                      </a:r>
+                      <a:r>
+                        <a:rPr lang="en-IN" baseline="0" smtClean="0"/>
+                        <a:t>Demo (SK)</a:t>
                       </a:r>
                       <a:endParaRPr lang="en-IN" dirty="0"/>
                     </a:p>
@@ -12761,6 +13310,55 @@
                       <a:r>
                         <a:rPr lang="en-IN" dirty="0" smtClean="0"/>
                         <a:t>https://github.com/the-kool-sk/AndroidArchitectureComponents_Demo.git</a:t>
+                      </a:r>
+                      <a:endParaRPr lang="en-IN" dirty="0"/>
+                    </a:p>
+                  </a:txBody>
+                  <a:tcPr/>
+                </a:tc>
+              </a:tr>
+              <a:tr h="802834">
+                <a:tc>
+                  <a:txBody>
+                    <a:bodyPr/>
+                    <a:lstStyle/>
+                    <a:p>
+                      <a:pPr algn="ctr"/>
+                      <a:r>
+                        <a:rPr lang="en-IN" dirty="0" smtClean="0"/>
+                        <a:t>6</a:t>
+                      </a:r>
+                      <a:endParaRPr lang="en-IN" dirty="0" smtClean="0"/>
+                    </a:p>
+                  </a:txBody>
+                  <a:tcPr/>
+                </a:tc>
+                <a:tc>
+                  <a:txBody>
+                    <a:bodyPr/>
+                    <a:lstStyle/>
+                    <a:p>
+                      <a:r>
+                        <a:rPr lang="en-IN" dirty="0" smtClean="0"/>
+                        <a:t>MVVM</a:t>
+                      </a:r>
+                      <a:r>
+                        <a:rPr lang="en-IN" baseline="0" dirty="0" smtClean="0"/>
+                        <a:t> guide </a:t>
+                      </a:r>
+                      <a:endParaRPr lang="en-IN" dirty="0"/>
+                    </a:p>
+                  </a:txBody>
+                  <a:tcPr/>
+                </a:tc>
+                <a:tc>
+                  <a:txBody>
+                    <a:bodyPr/>
+                    <a:lstStyle/>
+                    <a:p>
+                      <a:r>
+                        <a:rPr lang="en-IN" dirty="0" smtClean="0"/>
+                        <a:t>https://developer.android.com/jetpack/docs/guide</a:t>
                       </a:r>
                       <a:endParaRPr lang="en-IN" dirty="0"/>
                     </a:p>
@@ -12792,7 +13390,7 @@
 </p:sld>
 </file>
 
-<file path=ppt/slides/slide12.xml><?xml version="1.0" encoding="utf-8"?>
+<file path=ppt/slides/slide13.xml><?xml version="1.0" encoding="utf-8"?>
 <p:sld xmlns:a="http://schemas.openxmlformats.org/drawingml/2006/main" xmlns:r="http://schemas.openxmlformats.org/officeDocument/2006/relationships" xmlns:p="http://schemas.openxmlformats.org/presentationml/2006/main">
   <p:cSld>
     <p:bg>
@@ -12831,10 +13429,10 @@
           <p:cNvPr id="11" name="Group 10">
             <a:extLst>
               <a:ext uri="{FF2B5EF4-FFF2-40B4-BE49-F238E27FC236}">
-                <a16:creationId xmlns="" xmlns:a16="http://schemas.microsoft.com/office/drawing/2014/main" id="{62A21665-C64F-4BDA-B2DE-442D70605718}"/>
+                <a16:creationId xmlns:a16="http://schemas.microsoft.com/office/drawing/2014/main" xmlns="" id="{62A21665-C64F-4BDA-B2DE-442D70605718}"/>
               </a:ext>
               <a:ext uri="{C183D7F6-B498-43B3-948B-1728B52AA6E4}">
-                <adec:decorative xmlns="" xmlns:adec="http://schemas.microsoft.com/office/drawing/2017/decorative" val="1"/>
+                <adec:decorative xmlns:adec="http://schemas.microsoft.com/office/drawing/2017/decorative" xmlns="" val="1"/>
               </a:ext>
             </a:extLst>
           </p:cNvPr>
@@ -12854,7 +13452,7 @@
             <p:cNvPr id="12" name="Diamond 11">
               <a:extLst>
                 <a:ext uri="{FF2B5EF4-FFF2-40B4-BE49-F238E27FC236}">
-                  <a16:creationId xmlns="" xmlns:a16="http://schemas.microsoft.com/office/drawing/2014/main" id="{7DC8B409-5FAC-4539-B25A-26BE925A48AF}"/>
+                  <a16:creationId xmlns:a16="http://schemas.microsoft.com/office/drawing/2014/main" xmlns="" id="{7DC8B409-5FAC-4539-B25A-26BE925A48AF}"/>
                 </a:ext>
               </a:extLst>
             </p:cNvPr>
@@ -12906,7 +13504,7 @@
             <p:cNvPr id="13" name="Diamond 12">
               <a:extLst>
                 <a:ext uri="{FF2B5EF4-FFF2-40B4-BE49-F238E27FC236}">
-                  <a16:creationId xmlns="" xmlns:a16="http://schemas.microsoft.com/office/drawing/2014/main" id="{91498E2F-539C-46D3-AF7C-BB1DAE76B114}"/>
+                  <a16:creationId xmlns:a16="http://schemas.microsoft.com/office/drawing/2014/main" xmlns="" id="{91498E2F-539C-46D3-AF7C-BB1DAE76B114}"/>
                 </a:ext>
               </a:extLst>
             </p:cNvPr>
@@ -12959,7 +13557,7 @@
           <p:cNvPr id="15" name="Title 1">
             <a:extLst>
               <a:ext uri="{FF2B5EF4-FFF2-40B4-BE49-F238E27FC236}">
-                <a16:creationId xmlns="" xmlns:a16="http://schemas.microsoft.com/office/drawing/2014/main" id="{FA061601-468D-486D-B8EE-42BD1BE3ADCC}"/>
+                <a16:creationId xmlns:a16="http://schemas.microsoft.com/office/drawing/2014/main" xmlns="" id="{FA061601-468D-486D-B8EE-42BD1BE3ADCC}"/>
               </a:ext>
             </a:extLst>
           </p:cNvPr>
@@ -13004,10 +13602,10 @@
             <a:hlinkClick r:id="rId2"/>
             <a:extLst>
               <a:ext uri="{FF2B5EF4-FFF2-40B4-BE49-F238E27FC236}">
-                <a16:creationId xmlns="" xmlns:a16="http://schemas.microsoft.com/office/drawing/2014/main" id="{A86744F2-5246-4A0A-B119-35E7FB76A0D8}"/>
+                <a16:creationId xmlns:a16="http://schemas.microsoft.com/office/drawing/2014/main" xmlns="" id="{A86744F2-5246-4A0A-B119-35E7FB76A0D8}"/>
               </a:ext>
               <a:ext uri="{C183D7F6-B498-43B3-948B-1728B52AA6E4}">
-                <adec:decorative xmlns="" xmlns:adec="http://schemas.microsoft.com/office/drawing/2017/decorative" val="0"/>
+                <adec:decorative xmlns:adec="http://schemas.microsoft.com/office/drawing/2017/decorative" xmlns="" val="0"/>
               </a:ext>
             </a:extLst>
           </p:cNvPr>
@@ -13050,7 +13648,7 @@
           <a:p>
             <a:fld id="{06FEDF93-2BFD-41CA-ABC7-B039102F3792}" type="slidenum">
               <a:rPr lang="en-US" smtClean="0"/>
-              <a:t>12</a:t>
+              <a:t>13</a:t>
             </a:fld>
             <a:endParaRPr lang="en-US" dirty="0"/>
           </a:p>
@@ -13098,10 +13696,10 @@
           <p:cNvPr id="23" name="Oval 22">
             <a:extLst>
               <a:ext uri="{FF2B5EF4-FFF2-40B4-BE49-F238E27FC236}">
-                <a16:creationId xmlns="" xmlns:a16="http://schemas.microsoft.com/office/drawing/2014/main" id="{364CFD90-D0E1-4BC3-9D8B-7503E2632C39}"/>
+                <a16:creationId xmlns:a16="http://schemas.microsoft.com/office/drawing/2014/main" xmlns="" id="{364CFD90-D0E1-4BC3-9D8B-7503E2632C39}"/>
               </a:ext>
               <a:ext uri="{C183D7F6-B498-43B3-948B-1728B52AA6E4}">
-                <adec:decorative xmlns="" xmlns:adec="http://schemas.microsoft.com/office/drawing/2017/decorative" val="1"/>
+                <adec:decorative xmlns:adec="http://schemas.microsoft.com/office/drawing/2017/decorative" xmlns="" val="1"/>
               </a:ext>
             </a:extLst>
           </p:cNvPr>
@@ -13153,7 +13751,7 @@
           <p:cNvPr id="4" name="Title 3" hidden="1">
             <a:extLst>
               <a:ext uri="{FF2B5EF4-FFF2-40B4-BE49-F238E27FC236}">
-                <a16:creationId xmlns="" xmlns:a16="http://schemas.microsoft.com/office/drawing/2014/main" id="{B5981CF1-BC08-49F8-B0F9-AAF98EC67450}"/>
+                <a16:creationId xmlns:a16="http://schemas.microsoft.com/office/drawing/2014/main" xmlns="" id="{B5981CF1-BC08-49F8-B0F9-AAF98EC67450}"/>
               </a:ext>
             </a:extLst>
           </p:cNvPr>
@@ -13186,10 +13784,10 @@
           <p:cNvPr id="8" name="Straight Connector 7">
             <a:extLst>
               <a:ext uri="{FF2B5EF4-FFF2-40B4-BE49-F238E27FC236}">
-                <a16:creationId xmlns="" xmlns:a16="http://schemas.microsoft.com/office/drawing/2014/main" id="{D0986099-F5F2-4E8B-BE17-81194861A00C}"/>
+                <a16:creationId xmlns:a16="http://schemas.microsoft.com/office/drawing/2014/main" xmlns="" id="{D0986099-F5F2-4E8B-BE17-81194861A00C}"/>
               </a:ext>
               <a:ext uri="{C183D7F6-B498-43B3-948B-1728B52AA6E4}">
-                <adec:decorative xmlns="" xmlns:adec="http://schemas.microsoft.com/office/drawing/2017/decorative" val="1"/>
+                <adec:decorative xmlns:adec="http://schemas.microsoft.com/office/drawing/2017/decorative" xmlns="" val="1"/>
               </a:ext>
             </a:extLst>
           </p:cNvPr>
@@ -13235,7 +13833,7 @@
           <p:cNvPr id="11" name="Title 1">
             <a:extLst>
               <a:ext uri="{FF2B5EF4-FFF2-40B4-BE49-F238E27FC236}">
-                <a16:creationId xmlns="" xmlns:a16="http://schemas.microsoft.com/office/drawing/2014/main" id="{4E3F5479-058B-4FA8-92E9-18CAB8CDC5C5}"/>
+                <a16:creationId xmlns:a16="http://schemas.microsoft.com/office/drawing/2014/main" xmlns="" id="{4E3F5479-058B-4FA8-92E9-18CAB8CDC5C5}"/>
               </a:ext>
             </a:extLst>
           </p:cNvPr>
@@ -13305,10 +13903,10 @@
           <p:cNvPr id="14" name="Straight Connector 13">
             <a:extLst>
               <a:ext uri="{FF2B5EF4-FFF2-40B4-BE49-F238E27FC236}">
-                <a16:creationId xmlns="" xmlns:a16="http://schemas.microsoft.com/office/drawing/2014/main" id="{83E690F4-843A-47A5-8620-4FB01C0D8E68}"/>
+                <a16:creationId xmlns:a16="http://schemas.microsoft.com/office/drawing/2014/main" xmlns="" id="{83E690F4-843A-47A5-8620-4FB01C0D8E68}"/>
               </a:ext>
               <a:ext uri="{C183D7F6-B498-43B3-948B-1728B52AA6E4}">
-                <adec:decorative xmlns="" xmlns:adec="http://schemas.microsoft.com/office/drawing/2017/decorative" val="1"/>
+                <adec:decorative xmlns:adec="http://schemas.microsoft.com/office/drawing/2017/decorative" xmlns="" val="1"/>
               </a:ext>
             </a:extLst>
           </p:cNvPr>
@@ -13354,10 +13952,10 @@
           <p:cNvPr id="13" name="Oval 12">
             <a:extLst>
               <a:ext uri="{FF2B5EF4-FFF2-40B4-BE49-F238E27FC236}">
-                <a16:creationId xmlns="" xmlns:a16="http://schemas.microsoft.com/office/drawing/2014/main" id="{E3ECCC05-FF78-40FA-84FF-172821D8B58A}"/>
+                <a16:creationId xmlns:a16="http://schemas.microsoft.com/office/drawing/2014/main" xmlns="" id="{E3ECCC05-FF78-40FA-84FF-172821D8B58A}"/>
               </a:ext>
               <a:ext uri="{C183D7F6-B498-43B3-948B-1728B52AA6E4}">
-                <adec:decorative xmlns="" xmlns:adec="http://schemas.microsoft.com/office/drawing/2017/decorative" val="1"/>
+                <adec:decorative xmlns:adec="http://schemas.microsoft.com/office/drawing/2017/decorative" xmlns="" val="1"/>
               </a:ext>
             </a:extLst>
           </p:cNvPr>
@@ -13417,10 +14015,10 @@
           <p:cNvPr id="16" name="Rectangle: Rounded Corners 15">
             <a:extLst>
               <a:ext uri="{FF2B5EF4-FFF2-40B4-BE49-F238E27FC236}">
-                <a16:creationId xmlns="" xmlns:a16="http://schemas.microsoft.com/office/drawing/2014/main" id="{D6178536-4D8A-4FF2-BBDC-4B3E7E0FCF26}"/>
+                <a16:creationId xmlns:a16="http://schemas.microsoft.com/office/drawing/2014/main" xmlns="" id="{D6178536-4D8A-4FF2-BBDC-4B3E7E0FCF26}"/>
               </a:ext>
               <a:ext uri="{C183D7F6-B498-43B3-948B-1728B52AA6E4}">
-                <adec:decorative xmlns="" xmlns:adec="http://schemas.microsoft.com/office/drawing/2017/decorative" val="1"/>
+                <adec:decorative xmlns:adec="http://schemas.microsoft.com/office/drawing/2017/decorative" xmlns="" val="1"/>
               </a:ext>
             </a:extLst>
           </p:cNvPr>
@@ -13469,7 +14067,6 @@
               <a:rPr lang="en-US" sz="1600" dirty="0"/>
               <a:t>Actual Code</a:t>
             </a:r>
-            <a:endParaRPr lang="en-US" sz="1600" dirty="0"/>
           </a:p>
         </p:txBody>
       </p:sp>
@@ -13478,10 +14075,10 @@
           <p:cNvPr id="15" name="Oval 14">
             <a:extLst>
               <a:ext uri="{FF2B5EF4-FFF2-40B4-BE49-F238E27FC236}">
-                <a16:creationId xmlns="" xmlns:a16="http://schemas.microsoft.com/office/drawing/2014/main" id="{416F1356-9015-4B5C-9C64-3C1D963E5F59}"/>
+                <a16:creationId xmlns:a16="http://schemas.microsoft.com/office/drawing/2014/main" xmlns="" id="{416F1356-9015-4B5C-9C64-3C1D963E5F59}"/>
               </a:ext>
               <a:ext uri="{C183D7F6-B498-43B3-948B-1728B52AA6E4}">
-                <adec:decorative xmlns="" xmlns:adec="http://schemas.microsoft.com/office/drawing/2017/decorative" val="1"/>
+                <adec:decorative xmlns:adec="http://schemas.microsoft.com/office/drawing/2017/decorative" xmlns="" val="1"/>
               </a:ext>
             </a:extLst>
           </p:cNvPr>
@@ -13535,10 +14132,10 @@
           <p:cNvPr id="21" name="Rectangle: Rounded Corners 20">
             <a:extLst>
               <a:ext uri="{FF2B5EF4-FFF2-40B4-BE49-F238E27FC236}">
-                <a16:creationId xmlns="" xmlns:a16="http://schemas.microsoft.com/office/drawing/2014/main" id="{952C5002-7E64-4069-ACA0-6876E54A9B46}"/>
+                <a16:creationId xmlns:a16="http://schemas.microsoft.com/office/drawing/2014/main" xmlns="" id="{952C5002-7E64-4069-ACA0-6876E54A9B46}"/>
               </a:ext>
               <a:ext uri="{C183D7F6-B498-43B3-948B-1728B52AA6E4}">
-                <adec:decorative xmlns="" xmlns:adec="http://schemas.microsoft.com/office/drawing/2017/decorative" val="1"/>
+                <adec:decorative xmlns:adec="http://schemas.microsoft.com/office/drawing/2017/decorative" xmlns="" val="1"/>
               </a:ext>
             </a:extLst>
           </p:cNvPr>
@@ -13596,10 +14193,10 @@
           <p:cNvPr id="22" name="Oval 21">
             <a:extLst>
               <a:ext uri="{FF2B5EF4-FFF2-40B4-BE49-F238E27FC236}">
-                <a16:creationId xmlns="" xmlns:a16="http://schemas.microsoft.com/office/drawing/2014/main" id="{A49C5F3A-6F0D-4A0F-AE6E-92F342C22ACD}"/>
+                <a16:creationId xmlns:a16="http://schemas.microsoft.com/office/drawing/2014/main" xmlns="" id="{A49C5F3A-6F0D-4A0F-AE6E-92F342C22ACD}"/>
               </a:ext>
               <a:ext uri="{C183D7F6-B498-43B3-948B-1728B52AA6E4}">
-                <adec:decorative xmlns="" xmlns:adec="http://schemas.microsoft.com/office/drawing/2017/decorative" val="1"/>
+                <adec:decorative xmlns:adec="http://schemas.microsoft.com/office/drawing/2017/decorative" xmlns="" val="1"/>
               </a:ext>
             </a:extLst>
           </p:cNvPr>
@@ -13653,10 +14250,10 @@
           <p:cNvPr id="25" name="Rectangle: Rounded Corners 24">
             <a:extLst>
               <a:ext uri="{FF2B5EF4-FFF2-40B4-BE49-F238E27FC236}">
-                <a16:creationId xmlns="" xmlns:a16="http://schemas.microsoft.com/office/drawing/2014/main" id="{94A75A79-A67A-4A23-8588-7FC5EB9A5183}"/>
+                <a16:creationId xmlns:a16="http://schemas.microsoft.com/office/drawing/2014/main" xmlns="" id="{94A75A79-A67A-4A23-8588-7FC5EB9A5183}"/>
               </a:ext>
               <a:ext uri="{C183D7F6-B498-43B3-948B-1728B52AA6E4}">
-                <adec:decorative xmlns="" xmlns:adec="http://schemas.microsoft.com/office/drawing/2017/decorative" val="1"/>
+                <adec:decorative xmlns:adec="http://schemas.microsoft.com/office/drawing/2017/decorative" xmlns="" val="1"/>
               </a:ext>
             </a:extLst>
           </p:cNvPr>
@@ -13720,10 +14317,10 @@
           <p:cNvPr id="26" name="Oval 25">
             <a:extLst>
               <a:ext uri="{FF2B5EF4-FFF2-40B4-BE49-F238E27FC236}">
-                <a16:creationId xmlns="" xmlns:a16="http://schemas.microsoft.com/office/drawing/2014/main" id="{BBC62739-FA35-49F8-8929-743B31F55A69}"/>
+                <a16:creationId xmlns:a16="http://schemas.microsoft.com/office/drawing/2014/main" xmlns="" id="{BBC62739-FA35-49F8-8929-743B31F55A69}"/>
               </a:ext>
               <a:ext uri="{C183D7F6-B498-43B3-948B-1728B52AA6E4}">
-                <adec:decorative xmlns="" xmlns:adec="http://schemas.microsoft.com/office/drawing/2017/decorative" val="1"/>
+                <adec:decorative xmlns:adec="http://schemas.microsoft.com/office/drawing/2017/decorative" xmlns="" val="1"/>
               </a:ext>
             </a:extLst>
           </p:cNvPr>
@@ -13777,10 +14374,10 @@
           <p:cNvPr id="29" name="Rectangle: Rounded Corners 28">
             <a:extLst>
               <a:ext uri="{FF2B5EF4-FFF2-40B4-BE49-F238E27FC236}">
-                <a16:creationId xmlns="" xmlns:a16="http://schemas.microsoft.com/office/drawing/2014/main" id="{D4D7D4B6-62C2-45AB-89A5-3A41DA021FD2}"/>
+                <a16:creationId xmlns:a16="http://schemas.microsoft.com/office/drawing/2014/main" xmlns="" id="{D4D7D4B6-62C2-45AB-89A5-3A41DA021FD2}"/>
               </a:ext>
               <a:ext uri="{C183D7F6-B498-43B3-948B-1728B52AA6E4}">
-                <adec:decorative xmlns="" xmlns:adec="http://schemas.microsoft.com/office/drawing/2017/decorative" val="1"/>
+                <adec:decorative xmlns:adec="http://schemas.microsoft.com/office/drawing/2017/decorative" xmlns="" val="1"/>
               </a:ext>
             </a:extLst>
           </p:cNvPr>
@@ -13829,7 +14426,6 @@
               <a:rPr lang="en-US" sz="1600" dirty="0"/>
               <a:t>MVVM Overview</a:t>
             </a:r>
-            <a:endParaRPr lang="en-US" sz="1600" dirty="0"/>
           </a:p>
         </p:txBody>
       </p:sp>
@@ -13838,10 +14434,10 @@
           <p:cNvPr id="30" name="Oval 29">
             <a:extLst>
               <a:ext uri="{FF2B5EF4-FFF2-40B4-BE49-F238E27FC236}">
-                <a16:creationId xmlns="" xmlns:a16="http://schemas.microsoft.com/office/drawing/2014/main" id="{83902602-D4BC-4D44-AC14-BB55A86C5D06}"/>
+                <a16:creationId xmlns:a16="http://schemas.microsoft.com/office/drawing/2014/main" xmlns="" id="{83902602-D4BC-4D44-AC14-BB55A86C5D06}"/>
               </a:ext>
               <a:ext uri="{C183D7F6-B498-43B3-948B-1728B52AA6E4}">
-                <adec:decorative xmlns="" xmlns:adec="http://schemas.microsoft.com/office/drawing/2017/decorative" val="1"/>
+                <adec:decorative xmlns:adec="http://schemas.microsoft.com/office/drawing/2017/decorative" xmlns="" val="1"/>
               </a:ext>
             </a:extLst>
           </p:cNvPr>
@@ -13983,11 +14579,6 @@
               </a:rPr>
               <a:t>2</a:t>
             </a:r>
-            <a:endParaRPr lang="en-IN" sz="4000" b="1" dirty="0">
-              <a:solidFill>
-                <a:schemeClr val="bg1"/>
-              </a:solidFill>
-            </a:endParaRPr>
           </a:p>
         </p:txBody>
       </p:sp>
@@ -14056,11 +14647,6 @@
               </a:rPr>
               <a:t>4</a:t>
             </a:r>
-            <a:endParaRPr lang="en-IN" sz="4000" b="1" dirty="0">
-              <a:solidFill>
-                <a:schemeClr val="bg1"/>
-              </a:solidFill>
-            </a:endParaRPr>
           </a:p>
         </p:txBody>
       </p:sp>
@@ -14188,7 +14774,7 @@
           <p:cNvPr id="9" name="Title 8" hidden="1">
             <a:extLst>
               <a:ext uri="{FF2B5EF4-FFF2-40B4-BE49-F238E27FC236}">
-                <a16:creationId xmlns="" xmlns:a16="http://schemas.microsoft.com/office/drawing/2014/main" id="{9FDB6406-0CDB-4213-A1B6-DE47D953FED3}"/>
+                <a16:creationId xmlns:a16="http://schemas.microsoft.com/office/drawing/2014/main" xmlns="" id="{9FDB6406-0CDB-4213-A1B6-DE47D953FED3}"/>
               </a:ext>
             </a:extLst>
           </p:cNvPr>
@@ -14221,10 +14807,10 @@
           <p:cNvPr id="8" name="Straight Connector 7">
             <a:extLst>
               <a:ext uri="{FF2B5EF4-FFF2-40B4-BE49-F238E27FC236}">
-                <a16:creationId xmlns="" xmlns:a16="http://schemas.microsoft.com/office/drawing/2014/main" id="{D0986099-F5F2-4E8B-BE17-81194861A00C}"/>
+                <a16:creationId xmlns:a16="http://schemas.microsoft.com/office/drawing/2014/main" xmlns="" id="{D0986099-F5F2-4E8B-BE17-81194861A00C}"/>
               </a:ext>
               <a:ext uri="{C183D7F6-B498-43B3-948B-1728B52AA6E4}">
-                <adec:decorative xmlns="" xmlns:adec="http://schemas.microsoft.com/office/drawing/2017/decorative" val="1"/>
+                <adec:decorative xmlns:adec="http://schemas.microsoft.com/office/drawing/2017/decorative" xmlns="" val="1"/>
               </a:ext>
             </a:extLst>
           </p:cNvPr>
@@ -14270,7 +14856,7 @@
           <p:cNvPr id="11" name="Title 1">
             <a:extLst>
               <a:ext uri="{FF2B5EF4-FFF2-40B4-BE49-F238E27FC236}">
-                <a16:creationId xmlns="" xmlns:a16="http://schemas.microsoft.com/office/drawing/2014/main" id="{4E3F5479-058B-4FA8-92E9-18CAB8CDC5C5}"/>
+                <a16:creationId xmlns:a16="http://schemas.microsoft.com/office/drawing/2014/main" xmlns="" id="{4E3F5479-058B-4FA8-92E9-18CAB8CDC5C5}"/>
               </a:ext>
             </a:extLst>
           </p:cNvPr>
@@ -14378,10 +14964,10 @@
           <p:cNvPr id="14" name="Straight Connector 13">
             <a:extLst>
               <a:ext uri="{FF2B5EF4-FFF2-40B4-BE49-F238E27FC236}">
-                <a16:creationId xmlns="" xmlns:a16="http://schemas.microsoft.com/office/drawing/2014/main" id="{83E690F4-843A-47A5-8620-4FB01C0D8E68}"/>
+                <a16:creationId xmlns:a16="http://schemas.microsoft.com/office/drawing/2014/main" xmlns="" id="{83E690F4-843A-47A5-8620-4FB01C0D8E68}"/>
               </a:ext>
               <a:ext uri="{C183D7F6-B498-43B3-948B-1728B52AA6E4}">
-                <adec:decorative xmlns="" xmlns:adec="http://schemas.microsoft.com/office/drawing/2017/decorative" val="1"/>
+                <adec:decorative xmlns:adec="http://schemas.microsoft.com/office/drawing/2017/decorative" xmlns="" val="1"/>
               </a:ext>
             </a:extLst>
           </p:cNvPr>
@@ -14428,10 +15014,10 @@
             <a:hlinkClick r:id="" action="ppaction://hlinkshowjump?jump=nextslide"/>
             <a:extLst>
               <a:ext uri="{FF2B5EF4-FFF2-40B4-BE49-F238E27FC236}">
-                <a16:creationId xmlns="" xmlns:a16="http://schemas.microsoft.com/office/drawing/2014/main" id="{5B804E9F-B6B5-41F9-9B63-9AF435FDC2B7}"/>
+                <a16:creationId xmlns:a16="http://schemas.microsoft.com/office/drawing/2014/main" xmlns="" id="{5B804E9F-B6B5-41F9-9B63-9AF435FDC2B7}"/>
               </a:ext>
               <a:ext uri="{C183D7F6-B498-43B3-948B-1728B52AA6E4}">
-                <adec:decorative xmlns="" xmlns:adec="http://schemas.microsoft.com/office/drawing/2017/decorative" val="1"/>
+                <adec:decorative xmlns:adec="http://schemas.microsoft.com/office/drawing/2017/decorative" xmlns="" val="1"/>
               </a:ext>
             </a:extLst>
           </p:cNvPr>
@@ -14486,10 +15072,10 @@
             <a:hlinkClick r:id="rId3" action="ppaction://hlinksldjump"/>
             <a:extLst>
               <a:ext uri="{FF2B5EF4-FFF2-40B4-BE49-F238E27FC236}">
-                <a16:creationId xmlns="" xmlns:a16="http://schemas.microsoft.com/office/drawing/2014/main" id="{0092C447-C8E1-4B12-B012-E6D21CBB1FBE}"/>
+                <a16:creationId xmlns:a16="http://schemas.microsoft.com/office/drawing/2014/main" xmlns="" id="{0092C447-C8E1-4B12-B012-E6D21CBB1FBE}"/>
               </a:ext>
               <a:ext uri="{C183D7F6-B498-43B3-948B-1728B52AA6E4}">
-                <adec:decorative xmlns="" xmlns:adec="http://schemas.microsoft.com/office/drawing/2017/decorative" val="1"/>
+                <adec:decorative xmlns:adec="http://schemas.microsoft.com/office/drawing/2017/decorative" xmlns="" val="1"/>
               </a:ext>
             </a:extLst>
           </p:cNvPr>
@@ -14544,10 +15130,10 @@
             <a:hlinkClick r:id="rId4" action="ppaction://hlinksldjump"/>
             <a:extLst>
               <a:ext uri="{FF2B5EF4-FFF2-40B4-BE49-F238E27FC236}">
-                <a16:creationId xmlns="" xmlns:a16="http://schemas.microsoft.com/office/drawing/2014/main" id="{7E139379-1914-4446-8D6D-984A47041A54}"/>
+                <a16:creationId xmlns:a16="http://schemas.microsoft.com/office/drawing/2014/main" xmlns="" id="{7E139379-1914-4446-8D6D-984A47041A54}"/>
               </a:ext>
               <a:ext uri="{C183D7F6-B498-43B3-948B-1728B52AA6E4}">
-                <adec:decorative xmlns="" xmlns:adec="http://schemas.microsoft.com/office/drawing/2017/decorative" val="1"/>
+                <adec:decorative xmlns:adec="http://schemas.microsoft.com/office/drawing/2017/decorative" xmlns="" val="1"/>
               </a:ext>
             </a:extLst>
           </p:cNvPr>
@@ -14602,10 +15188,10 @@
             <a:hlinkClick r:id="rId5" action="ppaction://hlinksldjump"/>
             <a:extLst>
               <a:ext uri="{FF2B5EF4-FFF2-40B4-BE49-F238E27FC236}">
-                <a16:creationId xmlns="" xmlns:a16="http://schemas.microsoft.com/office/drawing/2014/main" id="{F79B51BB-1B30-4ED8-B26D-21EE8BC675B2}"/>
+                <a16:creationId xmlns:a16="http://schemas.microsoft.com/office/drawing/2014/main" xmlns="" id="{F79B51BB-1B30-4ED8-B26D-21EE8BC675B2}"/>
               </a:ext>
               <a:ext uri="{C183D7F6-B498-43B3-948B-1728B52AA6E4}">
-                <adec:decorative xmlns="" xmlns:adec="http://schemas.microsoft.com/office/drawing/2017/decorative" val="1"/>
+                <adec:decorative xmlns:adec="http://schemas.microsoft.com/office/drawing/2017/decorative" xmlns="" val="1"/>
               </a:ext>
             </a:extLst>
           </p:cNvPr>
@@ -14659,7 +15245,7 @@
           <p:cNvPr id="4" name="Rectangle 3">
             <a:extLst>
               <a:ext uri="{FF2B5EF4-FFF2-40B4-BE49-F238E27FC236}">
-                <a16:creationId xmlns="" xmlns:a16="http://schemas.microsoft.com/office/drawing/2014/main" id="{3F19BFA5-D0CA-4CF0-8499-504D956B6563}"/>
+                <a16:creationId xmlns:a16="http://schemas.microsoft.com/office/drawing/2014/main" xmlns="" id="{3F19BFA5-D0CA-4CF0-8499-504D956B6563}"/>
               </a:ext>
             </a:extLst>
           </p:cNvPr>
@@ -14703,7 +15289,7 @@
           <p:cNvPr id="47" name="Rectangle 46">
             <a:extLst>
               <a:ext uri="{FF2B5EF4-FFF2-40B4-BE49-F238E27FC236}">
-                <a16:creationId xmlns="" xmlns:a16="http://schemas.microsoft.com/office/drawing/2014/main" id="{1751D31D-3535-411D-8BAC-95CCC90AB185}"/>
+                <a16:creationId xmlns:a16="http://schemas.microsoft.com/office/drawing/2014/main" xmlns="" id="{1751D31D-3535-411D-8BAC-95CCC90AB185}"/>
               </a:ext>
             </a:extLst>
           </p:cNvPr>
@@ -14747,7 +15333,7 @@
           <p:cNvPr id="48" name="Rectangle 47">
             <a:extLst>
               <a:ext uri="{FF2B5EF4-FFF2-40B4-BE49-F238E27FC236}">
-                <a16:creationId xmlns="" xmlns:a16="http://schemas.microsoft.com/office/drawing/2014/main" id="{FA4D735A-8F75-4E2A-8F1A-CC303B0718BA}"/>
+                <a16:creationId xmlns:a16="http://schemas.microsoft.com/office/drawing/2014/main" xmlns="" id="{FA4D735A-8F75-4E2A-8F1A-CC303B0718BA}"/>
               </a:ext>
             </a:extLst>
           </p:cNvPr>
@@ -14791,7 +15377,7 @@
           <p:cNvPr id="49" name="Rectangle 48">
             <a:extLst>
               <a:ext uri="{FF2B5EF4-FFF2-40B4-BE49-F238E27FC236}">
-                <a16:creationId xmlns="" xmlns:a16="http://schemas.microsoft.com/office/drawing/2014/main" id="{54AB9282-0505-49EB-AABF-998083225E3A}"/>
+                <a16:creationId xmlns:a16="http://schemas.microsoft.com/office/drawing/2014/main" xmlns="" id="{54AB9282-0505-49EB-AABF-998083225E3A}"/>
               </a:ext>
             </a:extLst>
           </p:cNvPr>
@@ -14835,7 +15421,7 @@
           <p:cNvPr id="51" name="Rectangle 50">
             <a:extLst>
               <a:ext uri="{FF2B5EF4-FFF2-40B4-BE49-F238E27FC236}">
-                <a16:creationId xmlns="" xmlns:a16="http://schemas.microsoft.com/office/drawing/2014/main" id="{8AA18108-5B8B-4147-84A7-D30A16BEC4EA}"/>
+                <a16:creationId xmlns:a16="http://schemas.microsoft.com/office/drawing/2014/main" xmlns="" id="{8AA18108-5B8B-4147-84A7-D30A16BEC4EA}"/>
               </a:ext>
             </a:extLst>
           </p:cNvPr>
@@ -14894,7 +15480,7 @@
           <p:cNvPr id="52" name="Rectangle 51">
             <a:extLst>
               <a:ext uri="{FF2B5EF4-FFF2-40B4-BE49-F238E27FC236}">
-                <a16:creationId xmlns="" xmlns:a16="http://schemas.microsoft.com/office/drawing/2014/main" id="{A8534162-B6E2-4579-9DAD-AD8DE07459BC}"/>
+                <a16:creationId xmlns:a16="http://schemas.microsoft.com/office/drawing/2014/main" xmlns="" id="{A8534162-B6E2-4579-9DAD-AD8DE07459BC}"/>
               </a:ext>
             </a:extLst>
           </p:cNvPr>
@@ -14980,7 +15566,7 @@
           <p:cNvPr id="53" name="Rectangle 52">
             <a:extLst>
               <a:ext uri="{FF2B5EF4-FFF2-40B4-BE49-F238E27FC236}">
-                <a16:creationId xmlns="" xmlns:a16="http://schemas.microsoft.com/office/drawing/2014/main" id="{E1535E1C-6EBC-45D8-BCE1-D5B947A61FB6}"/>
+                <a16:creationId xmlns:a16="http://schemas.microsoft.com/office/drawing/2014/main" xmlns="" id="{E1535E1C-6EBC-45D8-BCE1-D5B947A61FB6}"/>
               </a:ext>
             </a:extLst>
           </p:cNvPr>
@@ -15060,7 +15646,7 @@
           <p:cNvPr id="54" name="Rectangle 53">
             <a:extLst>
               <a:ext uri="{FF2B5EF4-FFF2-40B4-BE49-F238E27FC236}">
-                <a16:creationId xmlns="" xmlns:a16="http://schemas.microsoft.com/office/drawing/2014/main" id="{28FF18A5-7B4E-4493-B38D-E732E033F82F}"/>
+                <a16:creationId xmlns:a16="http://schemas.microsoft.com/office/drawing/2014/main" xmlns="" id="{28FF18A5-7B4E-4493-B38D-E732E033F82F}"/>
               </a:ext>
             </a:extLst>
           </p:cNvPr>
@@ -15104,7 +15690,7 @@
           <p:cNvPr id="57" name="Freeform 4344" descr="Icon of wrench. ">
             <a:extLst>
               <a:ext uri="{FF2B5EF4-FFF2-40B4-BE49-F238E27FC236}">
-                <a16:creationId xmlns="" xmlns:a16="http://schemas.microsoft.com/office/drawing/2014/main" id="{C131659B-1A41-4821-9349-1E69BBBB560E}"/>
+                <a16:creationId xmlns:a16="http://schemas.microsoft.com/office/drawing/2014/main" xmlns="" id="{C131659B-1A41-4821-9349-1E69BBBB560E}"/>
               </a:ext>
             </a:extLst>
           </p:cNvPr>
@@ -15834,7 +16420,7 @@
           <p:cNvPr id="40" name="Group 39" descr="Icon of money. ">
             <a:extLst>
               <a:ext uri="{FF2B5EF4-FFF2-40B4-BE49-F238E27FC236}">
-                <a16:creationId xmlns="" xmlns:a16="http://schemas.microsoft.com/office/drawing/2014/main" id="{8FB81822-E09C-4A9F-BCD2-4BB20E38DA03}"/>
+                <a16:creationId xmlns:a16="http://schemas.microsoft.com/office/drawing/2014/main" xmlns="" id="{8FB81822-E09C-4A9F-BCD2-4BB20E38DA03}"/>
               </a:ext>
             </a:extLst>
           </p:cNvPr>
@@ -15857,7 +16443,7 @@
             <p:cNvPr id="41" name="Freeform 497">
               <a:extLst>
                 <a:ext uri="{FF2B5EF4-FFF2-40B4-BE49-F238E27FC236}">
-                  <a16:creationId xmlns="" xmlns:a16="http://schemas.microsoft.com/office/drawing/2014/main" id="{4325703C-49C2-4EC8-BBAF-CE488FCB0CE1}"/>
+                  <a16:creationId xmlns:a16="http://schemas.microsoft.com/office/drawing/2014/main" xmlns="" id="{4325703C-49C2-4EC8-BBAF-CE488FCB0CE1}"/>
                 </a:ext>
               </a:extLst>
             </p:cNvPr>
@@ -16063,7 +16649,7 @@
             <p:cNvPr id="42" name="Freeform 498">
               <a:extLst>
                 <a:ext uri="{FF2B5EF4-FFF2-40B4-BE49-F238E27FC236}">
-                  <a16:creationId xmlns="" xmlns:a16="http://schemas.microsoft.com/office/drawing/2014/main" id="{A721923B-8DD3-47E1-B174-6D9950E778E9}"/>
+                  <a16:creationId xmlns:a16="http://schemas.microsoft.com/office/drawing/2014/main" xmlns="" id="{A721923B-8DD3-47E1-B174-6D9950E778E9}"/>
                 </a:ext>
               </a:extLst>
             </p:cNvPr>
@@ -17021,7 +17607,7 @@
             <p:cNvPr id="73" name="Freeform 499">
               <a:extLst>
                 <a:ext uri="{FF2B5EF4-FFF2-40B4-BE49-F238E27FC236}">
-                  <a16:creationId xmlns="" xmlns:a16="http://schemas.microsoft.com/office/drawing/2014/main" id="{A8E6691B-D48E-4F27-BFB8-39275098B1B8}"/>
+                  <a16:creationId xmlns:a16="http://schemas.microsoft.com/office/drawing/2014/main" xmlns="" id="{A8E6691B-D48E-4F27-BFB8-39275098B1B8}"/>
                 </a:ext>
               </a:extLst>
             </p:cNvPr>
@@ -17559,7 +18145,7 @@
             <p:cNvPr id="74" name="Freeform 500">
               <a:extLst>
                 <a:ext uri="{FF2B5EF4-FFF2-40B4-BE49-F238E27FC236}">
-                  <a16:creationId xmlns="" xmlns:a16="http://schemas.microsoft.com/office/drawing/2014/main" id="{5839F0C0-A423-4156-855A-E09BBC0F1685}"/>
+                  <a16:creationId xmlns:a16="http://schemas.microsoft.com/office/drawing/2014/main" xmlns="" id="{5839F0C0-A423-4156-855A-E09BBC0F1685}"/>
                 </a:ext>
               </a:extLst>
             </p:cNvPr>
@@ -18101,7 +18687,7 @@
             <p:cNvPr id="75" name="Freeform 501">
               <a:extLst>
                 <a:ext uri="{FF2B5EF4-FFF2-40B4-BE49-F238E27FC236}">
-                  <a16:creationId xmlns="" xmlns:a16="http://schemas.microsoft.com/office/drawing/2014/main" id="{DBE218E2-EA47-43F9-AF50-BC58701E5EAE}"/>
+                  <a16:creationId xmlns:a16="http://schemas.microsoft.com/office/drawing/2014/main" xmlns="" id="{DBE218E2-EA47-43F9-AF50-BC58701E5EAE}"/>
                 </a:ext>
               </a:extLst>
             </p:cNvPr>
@@ -18483,7 +19069,7 @@
             <p:cNvPr id="76" name="Freeform 502">
               <a:extLst>
                 <a:ext uri="{FF2B5EF4-FFF2-40B4-BE49-F238E27FC236}">
-                  <a16:creationId xmlns="" xmlns:a16="http://schemas.microsoft.com/office/drawing/2014/main" id="{FB53FF3C-7C81-42D7-820B-328F83511B89}"/>
+                  <a16:creationId xmlns:a16="http://schemas.microsoft.com/office/drawing/2014/main" xmlns="" id="{FB53FF3C-7C81-42D7-820B-328F83511B89}"/>
                 </a:ext>
               </a:extLst>
             </p:cNvPr>
@@ -18865,7 +19451,7 @@
             <p:cNvPr id="77" name="Freeform 503">
               <a:extLst>
                 <a:ext uri="{FF2B5EF4-FFF2-40B4-BE49-F238E27FC236}">
-                  <a16:creationId xmlns="" xmlns:a16="http://schemas.microsoft.com/office/drawing/2014/main" id="{B2AFC166-3690-491C-BE8E-D33917F47E78}"/>
+                  <a16:creationId xmlns:a16="http://schemas.microsoft.com/office/drawing/2014/main" xmlns="" id="{B2AFC166-3690-491C-BE8E-D33917F47E78}"/>
                 </a:ext>
               </a:extLst>
             </p:cNvPr>
@@ -19239,7 +19825,7 @@
             <p:cNvPr id="78" name="Freeform 504">
               <a:extLst>
                 <a:ext uri="{FF2B5EF4-FFF2-40B4-BE49-F238E27FC236}">
-                  <a16:creationId xmlns="" xmlns:a16="http://schemas.microsoft.com/office/drawing/2014/main" id="{9740A41F-89FD-44D8-9D1F-332E7D538EDA}"/>
+                  <a16:creationId xmlns:a16="http://schemas.microsoft.com/office/drawing/2014/main" xmlns="" id="{9740A41F-89FD-44D8-9D1F-332E7D538EDA}"/>
                 </a:ext>
               </a:extLst>
             </p:cNvPr>
@@ -19701,10 +20287,10 @@
             <a:hlinkClick r:id="rId4" action="ppaction://hlinksldjump"/>
             <a:extLst>
               <a:ext uri="{FF2B5EF4-FFF2-40B4-BE49-F238E27FC236}">
-                <a16:creationId xmlns="" xmlns:a16="http://schemas.microsoft.com/office/drawing/2014/main" id="{7E139379-1914-4446-8D6D-984A47041A54}"/>
+                <a16:creationId xmlns:a16="http://schemas.microsoft.com/office/drawing/2014/main" xmlns="" id="{7E139379-1914-4446-8D6D-984A47041A54}"/>
               </a:ext>
               <a:ext uri="{C183D7F6-B498-43B3-948B-1728B52AA6E4}">
-                <adec:decorative xmlns="" xmlns:adec="http://schemas.microsoft.com/office/drawing/2017/decorative" val="1"/>
+                <adec:decorative xmlns:adec="http://schemas.microsoft.com/office/drawing/2017/decorative" xmlns="" val="1"/>
               </a:ext>
             </a:extLst>
           </p:cNvPr>
@@ -19799,7 +20385,7 @@
           <p:cNvPr id="35" name="Rectangle 34">
             <a:extLst>
               <a:ext uri="{FF2B5EF4-FFF2-40B4-BE49-F238E27FC236}">
-                <a16:creationId xmlns="" xmlns:a16="http://schemas.microsoft.com/office/drawing/2014/main" id="{54AB9282-0505-49EB-AABF-998083225E3A}"/>
+                <a16:creationId xmlns:a16="http://schemas.microsoft.com/office/drawing/2014/main" xmlns="" id="{54AB9282-0505-49EB-AABF-998083225E3A}"/>
               </a:ext>
             </a:extLst>
           </p:cNvPr>
@@ -19843,7 +20429,7 @@
           <p:cNvPr id="36" name="Rectangle 35">
             <a:extLst>
               <a:ext uri="{FF2B5EF4-FFF2-40B4-BE49-F238E27FC236}">
-                <a16:creationId xmlns="" xmlns:a16="http://schemas.microsoft.com/office/drawing/2014/main" id="{28FF18A5-7B4E-4493-B38D-E732E033F82F}"/>
+                <a16:creationId xmlns:a16="http://schemas.microsoft.com/office/drawing/2014/main" xmlns="" id="{28FF18A5-7B4E-4493-B38D-E732E033F82F}"/>
               </a:ext>
             </a:extLst>
           </p:cNvPr>
@@ -19879,12 +20465,6 @@
               </a:rPr>
               <a:t>The Data Binding Library is a support library that allows you to bind UI components in your layouts to data sources in your app using a declarative format rather than programmatically.</a:t>
             </a:r>
-            <a:endParaRPr lang="en-US" sz="1400" dirty="0">
-              <a:solidFill>
-                <a:schemeClr val="bg1"/>
-              </a:solidFill>
-              <a:cs typeface="Segoe UI" panose="020B0502040204020203" pitchFamily="34" charset="0"/>
-            </a:endParaRPr>
           </a:p>
         </p:txBody>
       </p:sp>
@@ -19930,7 +20510,7 @@
           <p:cNvPr id="7" name="Title 6" hidden="1">
             <a:extLst>
               <a:ext uri="{FF2B5EF4-FFF2-40B4-BE49-F238E27FC236}">
-                <a16:creationId xmlns="" xmlns:a16="http://schemas.microsoft.com/office/drawing/2014/main" id="{ED2F5393-91A3-4102-A584-E902285C507A}"/>
+                <a16:creationId xmlns:a16="http://schemas.microsoft.com/office/drawing/2014/main" xmlns="" id="{ED2F5393-91A3-4102-A584-E902285C507A}"/>
               </a:ext>
             </a:extLst>
           </p:cNvPr>
@@ -19963,10 +20543,10 @@
           <p:cNvPr id="8" name="Straight Connector 7">
             <a:extLst>
               <a:ext uri="{FF2B5EF4-FFF2-40B4-BE49-F238E27FC236}">
-                <a16:creationId xmlns="" xmlns:a16="http://schemas.microsoft.com/office/drawing/2014/main" id="{D0986099-F5F2-4E8B-BE17-81194861A00C}"/>
+                <a16:creationId xmlns:a16="http://schemas.microsoft.com/office/drawing/2014/main" xmlns="" id="{D0986099-F5F2-4E8B-BE17-81194861A00C}"/>
               </a:ext>
               <a:ext uri="{C183D7F6-B498-43B3-948B-1728B52AA6E4}">
-                <adec:decorative xmlns="" xmlns:adec="http://schemas.microsoft.com/office/drawing/2017/decorative" val="1"/>
+                <adec:decorative xmlns:adec="http://schemas.microsoft.com/office/drawing/2017/decorative" xmlns="" val="1"/>
               </a:ext>
             </a:extLst>
           </p:cNvPr>
@@ -20012,7 +20592,7 @@
           <p:cNvPr id="11" name="Title 1">
             <a:extLst>
               <a:ext uri="{FF2B5EF4-FFF2-40B4-BE49-F238E27FC236}">
-                <a16:creationId xmlns="" xmlns:a16="http://schemas.microsoft.com/office/drawing/2014/main" id="{4E3F5479-058B-4FA8-92E9-18CAB8CDC5C5}"/>
+                <a16:creationId xmlns:a16="http://schemas.microsoft.com/office/drawing/2014/main" xmlns="" id="{4E3F5479-058B-4FA8-92E9-18CAB8CDC5C5}"/>
               </a:ext>
             </a:extLst>
           </p:cNvPr>
@@ -20125,10 +20705,10 @@
           <p:cNvPr id="14" name="Straight Connector 13">
             <a:extLst>
               <a:ext uri="{FF2B5EF4-FFF2-40B4-BE49-F238E27FC236}">
-                <a16:creationId xmlns="" xmlns:a16="http://schemas.microsoft.com/office/drawing/2014/main" id="{83E690F4-843A-47A5-8620-4FB01C0D8E68}"/>
+                <a16:creationId xmlns:a16="http://schemas.microsoft.com/office/drawing/2014/main" xmlns="" id="{83E690F4-843A-47A5-8620-4FB01C0D8E68}"/>
               </a:ext>
               <a:ext uri="{C183D7F6-B498-43B3-948B-1728B52AA6E4}">
-                <adec:decorative xmlns="" xmlns:adec="http://schemas.microsoft.com/office/drawing/2017/decorative" val="1"/>
+                <adec:decorative xmlns:adec="http://schemas.microsoft.com/office/drawing/2017/decorative" xmlns="" val="1"/>
               </a:ext>
             </a:extLst>
           </p:cNvPr>
@@ -20308,7 +20888,7 @@
           <p:cNvPr id="7" name="Title 6" hidden="1">
             <a:extLst>
               <a:ext uri="{FF2B5EF4-FFF2-40B4-BE49-F238E27FC236}">
-                <a16:creationId xmlns="" xmlns:a16="http://schemas.microsoft.com/office/drawing/2014/main" id="{ED2F5393-91A3-4102-A584-E902285C507A}"/>
+                <a16:creationId xmlns:a16="http://schemas.microsoft.com/office/drawing/2014/main" xmlns="" id="{ED2F5393-91A3-4102-A584-E902285C507A}"/>
               </a:ext>
             </a:extLst>
           </p:cNvPr>
@@ -20341,10 +20921,10 @@
           <p:cNvPr id="8" name="Straight Connector 7">
             <a:extLst>
               <a:ext uri="{FF2B5EF4-FFF2-40B4-BE49-F238E27FC236}">
-                <a16:creationId xmlns="" xmlns:a16="http://schemas.microsoft.com/office/drawing/2014/main" id="{D0986099-F5F2-4E8B-BE17-81194861A00C}"/>
+                <a16:creationId xmlns:a16="http://schemas.microsoft.com/office/drawing/2014/main" xmlns="" id="{D0986099-F5F2-4E8B-BE17-81194861A00C}"/>
               </a:ext>
               <a:ext uri="{C183D7F6-B498-43B3-948B-1728B52AA6E4}">
-                <adec:decorative xmlns="" xmlns:adec="http://schemas.microsoft.com/office/drawing/2017/decorative" val="1"/>
+                <adec:decorative xmlns:adec="http://schemas.microsoft.com/office/drawing/2017/decorative" xmlns="" val="1"/>
               </a:ext>
             </a:extLst>
           </p:cNvPr>
@@ -20390,7 +20970,7 @@
           <p:cNvPr id="11" name="Title 1">
             <a:extLst>
               <a:ext uri="{FF2B5EF4-FFF2-40B4-BE49-F238E27FC236}">
-                <a16:creationId xmlns="" xmlns:a16="http://schemas.microsoft.com/office/drawing/2014/main" id="{4E3F5479-058B-4FA8-92E9-18CAB8CDC5C5}"/>
+                <a16:creationId xmlns:a16="http://schemas.microsoft.com/office/drawing/2014/main" xmlns="" id="{4E3F5479-058B-4FA8-92E9-18CAB8CDC5C5}"/>
               </a:ext>
             </a:extLst>
           </p:cNvPr>
@@ -20481,10 +21061,10 @@
           <p:cNvPr id="14" name="Straight Connector 13">
             <a:extLst>
               <a:ext uri="{FF2B5EF4-FFF2-40B4-BE49-F238E27FC236}">
-                <a16:creationId xmlns="" xmlns:a16="http://schemas.microsoft.com/office/drawing/2014/main" id="{83E690F4-843A-47A5-8620-4FB01C0D8E68}"/>
+                <a16:creationId xmlns:a16="http://schemas.microsoft.com/office/drawing/2014/main" xmlns="" id="{83E690F4-843A-47A5-8620-4FB01C0D8E68}"/>
               </a:ext>
               <a:ext uri="{C183D7F6-B498-43B3-948B-1728B52AA6E4}">
-                <adec:decorative xmlns="" xmlns:adec="http://schemas.microsoft.com/office/drawing/2017/decorative" val="1"/>
+                <adec:decorative xmlns:adec="http://schemas.microsoft.com/office/drawing/2017/decorative" xmlns="" val="1"/>
               </a:ext>
             </a:extLst>
           </p:cNvPr>
@@ -20675,7 +21255,7 @@
           <p:cNvPr id="7" name="Title 6" hidden="1">
             <a:extLst>
               <a:ext uri="{FF2B5EF4-FFF2-40B4-BE49-F238E27FC236}">
-                <a16:creationId xmlns="" xmlns:a16="http://schemas.microsoft.com/office/drawing/2014/main" id="{166BC32C-2E11-43D3-963B-9766918E0FE5}"/>
+                <a16:creationId xmlns:a16="http://schemas.microsoft.com/office/drawing/2014/main" xmlns="" id="{166BC32C-2E11-43D3-963B-9766918E0FE5}"/>
               </a:ext>
             </a:extLst>
           </p:cNvPr>
@@ -20708,10 +21288,10 @@
           <p:cNvPr id="8" name="Straight Connector 7">
             <a:extLst>
               <a:ext uri="{FF2B5EF4-FFF2-40B4-BE49-F238E27FC236}">
-                <a16:creationId xmlns="" xmlns:a16="http://schemas.microsoft.com/office/drawing/2014/main" id="{D0986099-F5F2-4E8B-BE17-81194861A00C}"/>
+                <a16:creationId xmlns:a16="http://schemas.microsoft.com/office/drawing/2014/main" xmlns="" id="{D0986099-F5F2-4E8B-BE17-81194861A00C}"/>
               </a:ext>
               <a:ext uri="{C183D7F6-B498-43B3-948B-1728B52AA6E4}">
-                <adec:decorative xmlns="" xmlns:adec="http://schemas.microsoft.com/office/drawing/2017/decorative" val="1"/>
+                <adec:decorative xmlns:adec="http://schemas.microsoft.com/office/drawing/2017/decorative" xmlns="" val="1"/>
               </a:ext>
             </a:extLst>
           </p:cNvPr>
@@ -20757,7 +21337,7 @@
           <p:cNvPr id="11" name="Title 1">
             <a:extLst>
               <a:ext uri="{FF2B5EF4-FFF2-40B4-BE49-F238E27FC236}">
-                <a16:creationId xmlns="" xmlns:a16="http://schemas.microsoft.com/office/drawing/2014/main" id="{4E3F5479-058B-4FA8-92E9-18CAB8CDC5C5}"/>
+                <a16:creationId xmlns:a16="http://schemas.microsoft.com/office/drawing/2014/main" xmlns="" id="{4E3F5479-058B-4FA8-92E9-18CAB8CDC5C5}"/>
               </a:ext>
             </a:extLst>
           </p:cNvPr>
@@ -20848,10 +21428,10 @@
           <p:cNvPr id="14" name="Straight Connector 13">
             <a:extLst>
               <a:ext uri="{FF2B5EF4-FFF2-40B4-BE49-F238E27FC236}">
-                <a16:creationId xmlns="" xmlns:a16="http://schemas.microsoft.com/office/drawing/2014/main" id="{83E690F4-843A-47A5-8620-4FB01C0D8E68}"/>
+                <a16:creationId xmlns:a16="http://schemas.microsoft.com/office/drawing/2014/main" xmlns="" id="{83E690F4-843A-47A5-8620-4FB01C0D8E68}"/>
               </a:ext>
               <a:ext uri="{C183D7F6-B498-43B3-948B-1728B52AA6E4}">
-                <adec:decorative xmlns="" xmlns:adec="http://schemas.microsoft.com/office/drawing/2017/decorative" val="1"/>
+                <adec:decorative xmlns:adec="http://schemas.microsoft.com/office/drawing/2017/decorative" xmlns="" val="1"/>
               </a:ext>
             </a:extLst>
           </p:cNvPr>
@@ -20978,7 +21558,7 @@
           <p:cNvPr id="4" name="Title 3" hidden="1">
             <a:extLst>
               <a:ext uri="{FF2B5EF4-FFF2-40B4-BE49-F238E27FC236}">
-                <a16:creationId xmlns="" xmlns:a16="http://schemas.microsoft.com/office/drawing/2014/main" id="{2AC0C949-7A02-4C95-8017-D82E7E71C4F7}"/>
+                <a16:creationId xmlns:a16="http://schemas.microsoft.com/office/drawing/2014/main" xmlns="" id="{2AC0C949-7A02-4C95-8017-D82E7E71C4F7}"/>
               </a:ext>
             </a:extLst>
           </p:cNvPr>
@@ -21011,10 +21591,10 @@
           <p:cNvPr id="8" name="Straight Connector 7">
             <a:extLst>
               <a:ext uri="{FF2B5EF4-FFF2-40B4-BE49-F238E27FC236}">
-                <a16:creationId xmlns="" xmlns:a16="http://schemas.microsoft.com/office/drawing/2014/main" id="{D0986099-F5F2-4E8B-BE17-81194861A00C}"/>
+                <a16:creationId xmlns:a16="http://schemas.microsoft.com/office/drawing/2014/main" xmlns="" id="{D0986099-F5F2-4E8B-BE17-81194861A00C}"/>
               </a:ext>
               <a:ext uri="{C183D7F6-B498-43B3-948B-1728B52AA6E4}">
-                <adec:decorative xmlns="" xmlns:adec="http://schemas.microsoft.com/office/drawing/2017/decorative" val="1"/>
+                <adec:decorative xmlns:adec="http://schemas.microsoft.com/office/drawing/2017/decorative" xmlns="" val="1"/>
               </a:ext>
             </a:extLst>
           </p:cNvPr>
@@ -21060,7 +21640,7 @@
           <p:cNvPr id="11" name="Title 1">
             <a:extLst>
               <a:ext uri="{FF2B5EF4-FFF2-40B4-BE49-F238E27FC236}">
-                <a16:creationId xmlns="" xmlns:a16="http://schemas.microsoft.com/office/drawing/2014/main" id="{4E3F5479-058B-4FA8-92E9-18CAB8CDC5C5}"/>
+                <a16:creationId xmlns:a16="http://schemas.microsoft.com/office/drawing/2014/main" xmlns="" id="{4E3F5479-058B-4FA8-92E9-18CAB8CDC5C5}"/>
               </a:ext>
             </a:extLst>
           </p:cNvPr>
@@ -21151,10 +21731,10 @@
           <p:cNvPr id="14" name="Straight Connector 13">
             <a:extLst>
               <a:ext uri="{FF2B5EF4-FFF2-40B4-BE49-F238E27FC236}">
-                <a16:creationId xmlns="" xmlns:a16="http://schemas.microsoft.com/office/drawing/2014/main" id="{83E690F4-843A-47A5-8620-4FB01C0D8E68}"/>
+                <a16:creationId xmlns:a16="http://schemas.microsoft.com/office/drawing/2014/main" xmlns="" id="{83E690F4-843A-47A5-8620-4FB01C0D8E68}"/>
               </a:ext>
               <a:ext uri="{C183D7F6-B498-43B3-948B-1728B52AA6E4}">
-                <adec:decorative xmlns="" xmlns:adec="http://schemas.microsoft.com/office/drawing/2017/decorative" val="1"/>
+                <adec:decorative xmlns:adec="http://schemas.microsoft.com/office/drawing/2017/decorative" xmlns="" val="1"/>
               </a:ext>
             </a:extLst>
           </p:cNvPr>
@@ -21328,7 +21908,7 @@
           <p:cNvPr id="7" name="Title 6" hidden="1">
             <a:extLst>
               <a:ext uri="{FF2B5EF4-FFF2-40B4-BE49-F238E27FC236}">
-                <a16:creationId xmlns="" xmlns:a16="http://schemas.microsoft.com/office/drawing/2014/main" id="{166BC32C-2E11-43D3-963B-9766918E0FE5}"/>
+                <a16:creationId xmlns:a16="http://schemas.microsoft.com/office/drawing/2014/main" xmlns="" id="{166BC32C-2E11-43D3-963B-9766918E0FE5}"/>
               </a:ext>
             </a:extLst>
           </p:cNvPr>
@@ -21361,10 +21941,10 @@
           <p:cNvPr id="8" name="Straight Connector 7">
             <a:extLst>
               <a:ext uri="{FF2B5EF4-FFF2-40B4-BE49-F238E27FC236}">
-                <a16:creationId xmlns="" xmlns:a16="http://schemas.microsoft.com/office/drawing/2014/main" id="{D0986099-F5F2-4E8B-BE17-81194861A00C}"/>
+                <a16:creationId xmlns:a16="http://schemas.microsoft.com/office/drawing/2014/main" xmlns="" id="{D0986099-F5F2-4E8B-BE17-81194861A00C}"/>
               </a:ext>
               <a:ext uri="{C183D7F6-B498-43B3-948B-1728B52AA6E4}">
-                <adec:decorative xmlns="" xmlns:adec="http://schemas.microsoft.com/office/drawing/2017/decorative" val="1"/>
+                <adec:decorative xmlns:adec="http://schemas.microsoft.com/office/drawing/2017/decorative" xmlns="" val="1"/>
               </a:ext>
             </a:extLst>
           </p:cNvPr>
@@ -21410,7 +21990,7 @@
           <p:cNvPr id="11" name="Title 1">
             <a:extLst>
               <a:ext uri="{FF2B5EF4-FFF2-40B4-BE49-F238E27FC236}">
-                <a16:creationId xmlns="" xmlns:a16="http://schemas.microsoft.com/office/drawing/2014/main" id="{4E3F5479-058B-4FA8-92E9-18CAB8CDC5C5}"/>
+                <a16:creationId xmlns:a16="http://schemas.microsoft.com/office/drawing/2014/main" xmlns="" id="{4E3F5479-058B-4FA8-92E9-18CAB8CDC5C5}"/>
               </a:ext>
             </a:extLst>
           </p:cNvPr>
@@ -21501,10 +22081,10 @@
           <p:cNvPr id="14" name="Straight Connector 13">
             <a:extLst>
               <a:ext uri="{FF2B5EF4-FFF2-40B4-BE49-F238E27FC236}">
-                <a16:creationId xmlns="" xmlns:a16="http://schemas.microsoft.com/office/drawing/2014/main" id="{83E690F4-843A-47A5-8620-4FB01C0D8E68}"/>
+                <a16:creationId xmlns:a16="http://schemas.microsoft.com/office/drawing/2014/main" xmlns="" id="{83E690F4-843A-47A5-8620-4FB01C0D8E68}"/>
               </a:ext>
               <a:ext uri="{C183D7F6-B498-43B3-948B-1728B52AA6E4}">
-                <adec:decorative xmlns="" xmlns:adec="http://schemas.microsoft.com/office/drawing/2017/decorative" val="1"/>
+                <adec:decorative xmlns:adec="http://schemas.microsoft.com/office/drawing/2017/decorative" xmlns="" val="1"/>
               </a:ext>
             </a:extLst>
           </p:cNvPr>

--- a/Model – View - View Model.pptx
+++ b/Model – View - View Model.pptx
@@ -13286,15 +13286,15 @@
                     <a:lstStyle/>
                     <a:p>
                       <a:r>
-                        <a:rPr lang="en-IN" smtClean="0"/>
+                        <a:rPr lang="en-IN" dirty="0" smtClean="0"/>
                         <a:t>My</a:t>
                       </a:r>
                       <a:r>
-                        <a:rPr lang="en-IN" baseline="0" smtClean="0"/>
+                        <a:rPr lang="en-IN" baseline="0" dirty="0" smtClean="0"/>
                         <a:t> </a:t>
                       </a:r>
                       <a:r>
-                        <a:rPr lang="en-IN" baseline="0" smtClean="0"/>
+                        <a:rPr lang="en-IN" baseline="0" dirty="0" smtClean="0"/>
                         <a:t>Demo (SK)</a:t>
                       </a:r>
                       <a:endParaRPr lang="en-IN" dirty="0"/>
@@ -21516,6 +21516,30 @@
           </a:p>
         </p:txBody>
       </p:sp>
+      <p:pic>
+        <p:nvPicPr>
+          <p:cNvPr id="2" name="Picture 1"/>
+          <p:cNvPicPr>
+            <a:picLocks noChangeAspect="1"/>
+          </p:cNvPicPr>
+          <p:nvPr/>
+        </p:nvPicPr>
+        <p:blipFill>
+          <a:blip r:embed="rId3"/>
+          <a:stretch>
+            <a:fillRect/>
+          </a:stretch>
+        </p:blipFill>
+        <p:spPr>
+          <a:xfrm>
+            <a:off x="4811030" y="1688644"/>
+            <a:ext cx="2569939" cy="4367099"/>
+          </a:xfrm>
+          <a:prstGeom prst="rect">
+            <a:avLst/>
+          </a:prstGeom>
+        </p:spPr>
+      </p:pic>
     </p:spTree>
     <p:extLst>
       <p:ext uri="{BB962C8B-B14F-4D97-AF65-F5344CB8AC3E}">

--- a/Model – View - View Model.pptx
+++ b/Model – View - View Model.pptx
@@ -7,6 +7,9 @@
   <p:notesMasterIdLst>
     <p:notesMasterId r:id="rId15"/>
   </p:notesMasterIdLst>
+  <p:handoutMasterIdLst>
+    <p:handoutMasterId r:id="rId16"/>
+  </p:handoutMasterIdLst>
   <p:sldIdLst>
     <p:sldId id="256" r:id="rId2"/>
     <p:sldId id="276" r:id="rId3"/>
@@ -5905,6 +5908,171 @@
 </dgm:styleDef>
 </file>
 
+<file path=ppt/handoutMasters/handoutMaster1.xml><?xml version="1.0" encoding="utf-8"?>
+<p:handoutMaster xmlns:a="http://schemas.openxmlformats.org/drawingml/2006/main" xmlns:r="http://schemas.openxmlformats.org/officeDocument/2006/relationships" xmlns:p="http://schemas.openxmlformats.org/presentationml/2006/main">
+  <p:cSld>
+    <p:bg>
+      <p:bgRef idx="1001">
+        <a:schemeClr val="bg1"/>
+      </p:bgRef>
+    </p:bg>
+    <p:spTree>
+      <p:nvGrpSpPr>
+        <p:cNvPr id="1" name=""/>
+        <p:cNvGrpSpPr/>
+        <p:nvPr/>
+      </p:nvGrpSpPr>
+      <p:grpSpPr>
+        <a:xfrm>
+          <a:off x="0" y="0"/>
+          <a:ext cx="0" cy="0"/>
+          <a:chOff x="0" y="0"/>
+          <a:chExt cx="0" cy="0"/>
+        </a:xfrm>
+      </p:grpSpPr>
+      <p:sp>
+        <p:nvSpPr>
+          <p:cNvPr id="2" name="Header Placeholder 1"/>
+          <p:cNvSpPr>
+            <a:spLocks noGrp="1"/>
+          </p:cNvSpPr>
+          <p:nvPr>
+            <p:ph type="hdr" sz="quarter"/>
+          </p:nvPr>
+        </p:nvSpPr>
+        <p:spPr>
+          <a:xfrm>
+            <a:off x="0" y="0"/>
+            <a:ext cx="2971800" cy="458788"/>
+          </a:xfrm>
+          <a:prstGeom prst="rect">
+            <a:avLst/>
+          </a:prstGeom>
+        </p:spPr>
+        <p:txBody>
+          <a:bodyPr vert="horz" lIns="91440" tIns="45720" rIns="91440" bIns="45720" rtlCol="0"/>
+          <a:lstStyle>
+            <a:lvl1pPr algn="l">
+              <a:defRPr sz="1200"/>
+            </a:lvl1pPr>
+          </a:lstStyle>
+          <a:p>
+            <a:endParaRPr lang="en-IN"/>
+          </a:p>
+        </p:txBody>
+      </p:sp>
+      <p:sp>
+        <p:nvSpPr>
+          <p:cNvPr id="3" name="Date Placeholder 2"/>
+          <p:cNvSpPr>
+            <a:spLocks noGrp="1"/>
+          </p:cNvSpPr>
+          <p:nvPr>
+            <p:ph type="dt" sz="quarter" idx="1"/>
+          </p:nvPr>
+        </p:nvSpPr>
+        <p:spPr>
+          <a:xfrm>
+            <a:off x="3884613" y="0"/>
+            <a:ext cx="2971800" cy="458788"/>
+          </a:xfrm>
+          <a:prstGeom prst="rect">
+            <a:avLst/>
+          </a:prstGeom>
+        </p:spPr>
+        <p:txBody>
+          <a:bodyPr vert="horz" lIns="91440" tIns="45720" rIns="91440" bIns="45720" rtlCol="0"/>
+          <a:lstStyle>
+            <a:lvl1pPr algn="r">
+              <a:defRPr sz="1200"/>
+            </a:lvl1pPr>
+          </a:lstStyle>
+          <a:p>
+            <a:fld id="{E49BCDC4-3B91-4797-84EA-7FD342776545}" type="datetimeFigureOut">
+              <a:rPr lang="en-IN" smtClean="0"/>
+              <a:t>08-05-2019</a:t>
+            </a:fld>
+            <a:endParaRPr lang="en-IN"/>
+          </a:p>
+        </p:txBody>
+      </p:sp>
+      <p:sp>
+        <p:nvSpPr>
+          <p:cNvPr id="4" name="Footer Placeholder 3"/>
+          <p:cNvSpPr>
+            <a:spLocks noGrp="1"/>
+          </p:cNvSpPr>
+          <p:nvPr>
+            <p:ph type="ftr" sz="quarter" idx="2"/>
+          </p:nvPr>
+        </p:nvSpPr>
+        <p:spPr>
+          <a:xfrm>
+            <a:off x="0" y="8685213"/>
+            <a:ext cx="2971800" cy="458787"/>
+          </a:xfrm>
+          <a:prstGeom prst="rect">
+            <a:avLst/>
+          </a:prstGeom>
+        </p:spPr>
+        <p:txBody>
+          <a:bodyPr vert="horz" lIns="91440" tIns="45720" rIns="91440" bIns="45720" rtlCol="0" anchor="b"/>
+          <a:lstStyle>
+            <a:lvl1pPr algn="l">
+              <a:defRPr sz="1200"/>
+            </a:lvl1pPr>
+          </a:lstStyle>
+          <a:p>
+            <a:endParaRPr lang="en-IN"/>
+          </a:p>
+        </p:txBody>
+      </p:sp>
+      <p:sp>
+        <p:nvSpPr>
+          <p:cNvPr id="5" name="Slide Number Placeholder 4"/>
+          <p:cNvSpPr>
+            <a:spLocks noGrp="1"/>
+          </p:cNvSpPr>
+          <p:nvPr>
+            <p:ph type="sldNum" sz="quarter" idx="3"/>
+          </p:nvPr>
+        </p:nvSpPr>
+        <p:spPr>
+          <a:xfrm>
+            <a:off x="3884613" y="8685213"/>
+            <a:ext cx="2971800" cy="458787"/>
+          </a:xfrm>
+          <a:prstGeom prst="rect">
+            <a:avLst/>
+          </a:prstGeom>
+        </p:spPr>
+        <p:txBody>
+          <a:bodyPr vert="horz" lIns="91440" tIns="45720" rIns="91440" bIns="45720" rtlCol="0" anchor="b"/>
+          <a:lstStyle>
+            <a:lvl1pPr algn="r">
+              <a:defRPr sz="1200"/>
+            </a:lvl1pPr>
+          </a:lstStyle>
+          <a:p>
+            <a:fld id="{61627593-8A4E-4F5B-97C5-76F2CD0A1688}" type="slidenum">
+              <a:rPr lang="en-IN" smtClean="0"/>
+              <a:t>‹#›</a:t>
+            </a:fld>
+            <a:endParaRPr lang="en-IN"/>
+          </a:p>
+        </p:txBody>
+      </p:sp>
+    </p:spTree>
+    <p:extLst>
+      <p:ext uri="{BB962C8B-B14F-4D97-AF65-F5344CB8AC3E}">
+        <p14:creationId xmlns:p14="http://schemas.microsoft.com/office/powerpoint/2010/main" val="1283255452"/>
+      </p:ext>
+    </p:extLst>
+  </p:cSld>
+  <p:clrMap bg1="lt1" tx1="dk1" bg2="lt2" tx2="dk2" accent1="accent1" accent2="accent2" accent3="accent3" accent4="accent4" accent5="accent5" accent6="accent6" hlink="hlink" folHlink="folHlink"/>
+</p:handoutMaster>
+</file>
+
 <file path=ppt/notesMasters/notesMaster1.xml><?xml version="1.0" encoding="utf-8"?>
 <p:notesMaster xmlns:a="http://schemas.openxmlformats.org/drawingml/2006/main" xmlns:r="http://schemas.openxmlformats.org/officeDocument/2006/relationships" xmlns:p="http://schemas.openxmlformats.org/presentationml/2006/main">
   <p:cSld>
@@ -6298,6 +6466,90 @@
           <a:bodyPr/>
           <a:lstStyle/>
           <a:p>
+            <a:endParaRPr lang="en-IN"/>
+          </a:p>
+        </p:txBody>
+      </p:sp>
+      <p:sp>
+        <p:nvSpPr>
+          <p:cNvPr id="4" name="Slide Number Placeholder 3"/>
+          <p:cNvSpPr>
+            <a:spLocks noGrp="1"/>
+          </p:cNvSpPr>
+          <p:nvPr>
+            <p:ph type="sldNum" sz="quarter" idx="10"/>
+          </p:nvPr>
+        </p:nvSpPr>
+        <p:spPr/>
+        <p:txBody>
+          <a:bodyPr/>
+          <a:lstStyle/>
+          <a:p>
+            <a:fld id="{BE60DC36-8EFA-4378-9855-E019C55AC472}" type="slidenum">
+              <a:rPr lang="en-US" smtClean="0"/>
+              <a:t>1</a:t>
+            </a:fld>
+            <a:endParaRPr lang="en-US" dirty="0"/>
+          </a:p>
+        </p:txBody>
+      </p:sp>
+    </p:spTree>
+    <p:extLst>
+      <p:ext uri="{BB962C8B-B14F-4D97-AF65-F5344CB8AC3E}">
+        <p14:creationId xmlns:p14="http://schemas.microsoft.com/office/powerpoint/2010/main" val="1576204825"/>
+      </p:ext>
+    </p:extLst>
+  </p:cSld>
+  <p:clrMapOvr>
+    <a:masterClrMapping/>
+  </p:clrMapOvr>
+</p:notes>
+</file>
+
+<file path=ppt/notesSlides/notesSlide2.xml><?xml version="1.0" encoding="utf-8"?>
+<p:notes xmlns:a="http://schemas.openxmlformats.org/drawingml/2006/main" xmlns:r="http://schemas.openxmlformats.org/officeDocument/2006/relationships" xmlns:p="http://schemas.openxmlformats.org/presentationml/2006/main">
+  <p:cSld>
+    <p:spTree>
+      <p:nvGrpSpPr>
+        <p:cNvPr id="1" name=""/>
+        <p:cNvGrpSpPr/>
+        <p:nvPr/>
+      </p:nvGrpSpPr>
+      <p:grpSpPr>
+        <a:xfrm>
+          <a:off x="0" y="0"/>
+          <a:ext cx="0" cy="0"/>
+          <a:chOff x="0" y="0"/>
+          <a:chExt cx="0" cy="0"/>
+        </a:xfrm>
+      </p:grpSpPr>
+      <p:sp>
+        <p:nvSpPr>
+          <p:cNvPr id="2" name="Slide Image Placeholder 1"/>
+          <p:cNvSpPr>
+            <a:spLocks noGrp="1" noRot="1" noChangeAspect="1"/>
+          </p:cNvSpPr>
+          <p:nvPr>
+            <p:ph type="sldImg"/>
+          </p:nvPr>
+        </p:nvSpPr>
+        <p:spPr/>
+      </p:sp>
+      <p:sp>
+        <p:nvSpPr>
+          <p:cNvPr id="3" name="Notes Placeholder 2"/>
+          <p:cNvSpPr>
+            <a:spLocks noGrp="1"/>
+          </p:cNvSpPr>
+          <p:nvPr>
+            <p:ph type="body" idx="1"/>
+          </p:nvPr>
+        </p:nvSpPr>
+        <p:spPr/>
+        <p:txBody>
+          <a:bodyPr/>
+          <a:lstStyle/>
+          <a:p>
             <a:pPr marL="228600" marR="0" indent="-228600" algn="l" defTabSz="914400" rtl="0" eaLnBrk="1" fontAlgn="auto" latinLnBrk="0" hangingPunct="1">
               <a:lnSpc>
                 <a:spcPct val="100000"/>
@@ -6421,7 +6673,31 @@
                 <a:ea typeface="+mn-ea"/>
                 <a:cs typeface="+mn-cs"/>
               </a:rPr>
-              <a:t> android development easier and seamless. Here we will discuss important Architecture components and how they are work together. Will tell you about android </a:t>
+              <a:t> android development easier and seamless. Here we will discuss important Architecture components and how they </a:t>
+            </a:r>
+            <a:r>
+              <a:rPr lang="en-IN" sz="1200" b="0" kern="1200" baseline="0" dirty="0" smtClean="0">
+                <a:solidFill>
+                  <a:schemeClr val="tx1"/>
+                </a:solidFill>
+                <a:effectLst/>
+                <a:latin typeface="+mn-lt"/>
+                <a:ea typeface="+mn-ea"/>
+                <a:cs typeface="+mn-cs"/>
+              </a:rPr>
+              <a:t>work </a:t>
+            </a:r>
+            <a:r>
+              <a:rPr lang="en-IN" sz="1200" b="0" kern="1200" baseline="0" dirty="0" smtClean="0">
+                <a:solidFill>
+                  <a:schemeClr val="tx1"/>
+                </a:solidFill>
+                <a:effectLst/>
+                <a:latin typeface="+mn-lt"/>
+                <a:ea typeface="+mn-ea"/>
+                <a:cs typeface="+mn-cs"/>
+              </a:rPr>
+              <a:t>together. Will tell you about android </a:t>
             </a:r>
             <a:r>
               <a:rPr lang="en-IN" sz="1200" b="0" kern="1200" baseline="0" dirty="0" err="1" smtClean="0">
@@ -6476,27 +6752,8 @@
                 <a:ea typeface="+mn-ea"/>
                 <a:cs typeface="+mn-cs"/>
               </a:rPr>
-              <a:t>Room Database : * Its is a wrapper for the Underlying SQLite database. * It Reduced time-consuming boilerplate Code. * It reduces SQLite Runtime errors and Syntax errors, * It is compatible with the Live Data (It can return Live Data Object)</a:t>
+              <a:t>MVVM </a:t>
             </a:r>
-          </a:p>
-          <a:p>
-            <a:pPr marL="228600" marR="0" indent="-228600" algn="l" defTabSz="914400" rtl="0" eaLnBrk="1" fontAlgn="auto" latinLnBrk="0" hangingPunct="1">
-              <a:lnSpc>
-                <a:spcPct val="100000"/>
-              </a:lnSpc>
-              <a:spcBef>
-                <a:spcPts val="0"/>
-              </a:spcBef>
-              <a:spcAft>
-                <a:spcPts val="0"/>
-              </a:spcAft>
-              <a:buClrTx/>
-              <a:buSzTx/>
-              <a:buFontTx/>
-              <a:buAutoNum type="arabicPeriod"/>
-              <a:tabLst/>
-              <a:defRPr/>
-            </a:pPr>
             <a:r>
               <a:rPr lang="en-IN" sz="1200" b="0" kern="1200" baseline="0" dirty="0" smtClean="0">
                 <a:solidFill>
@@ -6507,38 +6764,7 @@
                 <a:ea typeface="+mn-ea"/>
                 <a:cs typeface="+mn-cs"/>
               </a:rPr>
-              <a:t>Retrofit : </a:t>
-            </a:r>
-          </a:p>
-          <a:p>
-            <a:pPr marL="228600" marR="0" indent="-228600" algn="l" defTabSz="914400" rtl="0" eaLnBrk="1" fontAlgn="auto" latinLnBrk="0" hangingPunct="1">
-              <a:lnSpc>
-                <a:spcPct val="100000"/>
-              </a:lnSpc>
-              <a:spcBef>
-                <a:spcPts val="0"/>
-              </a:spcBef>
-              <a:spcAft>
-                <a:spcPts val="0"/>
-              </a:spcAft>
-              <a:buClrTx/>
-              <a:buSzTx/>
-              <a:buFontTx/>
-              <a:buAutoNum type="arabicPeriod"/>
-              <a:tabLst/>
-              <a:defRPr/>
-            </a:pPr>
-            <a:r>
-              <a:rPr lang="en-IN" sz="1200" b="0" kern="1200" baseline="0" dirty="0" smtClean="0">
-                <a:solidFill>
-                  <a:schemeClr val="tx1"/>
-                </a:solidFill>
-                <a:effectLst/>
-                <a:latin typeface="+mn-lt"/>
-                <a:ea typeface="+mn-ea"/>
-                <a:cs typeface="+mn-cs"/>
-              </a:rPr>
-              <a:t>MVVM Overview : In this section I will give you a over view kind of block diagram as to how things work in MVVM.</a:t>
+              <a:t>Overview : In this section I will give you a over view kind of block diagram as to how things work in MVVM.</a:t>
             </a:r>
           </a:p>
           <a:p>
@@ -6665,7 +6891,7 @@
 </p:notes>
 </file>
 
-<file path=ppt/notesSlides/notesSlide2.xml><?xml version="1.0" encoding="utf-8"?>
+<file path=ppt/notesSlides/notesSlide3.xml><?xml version="1.0" encoding="utf-8"?>
 <p:notes xmlns:a="http://schemas.openxmlformats.org/drawingml/2006/main" xmlns:r="http://schemas.openxmlformats.org/officeDocument/2006/relationships" xmlns:p="http://schemas.openxmlformats.org/presentationml/2006/main">
   <p:cSld>
     <p:spTree>
@@ -6709,35 +6935,6 @@
           <a:bodyPr/>
           <a:lstStyle/>
           <a:p>
-            <a:r>
-              <a:rPr lang="en-IN" dirty="0" smtClean="0"/>
-              <a:t>Android </a:t>
-            </a:r>
-            <a:r>
-              <a:rPr lang="en-IN" dirty="0" err="1" smtClean="0"/>
-              <a:t>JetPack</a:t>
-            </a:r>
-            <a:r>
-              <a:rPr lang="en-IN" dirty="0" smtClean="0"/>
-              <a:t> : Foundation,</a:t>
-            </a:r>
-            <a:r>
-              <a:rPr lang="en-IN" baseline="0" dirty="0" smtClean="0"/>
-              <a:t> Architecture, Behavioural, UI </a:t>
-            </a:r>
-            <a:endParaRPr lang="en-IN" dirty="0" smtClean="0"/>
-          </a:p>
-          <a:p>
-            <a:r>
-              <a:rPr lang="en-IN" dirty="0" smtClean="0"/>
-              <a:t>All Components</a:t>
-            </a:r>
-            <a:r>
-              <a:rPr lang="en-IN" baseline="0" dirty="0" smtClean="0"/>
-              <a:t> : Navigation, Paging, Work manager.</a:t>
-            </a:r>
-          </a:p>
-          <a:p>
             <a:pPr marL="0" marR="0" indent="0" algn="l" defTabSz="914400" rtl="0" eaLnBrk="1" fontAlgn="auto" latinLnBrk="0" hangingPunct="1">
               <a:lnSpc>
                 <a:spcPct val="100000"/>
@@ -6757,30 +6954,11 @@
             </a:pPr>
             <a:r>
               <a:rPr lang="en-IN" baseline="0" dirty="0" smtClean="0"/>
-              <a:t>What is Architecture? </a:t>
+              <a:t>Need </a:t>
             </a:r>
-          </a:p>
-          <a:p>
-            <a:pPr marL="0" marR="0" indent="0" algn="l" defTabSz="914400" rtl="0" eaLnBrk="1" fontAlgn="auto" latinLnBrk="0" hangingPunct="1">
-              <a:lnSpc>
-                <a:spcPct val="100000"/>
-              </a:lnSpc>
-              <a:spcBef>
-                <a:spcPts val="0"/>
-              </a:spcBef>
-              <a:spcAft>
-                <a:spcPts val="0"/>
-              </a:spcAft>
-              <a:buClrTx/>
-              <a:buSzTx/>
-              <a:buFontTx/>
-              <a:buNone/>
-              <a:tabLst/>
-              <a:defRPr/>
-            </a:pPr>
             <a:r>
               <a:rPr lang="en-IN" baseline="0" dirty="0" smtClean="0"/>
-              <a:t>Need of Architecture?</a:t>
+              <a:t>of Architecture?</a:t>
             </a:r>
             <a:endParaRPr lang="en-IN" sz="1200" b="0" kern="1200" dirty="0" smtClean="0">
               <a:solidFill>
@@ -6820,8 +6998,72 @@
                 <a:ea typeface="+mn-ea"/>
                 <a:cs typeface="+mn-cs"/>
               </a:rPr>
-              <a:t>Separation of concerns</a:t>
+              <a:t>Separation of </a:t>
             </a:r>
+            <a:r>
+              <a:rPr lang="en-IN" sz="1200" b="0" kern="1200" dirty="0" smtClean="0">
+                <a:solidFill>
+                  <a:schemeClr val="tx1"/>
+                </a:solidFill>
+                <a:effectLst/>
+                <a:latin typeface="+mn-lt"/>
+                <a:ea typeface="+mn-ea"/>
+                <a:cs typeface="+mn-cs"/>
+              </a:rPr>
+              <a:t>concerns</a:t>
+            </a:r>
+          </a:p>
+          <a:p>
+            <a:pPr marL="0" marR="0" indent="0" algn="l" defTabSz="914400" rtl="0" eaLnBrk="1" fontAlgn="auto" latinLnBrk="0" hangingPunct="1">
+              <a:lnSpc>
+                <a:spcPct val="100000"/>
+              </a:lnSpc>
+              <a:spcBef>
+                <a:spcPts val="0"/>
+              </a:spcBef>
+              <a:spcAft>
+                <a:spcPts val="0"/>
+              </a:spcAft>
+              <a:buClrTx/>
+              <a:buSzTx/>
+              <a:buFontTx/>
+              <a:buNone/>
+              <a:tabLst/>
+              <a:defRPr/>
+            </a:pPr>
+            <a:r>
+              <a:rPr lang="en-IN" sz="1200" b="0" kern="1200" dirty="0" smtClean="0">
+                <a:solidFill>
+                  <a:schemeClr val="tx1"/>
+                </a:solidFill>
+                <a:effectLst/>
+                <a:latin typeface="+mn-lt"/>
+                <a:ea typeface="+mn-ea"/>
+                <a:cs typeface="+mn-cs"/>
+              </a:rPr>
+              <a:t>Separate</a:t>
+            </a:r>
+            <a:r>
+              <a:rPr lang="en-IN" sz="1200" b="0" kern="1200" baseline="0" dirty="0" smtClean="0">
+                <a:solidFill>
+                  <a:schemeClr val="tx1"/>
+                </a:solidFill>
+                <a:effectLst/>
+                <a:latin typeface="+mn-lt"/>
+                <a:ea typeface="+mn-ea"/>
+                <a:cs typeface="+mn-cs"/>
+              </a:rPr>
+              <a:t> Business Logic from UI</a:t>
+            </a:r>
+            <a:endParaRPr lang="en-IN" sz="1200" b="0" kern="1200" dirty="0" smtClean="0">
+              <a:solidFill>
+                <a:schemeClr val="tx1"/>
+              </a:solidFill>
+              <a:effectLst/>
+              <a:latin typeface="+mn-lt"/>
+              <a:ea typeface="+mn-ea"/>
+              <a:cs typeface="+mn-cs"/>
+            </a:endParaRPr>
           </a:p>
           <a:p>
             <a:pPr marL="0" marR="0" indent="0" algn="l" defTabSz="914400" rtl="0" eaLnBrk="1" fontAlgn="auto" latinLnBrk="0" hangingPunct="1">
@@ -6966,7 +7208,94 @@
 </p:notes>
 </file>
 
-<file path=ppt/notesSlides/notesSlide3.xml><?xml version="1.0" encoding="utf-8"?>
+<file path=ppt/notesSlides/notesSlide4.xml><?xml version="1.0" encoding="utf-8"?>
+<p:notes xmlns:a="http://schemas.openxmlformats.org/drawingml/2006/main" xmlns:r="http://schemas.openxmlformats.org/officeDocument/2006/relationships" xmlns:p="http://schemas.openxmlformats.org/presentationml/2006/main">
+  <p:cSld>
+    <p:spTree>
+      <p:nvGrpSpPr>
+        <p:cNvPr id="1" name=""/>
+        <p:cNvGrpSpPr/>
+        <p:nvPr/>
+      </p:nvGrpSpPr>
+      <p:grpSpPr>
+        <a:xfrm>
+          <a:off x="0" y="0"/>
+          <a:ext cx="0" cy="0"/>
+          <a:chOff x="0" y="0"/>
+          <a:chExt cx="0" cy="0"/>
+        </a:xfrm>
+      </p:grpSpPr>
+      <p:sp>
+        <p:nvSpPr>
+          <p:cNvPr id="2" name="Slide Image Placeholder 1"/>
+          <p:cNvSpPr>
+            <a:spLocks noGrp="1" noRot="1" noChangeAspect="1"/>
+          </p:cNvSpPr>
+          <p:nvPr>
+            <p:ph type="sldImg"/>
+          </p:nvPr>
+        </p:nvSpPr>
+        <p:spPr/>
+      </p:sp>
+      <p:sp>
+        <p:nvSpPr>
+          <p:cNvPr id="3" name="Notes Placeholder 2"/>
+          <p:cNvSpPr>
+            <a:spLocks noGrp="1"/>
+          </p:cNvSpPr>
+          <p:nvPr>
+            <p:ph type="body" idx="1"/>
+          </p:nvPr>
+        </p:nvSpPr>
+        <p:spPr/>
+        <p:txBody>
+          <a:bodyPr/>
+          <a:lstStyle/>
+          <a:p>
+            <a:pPr marL="228600" indent="-228600">
+              <a:buAutoNum type="arabicPeriod"/>
+            </a:pPr>
+            <a:endParaRPr lang="en-IN" dirty="0"/>
+          </a:p>
+        </p:txBody>
+      </p:sp>
+      <p:sp>
+        <p:nvSpPr>
+          <p:cNvPr id="4" name="Slide Number Placeholder 3"/>
+          <p:cNvSpPr>
+            <a:spLocks noGrp="1"/>
+          </p:cNvSpPr>
+          <p:nvPr>
+            <p:ph type="sldNum" sz="quarter" idx="10"/>
+          </p:nvPr>
+        </p:nvSpPr>
+        <p:spPr/>
+        <p:txBody>
+          <a:bodyPr/>
+          <a:lstStyle/>
+          <a:p>
+            <a:fld id="{BE60DC36-8EFA-4378-9855-E019C55AC472}" type="slidenum">
+              <a:rPr lang="en-US" smtClean="0"/>
+              <a:t>5</a:t>
+            </a:fld>
+            <a:endParaRPr lang="en-US" dirty="0"/>
+          </a:p>
+        </p:txBody>
+      </p:sp>
+    </p:spTree>
+    <p:extLst>
+      <p:ext uri="{BB962C8B-B14F-4D97-AF65-F5344CB8AC3E}">
+        <p14:creationId xmlns:p14="http://schemas.microsoft.com/office/powerpoint/2010/main" val="317398939"/>
+      </p:ext>
+    </p:extLst>
+  </p:cSld>
+  <p:clrMapOvr>
+    <a:masterClrMapping/>
+  </p:clrMapOvr>
+</p:notes>
+</file>
+
+<file path=ppt/notesSlides/notesSlide5.xml><?xml version="1.0" encoding="utf-8"?>
 <p:notes xmlns:a="http://schemas.openxmlformats.org/drawingml/2006/main" xmlns:r="http://schemas.openxmlformats.org/officeDocument/2006/relationships" xmlns:p="http://schemas.openxmlformats.org/presentationml/2006/main">
   <p:cSld>
     <p:spTree>
@@ -7015,23 +7344,25 @@
             </a:pPr>
             <a:r>
               <a:rPr lang="en-IN" dirty="0" err="1" smtClean="0"/>
-              <a:t>annotationProcessor</a:t>
+              <a:t>LiveData</a:t>
+            </a:r>
+            <a:endParaRPr lang="en-IN" dirty="0" smtClean="0"/>
+          </a:p>
+          <a:p>
+            <a:pPr marL="228600" indent="-228600">
+              <a:buAutoNum type="arabicPeriod"/>
+            </a:pPr>
+            <a:r>
+              <a:rPr lang="en-IN" dirty="0" smtClean="0"/>
+              <a:t>Mutable </a:t>
             </a:r>
             <a:r>
-              <a:rPr lang="en-IN" dirty="0" smtClean="0"/>
-              <a:t> </a:t>
+              <a:rPr lang="en-IN" dirty="0" err="1" smtClean="0"/>
+              <a:t>LiveData</a:t>
             </a:r>
             <a:r>
-              <a:rPr lang="en-IN" sz="1200" kern="1200" dirty="0" smtClean="0">
-                <a:solidFill>
-                  <a:schemeClr val="tx1"/>
-                </a:solidFill>
-                <a:effectLst/>
-                <a:latin typeface="+mn-lt"/>
-                <a:ea typeface="+mn-ea"/>
-                <a:cs typeface="+mn-cs"/>
-              </a:rPr>
-              <a:t>"androidx.lifecycle:lifecycle-compiler:2.0.0"</a:t>
+              <a:rPr lang="en-IN" baseline="0" dirty="0" smtClean="0"/>
+              <a:t> (set/post)</a:t>
             </a:r>
           </a:p>
           <a:p>
@@ -7039,230 +7370,8 @@
               <a:buAutoNum type="arabicPeriod"/>
             </a:pPr>
             <a:r>
-              <a:rPr lang="en-IN" dirty="0" smtClean="0"/>
-              <a:t>implementation </a:t>
-            </a:r>
-            <a:r>
-              <a:rPr lang="en-IN" sz="1200" kern="1200" dirty="0" smtClean="0">
-                <a:solidFill>
-                  <a:schemeClr val="tx1"/>
-                </a:solidFill>
-                <a:effectLst/>
-                <a:latin typeface="+mn-lt"/>
-                <a:ea typeface="+mn-ea"/>
-                <a:cs typeface="+mn-cs"/>
-              </a:rPr>
-              <a:t>"androidx.lifecycle:lifecycle-extensions:2.1.0-alpha04“</a:t>
-            </a:r>
-          </a:p>
-          <a:p>
-            <a:pPr marL="228600" indent="-228600">
-              <a:buAutoNum type="arabicPeriod"/>
-            </a:pPr>
-            <a:r>
-              <a:rPr lang="en-IN" dirty="0" smtClean="0"/>
-              <a:t>implementation </a:t>
-            </a:r>
-            <a:r>
-              <a:rPr lang="en-IN" sz="1200" kern="1200" dirty="0" smtClean="0">
-                <a:solidFill>
-                  <a:schemeClr val="tx1"/>
-                </a:solidFill>
-                <a:effectLst/>
-                <a:latin typeface="+mn-lt"/>
-                <a:ea typeface="+mn-ea"/>
-                <a:cs typeface="+mn-cs"/>
-              </a:rPr>
-              <a:t>"androidx.lifecycle:lifecycle-extensions:2.0.0“</a:t>
-            </a:r>
-          </a:p>
-          <a:p>
-            <a:pPr marL="228600" indent="-228600">
-              <a:buAutoNum type="arabicPeriod"/>
-            </a:pPr>
-            <a:endParaRPr lang="en-IN" sz="1200" kern="1200" dirty="0" smtClean="0">
-              <a:solidFill>
-                <a:schemeClr val="tx1"/>
-              </a:solidFill>
-              <a:effectLst/>
-              <a:latin typeface="+mn-lt"/>
-              <a:ea typeface="+mn-ea"/>
-              <a:cs typeface="+mn-cs"/>
-            </a:endParaRPr>
-          </a:p>
-          <a:p>
-            <a:pPr marL="228600" indent="-228600">
-              <a:buAutoNum type="arabicPeriod"/>
-            </a:pPr>
-            <a:r>
-              <a:rPr lang="en-IN" dirty="0" err="1" smtClean="0"/>
-              <a:t>lifecycleOwner.getLifecycle</a:t>
-            </a:r>
-            <a:r>
-              <a:rPr lang="en-IN" dirty="0" smtClean="0"/>
-              <a:t>().</a:t>
-            </a:r>
-            <a:r>
-              <a:rPr lang="en-IN" dirty="0" err="1" smtClean="0"/>
-              <a:t>addObserver</a:t>
-            </a:r>
-            <a:r>
-              <a:rPr lang="en-IN" dirty="0" smtClean="0"/>
-              <a:t>(</a:t>
-            </a:r>
-            <a:r>
-              <a:rPr lang="en-IN" sz="1200" kern="1200" dirty="0" smtClean="0">
-                <a:solidFill>
-                  <a:schemeClr val="tx1"/>
-                </a:solidFill>
-                <a:effectLst/>
-                <a:latin typeface="+mn-lt"/>
-                <a:ea typeface="+mn-ea"/>
-                <a:cs typeface="+mn-cs"/>
-              </a:rPr>
-              <a:t>this</a:t>
-            </a:r>
-            <a:r>
-              <a:rPr lang="en-IN" dirty="0" smtClean="0"/>
-              <a:t>)</a:t>
-            </a:r>
-            <a:r>
-              <a:rPr lang="en-IN" sz="1200" kern="1200" dirty="0" smtClean="0">
-                <a:solidFill>
-                  <a:schemeClr val="tx1"/>
-                </a:solidFill>
-                <a:effectLst/>
-                <a:latin typeface="+mn-lt"/>
-                <a:ea typeface="+mn-ea"/>
-                <a:cs typeface="+mn-cs"/>
-              </a:rPr>
-              <a:t>;</a:t>
-            </a:r>
-          </a:p>
-          <a:p>
-            <a:pPr marL="228600" indent="-228600">
-              <a:buAutoNum type="arabicPeriod"/>
-            </a:pPr>
-            <a:endParaRPr lang="en-IN" sz="1200" kern="1200" dirty="0" smtClean="0">
-              <a:solidFill>
-                <a:schemeClr val="tx1"/>
-              </a:solidFill>
-              <a:effectLst/>
-              <a:latin typeface="+mn-lt"/>
-              <a:ea typeface="+mn-ea"/>
-              <a:cs typeface="+mn-cs"/>
-            </a:endParaRPr>
-          </a:p>
-          <a:p>
-            <a:pPr marL="228600" indent="-228600">
-              <a:buAutoNum type="arabicPeriod"/>
-            </a:pPr>
-            <a:r>
-              <a:rPr lang="en-IN" sz="1200" kern="1200" dirty="0" smtClean="0">
-                <a:solidFill>
-                  <a:schemeClr val="tx1"/>
-                </a:solidFill>
-                <a:effectLst/>
-                <a:latin typeface="+mn-lt"/>
-                <a:ea typeface="+mn-ea"/>
-                <a:cs typeface="+mn-cs"/>
-              </a:rPr>
-              <a:t>@</a:t>
-            </a:r>
-            <a:r>
-              <a:rPr lang="en-IN" sz="1200" kern="1200" dirty="0" err="1" smtClean="0">
-                <a:solidFill>
-                  <a:schemeClr val="tx1"/>
-                </a:solidFill>
-                <a:effectLst/>
-                <a:latin typeface="+mn-lt"/>
-                <a:ea typeface="+mn-ea"/>
-                <a:cs typeface="+mn-cs"/>
-              </a:rPr>
-              <a:t>OnLifecycleEvent</a:t>
-            </a:r>
-            <a:r>
-              <a:rPr lang="en-IN" dirty="0" smtClean="0"/>
-              <a:t>(</a:t>
-            </a:r>
-            <a:r>
-              <a:rPr lang="en-IN" dirty="0" err="1" smtClean="0"/>
-              <a:t>Lifecycle.Event.</a:t>
-            </a:r>
-            <a:r>
-              <a:rPr lang="en-IN" sz="1200" i="1" kern="1200" dirty="0" err="1" smtClean="0">
-                <a:solidFill>
-                  <a:schemeClr val="tx1"/>
-                </a:solidFill>
-                <a:effectLst/>
-                <a:latin typeface="+mn-lt"/>
-                <a:ea typeface="+mn-ea"/>
-                <a:cs typeface="+mn-cs"/>
-              </a:rPr>
-              <a:t>ON_CREATE</a:t>
-            </a:r>
-            <a:r>
-              <a:rPr lang="en-IN" dirty="0" smtClean="0"/>
-              <a:t>)</a:t>
-            </a:r>
-          </a:p>
-          <a:p>
-            <a:pPr marL="228600" indent="-228600">
-              <a:buAutoNum type="arabicPeriod"/>
-            </a:pPr>
-            <a:endParaRPr lang="en-IN" dirty="0" smtClean="0"/>
-          </a:p>
-          <a:p>
-            <a:pPr marL="228600" indent="-228600">
-              <a:buAutoNum type="arabicPeriod"/>
-            </a:pPr>
-            <a:r>
-              <a:rPr lang="en-IN" sz="1200" kern="1200" dirty="0" smtClean="0">
-                <a:solidFill>
-                  <a:schemeClr val="tx1"/>
-                </a:solidFill>
-                <a:effectLst/>
-                <a:latin typeface="+mn-lt"/>
-                <a:ea typeface="+mn-ea"/>
-                <a:cs typeface="+mn-cs"/>
-              </a:rPr>
-              <a:t>new </a:t>
-            </a:r>
-            <a:r>
-              <a:rPr lang="en-IN" dirty="0" err="1" smtClean="0"/>
-              <a:t>BindingClass</a:t>
-            </a:r>
-            <a:r>
-              <a:rPr lang="en-IN" dirty="0" smtClean="0"/>
-              <a:t>(</a:t>
-            </a:r>
-            <a:r>
-              <a:rPr lang="en-IN" sz="1200" kern="1200" dirty="0" smtClean="0">
-                <a:solidFill>
-                  <a:schemeClr val="tx1"/>
-                </a:solidFill>
-                <a:effectLst/>
-                <a:latin typeface="+mn-lt"/>
-                <a:ea typeface="+mn-ea"/>
-                <a:cs typeface="+mn-cs"/>
-              </a:rPr>
-              <a:t>this</a:t>
-            </a:r>
-            <a:r>
-              <a:rPr lang="en-IN" dirty="0" smtClean="0"/>
-              <a:t>)</a:t>
-            </a:r>
-            <a:r>
-              <a:rPr lang="en-IN" sz="1200" kern="1200" dirty="0" smtClean="0">
-                <a:solidFill>
-                  <a:schemeClr val="tx1"/>
-                </a:solidFill>
-                <a:effectLst/>
-                <a:latin typeface="+mn-lt"/>
-                <a:ea typeface="+mn-ea"/>
-                <a:cs typeface="+mn-cs"/>
-              </a:rPr>
-              <a:t>;</a:t>
+              <a:rPr lang="en-IN" baseline="0" dirty="0" err="1" smtClean="0"/>
+              <a:t>MediatorLiveData</a:t>
             </a:r>
             <a:endParaRPr lang="en-IN" dirty="0"/>
           </a:p>
@@ -7285,7 +7394,7 @@
           <a:p>
             <a:fld id="{BE60DC36-8EFA-4378-9855-E019C55AC472}" type="slidenum">
               <a:rPr lang="en-US" smtClean="0"/>
-              <a:t>5</a:t>
+              <a:t>6</a:t>
             </a:fld>
             <a:endParaRPr lang="en-US" dirty="0"/>
           </a:p>
@@ -7294,7 +7403,663 @@
     </p:spTree>
     <p:extLst>
       <p:ext uri="{BB962C8B-B14F-4D97-AF65-F5344CB8AC3E}">
-        <p14:creationId xmlns:p14="http://schemas.microsoft.com/office/powerpoint/2010/main" val="317398939"/>
+        <p14:creationId xmlns:p14="http://schemas.microsoft.com/office/powerpoint/2010/main" val="3119784100"/>
+      </p:ext>
+    </p:extLst>
+  </p:cSld>
+  <p:clrMapOvr>
+    <a:masterClrMapping/>
+  </p:clrMapOvr>
+</p:notes>
+</file>
+
+<file path=ppt/notesSlides/notesSlide6.xml><?xml version="1.0" encoding="utf-8"?>
+<p:notes xmlns:a="http://schemas.openxmlformats.org/drawingml/2006/main" xmlns:r="http://schemas.openxmlformats.org/officeDocument/2006/relationships" xmlns:p="http://schemas.openxmlformats.org/presentationml/2006/main">
+  <p:cSld>
+    <p:spTree>
+      <p:nvGrpSpPr>
+        <p:cNvPr id="1" name=""/>
+        <p:cNvGrpSpPr/>
+        <p:nvPr/>
+      </p:nvGrpSpPr>
+      <p:grpSpPr>
+        <a:xfrm>
+          <a:off x="0" y="0"/>
+          <a:ext cx="0" cy="0"/>
+          <a:chOff x="0" y="0"/>
+          <a:chExt cx="0" cy="0"/>
+        </a:xfrm>
+      </p:grpSpPr>
+      <p:sp>
+        <p:nvSpPr>
+          <p:cNvPr id="2" name="Slide Image Placeholder 1"/>
+          <p:cNvSpPr>
+            <a:spLocks noGrp="1" noRot="1" noChangeAspect="1"/>
+          </p:cNvSpPr>
+          <p:nvPr>
+            <p:ph type="sldImg"/>
+          </p:nvPr>
+        </p:nvSpPr>
+        <p:spPr/>
+      </p:sp>
+      <p:sp>
+        <p:nvSpPr>
+          <p:cNvPr id="3" name="Notes Placeholder 2"/>
+          <p:cNvSpPr>
+            <a:spLocks noGrp="1"/>
+          </p:cNvSpPr>
+          <p:nvPr>
+            <p:ph type="body" idx="1"/>
+          </p:nvPr>
+        </p:nvSpPr>
+        <p:spPr/>
+        <p:txBody>
+          <a:bodyPr/>
+          <a:lstStyle/>
+          <a:p>
+            <a:r>
+              <a:rPr lang="en-IN" dirty="0" smtClean="0"/>
+              <a:t>1. </a:t>
+            </a:r>
+            <a:r>
+              <a:rPr lang="en-US" sz="1200" b="0" kern="1200" dirty="0" smtClean="0">
+                <a:solidFill>
+                  <a:schemeClr val="tx1"/>
+                </a:solidFill>
+                <a:effectLst/>
+                <a:latin typeface="+mn-lt"/>
+                <a:ea typeface="+mn-ea"/>
+                <a:cs typeface="+mn-cs"/>
+              </a:rPr>
+              <a:t>Null coalescing operator</a:t>
+            </a:r>
+          </a:p>
+          <a:p>
+            <a:r>
+              <a:rPr lang="en-US" sz="1200" b="0" i="0" kern="1200" dirty="0" smtClean="0">
+                <a:solidFill>
+                  <a:schemeClr val="tx1"/>
+                </a:solidFill>
+                <a:effectLst/>
+                <a:latin typeface="+mn-lt"/>
+                <a:ea typeface="+mn-ea"/>
+                <a:cs typeface="+mn-cs"/>
+              </a:rPr>
+              <a:t>The null coalescing operator (??) chooses the left operand if it isn't null or the right if the former is null.</a:t>
+            </a:r>
+          </a:p>
+          <a:p>
+            <a:pPr marL="228600" indent="-228600">
+              <a:buAutoNum type="arabicPeriod" startAt="2"/>
+            </a:pPr>
+            <a:r>
+              <a:rPr lang="en-IN" dirty="0" smtClean="0"/>
+              <a:t>You can use Operators in the expressions</a:t>
+            </a:r>
+          </a:p>
+          <a:p>
+            <a:pPr marL="228600" indent="-228600">
+              <a:buAutoNum type="arabicPeriod" startAt="2"/>
+            </a:pPr>
+            <a:r>
+              <a:rPr lang="en-IN" dirty="0" smtClean="0"/>
+              <a:t> Automatically checks</a:t>
+            </a:r>
+            <a:r>
+              <a:rPr lang="en-IN" baseline="0" dirty="0" smtClean="0"/>
+              <a:t> null values</a:t>
+            </a:r>
+          </a:p>
+          <a:p>
+            <a:pPr marL="228600" indent="-228600">
+              <a:buAutoNum type="arabicPeriod" startAt="2"/>
+            </a:pPr>
+            <a:r>
+              <a:rPr lang="en-IN" baseline="0" dirty="0" smtClean="0"/>
+              <a:t> Handles Events </a:t>
+            </a:r>
+          </a:p>
+          <a:p>
+            <a:pPr marL="228600" indent="-228600">
+              <a:buAutoNum type="arabicPeriod" startAt="2"/>
+            </a:pPr>
+            <a:r>
+              <a:rPr lang="en-IN" baseline="0" dirty="0" smtClean="0"/>
+              <a:t> You can import required classes using &lt;import&gt;</a:t>
+            </a:r>
+          </a:p>
+          <a:p>
+            <a:pPr marL="228600" indent="-228600">
+              <a:buAutoNum type="arabicPeriod" startAt="2"/>
+            </a:pPr>
+            <a:r>
+              <a:rPr lang="en-US" sz="1200" b="1" i="0" u="none" strike="noStrike" kern="1200" dirty="0" smtClean="0">
+                <a:solidFill>
+                  <a:schemeClr val="tx1"/>
+                </a:solidFill>
+                <a:effectLst/>
+                <a:latin typeface="+mn-lt"/>
+                <a:ea typeface="+mn-ea"/>
+                <a:cs typeface="+mn-cs"/>
+                <a:hlinkClick r:id="rId3"/>
+              </a:rPr>
+              <a:t>Bind layout views to Architecture Components</a:t>
+            </a:r>
+            <a:r>
+              <a:rPr lang="en-US" sz="1200" b="1" i="0" u="none" strike="noStrike" kern="1200" dirty="0" smtClean="0">
+                <a:solidFill>
+                  <a:schemeClr val="tx1"/>
+                </a:solidFill>
+                <a:effectLst/>
+                <a:latin typeface="+mn-lt"/>
+                <a:ea typeface="+mn-ea"/>
+                <a:cs typeface="+mn-cs"/>
+              </a:rPr>
+              <a:t> : - </a:t>
+            </a:r>
+            <a:r>
+              <a:rPr lang="en-IN" dirty="0" smtClean="0">
+                <a:effectLst/>
+              </a:rPr>
+              <a:t>        </a:t>
+            </a:r>
+            <a:r>
+              <a:rPr lang="en-IN" dirty="0" err="1" smtClean="0">
+                <a:effectLst/>
+              </a:rPr>
+              <a:t>binding.setLifecycleOwner</a:t>
+            </a:r>
+            <a:r>
+              <a:rPr lang="en-IN" dirty="0" smtClean="0">
+                <a:effectLst/>
+              </a:rPr>
+              <a:t>(</a:t>
+            </a:r>
+            <a:r>
+              <a:rPr lang="en-IN" sz="1200" kern="1200" dirty="0" smtClean="0">
+                <a:solidFill>
+                  <a:schemeClr val="tx1"/>
+                </a:solidFill>
+                <a:effectLst/>
+                <a:latin typeface="+mn-lt"/>
+                <a:ea typeface="+mn-ea"/>
+                <a:cs typeface="+mn-cs"/>
+              </a:rPr>
+              <a:t>this</a:t>
+            </a:r>
+            <a:r>
+              <a:rPr lang="en-IN" dirty="0" smtClean="0">
+                <a:effectLst/>
+              </a:rPr>
+              <a:t>);</a:t>
+            </a:r>
+            <a:endParaRPr lang="en-IN" baseline="0" dirty="0" smtClean="0"/>
+          </a:p>
+          <a:p>
+            <a:pPr marL="228600" indent="-228600">
+              <a:buAutoNum type="arabicPeriod" startAt="2"/>
+            </a:pPr>
+            <a:r>
+              <a:rPr lang="en-IN" baseline="0" dirty="0" smtClean="0"/>
+              <a:t> To Explore : </a:t>
+            </a:r>
+            <a:r>
+              <a:rPr lang="en-IN" baseline="0" dirty="0" err="1" smtClean="0"/>
+              <a:t>BindingAdapters</a:t>
+            </a:r>
+            <a:r>
+              <a:rPr lang="en-IN" baseline="0" dirty="0" smtClean="0"/>
+              <a:t>, </a:t>
+            </a:r>
+            <a:r>
+              <a:rPr lang="en-IN" baseline="0" dirty="0" err="1" smtClean="0"/>
+              <a:t>BindingMethod</a:t>
+            </a:r>
+            <a:r>
+              <a:rPr lang="en-IN" baseline="0" dirty="0" smtClean="0"/>
+              <a:t>, </a:t>
+            </a:r>
+            <a:r>
+              <a:rPr lang="en-IN" baseline="0" dirty="0" err="1" smtClean="0"/>
+              <a:t>TargetAPI</a:t>
+            </a:r>
+            <a:r>
+              <a:rPr lang="en-IN" baseline="0" dirty="0" smtClean="0"/>
+              <a:t>, </a:t>
+            </a:r>
+            <a:r>
+              <a:rPr lang="en-IN" baseline="0" dirty="0" err="1" smtClean="0"/>
+              <a:t>BindingConversion</a:t>
+            </a:r>
+            <a:r>
+              <a:rPr lang="en-IN" baseline="0" dirty="0" smtClean="0"/>
+              <a:t>, </a:t>
+            </a:r>
+            <a:r>
+              <a:rPr lang="en-IN" baseline="0" dirty="0" err="1" smtClean="0"/>
+              <a:t>TwoWayBinding</a:t>
+            </a:r>
+            <a:endParaRPr lang="en-IN" baseline="0" dirty="0" smtClean="0"/>
+          </a:p>
+        </p:txBody>
+      </p:sp>
+      <p:sp>
+        <p:nvSpPr>
+          <p:cNvPr id="4" name="Slide Number Placeholder 3"/>
+          <p:cNvSpPr>
+            <a:spLocks noGrp="1"/>
+          </p:cNvSpPr>
+          <p:nvPr>
+            <p:ph type="sldNum" sz="quarter" idx="10"/>
+          </p:nvPr>
+        </p:nvSpPr>
+        <p:spPr/>
+        <p:txBody>
+          <a:bodyPr/>
+          <a:lstStyle/>
+          <a:p>
+            <a:fld id="{BE60DC36-8EFA-4378-9855-E019C55AC472}" type="slidenum">
+              <a:rPr lang="en-US" smtClean="0"/>
+              <a:t>7</a:t>
+            </a:fld>
+            <a:endParaRPr lang="en-US" dirty="0"/>
+          </a:p>
+        </p:txBody>
+      </p:sp>
+    </p:spTree>
+    <p:extLst>
+      <p:ext uri="{BB962C8B-B14F-4D97-AF65-F5344CB8AC3E}">
+        <p14:creationId xmlns:p14="http://schemas.microsoft.com/office/powerpoint/2010/main" val="1114954166"/>
+      </p:ext>
+    </p:extLst>
+  </p:cSld>
+  <p:clrMapOvr>
+    <a:masterClrMapping/>
+  </p:clrMapOvr>
+</p:notes>
+</file>
+
+<file path=ppt/notesSlides/notesSlide7.xml><?xml version="1.0" encoding="utf-8"?>
+<p:notes xmlns:a="http://schemas.openxmlformats.org/drawingml/2006/main" xmlns:r="http://schemas.openxmlformats.org/officeDocument/2006/relationships" xmlns:p="http://schemas.openxmlformats.org/presentationml/2006/main">
+  <p:cSld>
+    <p:spTree>
+      <p:nvGrpSpPr>
+        <p:cNvPr id="1" name=""/>
+        <p:cNvGrpSpPr/>
+        <p:nvPr/>
+      </p:nvGrpSpPr>
+      <p:grpSpPr>
+        <a:xfrm>
+          <a:off x="0" y="0"/>
+          <a:ext cx="0" cy="0"/>
+          <a:chOff x="0" y="0"/>
+          <a:chExt cx="0" cy="0"/>
+        </a:xfrm>
+      </p:grpSpPr>
+      <p:sp>
+        <p:nvSpPr>
+          <p:cNvPr id="2" name="Slide Image Placeholder 1"/>
+          <p:cNvSpPr>
+            <a:spLocks noGrp="1" noRot="1" noChangeAspect="1"/>
+          </p:cNvSpPr>
+          <p:nvPr>
+            <p:ph type="sldImg"/>
+          </p:nvPr>
+        </p:nvSpPr>
+        <p:spPr/>
+      </p:sp>
+      <p:sp>
+        <p:nvSpPr>
+          <p:cNvPr id="3" name="Notes Placeholder 2"/>
+          <p:cNvSpPr>
+            <a:spLocks noGrp="1"/>
+          </p:cNvSpPr>
+          <p:nvPr>
+            <p:ph type="body" idx="1"/>
+          </p:nvPr>
+        </p:nvSpPr>
+        <p:spPr/>
+        <p:txBody>
+          <a:bodyPr/>
+          <a:lstStyle/>
+          <a:p>
+            <a:pPr marL="228600" indent="-228600">
+              <a:buAutoNum type="arabicPeriod"/>
+            </a:pPr>
+            <a:r>
+              <a:rPr lang="en-IN" baseline="0" dirty="0" smtClean="0"/>
+              <a:t> </a:t>
+            </a:r>
+            <a:r>
+              <a:rPr lang="en-IN" baseline="0" dirty="0" err="1" smtClean="0"/>
+              <a:t>ViewModel</a:t>
+            </a:r>
+            <a:r>
+              <a:rPr lang="en-IN" baseline="0" dirty="0" smtClean="0"/>
+              <a:t> is used to persist UI </a:t>
+            </a:r>
+            <a:r>
+              <a:rPr lang="en-IN" baseline="0" dirty="0" err="1" smtClean="0"/>
+              <a:t>realted</a:t>
+            </a:r>
+            <a:r>
+              <a:rPr lang="en-IN" baseline="0" dirty="0" smtClean="0"/>
+              <a:t> data throughout the lifecycle of UI component.</a:t>
+            </a:r>
+          </a:p>
+          <a:p>
+            <a:pPr marL="228600" indent="-228600">
+              <a:buAutoNum type="arabicPeriod"/>
+            </a:pPr>
+            <a:r>
+              <a:rPr lang="en-IN" baseline="0" dirty="0" err="1" smtClean="0"/>
+              <a:t>onSavedInstanceState</a:t>
+            </a:r>
+            <a:r>
+              <a:rPr lang="en-IN" baseline="0" dirty="0" smtClean="0"/>
+              <a:t> can only </a:t>
+            </a:r>
+            <a:r>
+              <a:rPr lang="en-IN" baseline="0" dirty="0" err="1" smtClean="0"/>
+              <a:t>handel</a:t>
+            </a:r>
+            <a:r>
+              <a:rPr lang="en-IN" baseline="0" dirty="0" smtClean="0"/>
+              <a:t> small amount of data on configuration change and cannot handle large data.</a:t>
+            </a:r>
+          </a:p>
+          <a:p>
+            <a:pPr marL="228600" indent="-228600">
+              <a:buAutoNum type="arabicPeriod"/>
+            </a:pPr>
+            <a:r>
+              <a:rPr lang="en-IN" baseline="0" dirty="0" err="1" smtClean="0"/>
+              <a:t>ViewModel</a:t>
+            </a:r>
+            <a:r>
+              <a:rPr lang="en-IN" baseline="0" dirty="0" smtClean="0"/>
+              <a:t> Class and Android </a:t>
+            </a:r>
+            <a:r>
+              <a:rPr lang="en-IN" baseline="0" dirty="0" err="1" smtClean="0"/>
+              <a:t>ViewModel</a:t>
+            </a:r>
+            <a:r>
+              <a:rPr lang="en-IN" baseline="0" dirty="0" smtClean="0"/>
+              <a:t> Class.</a:t>
+            </a:r>
+          </a:p>
+          <a:p>
+            <a:pPr marL="228600" indent="-228600">
+              <a:buAutoNum type="arabicPeriod"/>
+            </a:pPr>
+            <a:r>
+              <a:rPr lang="en-IN" baseline="0" dirty="0" err="1" smtClean="0"/>
+              <a:t>ViewModel</a:t>
+            </a:r>
+            <a:r>
+              <a:rPr lang="en-IN" baseline="0" dirty="0" smtClean="0"/>
+              <a:t> can be shared by fragments.</a:t>
+            </a:r>
+          </a:p>
+          <a:p>
+            <a:pPr marL="228600" indent="-228600">
+              <a:buAutoNum type="arabicPeriod"/>
+            </a:pPr>
+            <a:r>
+              <a:rPr lang="en-IN" baseline="0" dirty="0" smtClean="0"/>
+              <a:t>Never pass context of UI component to </a:t>
+            </a:r>
+            <a:r>
+              <a:rPr lang="en-IN" baseline="0" dirty="0" err="1" smtClean="0"/>
+              <a:t>ViewModel</a:t>
+            </a:r>
+            <a:endParaRPr lang="en-IN" baseline="0" dirty="0" smtClean="0"/>
+          </a:p>
+          <a:p>
+            <a:pPr marL="228600" indent="-228600">
+              <a:buAutoNum type="arabicPeriod"/>
+            </a:pPr>
+            <a:r>
+              <a:rPr lang="en-IN" baseline="0" dirty="0" smtClean="0"/>
+              <a:t>Injecting dependencies into </a:t>
+            </a:r>
+            <a:r>
+              <a:rPr lang="en-IN" baseline="0" dirty="0" err="1" smtClean="0"/>
+              <a:t>viewModel</a:t>
+            </a:r>
+            <a:r>
+              <a:rPr lang="en-IN" baseline="0" dirty="0" smtClean="0"/>
+              <a:t> using Factory</a:t>
+            </a:r>
+          </a:p>
+          <a:p>
+            <a:pPr marL="0" indent="0">
+              <a:buNone/>
+            </a:pPr>
+            <a:endParaRPr lang="en-IN" dirty="0"/>
+          </a:p>
+        </p:txBody>
+      </p:sp>
+      <p:sp>
+        <p:nvSpPr>
+          <p:cNvPr id="4" name="Slide Number Placeholder 3"/>
+          <p:cNvSpPr>
+            <a:spLocks noGrp="1"/>
+          </p:cNvSpPr>
+          <p:nvPr>
+            <p:ph type="sldNum" sz="quarter" idx="10"/>
+          </p:nvPr>
+        </p:nvSpPr>
+        <p:spPr/>
+        <p:txBody>
+          <a:bodyPr/>
+          <a:lstStyle/>
+          <a:p>
+            <a:fld id="{BE60DC36-8EFA-4378-9855-E019C55AC472}" type="slidenum">
+              <a:rPr lang="en-US" smtClean="0"/>
+              <a:t>8</a:t>
+            </a:fld>
+            <a:endParaRPr lang="en-US" dirty="0"/>
+          </a:p>
+        </p:txBody>
+      </p:sp>
+    </p:spTree>
+    <p:extLst>
+      <p:ext uri="{BB962C8B-B14F-4D97-AF65-F5344CB8AC3E}">
+        <p14:creationId xmlns:p14="http://schemas.microsoft.com/office/powerpoint/2010/main" val="3478050428"/>
+      </p:ext>
+    </p:extLst>
+  </p:cSld>
+  <p:clrMapOvr>
+    <a:masterClrMapping/>
+  </p:clrMapOvr>
+</p:notes>
+</file>
+
+<file path=ppt/notesSlides/notesSlide8.xml><?xml version="1.0" encoding="utf-8"?>
+<p:notes xmlns:a="http://schemas.openxmlformats.org/drawingml/2006/main" xmlns:r="http://schemas.openxmlformats.org/officeDocument/2006/relationships" xmlns:p="http://schemas.openxmlformats.org/presentationml/2006/main">
+  <p:cSld>
+    <p:spTree>
+      <p:nvGrpSpPr>
+        <p:cNvPr id="1" name=""/>
+        <p:cNvGrpSpPr/>
+        <p:nvPr/>
+      </p:nvGrpSpPr>
+      <p:grpSpPr>
+        <a:xfrm>
+          <a:off x="0" y="0"/>
+          <a:ext cx="0" cy="0"/>
+          <a:chOff x="0" y="0"/>
+          <a:chExt cx="0" cy="0"/>
+        </a:xfrm>
+      </p:grpSpPr>
+      <p:sp>
+        <p:nvSpPr>
+          <p:cNvPr id="2" name="Slide Image Placeholder 1"/>
+          <p:cNvSpPr>
+            <a:spLocks noGrp="1" noRot="1" noChangeAspect="1"/>
+          </p:cNvSpPr>
+          <p:nvPr>
+            <p:ph type="sldImg"/>
+          </p:nvPr>
+        </p:nvSpPr>
+        <p:spPr/>
+      </p:sp>
+      <p:sp>
+        <p:nvSpPr>
+          <p:cNvPr id="3" name="Notes Placeholder 2"/>
+          <p:cNvSpPr>
+            <a:spLocks noGrp="1"/>
+          </p:cNvSpPr>
+          <p:nvPr>
+            <p:ph type="body" idx="1"/>
+          </p:nvPr>
+        </p:nvSpPr>
+        <p:spPr/>
+        <p:txBody>
+          <a:bodyPr/>
+          <a:lstStyle/>
+          <a:p>
+            <a:pPr marL="228600" indent="-228600">
+              <a:buAutoNum type="arabicPeriod"/>
+            </a:pPr>
+            <a:r>
+              <a:rPr lang="en-IN" baseline="0" dirty="0" smtClean="0"/>
+              <a:t>In Abstract class you will write migration strategy.</a:t>
+            </a:r>
+          </a:p>
+          <a:p>
+            <a:pPr marL="228600" indent="-228600">
+              <a:buAutoNum type="arabicPeriod"/>
+            </a:pPr>
+            <a:r>
+              <a:rPr lang="en-IN" baseline="0" dirty="0" smtClean="0"/>
+              <a:t>In Entity there must be at least one Primary key.</a:t>
+            </a:r>
+          </a:p>
+          <a:p>
+            <a:pPr marL="228600" indent="-228600">
+              <a:buAutoNum type="arabicPeriod"/>
+            </a:pPr>
+            <a:r>
+              <a:rPr lang="en-IN" baseline="0" dirty="0" smtClean="0"/>
+              <a:t>Getter methods as compulsory in entity.</a:t>
+            </a:r>
+          </a:p>
+          <a:p>
+            <a:pPr marL="228600" indent="-228600">
+              <a:buAutoNum type="arabicPeriod"/>
+            </a:pPr>
+            <a:r>
+              <a:rPr lang="en-IN" baseline="0" dirty="0" smtClean="0"/>
+              <a:t>Room Database can return </a:t>
+            </a:r>
+            <a:r>
+              <a:rPr lang="en-IN" baseline="0" dirty="0" err="1" smtClean="0"/>
+              <a:t>LiveData</a:t>
+            </a:r>
+            <a:r>
+              <a:rPr lang="en-IN" baseline="0" dirty="0" smtClean="0"/>
+              <a:t> objects.</a:t>
+            </a:r>
+          </a:p>
+          <a:p>
+            <a:pPr marL="228600" indent="-228600">
+              <a:buAutoNum type="arabicPeriod"/>
+            </a:pPr>
+            <a:r>
+              <a:rPr lang="en-IN" baseline="0" dirty="0" smtClean="0"/>
+              <a:t>You can use @Ignore annotation if you do not want a field to insert in DB.</a:t>
+            </a:r>
+          </a:p>
+          <a:p>
+            <a:pPr marL="228600" indent="-228600">
+              <a:buAutoNum type="arabicPeriod"/>
+            </a:pPr>
+            <a:r>
+              <a:rPr lang="en-IN" baseline="0" dirty="0" smtClean="0"/>
+              <a:t>Use @</a:t>
+            </a:r>
+            <a:r>
+              <a:rPr lang="en-IN" baseline="0" dirty="0" err="1" smtClean="0"/>
+              <a:t>TypeConvertor</a:t>
+            </a:r>
+            <a:r>
+              <a:rPr lang="en-IN" baseline="0" dirty="0" smtClean="0"/>
+              <a:t> to convert </a:t>
+            </a:r>
+            <a:r>
+              <a:rPr lang="en-IN" baseline="0" dirty="0" err="1" smtClean="0"/>
+              <a:t>datatypes</a:t>
+            </a:r>
+            <a:r>
+              <a:rPr lang="en-IN" baseline="0" dirty="0" smtClean="0"/>
+              <a:t> </a:t>
+            </a:r>
+          </a:p>
+          <a:p>
+            <a:pPr marL="228600" indent="-228600">
+              <a:buAutoNum type="arabicPeriod"/>
+            </a:pPr>
+            <a:r>
+              <a:rPr lang="en-IN" baseline="0" dirty="0" smtClean="0"/>
+              <a:t>Need to call all Dao methods on Background Thread.</a:t>
+            </a:r>
+          </a:p>
+          <a:p>
+            <a:pPr marL="228600" indent="-228600">
+              <a:buAutoNum type="arabicPeriod"/>
+            </a:pPr>
+            <a:r>
+              <a:rPr lang="en-IN" baseline="0" dirty="0" smtClean="0"/>
+              <a:t>Every Select method should return Primary key column</a:t>
+            </a:r>
+          </a:p>
+          <a:p>
+            <a:pPr marL="228600" indent="-228600">
+              <a:buAutoNum type="arabicPeriod"/>
+            </a:pPr>
+            <a:r>
+              <a:rPr lang="en-IN" baseline="0" dirty="0" smtClean="0"/>
+              <a:t> </a:t>
+            </a:r>
+          </a:p>
+          <a:p>
+            <a:pPr marL="228600" indent="-228600">
+              <a:buAutoNum type="arabicPeriod"/>
+            </a:pPr>
+            <a:endParaRPr lang="en-IN" dirty="0"/>
+          </a:p>
+        </p:txBody>
+      </p:sp>
+      <p:sp>
+        <p:nvSpPr>
+          <p:cNvPr id="4" name="Slide Number Placeholder 3"/>
+          <p:cNvSpPr>
+            <a:spLocks noGrp="1"/>
+          </p:cNvSpPr>
+          <p:nvPr>
+            <p:ph type="sldNum" sz="quarter" idx="10"/>
+          </p:nvPr>
+        </p:nvSpPr>
+        <p:spPr/>
+        <p:txBody>
+          <a:bodyPr/>
+          <a:lstStyle/>
+          <a:p>
+            <a:fld id="{BE60DC36-8EFA-4378-9855-E019C55AC472}" type="slidenum">
+              <a:rPr lang="en-US" smtClean="0"/>
+              <a:t>9</a:t>
+            </a:fld>
+            <a:endParaRPr lang="en-US" dirty="0"/>
+          </a:p>
+        </p:txBody>
+      </p:sp>
+    </p:spTree>
+    <p:extLst>
+      <p:ext uri="{BB962C8B-B14F-4D97-AF65-F5344CB8AC3E}">
+        <p14:creationId xmlns:p14="http://schemas.microsoft.com/office/powerpoint/2010/main" val="1725821226"/>
       </p:ext>
     </p:extLst>
   </p:cSld>
@@ -14732,6 +15497,29 @@
           </a:graphicData>
         </a:graphic>
       </p:graphicFrame>
+      <p:pic>
+        <p:nvPicPr>
+          <p:cNvPr id="4" name="Picture 3"/>
+          <p:cNvPicPr>
+            <a:picLocks noChangeAspect="1"/>
+          </p:cNvPicPr>
+          <p:nvPr/>
+        </p:nvPicPr>
+        <p:blipFill rotWithShape="1">
+          <a:blip r:embed="rId7"/>
+          <a:srcRect l="18344" b="5668"/>
+          <a:stretch/>
+        </p:blipFill>
+        <p:spPr>
+          <a:xfrm>
+            <a:off x="2306471" y="3136141"/>
+            <a:ext cx="1066924" cy="1135608"/>
+          </a:xfrm>
+          <a:prstGeom prst="rect">
+            <a:avLst/>
+          </a:prstGeom>
+        </p:spPr>
+      </p:pic>
     </p:spTree>
     <p:extLst>
       <p:ext uri="{BB962C8B-B14F-4D97-AF65-F5344CB8AC3E}">
@@ -14907,6 +15695,7 @@
                     <a:lumOff val="25000"/>
                   </a:schemeClr>
                 </a:solidFill>
+                <a:hlinkClick r:id="rId3"/>
               </a:rPr>
               <a:t>Android Architecture </a:t>
             </a:r>
@@ -14921,9 +15710,18 @@
                     <a:lumOff val="25000"/>
                   </a:schemeClr>
                 </a:solidFill>
+                <a:hlinkClick r:id="rId3"/>
               </a:rPr>
               <a:t>Components</a:t>
             </a:r>
+            <a:endParaRPr lang="en-US" sz="2800" b="1" dirty="0">
+              <a:solidFill>
+                <a:schemeClr val="tx1">
+                  <a:lumMod val="75000"/>
+                  <a:lumOff val="25000"/>
+                </a:schemeClr>
+              </a:solidFill>
+            </a:endParaRPr>
           </a:p>
           <a:p>
             <a:pPr algn="ctr"/>
@@ -15069,7 +15867,7 @@
       <p:sp>
         <p:nvSpPr>
           <p:cNvPr id="43" name="Trapezoid 42">
-            <a:hlinkClick r:id="rId3" action="ppaction://hlinksldjump"/>
+            <a:hlinkClick r:id="rId4" action="ppaction://hlinksldjump"/>
             <a:extLst>
               <a:ext uri="{FF2B5EF4-FFF2-40B4-BE49-F238E27FC236}">
                 <a16:creationId xmlns:a16="http://schemas.microsoft.com/office/drawing/2014/main" xmlns="" id="{0092C447-C8E1-4B12-B012-E6D21CBB1FBE}"/>
@@ -15127,7 +15925,7 @@
       <p:sp>
         <p:nvSpPr>
           <p:cNvPr id="44" name="Trapezoid 43">
-            <a:hlinkClick r:id="rId4" action="ppaction://hlinksldjump"/>
+            <a:hlinkClick r:id="rId5" action="ppaction://hlinksldjump"/>
             <a:extLst>
               <a:ext uri="{FF2B5EF4-FFF2-40B4-BE49-F238E27FC236}">
                 <a16:creationId xmlns:a16="http://schemas.microsoft.com/office/drawing/2014/main" xmlns="" id="{7E139379-1914-4446-8D6D-984A47041A54}"/>
@@ -15185,7 +15983,7 @@
       <p:sp>
         <p:nvSpPr>
           <p:cNvPr id="45" name="Trapezoid 44">
-            <a:hlinkClick r:id="rId5" action="ppaction://hlinksldjump"/>
+            <a:hlinkClick r:id="rId6" action="ppaction://hlinksldjump"/>
             <a:extLst>
               <a:ext uri="{FF2B5EF4-FFF2-40B4-BE49-F238E27FC236}">
                 <a16:creationId xmlns:a16="http://schemas.microsoft.com/office/drawing/2014/main" xmlns="" id="{F79B51BB-1B30-4ED8-B26D-21EE8BC675B2}"/>
@@ -16383,7 +17181,7 @@
           <p:nvPr/>
         </p:nvPicPr>
         <p:blipFill>
-          <a:blip r:embed="rId6" cstate="print">
+          <a:blip r:embed="rId7" cstate="print">
             <a:extLst>
               <a:ext uri="{28A0092B-C50C-407E-A947-70E740481C1C}">
                 <a14:useLocalDpi xmlns:a14="http://schemas.microsoft.com/office/drawing/2010/main" val="0"/>
@@ -20243,7 +21041,7 @@
           <p:nvPr/>
         </p:nvPicPr>
         <p:blipFill>
-          <a:blip r:embed="rId7"/>
+          <a:blip r:embed="rId8"/>
           <a:stretch>
             <a:fillRect/>
           </a:stretch>
@@ -20284,7 +21082,7 @@
       <p:sp>
         <p:nvSpPr>
           <p:cNvPr id="32" name="Trapezoid 31">
-            <a:hlinkClick r:id="rId4" action="ppaction://hlinksldjump"/>
+            <a:hlinkClick r:id="rId5" action="ppaction://hlinksldjump"/>
             <a:extLst>
               <a:ext uri="{FF2B5EF4-FFF2-40B4-BE49-F238E27FC236}">
                 <a16:creationId xmlns:a16="http://schemas.microsoft.com/office/drawing/2014/main" xmlns="" id="{7E139379-1914-4446-8D6D-984A47041A54}"/>
@@ -20348,7 +21146,7 @@
           <p:nvPr/>
         </p:nvPicPr>
         <p:blipFill>
-          <a:blip r:embed="rId8" cstate="print">
+          <a:blip r:embed="rId9" cstate="print">
             <a:extLst>
               <a:ext uri="{28A0092B-C50C-407E-A947-70E740481C1C}">
                 <a14:useLocalDpi xmlns:a14="http://schemas.microsoft.com/office/drawing/2010/main" val="0"/>
@@ -20838,14 +21636,361 @@
         </p:blipFill>
         <p:spPr>
           <a:xfrm>
-            <a:off x="2166904" y="1463737"/>
-            <a:ext cx="7858191" cy="4482164"/>
+            <a:off x="1" y="1290470"/>
+            <a:ext cx="6639338" cy="4593495"/>
           </a:xfrm>
           <a:prstGeom prst="rect">
             <a:avLst/>
           </a:prstGeom>
         </p:spPr>
       </p:pic>
+      <p:graphicFrame>
+        <p:nvGraphicFramePr>
+          <p:cNvPr id="9" name="Table 8"/>
+          <p:cNvGraphicFramePr>
+            <a:graphicFrameLocks noGrp="1"/>
+          </p:cNvGraphicFramePr>
+          <p:nvPr>
+            <p:extLst>
+              <p:ext uri="{D42A27DB-BD31-4B8C-83A1-F6EECF244321}">
+                <p14:modId xmlns:p14="http://schemas.microsoft.com/office/powerpoint/2010/main" val="2756626211"/>
+              </p:ext>
+            </p:extLst>
+          </p:nvPr>
+        </p:nvGraphicFramePr>
+        <p:xfrm>
+          <a:off x="6639339" y="1510747"/>
+          <a:ext cx="5395465" cy="3977247"/>
+        </p:xfrm>
+        <a:graphic>
+          <a:graphicData uri="http://schemas.openxmlformats.org/drawingml/2006/table">
+            <a:tbl>
+              <a:tblPr firstRow="1" bandRow="1">
+                <a:tableStyleId>{C083E6E3-FA7D-4D7B-A595-EF9225AFEA82}</a:tableStyleId>
+              </a:tblPr>
+              <a:tblGrid>
+                <a:gridCol w="688488"/>
+                <a:gridCol w="4706977"/>
+              </a:tblGrid>
+              <a:tr h="530554">
+                <a:tc>
+                  <a:txBody>
+                    <a:bodyPr/>
+                    <a:lstStyle/>
+                    <a:p>
+                      <a:pPr algn="ctr"/>
+                      <a:r>
+                        <a:rPr lang="en-IN" dirty="0" err="1" smtClean="0"/>
+                        <a:t>Sr.No</a:t>
+                      </a:r>
+                      <a:endParaRPr lang="en-IN" dirty="0"/>
+                    </a:p>
+                  </a:txBody>
+                  <a:tcPr/>
+                </a:tc>
+                <a:tc>
+                  <a:txBody>
+                    <a:bodyPr/>
+                    <a:lstStyle/>
+                    <a:p>
+                      <a:pPr algn="ctr"/>
+                      <a:r>
+                        <a:rPr lang="en-IN" dirty="0" smtClean="0"/>
+                        <a:t> Steps</a:t>
+                      </a:r>
+                      <a:endParaRPr lang="en-IN" dirty="0"/>
+                    </a:p>
+                  </a:txBody>
+                  <a:tcPr/>
+                </a:tc>
+              </a:tr>
+              <a:tr h="423603">
+                <a:tc>
+                  <a:txBody>
+                    <a:bodyPr/>
+                    <a:lstStyle/>
+                    <a:p>
+                      <a:pPr algn="ctr"/>
+                      <a:r>
+                        <a:rPr lang="en-IN" dirty="0" smtClean="0"/>
+                        <a:t>1.</a:t>
+                      </a:r>
+                      <a:endParaRPr lang="en-IN" dirty="0"/>
+                    </a:p>
+                  </a:txBody>
+                  <a:tcPr/>
+                </a:tc>
+                <a:tc>
+                  <a:txBody>
+                    <a:bodyPr/>
+                    <a:lstStyle/>
+                    <a:p>
+                      <a:r>
+                        <a:rPr lang="en-IN" dirty="0" smtClean="0"/>
+                        <a:t>Add Dependencies</a:t>
+                      </a:r>
+                      <a:endParaRPr lang="en-IN" dirty="0"/>
+                    </a:p>
+                  </a:txBody>
+                  <a:tcPr/>
+                </a:tc>
+              </a:tr>
+              <a:tr h="854766">
+                <a:tc>
+                  <a:txBody>
+                    <a:bodyPr/>
+                    <a:lstStyle/>
+                    <a:p>
+                      <a:pPr algn="ctr"/>
+                      <a:r>
+                        <a:rPr lang="en-IN" dirty="0" smtClean="0"/>
+                        <a:t>2.</a:t>
+                      </a:r>
+                      <a:endParaRPr lang="en-IN" dirty="0"/>
+                    </a:p>
+                  </a:txBody>
+                  <a:tcPr/>
+                </a:tc>
+                <a:tc>
+                  <a:txBody>
+                    <a:bodyPr/>
+                    <a:lstStyle/>
+                    <a:p>
+                      <a:r>
+                        <a:rPr lang="en-IN" dirty="0" smtClean="0"/>
+                        <a:t>Create</a:t>
+                      </a:r>
+                      <a:r>
+                        <a:rPr lang="en-IN" baseline="0" dirty="0" smtClean="0"/>
+                        <a:t> Observable Class and extend with </a:t>
+                      </a:r>
+                      <a:r>
+                        <a:rPr lang="en-IN" baseline="0" dirty="0" err="1" smtClean="0"/>
+                        <a:t>LifeCycleObserver</a:t>
+                      </a:r>
+                      <a:r>
+                        <a:rPr lang="en-IN" baseline="0" dirty="0" smtClean="0"/>
+                        <a:t> class</a:t>
+                      </a:r>
+                      <a:endParaRPr lang="en-IN" dirty="0"/>
+                    </a:p>
+                  </a:txBody>
+                  <a:tcPr/>
+                </a:tc>
+              </a:tr>
+              <a:tr h="717211">
+                <a:tc>
+                  <a:txBody>
+                    <a:bodyPr/>
+                    <a:lstStyle/>
+                    <a:p>
+                      <a:pPr algn="ctr"/>
+                      <a:r>
+                        <a:rPr lang="en-IN" dirty="0" smtClean="0"/>
+                        <a:t>3.</a:t>
+                      </a:r>
+                      <a:endParaRPr lang="en-IN" dirty="0"/>
+                    </a:p>
+                  </a:txBody>
+                  <a:tcPr/>
+                </a:tc>
+                <a:tc>
+                  <a:txBody>
+                    <a:bodyPr/>
+                    <a:lstStyle/>
+                    <a:p>
+                      <a:r>
+                        <a:rPr lang="en-IN" dirty="0" smtClean="0"/>
+                        <a:t>Get</a:t>
+                      </a:r>
+                      <a:r>
+                        <a:rPr lang="en-IN" baseline="0" dirty="0" smtClean="0"/>
+                        <a:t> </a:t>
+                      </a:r>
+                      <a:r>
+                        <a:rPr lang="en-IN" baseline="0" dirty="0" err="1" smtClean="0"/>
+                        <a:t>LifecycleOwner</a:t>
+                      </a:r>
+                      <a:r>
+                        <a:rPr lang="en-IN" baseline="0" dirty="0" smtClean="0"/>
+                        <a:t> instance from constructor and add observer</a:t>
+                      </a:r>
+                      <a:endParaRPr lang="en-IN" dirty="0"/>
+                    </a:p>
+                  </a:txBody>
+                  <a:tcPr/>
+                </a:tc>
+              </a:tr>
+              <a:tr h="733902">
+                <a:tc>
+                  <a:txBody>
+                    <a:bodyPr/>
+                    <a:lstStyle/>
+                    <a:p>
+                      <a:pPr algn="ctr"/>
+                      <a:r>
+                        <a:rPr lang="en-IN" dirty="0" smtClean="0"/>
+                        <a:t>4.</a:t>
+                      </a:r>
+                      <a:endParaRPr lang="en-IN" dirty="0"/>
+                    </a:p>
+                  </a:txBody>
+                  <a:tcPr/>
+                </a:tc>
+                <a:tc>
+                  <a:txBody>
+                    <a:bodyPr/>
+                    <a:lstStyle/>
+                    <a:p>
+                      <a:r>
+                        <a:rPr lang="en-IN" dirty="0" smtClean="0"/>
+                        <a:t>Pass</a:t>
+                      </a:r>
+                      <a:r>
+                        <a:rPr lang="en-IN" baseline="0" dirty="0" smtClean="0"/>
+                        <a:t> instance of lifecycle owner from Activity by calling constructor of Observable Class</a:t>
+                      </a:r>
+                      <a:endParaRPr lang="en-IN" dirty="0"/>
+                    </a:p>
+                  </a:txBody>
+                  <a:tcPr/>
+                </a:tc>
+              </a:tr>
+              <a:tr h="717211">
+                <a:tc>
+                  <a:txBody>
+                    <a:bodyPr/>
+                    <a:lstStyle/>
+                    <a:p>
+                      <a:pPr algn="ctr"/>
+                      <a:r>
+                        <a:rPr lang="en-IN" dirty="0" smtClean="0"/>
+                        <a:t>5.</a:t>
+                      </a:r>
+                      <a:endParaRPr lang="en-IN" dirty="0"/>
+                    </a:p>
+                  </a:txBody>
+                  <a:tcPr/>
+                </a:tc>
+                <a:tc>
+                  <a:txBody>
+                    <a:bodyPr/>
+                    <a:lstStyle/>
+                    <a:p>
+                      <a:r>
+                        <a:rPr lang="en-IN" dirty="0" smtClean="0"/>
+                        <a:t>Start</a:t>
+                      </a:r>
+                      <a:r>
+                        <a:rPr lang="en-IN" baseline="0" dirty="0" smtClean="0"/>
+                        <a:t> Writing Annotations for Events and get state of activity.</a:t>
+                      </a:r>
+                      <a:endParaRPr lang="en-IN" dirty="0"/>
+                    </a:p>
+                  </a:txBody>
+                  <a:tcPr/>
+                </a:tc>
+              </a:tr>
+            </a:tbl>
+          </a:graphicData>
+        </a:graphic>
+      </p:graphicFrame>
+      <p:grpSp>
+        <p:nvGrpSpPr>
+          <p:cNvPr id="12" name="Group 11"/>
+          <p:cNvGrpSpPr/>
+          <p:nvPr/>
+        </p:nvGrpSpPr>
+        <p:grpSpPr>
+          <a:xfrm>
+            <a:off x="7073388" y="5663381"/>
+            <a:ext cx="2418734" cy="1058094"/>
+            <a:chOff x="7073388" y="5663381"/>
+            <a:chExt cx="2418734" cy="1058094"/>
+          </a:xfrm>
+        </p:grpSpPr>
+        <p:sp>
+          <p:nvSpPr>
+            <p:cNvPr id="4" name="Oval 3">
+              <a:hlinkClick r:id="rId4" action="ppaction://hlinkfile"/>
+            </p:cNvPr>
+            <p:cNvSpPr/>
+            <p:nvPr/>
+          </p:nvSpPr>
+          <p:spPr>
+            <a:xfrm>
+              <a:off x="7152968" y="5663381"/>
+              <a:ext cx="2271251" cy="1058094"/>
+            </a:xfrm>
+            <a:prstGeom prst="ellipse">
+              <a:avLst/>
+            </a:prstGeom>
+            <a:effectLst>
+              <a:glow rad="101600">
+                <a:schemeClr val="accent3">
+                  <a:satMod val="175000"/>
+                  <a:alpha val="40000"/>
+                </a:schemeClr>
+              </a:glow>
+            </a:effectLst>
+          </p:spPr>
+          <p:style>
+            <a:lnRef idx="1">
+              <a:schemeClr val="accent3"/>
+            </a:lnRef>
+            <a:fillRef idx="2">
+              <a:schemeClr val="accent3"/>
+            </a:fillRef>
+            <a:effectRef idx="1">
+              <a:schemeClr val="accent3"/>
+            </a:effectRef>
+            <a:fontRef idx="minor">
+              <a:schemeClr val="dk1"/>
+            </a:fontRef>
+          </p:style>
+          <p:txBody>
+            <a:bodyPr rtlCol="0" anchor="ctr"/>
+            <a:lstStyle/>
+            <a:p>
+              <a:pPr algn="ctr"/>
+              <a:endParaRPr lang="en-IN"/>
+            </a:p>
+          </p:txBody>
+        </p:sp>
+        <p:sp>
+          <p:nvSpPr>
+            <p:cNvPr id="6" name="TextBox 5">
+              <a:hlinkClick r:id="rId5" action="ppaction://hlinkfile"/>
+            </p:cNvPr>
+            <p:cNvSpPr txBox="1"/>
+            <p:nvPr/>
+          </p:nvSpPr>
+          <p:spPr>
+            <a:xfrm>
+              <a:off x="7073388" y="5914112"/>
+              <a:ext cx="2418734" cy="646331"/>
+            </a:xfrm>
+            <a:prstGeom prst="rect">
+              <a:avLst/>
+            </a:prstGeom>
+            <a:noFill/>
+          </p:spPr>
+          <p:txBody>
+            <a:bodyPr wrap="square" rtlCol="0">
+              <a:spAutoFit/>
+            </a:bodyPr>
+            <a:lstStyle/>
+            <a:p>
+              <a:pPr algn="ctr"/>
+              <a:r>
+                <a:rPr lang="en-IN" dirty="0" smtClean="0"/>
+                <a:t>Click here for Use Cases</a:t>
+              </a:r>
+              <a:endParaRPr lang="en-IN" dirty="0"/>
+            </a:p>
+          </p:txBody>
+        </p:sp>
+      </p:grpSp>
     </p:spTree>
     <p:extLst>
       <p:ext uri="{BB962C8B-B14F-4D97-AF65-F5344CB8AC3E}">
@@ -21131,7 +22276,7 @@
       <p:sp>
         <p:nvSpPr>
           <p:cNvPr id="9" name="Left Arrow 8">
-            <a:hlinkClick r:id="rId2" action="ppaction://hlinksldjump"/>
+            <a:hlinkClick r:id="rId3" action="ppaction://hlinksldjump"/>
           </p:cNvPr>
           <p:cNvSpPr/>
           <p:nvPr/>
@@ -21181,7 +22326,7 @@
           <p:nvPr/>
         </p:nvPicPr>
         <p:blipFill>
-          <a:blip r:embed="rId3">
+          <a:blip r:embed="rId4">
             <a:extLst>
               <a:ext uri="{28A0092B-C50C-407E-A947-70E740481C1C}">
                 <a14:useLocalDpi xmlns:a14="http://schemas.microsoft.com/office/drawing/2010/main" val="0"/>
@@ -21475,7 +22620,7 @@
       <p:sp>
         <p:nvSpPr>
           <p:cNvPr id="49" name="Left Arrow 48">
-            <a:hlinkClick r:id="rId2" action="ppaction://hlinksldjump"/>
+            <a:hlinkClick r:id="rId3" action="ppaction://hlinksldjump"/>
           </p:cNvPr>
           <p:cNvSpPr/>
           <p:nvPr/>
@@ -21525,14 +22670,14 @@
           <p:nvPr/>
         </p:nvPicPr>
         <p:blipFill>
-          <a:blip r:embed="rId3"/>
+          <a:blip r:embed="rId4"/>
           <a:stretch>
             <a:fillRect/>
           </a:stretch>
         </p:blipFill>
         <p:spPr>
           <a:xfrm>
-            <a:off x="4811030" y="1688644"/>
+            <a:off x="1516286" y="1298495"/>
             <a:ext cx="2569939" cy="4367099"/>
           </a:xfrm>
           <a:prstGeom prst="rect">
@@ -21540,6 +22685,286 @@
           </a:prstGeom>
         </p:spPr>
       </p:pic>
+      <p:graphicFrame>
+        <p:nvGraphicFramePr>
+          <p:cNvPr id="3" name="Table 2"/>
+          <p:cNvGraphicFramePr>
+            <a:graphicFrameLocks noGrp="1"/>
+          </p:cNvGraphicFramePr>
+          <p:nvPr>
+            <p:extLst>
+              <p:ext uri="{D42A27DB-BD31-4B8C-83A1-F6EECF244321}">
+                <p14:modId xmlns:p14="http://schemas.microsoft.com/office/powerpoint/2010/main" val="111440472"/>
+              </p:ext>
+            </p:extLst>
+          </p:nvPr>
+        </p:nvGraphicFramePr>
+        <p:xfrm>
+          <a:off x="4794250" y="1298492"/>
+          <a:ext cx="6921500" cy="5094950"/>
+        </p:xfrm>
+        <a:graphic>
+          <a:graphicData uri="http://schemas.openxmlformats.org/drawingml/2006/table">
+            <a:tbl>
+              <a:tblPr firstRow="1" bandRow="1">
+                <a:tableStyleId>{C083E6E3-FA7D-4D7B-A595-EF9225AFEA82}</a:tableStyleId>
+              </a:tblPr>
+              <a:tblGrid>
+                <a:gridCol w="883219"/>
+                <a:gridCol w="6038281"/>
+              </a:tblGrid>
+              <a:tr h="727850">
+                <a:tc>
+                  <a:txBody>
+                    <a:bodyPr/>
+                    <a:lstStyle/>
+                    <a:p>
+                      <a:pPr algn="ctr"/>
+                      <a:r>
+                        <a:rPr lang="en-IN" dirty="0" smtClean="0"/>
+                        <a:t>Sr. No.</a:t>
+                      </a:r>
+                      <a:endParaRPr lang="en-IN" dirty="0"/>
+                    </a:p>
+                  </a:txBody>
+                  <a:tcPr/>
+                </a:tc>
+                <a:tc>
+                  <a:txBody>
+                    <a:bodyPr/>
+                    <a:lstStyle/>
+                    <a:p>
+                      <a:pPr algn="ctr"/>
+                      <a:r>
+                        <a:rPr lang="en-IN" dirty="0" smtClean="0"/>
+                        <a:t> Steps</a:t>
+                      </a:r>
+                      <a:endParaRPr lang="en-IN" dirty="0"/>
+                    </a:p>
+                  </a:txBody>
+                  <a:tcPr/>
+                </a:tc>
+              </a:tr>
+              <a:tr h="727850">
+                <a:tc>
+                  <a:txBody>
+                    <a:bodyPr/>
+                    <a:lstStyle/>
+                    <a:p>
+                      <a:r>
+                        <a:rPr lang="en-IN" dirty="0" smtClean="0"/>
+                        <a:t>1.</a:t>
+                      </a:r>
+                      <a:endParaRPr lang="en-IN" dirty="0"/>
+                    </a:p>
+                  </a:txBody>
+                  <a:tcPr/>
+                </a:tc>
+                <a:tc>
+                  <a:txBody>
+                    <a:bodyPr/>
+                    <a:lstStyle/>
+                    <a:p>
+                      <a:r>
+                        <a:rPr lang="en-IN" dirty="0" smtClean="0"/>
+                        <a:t>Enable </a:t>
+                      </a:r>
+                      <a:r>
+                        <a:rPr lang="en-IN" dirty="0" err="1" smtClean="0"/>
+                        <a:t>DataBinding</a:t>
+                      </a:r>
+                      <a:r>
+                        <a:rPr lang="en-IN" dirty="0" smtClean="0"/>
+                        <a:t> in </a:t>
+                      </a:r>
+                      <a:r>
+                        <a:rPr lang="en-IN" dirty="0" err="1" smtClean="0"/>
+                        <a:t>build.gradle</a:t>
+                      </a:r>
+                      <a:r>
+                        <a:rPr lang="en-IN" baseline="0" dirty="0" smtClean="0"/>
+                        <a:t> file</a:t>
+                      </a:r>
+                      <a:endParaRPr lang="en-IN" dirty="0"/>
+                    </a:p>
+                  </a:txBody>
+                  <a:tcPr/>
+                </a:tc>
+              </a:tr>
+              <a:tr h="727850">
+                <a:tc>
+                  <a:txBody>
+                    <a:bodyPr/>
+                    <a:lstStyle/>
+                    <a:p>
+                      <a:r>
+                        <a:rPr lang="en-IN" dirty="0" smtClean="0"/>
+                        <a:t>2.</a:t>
+                      </a:r>
+                      <a:endParaRPr lang="en-IN" dirty="0"/>
+                    </a:p>
+                  </a:txBody>
+                  <a:tcPr/>
+                </a:tc>
+                <a:tc>
+                  <a:txBody>
+                    <a:bodyPr/>
+                    <a:lstStyle/>
+                    <a:p>
+                      <a:r>
+                        <a:rPr lang="en-IN" dirty="0" smtClean="0"/>
+                        <a:t>Make root tag of layout file as &lt;layout&gt;</a:t>
+                      </a:r>
+                      <a:endParaRPr lang="en-IN" dirty="0"/>
+                    </a:p>
+                  </a:txBody>
+                  <a:tcPr/>
+                </a:tc>
+              </a:tr>
+              <a:tr h="727850">
+                <a:tc>
+                  <a:txBody>
+                    <a:bodyPr/>
+                    <a:lstStyle/>
+                    <a:p>
+                      <a:r>
+                        <a:rPr lang="en-IN" dirty="0" smtClean="0"/>
+                        <a:t>3.</a:t>
+                      </a:r>
+                      <a:endParaRPr lang="en-IN" dirty="0"/>
+                    </a:p>
+                  </a:txBody>
+                  <a:tcPr/>
+                </a:tc>
+                <a:tc>
+                  <a:txBody>
+                    <a:bodyPr/>
+                    <a:lstStyle/>
+                    <a:p>
+                      <a:r>
+                        <a:rPr lang="en-IN" dirty="0" smtClean="0"/>
+                        <a:t>Write insert &lt;variable&gt;</a:t>
+                      </a:r>
+                      <a:r>
+                        <a:rPr lang="en-IN" baseline="0" dirty="0" smtClean="0"/>
+                        <a:t> in</a:t>
+                      </a:r>
+                      <a:r>
+                        <a:rPr lang="en-IN" dirty="0" smtClean="0"/>
+                        <a:t>&lt;data&gt; tag</a:t>
+                      </a:r>
+                      <a:r>
+                        <a:rPr lang="en-IN" baseline="0" dirty="0" smtClean="0"/>
+                        <a:t> </a:t>
+                      </a:r>
+                      <a:endParaRPr lang="en-IN" dirty="0"/>
+                    </a:p>
+                  </a:txBody>
+                  <a:tcPr/>
+                </a:tc>
+              </a:tr>
+              <a:tr h="727850">
+                <a:tc>
+                  <a:txBody>
+                    <a:bodyPr/>
+                    <a:lstStyle/>
+                    <a:p>
+                      <a:r>
+                        <a:rPr lang="en-IN" dirty="0" smtClean="0"/>
+                        <a:t>4.</a:t>
+                      </a:r>
+                      <a:endParaRPr lang="en-IN" dirty="0"/>
+                    </a:p>
+                  </a:txBody>
+                  <a:tcPr/>
+                </a:tc>
+                <a:tc>
+                  <a:txBody>
+                    <a:bodyPr/>
+                    <a:lstStyle/>
+                    <a:p>
+                      <a:r>
+                        <a:rPr lang="en-IN" dirty="0" smtClean="0"/>
+                        <a:t>Write expressions using @{} syntax </a:t>
+                      </a:r>
+                      <a:endParaRPr lang="en-IN" dirty="0"/>
+                    </a:p>
+                  </a:txBody>
+                  <a:tcPr/>
+                </a:tc>
+              </a:tr>
+              <a:tr h="727850">
+                <a:tc>
+                  <a:txBody>
+                    <a:bodyPr/>
+                    <a:lstStyle/>
+                    <a:p>
+                      <a:r>
+                        <a:rPr lang="en-IN" dirty="0" smtClean="0"/>
+                        <a:t>5.</a:t>
+                      </a:r>
+                      <a:endParaRPr lang="en-IN" dirty="0"/>
+                    </a:p>
+                  </a:txBody>
+                  <a:tcPr/>
+                </a:tc>
+                <a:tc>
+                  <a:txBody>
+                    <a:bodyPr/>
+                    <a:lstStyle/>
+                    <a:p>
+                      <a:r>
+                        <a:rPr lang="en-IN" dirty="0" smtClean="0"/>
+                        <a:t>Bind Activity</a:t>
+                      </a:r>
+                      <a:r>
+                        <a:rPr lang="en-IN" baseline="0" dirty="0" smtClean="0"/>
+                        <a:t> to this layout file</a:t>
+                      </a:r>
+                      <a:endParaRPr lang="en-IN" dirty="0"/>
+                    </a:p>
+                  </a:txBody>
+                  <a:tcPr/>
+                </a:tc>
+              </a:tr>
+              <a:tr h="727850">
+                <a:tc>
+                  <a:txBody>
+                    <a:bodyPr/>
+                    <a:lstStyle/>
+                    <a:p>
+                      <a:r>
+                        <a:rPr lang="en-IN" dirty="0" smtClean="0"/>
+                        <a:t>6.</a:t>
+                      </a:r>
+                      <a:endParaRPr lang="en-IN" dirty="0"/>
+                    </a:p>
+                  </a:txBody>
+                  <a:tcPr/>
+                </a:tc>
+                <a:tc>
+                  <a:txBody>
+                    <a:bodyPr/>
+                    <a:lstStyle/>
+                    <a:p>
+                      <a:r>
+                        <a:rPr lang="en-IN" dirty="0" smtClean="0"/>
+                        <a:t>Set</a:t>
+                      </a:r>
+                      <a:r>
+                        <a:rPr lang="en-IN" baseline="0" dirty="0" smtClean="0"/>
+                        <a:t> Model to layout</a:t>
+                      </a:r>
+                      <a:endParaRPr lang="en-IN" dirty="0"/>
+                    </a:p>
+                  </a:txBody>
+                  <a:tcPr/>
+                </a:tc>
+              </a:tr>
+            </a:tbl>
+          </a:graphicData>
+        </a:graphic>
+      </p:graphicFrame>
     </p:spTree>
     <p:extLst>
       <p:ext uri="{BB962C8B-B14F-4D97-AF65-F5344CB8AC3E}">
@@ -21825,7 +23250,7 @@
       <p:sp>
         <p:nvSpPr>
           <p:cNvPr id="20" name="Left Arrow 19">
-            <a:hlinkClick r:id="rId2" action="ppaction://hlinksldjump"/>
+            <a:hlinkClick r:id="rId3" action="ppaction://hlinksldjump"/>
           </p:cNvPr>
           <p:cNvSpPr/>
           <p:nvPr/>
@@ -21874,22 +23299,339 @@
           </p:cNvPicPr>
           <p:nvPr/>
         </p:nvPicPr>
-        <p:blipFill>
-          <a:blip r:embed="rId3"/>
-          <a:stretch>
-            <a:fillRect/>
-          </a:stretch>
+        <p:blipFill rotWithShape="1">
+          <a:blip r:embed="rId4"/>
+          <a:srcRect t="6502" b="7645"/>
+          <a:stretch/>
         </p:blipFill>
         <p:spPr>
           <a:xfrm>
-            <a:off x="3568879" y="578298"/>
-            <a:ext cx="5054242" cy="5796808"/>
+            <a:off x="500332" y="855297"/>
+            <a:ext cx="5054242" cy="4976735"/>
           </a:xfrm>
           <a:prstGeom prst="rect">
             <a:avLst/>
           </a:prstGeom>
         </p:spPr>
       </p:pic>
+      <p:graphicFrame>
+        <p:nvGraphicFramePr>
+          <p:cNvPr id="9" name="Table 8"/>
+          <p:cNvGraphicFramePr>
+            <a:graphicFrameLocks noGrp="1"/>
+          </p:cNvGraphicFramePr>
+          <p:nvPr>
+            <p:extLst>
+              <p:ext uri="{D42A27DB-BD31-4B8C-83A1-F6EECF244321}">
+                <p14:modId xmlns:p14="http://schemas.microsoft.com/office/powerpoint/2010/main" val="3878285982"/>
+              </p:ext>
+            </p:extLst>
+          </p:nvPr>
+        </p:nvGraphicFramePr>
+        <p:xfrm>
+          <a:off x="5270500" y="966098"/>
+          <a:ext cx="6692900" cy="4865935"/>
+        </p:xfrm>
+        <a:graphic>
+          <a:graphicData uri="http://schemas.openxmlformats.org/drawingml/2006/table">
+            <a:tbl>
+              <a:tblPr firstRow="1" bandRow="1">
+                <a:tableStyleId>{C083E6E3-FA7D-4D7B-A595-EF9225AFEA82}</a:tableStyleId>
+              </a:tblPr>
+              <a:tblGrid>
+                <a:gridCol w="854048"/>
+                <a:gridCol w="5838852"/>
+              </a:tblGrid>
+              <a:tr h="564771">
+                <a:tc>
+                  <a:txBody>
+                    <a:bodyPr/>
+                    <a:lstStyle/>
+                    <a:p>
+                      <a:pPr algn="ctr"/>
+                      <a:r>
+                        <a:rPr lang="en-IN" dirty="0" smtClean="0"/>
+                        <a:t>Sr. No.</a:t>
+                      </a:r>
+                      <a:endParaRPr lang="en-IN" dirty="0"/>
+                    </a:p>
+                  </a:txBody>
+                  <a:tcPr/>
+                </a:tc>
+                <a:tc>
+                  <a:txBody>
+                    <a:bodyPr/>
+                    <a:lstStyle/>
+                    <a:p>
+                      <a:pPr algn="ctr"/>
+                      <a:r>
+                        <a:rPr lang="en-IN" dirty="0" smtClean="0"/>
+                        <a:t> Steps</a:t>
+                      </a:r>
+                      <a:endParaRPr lang="en-IN" dirty="0"/>
+                    </a:p>
+                  </a:txBody>
+                  <a:tcPr/>
+                </a:tc>
+              </a:tr>
+              <a:tr h="1010540">
+                <a:tc>
+                  <a:txBody>
+                    <a:bodyPr/>
+                    <a:lstStyle/>
+                    <a:p>
+                      <a:pPr algn="ctr"/>
+                      <a:r>
+                        <a:rPr lang="en-IN" dirty="0" smtClean="0"/>
+                        <a:t>1.</a:t>
+                      </a:r>
+                      <a:endParaRPr lang="en-IN" dirty="0"/>
+                    </a:p>
+                  </a:txBody>
+                  <a:tcPr/>
+                </a:tc>
+                <a:tc>
+                  <a:txBody>
+                    <a:bodyPr/>
+                    <a:lstStyle/>
+                    <a:p>
+                      <a:r>
+                        <a:rPr lang="en-IN" dirty="0" smtClean="0"/>
+                        <a:t>Create</a:t>
+                      </a:r>
+                      <a:r>
+                        <a:rPr lang="en-IN" baseline="0" dirty="0" smtClean="0"/>
+                        <a:t> a View Model Class and extend with either </a:t>
+                      </a:r>
+                      <a:r>
+                        <a:rPr lang="en-IN" baseline="0" dirty="0" err="1" smtClean="0"/>
+                        <a:t>AndroidViewModel</a:t>
+                      </a:r>
+                      <a:r>
+                        <a:rPr lang="en-IN" baseline="0" dirty="0" smtClean="0"/>
+                        <a:t> or </a:t>
+                      </a:r>
+                      <a:r>
+                        <a:rPr lang="en-IN" baseline="0" dirty="0" err="1" smtClean="0"/>
+                        <a:t>ViewModel</a:t>
+                      </a:r>
+                      <a:endParaRPr lang="en-IN" dirty="0"/>
+                    </a:p>
+                  </a:txBody>
+                  <a:tcPr/>
+                </a:tc>
+              </a:tr>
+              <a:tr h="1269544">
+                <a:tc>
+                  <a:txBody>
+                    <a:bodyPr/>
+                    <a:lstStyle/>
+                    <a:p>
+                      <a:pPr algn="ctr"/>
+                      <a:r>
+                        <a:rPr lang="en-IN" dirty="0" smtClean="0"/>
+                        <a:t>2.</a:t>
+                      </a:r>
+                      <a:endParaRPr lang="en-IN" dirty="0"/>
+                    </a:p>
+                  </a:txBody>
+                  <a:tcPr/>
+                </a:tc>
+                <a:tc>
+                  <a:txBody>
+                    <a:bodyPr/>
+                    <a:lstStyle/>
+                    <a:p>
+                      <a:r>
+                        <a:rPr lang="en-IN" dirty="0" smtClean="0"/>
+                        <a:t>From</a:t>
+                      </a:r>
+                      <a:r>
+                        <a:rPr lang="en-IN" baseline="0" dirty="0" smtClean="0"/>
+                        <a:t> Activity create object of </a:t>
+                      </a:r>
+                      <a:r>
+                        <a:rPr lang="en-IN" baseline="0" dirty="0" err="1" smtClean="0"/>
+                        <a:t>ViewModel</a:t>
+                      </a:r>
+                      <a:r>
+                        <a:rPr lang="en-IN" baseline="0" dirty="0" smtClean="0"/>
+                        <a:t> Class and instantiate using </a:t>
+                      </a:r>
+                      <a:r>
+                        <a:rPr lang="en-IN" dirty="0" err="1" smtClean="0"/>
+                        <a:t>ViewModelProviders.</a:t>
+                      </a:r>
+                      <a:r>
+                        <a:rPr lang="en-IN" i="1" dirty="0" err="1" smtClean="0">
+                          <a:effectLst/>
+                        </a:rPr>
+                        <a:t>of</a:t>
+                      </a:r>
+                      <a:r>
+                        <a:rPr lang="en-IN" dirty="0" smtClean="0"/>
+                        <a:t>(</a:t>
+                      </a:r>
+                      <a:r>
+                        <a:rPr lang="en-IN" sz="1800" kern="1200" dirty="0" smtClean="0">
+                          <a:solidFill>
+                            <a:schemeClr val="tx1"/>
+                          </a:solidFill>
+                          <a:effectLst/>
+                          <a:latin typeface="+mn-lt"/>
+                          <a:ea typeface="+mn-ea"/>
+                          <a:cs typeface="+mn-cs"/>
+                        </a:rPr>
+                        <a:t>this</a:t>
+                      </a:r>
+                      <a:r>
+                        <a:rPr lang="en-IN" dirty="0" smtClean="0"/>
+                        <a:t>).get(</a:t>
+                      </a:r>
+                      <a:r>
+                        <a:rPr lang="en-IN" dirty="0" err="1" smtClean="0"/>
+                        <a:t>UserListViewModel.</a:t>
+                      </a:r>
+                      <a:r>
+                        <a:rPr lang="en-IN" sz="1800" kern="1200" dirty="0" err="1" smtClean="0">
+                          <a:solidFill>
+                            <a:schemeClr val="tx1"/>
+                          </a:solidFill>
+                          <a:effectLst/>
+                          <a:latin typeface="+mn-lt"/>
+                          <a:ea typeface="+mn-ea"/>
+                          <a:cs typeface="+mn-cs"/>
+                        </a:rPr>
+                        <a:t>class</a:t>
+                      </a:r>
+                      <a:r>
+                        <a:rPr lang="en-IN" dirty="0" smtClean="0"/>
+                        <a:t>)</a:t>
+                      </a:r>
+                      <a:r>
+                        <a:rPr lang="en-IN" sz="1800" kern="1200" dirty="0" smtClean="0">
+                          <a:solidFill>
+                            <a:schemeClr val="tx1"/>
+                          </a:solidFill>
+                          <a:effectLst/>
+                          <a:latin typeface="+mn-lt"/>
+                          <a:ea typeface="+mn-ea"/>
+                          <a:cs typeface="+mn-cs"/>
+                        </a:rPr>
+                        <a:t>;</a:t>
+                      </a:r>
+                      <a:endParaRPr lang="en-IN" dirty="0"/>
+                    </a:p>
+                  </a:txBody>
+                  <a:tcPr/>
+                </a:tc>
+              </a:tr>
+              <a:tr h="1010540">
+                <a:tc>
+                  <a:txBody>
+                    <a:bodyPr/>
+                    <a:lstStyle/>
+                    <a:p>
+                      <a:pPr algn="ctr"/>
+                      <a:r>
+                        <a:rPr lang="en-IN" dirty="0" smtClean="0"/>
+                        <a:t>3.</a:t>
+                      </a:r>
+                      <a:endParaRPr lang="en-IN" dirty="0"/>
+                    </a:p>
+                  </a:txBody>
+                  <a:tcPr/>
+                </a:tc>
+                <a:tc>
+                  <a:txBody>
+                    <a:bodyPr/>
+                    <a:lstStyle/>
+                    <a:p>
+                      <a:r>
+                        <a:rPr lang="en-IN" dirty="0" smtClean="0"/>
+                        <a:t>Publish</a:t>
+                      </a:r>
+                      <a:r>
+                        <a:rPr lang="en-IN" baseline="0" dirty="0" smtClean="0"/>
+                        <a:t> </a:t>
+                      </a:r>
+                      <a:r>
+                        <a:rPr lang="en-IN" baseline="0" dirty="0" err="1" smtClean="0"/>
+                        <a:t>LiveData</a:t>
+                      </a:r>
+                      <a:r>
+                        <a:rPr lang="en-IN" baseline="0" dirty="0" smtClean="0"/>
+                        <a:t> from </a:t>
+                      </a:r>
+                      <a:r>
+                        <a:rPr lang="en-IN" baseline="0" dirty="0" err="1" smtClean="0"/>
+                        <a:t>Viewmodel</a:t>
+                      </a:r>
+                      <a:r>
+                        <a:rPr lang="en-IN" baseline="0" dirty="0" smtClean="0"/>
+                        <a:t> Class and observe it in UI component.</a:t>
+                      </a:r>
+                      <a:endParaRPr lang="en-IN" dirty="0"/>
+                    </a:p>
+                  </a:txBody>
+                  <a:tcPr/>
+                </a:tc>
+              </a:tr>
+              <a:tr h="1010540">
+                <a:tc>
+                  <a:txBody>
+                    <a:bodyPr/>
+                    <a:lstStyle/>
+                    <a:p>
+                      <a:pPr algn="ctr"/>
+                      <a:r>
+                        <a:rPr lang="en-IN" dirty="0" smtClean="0"/>
+                        <a:t>4.</a:t>
+                      </a:r>
+                      <a:endParaRPr lang="en-IN" dirty="0"/>
+                    </a:p>
+                  </a:txBody>
+                  <a:tcPr/>
+                </a:tc>
+                <a:tc>
+                  <a:txBody>
+                    <a:bodyPr/>
+                    <a:lstStyle/>
+                    <a:p>
+                      <a:r>
+                        <a:rPr lang="en-IN" dirty="0" smtClean="0"/>
+                        <a:t>Call</a:t>
+                      </a:r>
+                      <a:r>
+                        <a:rPr lang="en-IN" baseline="0" dirty="0" smtClean="0"/>
+                        <a:t> (dot).observe method on </a:t>
+                      </a:r>
+                      <a:r>
+                        <a:rPr lang="en-IN" baseline="0" dirty="0" err="1" smtClean="0"/>
+                        <a:t>liveData</a:t>
+                      </a:r>
+                      <a:r>
+                        <a:rPr lang="en-IN" baseline="0" dirty="0" smtClean="0"/>
+                        <a:t> object and override </a:t>
+                      </a:r>
+                      <a:r>
+                        <a:rPr lang="en-IN" baseline="0" dirty="0" err="1" smtClean="0"/>
+                        <a:t>onChanged</a:t>
+                      </a:r>
+                      <a:r>
+                        <a:rPr lang="en-IN" baseline="0" dirty="0" smtClean="0"/>
+                        <a:t> method in UI component to update UI</a:t>
+                      </a:r>
+                      <a:endParaRPr lang="en-IN" dirty="0"/>
+                    </a:p>
+                  </a:txBody>
+                  <a:tcPr/>
+                </a:tc>
+              </a:tr>
+            </a:tbl>
+          </a:graphicData>
+        </a:graphic>
+      </p:graphicFrame>
     </p:spTree>
     <p:extLst>
       <p:ext uri="{BB962C8B-B14F-4D97-AF65-F5344CB8AC3E}">
@@ -22152,7 +23894,7 @@
       <p:sp>
         <p:nvSpPr>
           <p:cNvPr id="49" name="Left Arrow 48">
-            <a:hlinkClick r:id="rId2" action="ppaction://hlinksldjump"/>
+            <a:hlinkClick r:id="rId3" action="ppaction://hlinksldjump"/>
           </p:cNvPr>
           <p:cNvSpPr/>
           <p:nvPr/>
@@ -22202,21 +23944,303 @@
           <p:nvPr/>
         </p:nvPicPr>
         <p:blipFill>
-          <a:blip r:embed="rId3"/>
+          <a:blip r:embed="rId4"/>
           <a:stretch>
             <a:fillRect/>
           </a:stretch>
         </p:blipFill>
         <p:spPr>
           <a:xfrm>
-            <a:off x="3338512" y="1052512"/>
-            <a:ext cx="5514975" cy="4752975"/>
+            <a:off x="359786" y="855297"/>
+            <a:ext cx="4437400" cy="5003230"/>
           </a:xfrm>
           <a:prstGeom prst="rect">
             <a:avLst/>
           </a:prstGeom>
         </p:spPr>
       </p:pic>
+      <p:graphicFrame>
+        <p:nvGraphicFramePr>
+          <p:cNvPr id="9" name="Table 8"/>
+          <p:cNvGraphicFramePr>
+            <a:graphicFrameLocks noGrp="1"/>
+          </p:cNvGraphicFramePr>
+          <p:nvPr>
+            <p:extLst>
+              <p:ext uri="{D42A27DB-BD31-4B8C-83A1-F6EECF244321}">
+                <p14:modId xmlns:p14="http://schemas.microsoft.com/office/powerpoint/2010/main" val="2214607035"/>
+              </p:ext>
+            </p:extLst>
+          </p:nvPr>
+        </p:nvGraphicFramePr>
+        <p:xfrm>
+          <a:off x="5041900" y="966096"/>
+          <a:ext cx="6921500" cy="4685195"/>
+        </p:xfrm>
+        <a:graphic>
+          <a:graphicData uri="http://schemas.openxmlformats.org/drawingml/2006/table">
+            <a:tbl>
+              <a:tblPr firstRow="1" bandRow="1">
+                <a:tableStyleId>{C083E6E3-FA7D-4D7B-A595-EF9225AFEA82}</a:tableStyleId>
+              </a:tblPr>
+              <a:tblGrid>
+                <a:gridCol w="883219"/>
+                <a:gridCol w="6038281"/>
+              </a:tblGrid>
+              <a:tr h="387706">
+                <a:tc>
+                  <a:txBody>
+                    <a:bodyPr/>
+                    <a:lstStyle/>
+                    <a:p>
+                      <a:pPr algn="ctr"/>
+                      <a:r>
+                        <a:rPr lang="en-IN" dirty="0" smtClean="0"/>
+                        <a:t>Sr. No.</a:t>
+                      </a:r>
+                      <a:endParaRPr lang="en-IN" dirty="0"/>
+                    </a:p>
+                  </a:txBody>
+                  <a:tcPr/>
+                </a:tc>
+                <a:tc>
+                  <a:txBody>
+                    <a:bodyPr/>
+                    <a:lstStyle/>
+                    <a:p>
+                      <a:pPr algn="ctr"/>
+                      <a:r>
+                        <a:rPr lang="en-IN" dirty="0" smtClean="0"/>
+                        <a:t> Steps</a:t>
+                      </a:r>
+                      <a:endParaRPr lang="en-IN" dirty="0"/>
+                    </a:p>
+                  </a:txBody>
+                  <a:tcPr/>
+                </a:tc>
+              </a:tr>
+              <a:tr h="424861">
+                <a:tc>
+                  <a:txBody>
+                    <a:bodyPr/>
+                    <a:lstStyle/>
+                    <a:p>
+                      <a:pPr algn="ctr"/>
+                      <a:r>
+                        <a:rPr lang="en-IN" dirty="0" smtClean="0"/>
+                        <a:t>1.</a:t>
+                      </a:r>
+                      <a:endParaRPr lang="en-IN" dirty="0"/>
+                    </a:p>
+                  </a:txBody>
+                  <a:tcPr/>
+                </a:tc>
+                <a:tc>
+                  <a:txBody>
+                    <a:bodyPr/>
+                    <a:lstStyle/>
+                    <a:p>
+                      <a:r>
+                        <a:rPr lang="en-IN" baseline="0" dirty="0" smtClean="0"/>
+                        <a:t>Add Dependencies </a:t>
+                      </a:r>
+                    </a:p>
+                  </a:txBody>
+                  <a:tcPr/>
+                </a:tc>
+              </a:tr>
+              <a:tr h="736759">
+                <a:tc>
+                  <a:txBody>
+                    <a:bodyPr/>
+                    <a:lstStyle/>
+                    <a:p>
+                      <a:pPr algn="ctr"/>
+                      <a:r>
+                        <a:rPr lang="en-IN" dirty="0" smtClean="0"/>
+                        <a:t>1.</a:t>
+                      </a:r>
+                      <a:endParaRPr lang="en-IN" dirty="0"/>
+                    </a:p>
+                  </a:txBody>
+                  <a:tcPr/>
+                </a:tc>
+                <a:tc>
+                  <a:txBody>
+                    <a:bodyPr/>
+                    <a:lstStyle/>
+                    <a:p>
+                      <a:r>
+                        <a:rPr lang="en-IN" dirty="0" smtClean="0"/>
+                        <a:t>Create</a:t>
+                      </a:r>
+                      <a:r>
+                        <a:rPr lang="en-IN" baseline="0" dirty="0" smtClean="0"/>
+                        <a:t> public Abstract Class and extend </a:t>
+                      </a:r>
+                      <a:r>
+                        <a:rPr lang="en-IN" baseline="0" dirty="0" err="1" smtClean="0"/>
+                        <a:t>RoomDatabase</a:t>
+                      </a:r>
+                      <a:r>
+                        <a:rPr lang="en-IN" baseline="0" dirty="0" smtClean="0"/>
+                        <a:t> and annotate with @Database</a:t>
+                      </a:r>
+                    </a:p>
+                  </a:txBody>
+                  <a:tcPr/>
+                </a:tc>
+              </a:tr>
+              <a:tr h="736759">
+                <a:tc>
+                  <a:txBody>
+                    <a:bodyPr/>
+                    <a:lstStyle/>
+                    <a:p>
+                      <a:pPr algn="ctr"/>
+                      <a:r>
+                        <a:rPr lang="en-IN" dirty="0" smtClean="0"/>
+                        <a:t>2.</a:t>
+                      </a:r>
+                      <a:endParaRPr lang="en-IN" dirty="0"/>
+                    </a:p>
+                  </a:txBody>
+                  <a:tcPr/>
+                </a:tc>
+                <a:tc>
+                  <a:txBody>
+                    <a:bodyPr/>
+                    <a:lstStyle/>
+                    <a:p>
+                      <a:r>
+                        <a:rPr lang="en-IN" dirty="0" smtClean="0"/>
+                        <a:t>Create</a:t>
+                      </a:r>
+                      <a:r>
+                        <a:rPr lang="en-IN" baseline="0" dirty="0" smtClean="0"/>
+                        <a:t> Entity Class for each table with fields and getter/setter methods and constructor. Annotate with @Entity</a:t>
+                      </a:r>
+                      <a:endParaRPr lang="en-IN" dirty="0"/>
+                    </a:p>
+                  </a:txBody>
+                  <a:tcPr/>
+                </a:tc>
+              </a:tr>
+              <a:tr h="925592">
+                <a:tc>
+                  <a:txBody>
+                    <a:bodyPr/>
+                    <a:lstStyle/>
+                    <a:p>
+                      <a:pPr algn="ctr"/>
+                      <a:r>
+                        <a:rPr lang="en-IN" dirty="0" smtClean="0"/>
+                        <a:t>3.</a:t>
+                      </a:r>
+                      <a:endParaRPr lang="en-IN" dirty="0"/>
+                    </a:p>
+                  </a:txBody>
+                  <a:tcPr/>
+                </a:tc>
+                <a:tc>
+                  <a:txBody>
+                    <a:bodyPr/>
+                    <a:lstStyle/>
+                    <a:p>
+                      <a:r>
+                        <a:rPr lang="en-IN" dirty="0" smtClean="0"/>
+                        <a:t>Create</a:t>
+                      </a:r>
+                      <a:r>
+                        <a:rPr lang="en-IN" baseline="0" dirty="0" smtClean="0"/>
+                        <a:t> Dao interface annotate with @Dao, write database operations here.</a:t>
+                      </a:r>
+                    </a:p>
+                    <a:p>
+                      <a:r>
+                        <a:rPr lang="en-IN" baseline="0" dirty="0" smtClean="0"/>
+                        <a:t>Annotate each method with suitable operation</a:t>
+                      </a:r>
+                      <a:endParaRPr lang="en-IN" dirty="0"/>
+                    </a:p>
+                  </a:txBody>
+                  <a:tcPr/>
+                </a:tc>
+              </a:tr>
+              <a:tr h="736759">
+                <a:tc>
+                  <a:txBody>
+                    <a:bodyPr/>
+                    <a:lstStyle/>
+                    <a:p>
+                      <a:pPr algn="ctr"/>
+                      <a:r>
+                        <a:rPr lang="en-IN" dirty="0" smtClean="0"/>
+                        <a:t>4.</a:t>
+                      </a:r>
+                      <a:endParaRPr lang="en-IN" dirty="0"/>
+                    </a:p>
+                  </a:txBody>
+                  <a:tcPr/>
+                </a:tc>
+                <a:tc>
+                  <a:txBody>
+                    <a:bodyPr/>
+                    <a:lstStyle/>
+                    <a:p>
+                      <a:r>
+                        <a:rPr lang="en-IN" dirty="0" smtClean="0"/>
+                        <a:t>Write abstract method of in database class which returns Dao</a:t>
+                      </a:r>
+                      <a:r>
+                        <a:rPr lang="en-IN" baseline="0" dirty="0" smtClean="0"/>
+                        <a:t> object.</a:t>
+                      </a:r>
+                      <a:endParaRPr lang="en-IN" dirty="0"/>
+                    </a:p>
+                  </a:txBody>
+                  <a:tcPr/>
+                </a:tc>
+              </a:tr>
+              <a:tr h="736759">
+                <a:tc>
+                  <a:txBody>
+                    <a:bodyPr/>
+                    <a:lstStyle/>
+                    <a:p>
+                      <a:pPr algn="ctr"/>
+                      <a:r>
+                        <a:rPr lang="en-IN" dirty="0" smtClean="0"/>
+                        <a:t>5.</a:t>
+                      </a:r>
+                      <a:endParaRPr lang="en-IN" dirty="0"/>
+                    </a:p>
+                  </a:txBody>
+                  <a:tcPr/>
+                </a:tc>
+                <a:tc>
+                  <a:txBody>
+                    <a:bodyPr/>
+                    <a:lstStyle/>
+                    <a:p>
+                      <a:r>
+                        <a:rPr lang="en-IN" dirty="0" smtClean="0"/>
+                        <a:t>Call this method</a:t>
+                      </a:r>
+                      <a:r>
+                        <a:rPr lang="en-IN" baseline="0" dirty="0" smtClean="0"/>
+                        <a:t> on Database instance and then call Dao methods.</a:t>
+                      </a:r>
+                      <a:endParaRPr lang="en-IN" dirty="0"/>
+                    </a:p>
+                  </a:txBody>
+                  <a:tcPr/>
+                </a:tc>
+              </a:tr>
+            </a:tbl>
+          </a:graphicData>
+        </a:graphic>
+      </p:graphicFrame>
     </p:spTree>
     <p:extLst>
       <p:ext uri="{BB962C8B-B14F-4D97-AF65-F5344CB8AC3E}">
@@ -22731,4 +24755,265 @@
     </a:ext>
   </a:extLst>
 </a:theme>
+</file>
+
+<file path=ppt/theme/theme3.xml><?xml version="1.0" encoding="utf-8"?>
+<a:theme xmlns:a="http://schemas.openxmlformats.org/drawingml/2006/main" name="Office Theme">
+  <a:themeElements>
+    <a:clrScheme name="Office">
+      <a:dk1>
+        <a:sysClr val="windowText" lastClr="000000"/>
+      </a:dk1>
+      <a:lt1>
+        <a:sysClr val="window" lastClr="FFFFFF"/>
+      </a:lt1>
+      <a:dk2>
+        <a:srgbClr val="44546A"/>
+      </a:dk2>
+      <a:lt2>
+        <a:srgbClr val="E7E6E6"/>
+      </a:lt2>
+      <a:accent1>
+        <a:srgbClr val="5B9BD5"/>
+      </a:accent1>
+      <a:accent2>
+        <a:srgbClr val="ED7D31"/>
+      </a:accent2>
+      <a:accent3>
+        <a:srgbClr val="A5A5A5"/>
+      </a:accent3>
+      <a:accent4>
+        <a:srgbClr val="FFC000"/>
+      </a:accent4>
+      <a:accent5>
+        <a:srgbClr val="4472C4"/>
+      </a:accent5>
+      <a:accent6>
+        <a:srgbClr val="70AD47"/>
+      </a:accent6>
+      <a:hlink>
+        <a:srgbClr val="0563C1"/>
+      </a:hlink>
+      <a:folHlink>
+        <a:srgbClr val="954F72"/>
+      </a:folHlink>
+    </a:clrScheme>
+    <a:fontScheme name="Office">
+      <a:majorFont>
+        <a:latin typeface="Calibri Light" panose="020F0302020204030204"/>
+        <a:ea typeface=""/>
+        <a:cs typeface=""/>
+        <a:font script="Jpan" typeface="ＭＳ Ｐゴシック"/>
+        <a:font script="Hang" typeface="맑은 고딕"/>
+        <a:font script="Hans" typeface="宋体"/>
+        <a:font script="Hant" typeface="新細明體"/>
+        <a:font script="Arab" typeface="Times New Roman"/>
+        <a:font script="Hebr" typeface="Times New Roman"/>
+        <a:font script="Thai" typeface="Angsana New"/>
+        <a:font script="Ethi" typeface="Nyala"/>
+        <a:font script="Beng" typeface="Vrinda"/>
+        <a:font script="Gujr" typeface="Shruti"/>
+        <a:font script="Khmr" typeface="MoolBoran"/>
+        <a:font script="Knda" typeface="Tunga"/>
+        <a:font script="Guru" typeface="Raavi"/>
+        <a:font script="Cans" typeface="Euphemia"/>
+        <a:font script="Cher" typeface="Plantagenet Cherokee"/>
+        <a:font script="Yiii" typeface="Microsoft Yi Baiti"/>
+        <a:font script="Tibt" typeface="Microsoft Himalaya"/>
+        <a:font script="Thaa" typeface="MV Boli"/>
+        <a:font script="Deva" typeface="Mangal"/>
+        <a:font script="Telu" typeface="Gautami"/>
+        <a:font script="Taml" typeface="Latha"/>
+        <a:font script="Syrc" typeface="Estrangelo Edessa"/>
+        <a:font script="Orya" typeface="Kalinga"/>
+        <a:font script="Mlym" typeface="Kartika"/>
+        <a:font script="Laoo" typeface="DokChampa"/>
+        <a:font script="Sinh" typeface="Iskoola Pota"/>
+        <a:font script="Mong" typeface="Mongolian Baiti"/>
+        <a:font script="Viet" typeface="Times New Roman"/>
+        <a:font script="Uigh" typeface="Microsoft Uighur"/>
+        <a:font script="Geor" typeface="Sylfaen"/>
+      </a:majorFont>
+      <a:minorFont>
+        <a:latin typeface="Calibri" panose="020F0502020204030204"/>
+        <a:ea typeface=""/>
+        <a:cs typeface=""/>
+        <a:font script="Jpan" typeface="ＭＳ Ｐゴシック"/>
+        <a:font script="Hang" typeface="맑은 고딕"/>
+        <a:font script="Hans" typeface="宋体"/>
+        <a:font script="Hant" typeface="新細明體"/>
+        <a:font script="Arab" typeface="Arial"/>
+        <a:font script="Hebr" typeface="Arial"/>
+        <a:font script="Thai" typeface="Cordia New"/>
+        <a:font script="Ethi" typeface="Nyala"/>
+        <a:font script="Beng" typeface="Vrinda"/>
+        <a:font script="Gujr" typeface="Shruti"/>
+        <a:font script="Khmr" typeface="DaunPenh"/>
+        <a:font script="Knda" typeface="Tunga"/>
+        <a:font script="Guru" typeface="Raavi"/>
+        <a:font script="Cans" typeface="Euphemia"/>
+        <a:font script="Cher" typeface="Plantagenet Cherokee"/>
+        <a:font script="Yiii" typeface="Microsoft Yi Baiti"/>
+        <a:font script="Tibt" typeface="Microsoft Himalaya"/>
+        <a:font script="Thaa" typeface="MV Boli"/>
+        <a:font script="Deva" typeface="Mangal"/>
+        <a:font script="Telu" typeface="Gautami"/>
+        <a:font script="Taml" typeface="Latha"/>
+        <a:font script="Syrc" typeface="Estrangelo Edessa"/>
+        <a:font script="Orya" typeface="Kalinga"/>
+        <a:font script="Mlym" typeface="Kartika"/>
+        <a:font script="Laoo" typeface="DokChampa"/>
+        <a:font script="Sinh" typeface="Iskoola Pota"/>
+        <a:font script="Mong" typeface="Mongolian Baiti"/>
+        <a:font script="Viet" typeface="Arial"/>
+        <a:font script="Uigh" typeface="Microsoft Uighur"/>
+        <a:font script="Geor" typeface="Sylfaen"/>
+      </a:minorFont>
+    </a:fontScheme>
+    <a:fmtScheme name="Office">
+      <a:fillStyleLst>
+        <a:solidFill>
+          <a:schemeClr val="phClr"/>
+        </a:solidFill>
+        <a:gradFill rotWithShape="1">
+          <a:gsLst>
+            <a:gs pos="0">
+              <a:schemeClr val="phClr">
+                <a:lumMod val="110000"/>
+                <a:satMod val="105000"/>
+                <a:tint val="67000"/>
+              </a:schemeClr>
+            </a:gs>
+            <a:gs pos="50000">
+              <a:schemeClr val="phClr">
+                <a:lumMod val="105000"/>
+                <a:satMod val="103000"/>
+                <a:tint val="73000"/>
+              </a:schemeClr>
+            </a:gs>
+            <a:gs pos="100000">
+              <a:schemeClr val="phClr">
+                <a:lumMod val="105000"/>
+                <a:satMod val="109000"/>
+                <a:tint val="81000"/>
+              </a:schemeClr>
+            </a:gs>
+          </a:gsLst>
+          <a:lin ang="5400000" scaled="0"/>
+        </a:gradFill>
+        <a:gradFill rotWithShape="1">
+          <a:gsLst>
+            <a:gs pos="0">
+              <a:schemeClr val="phClr">
+                <a:satMod val="103000"/>
+                <a:lumMod val="102000"/>
+                <a:tint val="94000"/>
+              </a:schemeClr>
+            </a:gs>
+            <a:gs pos="50000">
+              <a:schemeClr val="phClr">
+                <a:satMod val="110000"/>
+                <a:lumMod val="100000"/>
+                <a:shade val="100000"/>
+              </a:schemeClr>
+            </a:gs>
+            <a:gs pos="100000">
+              <a:schemeClr val="phClr">
+                <a:lumMod val="99000"/>
+                <a:satMod val="120000"/>
+                <a:shade val="78000"/>
+              </a:schemeClr>
+            </a:gs>
+          </a:gsLst>
+          <a:lin ang="5400000" scaled="0"/>
+        </a:gradFill>
+      </a:fillStyleLst>
+      <a:lnStyleLst>
+        <a:ln w="6350" cap="flat" cmpd="sng" algn="ctr">
+          <a:solidFill>
+            <a:schemeClr val="phClr"/>
+          </a:solidFill>
+          <a:prstDash val="solid"/>
+          <a:miter lim="800000"/>
+        </a:ln>
+        <a:ln w="12700" cap="flat" cmpd="sng" algn="ctr">
+          <a:solidFill>
+            <a:schemeClr val="phClr"/>
+          </a:solidFill>
+          <a:prstDash val="solid"/>
+          <a:miter lim="800000"/>
+        </a:ln>
+        <a:ln w="19050" cap="flat" cmpd="sng" algn="ctr">
+          <a:solidFill>
+            <a:schemeClr val="phClr"/>
+          </a:solidFill>
+          <a:prstDash val="solid"/>
+          <a:miter lim="800000"/>
+        </a:ln>
+      </a:lnStyleLst>
+      <a:effectStyleLst>
+        <a:effectStyle>
+          <a:effectLst/>
+        </a:effectStyle>
+        <a:effectStyle>
+          <a:effectLst/>
+        </a:effectStyle>
+        <a:effectStyle>
+          <a:effectLst>
+            <a:outerShdw blurRad="57150" dist="19050" dir="5400000" algn="ctr" rotWithShape="0">
+              <a:srgbClr val="000000">
+                <a:alpha val="63000"/>
+              </a:srgbClr>
+            </a:outerShdw>
+          </a:effectLst>
+        </a:effectStyle>
+      </a:effectStyleLst>
+      <a:bgFillStyleLst>
+        <a:solidFill>
+          <a:schemeClr val="phClr"/>
+        </a:solidFill>
+        <a:solidFill>
+          <a:schemeClr val="phClr">
+            <a:tint val="95000"/>
+            <a:satMod val="170000"/>
+          </a:schemeClr>
+        </a:solidFill>
+        <a:gradFill rotWithShape="1">
+          <a:gsLst>
+            <a:gs pos="0">
+              <a:schemeClr val="phClr">
+                <a:tint val="93000"/>
+                <a:satMod val="150000"/>
+                <a:shade val="98000"/>
+                <a:lumMod val="102000"/>
+              </a:schemeClr>
+            </a:gs>
+            <a:gs pos="50000">
+              <a:schemeClr val="phClr">
+                <a:tint val="98000"/>
+                <a:satMod val="130000"/>
+                <a:shade val="90000"/>
+                <a:lumMod val="103000"/>
+              </a:schemeClr>
+            </a:gs>
+            <a:gs pos="100000">
+              <a:schemeClr val="phClr">
+                <a:shade val="63000"/>
+                <a:satMod val="120000"/>
+              </a:schemeClr>
+            </a:gs>
+          </a:gsLst>
+          <a:lin ang="5400000" scaled="0"/>
+        </a:gradFill>
+      </a:bgFillStyleLst>
+    </a:fmtScheme>
+  </a:themeElements>
+  <a:objectDefaults/>
+  <a:extraClrSchemeLst/>
+  <a:extLst>
+    <a:ext uri="{05A4C25C-085E-4340-85A3-A5531E510DB2}">
+      <thm15:themeFamily xmlns:thm15="http://schemas.microsoft.com/office/thememl/2012/main" name="Office Theme" id="{62F939B6-93AF-4DB8-9C6B-D6C7DFDC589F}" vid="{4A3C46E8-61CC-4603-A589-7422A47A8E4A}"/>
+    </a:ext>
+  </a:extLst>
+</a:theme>
 </file>
--- a/Model – View - View Model.pptx
+++ b/Model – View - View Model.pptx
@@ -2035,57 +2035,57 @@
     </dgm:pt>
   </dgm:ptLst>
   <dgm:cxnLst>
-    <dgm:cxn modelId="{1BE3B392-5C2F-4ACF-90DC-5122792E48D7}" type="presOf" srcId="{334BF905-A969-439D-B918-1AAC52CFCEF3}" destId="{D9E55D84-0786-44C2-A169-348BB7EAE87F}" srcOrd="0" destOrd="0" presId="urn:microsoft.com/office/officeart/2005/8/layout/hierarchy2"/>
+    <dgm:cxn modelId="{1B785AC2-E8D7-4109-B9BD-98BDC13D5DD8}" srcId="{DB4975F5-044D-49ED-82EC-554A04BA60ED}" destId="{F2F4799C-E5FD-491D-9F4B-C896413695F6}" srcOrd="3" destOrd="0" parTransId="{E8D01A0E-52EC-460F-9A6C-D975239AAE58}" sibTransId="{79E2DDE4-FB7F-4261-A92A-D57E6CFFC6EB}"/>
+    <dgm:cxn modelId="{605D3B26-E44B-4073-A17E-965B98BBA7CD}" type="presOf" srcId="{5426166C-E933-4125-AC2F-37D3D26300C4}" destId="{B341FCB6-C8CE-4D69-8110-833D66A99465}" srcOrd="0" destOrd="0" presId="urn:microsoft.com/office/officeart/2005/8/layout/hierarchy2"/>
+    <dgm:cxn modelId="{A9A4428B-7898-42B2-8C26-0D822F2665A3}" type="presOf" srcId="{86746738-2AAC-4E86-96EF-AA2275ADEEF3}" destId="{6DBE5D1B-CCC7-4BB6-B705-0653077E6CEF}" srcOrd="0" destOrd="0" presId="urn:microsoft.com/office/officeart/2005/8/layout/hierarchy2"/>
+    <dgm:cxn modelId="{EBDC1275-8A15-46C1-8A0A-349309385C00}" type="presOf" srcId="{7C3EE6D3-8A83-46D2-9202-A93133853DC2}" destId="{2F710F2A-E9BD-4F36-BD3B-FFBF378D4D54}" srcOrd="0" destOrd="0" presId="urn:microsoft.com/office/officeart/2005/8/layout/hierarchy2"/>
+    <dgm:cxn modelId="{060434E0-CA5C-407F-8A21-4AD66D320D24}" srcId="{C18BDC97-BDDD-461D-8AED-F2C04054F5E8}" destId="{5D08A5FF-704D-41E1-8F92-8F21BD815064}" srcOrd="2" destOrd="0" parTransId="{8F9D5AE9-F213-4BB4-AA51-6BD33C58D475}" sibTransId="{4615150C-CD97-4D4C-96F0-21E6D16601E1}"/>
+    <dgm:cxn modelId="{42749CBB-4374-471A-AE61-4C61C919C527}" srcId="{C18BDC97-BDDD-461D-8AED-F2C04054F5E8}" destId="{5426166C-E933-4125-AC2F-37D3D26300C4}" srcOrd="0" destOrd="0" parTransId="{7C3EE6D3-8A83-46D2-9202-A93133853DC2}" sibTransId="{B8EC491B-B99D-4FDE-BB5D-FDD04A4B004D}"/>
+    <dgm:cxn modelId="{31B3E2D0-E89C-4FBF-B180-19234FE2E302}" type="presOf" srcId="{8F9D5AE9-F213-4BB4-AA51-6BD33C58D475}" destId="{F160296C-BE3F-4930-AE6F-F1ECA37B8F1B}" srcOrd="1" destOrd="0" presId="urn:microsoft.com/office/officeart/2005/8/layout/hierarchy2"/>
+    <dgm:cxn modelId="{5AC4B415-9AD2-49F2-88B6-65F0E71A26E6}" type="presOf" srcId="{95B02947-8EA5-4B00-B71A-8C0C62296EFE}" destId="{08C80391-4D18-45D7-AE5F-AF72F75FECFB}" srcOrd="1" destOrd="0" presId="urn:microsoft.com/office/officeart/2005/8/layout/hierarchy2"/>
+    <dgm:cxn modelId="{2FAAF21F-BED9-49D5-93DA-7FC039DF943E}" srcId="{DB4975F5-044D-49ED-82EC-554A04BA60ED}" destId="{C18BDC97-BDDD-461D-8AED-F2C04054F5E8}" srcOrd="1" destOrd="0" parTransId="{F0AB63C3-13DE-49CF-B11C-B216AACD103B}" sibTransId="{3FCEA467-FF8A-407F-B53C-2633C8174683}"/>
+    <dgm:cxn modelId="{44889770-7F98-4DD9-98F0-243D5C333DB8}" type="presOf" srcId="{0AEE3189-D0CB-48BB-A7A9-2386C8D8D936}" destId="{B3881B2B-8642-4F25-B6D3-56577A73B637}" srcOrd="0" destOrd="0" presId="urn:microsoft.com/office/officeart/2005/8/layout/hierarchy2"/>
+    <dgm:cxn modelId="{179CF14B-645F-4568-A5C2-D1E02DDE6FD5}" type="presOf" srcId="{C18BDC97-BDDD-461D-8AED-F2C04054F5E8}" destId="{9F2B781C-2F97-43BE-B5DA-BE30D8C1096F}" srcOrd="0" destOrd="0" presId="urn:microsoft.com/office/officeart/2005/8/layout/hierarchy2"/>
+    <dgm:cxn modelId="{1F17275B-864D-4304-8691-150D9CC3FF01}" srcId="{C18BDC97-BDDD-461D-8AED-F2C04054F5E8}" destId="{DF634524-B72E-4596-8707-B4861D4D533E}" srcOrd="6" destOrd="0" parTransId="{6A4D08DC-0579-44DB-8366-28068F56C0F5}" sibTransId="{F9F6A236-0BB5-43FC-9BC3-3ACA2E32CB87}"/>
+    <dgm:cxn modelId="{95749EE8-94FD-4D1F-A793-936012F3BE3C}" type="presOf" srcId="{5D08A5FF-704D-41E1-8F92-8F21BD815064}" destId="{6D09562F-B2AD-4227-99FF-F8A36A4D1839}" srcOrd="0" destOrd="0" presId="urn:microsoft.com/office/officeart/2005/8/layout/hierarchy2"/>
+    <dgm:cxn modelId="{05669821-B460-4247-8C35-AA7C1AA3D607}" type="presOf" srcId="{0214251E-9482-4BBF-A4FB-C173EB6FD0DB}" destId="{8947DF2E-709D-4CAA-8C54-2D67F01DD37F}" srcOrd="1" destOrd="0" presId="urn:microsoft.com/office/officeart/2005/8/layout/hierarchy2"/>
+    <dgm:cxn modelId="{C003C068-B074-4FA8-9497-AB01FB4D42DA}" type="presOf" srcId="{F0AB63C3-13DE-49CF-B11C-B216AACD103B}" destId="{8C249465-43E7-4D75-B8BA-8C5DA27057CE}" srcOrd="1" destOrd="0" presId="urn:microsoft.com/office/officeart/2005/8/layout/hierarchy2"/>
+    <dgm:cxn modelId="{981DF05B-5ACB-4AE6-9B7A-0CF54BFD11DF}" type="presOf" srcId="{0F271C52-76B2-4D29-86F4-C111016A3199}" destId="{CA28A5FE-BD5B-4B88-B799-60E93EBAF76E}" srcOrd="0" destOrd="0" presId="urn:microsoft.com/office/officeart/2005/8/layout/hierarchy2"/>
+    <dgm:cxn modelId="{B3CAC312-6BB9-4906-9D8A-373E65FCDD23}" type="presOf" srcId="{334BF905-A969-439D-B918-1AAC52CFCEF3}" destId="{3DC17A28-FCC6-424A-86B4-C25D699A142B}" srcOrd="1" destOrd="0" presId="urn:microsoft.com/office/officeart/2005/8/layout/hierarchy2"/>
+    <dgm:cxn modelId="{F81E3D5E-8B52-4670-AAAE-E2932E6779BF}" type="presOf" srcId="{F2F4799C-E5FD-491D-9F4B-C896413695F6}" destId="{C7DC6482-356E-465A-BB42-F28FF2795DEC}" srcOrd="0" destOrd="0" presId="urn:microsoft.com/office/officeart/2005/8/layout/hierarchy2"/>
+    <dgm:cxn modelId="{EDE98B97-313E-4BDE-BF34-4BB4075AA2EA}" srcId="{C18BDC97-BDDD-461D-8AED-F2C04054F5E8}" destId="{BD4BE4E4-68D6-4074-88BD-28F35657D214}" srcOrd="7" destOrd="0" parTransId="{95B02947-8EA5-4B00-B71A-8C0C62296EFE}" sibTransId="{898AF8AB-FD3D-4D5A-B28F-A37D21DB5054}"/>
+    <dgm:cxn modelId="{1BDEF841-D724-4A52-A5A7-EF9A3D36B828}" type="presOf" srcId="{DF634524-B72E-4596-8707-B4861D4D533E}" destId="{9B9070ED-82C1-48F4-B9F1-E4C4FCA78B5B}" srcOrd="0" destOrd="0" presId="urn:microsoft.com/office/officeart/2005/8/layout/hierarchy2"/>
+    <dgm:cxn modelId="{B203F705-BA3F-4787-BE9E-18BC70516BB3}" srcId="{C18BDC97-BDDD-461D-8AED-F2C04054F5E8}" destId="{0AEE3189-D0CB-48BB-A7A9-2386C8D8D936}" srcOrd="5" destOrd="0" parTransId="{0214251E-9482-4BBF-A4FB-C173EB6FD0DB}" sibTransId="{56248FB4-3F28-4F79-8CAF-EDFB30ACEDC8}"/>
+    <dgm:cxn modelId="{E8E0A17E-79BB-4464-A45F-D4C0C2F2C0E0}" type="presOf" srcId="{FDBB49DC-E237-4331-9D9A-6C30E730AEC2}" destId="{186F14DE-6434-487E-B37E-EDEADA4F7281}" srcOrd="0" destOrd="0" presId="urn:microsoft.com/office/officeart/2005/8/layout/hierarchy2"/>
+    <dgm:cxn modelId="{1E72D054-595E-499E-9EAD-F436B25F2E6C}" type="presOf" srcId="{0214251E-9482-4BBF-A4FB-C173EB6FD0DB}" destId="{5B337747-A5A4-41FE-8DFC-0214E778844A}" srcOrd="0" destOrd="0" presId="urn:microsoft.com/office/officeart/2005/8/layout/hierarchy2"/>
+    <dgm:cxn modelId="{8237923A-0089-4787-8EE9-C9B5F388E25C}" type="presOf" srcId="{B81F01C7-06D4-4E42-8877-BDB6E8840A8B}" destId="{99F32FDF-7439-48D5-8405-58C9B2BD3740}" srcOrd="0" destOrd="0" presId="urn:microsoft.com/office/officeart/2005/8/layout/hierarchy2"/>
+    <dgm:cxn modelId="{07C8D58F-EE71-4948-A8B4-39753FB2129B}" type="presOf" srcId="{C701C62C-9BEE-476A-88CB-14E3EC88AC1E}" destId="{506B8E89-FA19-44E7-A8C6-A13936DCECAD}" srcOrd="0" destOrd="0" presId="urn:microsoft.com/office/officeart/2005/8/layout/hierarchy2"/>
+    <dgm:cxn modelId="{706CBF44-2962-4506-A13D-D95C4A886D49}" type="presOf" srcId="{C0E0A83F-4500-437D-8112-D51ACB5A56E0}" destId="{C54010C2-5A97-46C6-B77B-456EE0A69057}" srcOrd="1" destOrd="0" presId="urn:microsoft.com/office/officeart/2005/8/layout/hierarchy2"/>
     <dgm:cxn modelId="{DF87916D-CB3A-45AB-8DEE-989E6F5923D0}" srcId="{C18BDC97-BDDD-461D-8AED-F2C04054F5E8}" destId="{ED9D829D-4366-4B5A-963E-B4EFD9D96CA9}" srcOrd="1" destOrd="0" parTransId="{C0E0A83F-4500-437D-8112-D51ACB5A56E0}" sibTransId="{41C1B242-D0D8-494C-92C8-F6EC0C352BDA}"/>
+    <dgm:cxn modelId="{31839CAF-8FCC-4E28-BC5A-5936B8C56D9A}" type="presOf" srcId="{F0AB63C3-13DE-49CF-B11C-B216AACD103B}" destId="{66A3DB31-0A90-4503-BD11-8F22685ED060}" srcOrd="0" destOrd="0" presId="urn:microsoft.com/office/officeart/2005/8/layout/hierarchy2"/>
     <dgm:cxn modelId="{00C066A9-7DBA-4B36-A337-116C00D5E3FE}" type="presOf" srcId="{95B02947-8EA5-4B00-B71A-8C0C62296EFE}" destId="{146B3513-93CD-44B9-AA5E-56D7286DD073}" srcOrd="0" destOrd="0" presId="urn:microsoft.com/office/officeart/2005/8/layout/hierarchy2"/>
+    <dgm:cxn modelId="{E758270C-BE88-4289-BE9F-980707014F02}" type="presOf" srcId="{E8D01A0E-52EC-460F-9A6C-D975239AAE58}" destId="{430B30BA-EB57-4469-ABF8-1A2CDA21694A}" srcOrd="1" destOrd="0" presId="urn:microsoft.com/office/officeart/2005/8/layout/hierarchy2"/>
+    <dgm:cxn modelId="{469CB5CC-78A8-4C27-B41C-49662DC602F3}" type="presOf" srcId="{DB4975F5-044D-49ED-82EC-554A04BA60ED}" destId="{F2B55CF0-392C-4C75-8BAC-C1B58CE6B464}" srcOrd="0" destOrd="0" presId="urn:microsoft.com/office/officeart/2005/8/layout/hierarchy2"/>
     <dgm:cxn modelId="{5B3175AE-EB01-4DD6-BF9E-FB71BF79C8A8}" srcId="{DB4975F5-044D-49ED-82EC-554A04BA60ED}" destId="{B81F01C7-06D4-4E42-8877-BDB6E8840A8B}" srcOrd="2" destOrd="0" parTransId="{0F271C52-76B2-4D29-86F4-C111016A3199}" sibTransId="{5445B1BC-8432-42E4-8E0C-1CF7676379CA}"/>
-    <dgm:cxn modelId="{ABCCF50F-4B6B-4DF9-84D9-B8C31275ACF9}" type="presOf" srcId="{E8D01A0E-52EC-460F-9A6C-D975239AAE58}" destId="{435EDAAC-8468-465C-88F3-293744F4545F}" srcOrd="0" destOrd="0" presId="urn:microsoft.com/office/officeart/2005/8/layout/hierarchy2"/>
-    <dgm:cxn modelId="{706CBF44-2962-4506-A13D-D95C4A886D49}" type="presOf" srcId="{C0E0A83F-4500-437D-8112-D51ACB5A56E0}" destId="{C54010C2-5A97-46C6-B77B-456EE0A69057}" srcOrd="1" destOrd="0" presId="urn:microsoft.com/office/officeart/2005/8/layout/hierarchy2"/>
-    <dgm:cxn modelId="{B3CAC312-6BB9-4906-9D8A-373E65FCDD23}" type="presOf" srcId="{334BF905-A969-439D-B918-1AAC52CFCEF3}" destId="{3DC17A28-FCC6-424A-86B4-C25D699A142B}" srcOrd="1" destOrd="0" presId="urn:microsoft.com/office/officeart/2005/8/layout/hierarchy2"/>
-    <dgm:cxn modelId="{E8E0A17E-79BB-4464-A45F-D4C0C2F2C0E0}" type="presOf" srcId="{FDBB49DC-E237-4331-9D9A-6C30E730AEC2}" destId="{186F14DE-6434-487E-B37E-EDEADA4F7281}" srcOrd="0" destOrd="0" presId="urn:microsoft.com/office/officeart/2005/8/layout/hierarchy2"/>
-    <dgm:cxn modelId="{B2FFC91C-13E7-43D8-B924-FB2141043F2A}" srcId="{DB4975F5-044D-49ED-82EC-554A04BA60ED}" destId="{86746738-2AAC-4E86-96EF-AA2275ADEEF3}" srcOrd="0" destOrd="0" parTransId="{334BF905-A969-439D-B918-1AAC52CFCEF3}" sibTransId="{08B9D32C-F0FF-44A2-A519-3B6430C7A3D2}"/>
     <dgm:cxn modelId="{9F30E860-D323-4BF7-B75C-B54519ABFD8D}" srcId="{BF669447-E759-4EF2-948B-ABB5AD27DD94}" destId="{DB4975F5-044D-49ED-82EC-554A04BA60ED}" srcOrd="0" destOrd="0" parTransId="{CF5E8B45-E867-4252-8AB4-A35A6C149911}" sibTransId="{6A78AAD4-A0E1-4B80-BD18-7B3A3110D47A}"/>
-    <dgm:cxn modelId="{1F17275B-864D-4304-8691-150D9CC3FF01}" srcId="{C18BDC97-BDDD-461D-8AED-F2C04054F5E8}" destId="{DF634524-B72E-4596-8707-B4861D4D533E}" srcOrd="6" destOrd="0" parTransId="{6A4D08DC-0579-44DB-8366-28068F56C0F5}" sibTransId="{F9F6A236-0BB5-43FC-9BC3-3ACA2E32CB87}"/>
-    <dgm:cxn modelId="{44889770-7F98-4DD9-98F0-243D5C333DB8}" type="presOf" srcId="{0AEE3189-D0CB-48BB-A7A9-2386C8D8D936}" destId="{B3881B2B-8642-4F25-B6D3-56577A73B637}" srcOrd="0" destOrd="0" presId="urn:microsoft.com/office/officeart/2005/8/layout/hierarchy2"/>
-    <dgm:cxn modelId="{39C27901-C2FA-4DD3-BB33-EB9825FD175A}" type="presOf" srcId="{7C3EE6D3-8A83-46D2-9202-A93133853DC2}" destId="{0125C7F5-6A92-4710-B104-550E51494242}" srcOrd="1" destOrd="0" presId="urn:microsoft.com/office/officeart/2005/8/layout/hierarchy2"/>
-    <dgm:cxn modelId="{F81E3D5E-8B52-4670-AAAE-E2932E6779BF}" type="presOf" srcId="{F2F4799C-E5FD-491D-9F4B-C896413695F6}" destId="{C7DC6482-356E-465A-BB42-F28FF2795DEC}" srcOrd="0" destOrd="0" presId="urn:microsoft.com/office/officeart/2005/8/layout/hierarchy2"/>
-    <dgm:cxn modelId="{18C8FE13-EA0D-4FBF-8D91-06EC65630C81}" srcId="{C18BDC97-BDDD-461D-8AED-F2C04054F5E8}" destId="{C701C62C-9BEE-476A-88CB-14E3EC88AC1E}" srcOrd="4" destOrd="0" parTransId="{EFF3D82F-3421-44D3-8A60-D2497CB5B1AF}" sibTransId="{45DD5870-E65F-4479-A5FB-E164BAC85BD5}"/>
-    <dgm:cxn modelId="{EBDC1275-8A15-46C1-8A0A-349309385C00}" type="presOf" srcId="{7C3EE6D3-8A83-46D2-9202-A93133853DC2}" destId="{2F710F2A-E9BD-4F36-BD3B-FFBF378D4D54}" srcOrd="0" destOrd="0" presId="urn:microsoft.com/office/officeart/2005/8/layout/hierarchy2"/>
-    <dgm:cxn modelId="{605D3B26-E44B-4073-A17E-965B98BBA7CD}" type="presOf" srcId="{5426166C-E933-4125-AC2F-37D3D26300C4}" destId="{B341FCB6-C8CE-4D69-8110-833D66A99465}" srcOrd="0" destOrd="0" presId="urn:microsoft.com/office/officeart/2005/8/layout/hierarchy2"/>
-    <dgm:cxn modelId="{7A4DC474-65E3-4338-B6AC-3D96B67C4053}" type="presOf" srcId="{6A4D08DC-0579-44DB-8366-28068F56C0F5}" destId="{92563460-93EF-4C4B-A687-AD193956AA1A}" srcOrd="1" destOrd="0" presId="urn:microsoft.com/office/officeart/2005/8/layout/hierarchy2"/>
-    <dgm:cxn modelId="{1E72D054-595E-499E-9EAD-F436B25F2E6C}" type="presOf" srcId="{0214251E-9482-4BBF-A4FB-C173EB6FD0DB}" destId="{5B337747-A5A4-41FE-8DFC-0214E778844A}" srcOrd="0" destOrd="0" presId="urn:microsoft.com/office/officeart/2005/8/layout/hierarchy2"/>
-    <dgm:cxn modelId="{5AC4B415-9AD2-49F2-88B6-65F0E71A26E6}" type="presOf" srcId="{95B02947-8EA5-4B00-B71A-8C0C62296EFE}" destId="{08C80391-4D18-45D7-AE5F-AF72F75FECFB}" srcOrd="1" destOrd="0" presId="urn:microsoft.com/office/officeart/2005/8/layout/hierarchy2"/>
-    <dgm:cxn modelId="{637EED6D-BDA4-4370-91E9-FBD3CB5BD31E}" type="presOf" srcId="{6A4D08DC-0579-44DB-8366-28068F56C0F5}" destId="{9A413A59-4C25-4DA5-A964-6EC2BDAE01E6}" srcOrd="0" destOrd="0" presId="urn:microsoft.com/office/officeart/2005/8/layout/hierarchy2"/>
-    <dgm:cxn modelId="{2A795C97-EBBC-468F-8F5A-AB31C95CC4AC}" type="presOf" srcId="{EFF3D82F-3421-44D3-8A60-D2497CB5B1AF}" destId="{B53C076F-8A3C-4841-B286-C156BCDAE294}" srcOrd="0" destOrd="0" presId="urn:microsoft.com/office/officeart/2005/8/layout/hierarchy2"/>
-    <dgm:cxn modelId="{469CB5CC-78A8-4C27-B41C-49662DC602F3}" type="presOf" srcId="{DB4975F5-044D-49ED-82EC-554A04BA60ED}" destId="{F2B55CF0-392C-4C75-8BAC-C1B58CE6B464}" srcOrd="0" destOrd="0" presId="urn:microsoft.com/office/officeart/2005/8/layout/hierarchy2"/>
-    <dgm:cxn modelId="{981DF05B-5ACB-4AE6-9B7A-0CF54BFD11DF}" type="presOf" srcId="{0F271C52-76B2-4D29-86F4-C111016A3199}" destId="{CA28A5FE-BD5B-4B88-B799-60E93EBAF76E}" srcOrd="0" destOrd="0" presId="urn:microsoft.com/office/officeart/2005/8/layout/hierarchy2"/>
-    <dgm:cxn modelId="{060434E0-CA5C-407F-8A21-4AD66D320D24}" srcId="{C18BDC97-BDDD-461D-8AED-F2C04054F5E8}" destId="{5D08A5FF-704D-41E1-8F92-8F21BD815064}" srcOrd="2" destOrd="0" parTransId="{8F9D5AE9-F213-4BB4-AA51-6BD33C58D475}" sibTransId="{4615150C-CD97-4D4C-96F0-21E6D16601E1}"/>
-    <dgm:cxn modelId="{38855A56-AFC4-4197-85EF-EE1AD112C01C}" type="presOf" srcId="{ED9D829D-4366-4B5A-963E-B4EFD9D96CA9}" destId="{A3E147E7-A66C-4E46-B3D7-58F5FBD76BF1}" srcOrd="0" destOrd="0" presId="urn:microsoft.com/office/officeart/2005/8/layout/hierarchy2"/>
-    <dgm:cxn modelId="{1BDEF841-D724-4A52-A5A7-EF9A3D36B828}" type="presOf" srcId="{DF634524-B72E-4596-8707-B4861D4D533E}" destId="{9B9070ED-82C1-48F4-B9F1-E4C4FCA78B5B}" srcOrd="0" destOrd="0" presId="urn:microsoft.com/office/officeart/2005/8/layout/hierarchy2"/>
-    <dgm:cxn modelId="{5BE9AA0C-75F5-4965-A0B2-68BE99BE31CB}" type="presOf" srcId="{BF669447-E759-4EF2-948B-ABB5AD27DD94}" destId="{45301BD4-9DBA-43FF-9F12-D815D525295C}" srcOrd="0" destOrd="0" presId="urn:microsoft.com/office/officeart/2005/8/layout/hierarchy2"/>
-    <dgm:cxn modelId="{59D031AF-A0C9-4DCD-9831-CAD8E25C223C}" type="presOf" srcId="{C0E0A83F-4500-437D-8112-D51ACB5A56E0}" destId="{8BFED4FA-EB99-49C4-98E7-5F50290EE98F}" srcOrd="0" destOrd="0" presId="urn:microsoft.com/office/officeart/2005/8/layout/hierarchy2"/>
-    <dgm:cxn modelId="{AD3B0CAE-D12D-4870-8A68-18DBEAB9F0CD}" srcId="{C18BDC97-BDDD-461D-8AED-F2C04054F5E8}" destId="{82330AF7-CFE0-48B2-8CC3-9F0BD31846A5}" srcOrd="3" destOrd="0" parTransId="{FDBB49DC-E237-4331-9D9A-6C30E730AEC2}" sibTransId="{42613B49-2995-4327-9675-64B28885D9DA}"/>
     <dgm:cxn modelId="{7C99FC9A-4391-47D2-BFA7-64514B4FB475}" type="presOf" srcId="{0F271C52-76B2-4D29-86F4-C111016A3199}" destId="{072E4933-E067-419A-B9BE-489D9E780581}" srcOrd="1" destOrd="0" presId="urn:microsoft.com/office/officeart/2005/8/layout/hierarchy2"/>
     <dgm:cxn modelId="{86B78126-3E36-4C1C-AEF2-A132213CE1B1}" type="presOf" srcId="{FDBB49DC-E237-4331-9D9A-6C30E730AEC2}" destId="{E94F859C-DCA0-4D1D-846F-DA99A57BF98F}" srcOrd="1" destOrd="0" presId="urn:microsoft.com/office/officeart/2005/8/layout/hierarchy2"/>
-    <dgm:cxn modelId="{07C8D58F-EE71-4948-A8B4-39753FB2129B}" type="presOf" srcId="{C701C62C-9BEE-476A-88CB-14E3EC88AC1E}" destId="{506B8E89-FA19-44E7-A8C6-A13936DCECAD}" srcOrd="0" destOrd="0" presId="urn:microsoft.com/office/officeart/2005/8/layout/hierarchy2"/>
-    <dgm:cxn modelId="{31839CAF-8FCC-4E28-BC5A-5936B8C56D9A}" type="presOf" srcId="{F0AB63C3-13DE-49CF-B11C-B216AACD103B}" destId="{66A3DB31-0A90-4503-BD11-8F22685ED060}" srcOrd="0" destOrd="0" presId="urn:microsoft.com/office/officeart/2005/8/layout/hierarchy2"/>
-    <dgm:cxn modelId="{E758270C-BE88-4289-BE9F-980707014F02}" type="presOf" srcId="{E8D01A0E-52EC-460F-9A6C-D975239AAE58}" destId="{430B30BA-EB57-4469-ABF8-1A2CDA21694A}" srcOrd="1" destOrd="0" presId="urn:microsoft.com/office/officeart/2005/8/layout/hierarchy2"/>
-    <dgm:cxn modelId="{05669821-B460-4247-8C35-AA7C1AA3D607}" type="presOf" srcId="{0214251E-9482-4BBF-A4FB-C173EB6FD0DB}" destId="{8947DF2E-709D-4CAA-8C54-2D67F01DD37F}" srcOrd="1" destOrd="0" presId="urn:microsoft.com/office/officeart/2005/8/layout/hierarchy2"/>
-    <dgm:cxn modelId="{B203F705-BA3F-4787-BE9E-18BC70516BB3}" srcId="{C18BDC97-BDDD-461D-8AED-F2C04054F5E8}" destId="{0AEE3189-D0CB-48BB-A7A9-2386C8D8D936}" srcOrd="5" destOrd="0" parTransId="{0214251E-9482-4BBF-A4FB-C173EB6FD0DB}" sibTransId="{56248FB4-3F28-4F79-8CAF-EDFB30ACEDC8}"/>
-    <dgm:cxn modelId="{EDE98B97-313E-4BDE-BF34-4BB4075AA2EA}" srcId="{C18BDC97-BDDD-461D-8AED-F2C04054F5E8}" destId="{BD4BE4E4-68D6-4074-88BD-28F35657D214}" srcOrd="7" destOrd="0" parTransId="{95B02947-8EA5-4B00-B71A-8C0C62296EFE}" sibTransId="{898AF8AB-FD3D-4D5A-B28F-A37D21DB5054}"/>
-    <dgm:cxn modelId="{8237923A-0089-4787-8EE9-C9B5F388E25C}" type="presOf" srcId="{B81F01C7-06D4-4E42-8877-BDB6E8840A8B}" destId="{99F32FDF-7439-48D5-8405-58C9B2BD3740}" srcOrd="0" destOrd="0" presId="urn:microsoft.com/office/officeart/2005/8/layout/hierarchy2"/>
-    <dgm:cxn modelId="{179CF14B-645F-4568-A5C2-D1E02DDE6FD5}" type="presOf" srcId="{C18BDC97-BDDD-461D-8AED-F2C04054F5E8}" destId="{9F2B781C-2F97-43BE-B5DA-BE30D8C1096F}" srcOrd="0" destOrd="0" presId="urn:microsoft.com/office/officeart/2005/8/layout/hierarchy2"/>
-    <dgm:cxn modelId="{31B3E2D0-E89C-4FBF-B180-19234FE2E302}" type="presOf" srcId="{8F9D5AE9-F213-4BB4-AA51-6BD33C58D475}" destId="{F160296C-BE3F-4930-AE6F-F1ECA37B8F1B}" srcOrd="1" destOrd="0" presId="urn:microsoft.com/office/officeart/2005/8/layout/hierarchy2"/>
+    <dgm:cxn modelId="{7A4DC474-65E3-4338-B6AC-3D96B67C4053}" type="presOf" srcId="{6A4D08DC-0579-44DB-8366-28068F56C0F5}" destId="{92563460-93EF-4C4B-A687-AD193956AA1A}" srcOrd="1" destOrd="0" presId="urn:microsoft.com/office/officeart/2005/8/layout/hierarchy2"/>
+    <dgm:cxn modelId="{59D031AF-A0C9-4DCD-9831-CAD8E25C223C}" type="presOf" srcId="{C0E0A83F-4500-437D-8112-D51ACB5A56E0}" destId="{8BFED4FA-EB99-49C4-98E7-5F50290EE98F}" srcOrd="0" destOrd="0" presId="urn:microsoft.com/office/officeart/2005/8/layout/hierarchy2"/>
+    <dgm:cxn modelId="{18C8FE13-EA0D-4FBF-8D91-06EC65630C81}" srcId="{C18BDC97-BDDD-461D-8AED-F2C04054F5E8}" destId="{C701C62C-9BEE-476A-88CB-14E3EC88AC1E}" srcOrd="4" destOrd="0" parTransId="{EFF3D82F-3421-44D3-8A60-D2497CB5B1AF}" sibTransId="{45DD5870-E65F-4479-A5FB-E164BAC85BD5}"/>
+    <dgm:cxn modelId="{3312C68E-C2CB-4409-9746-02064090D405}" type="presOf" srcId="{EFF3D82F-3421-44D3-8A60-D2497CB5B1AF}" destId="{CF4CCC0F-FCE4-49DD-B519-16D8B26F1630}" srcOrd="1" destOrd="0" presId="urn:microsoft.com/office/officeart/2005/8/layout/hierarchy2"/>
+    <dgm:cxn modelId="{38855A56-AFC4-4197-85EF-EE1AD112C01C}" type="presOf" srcId="{ED9D829D-4366-4B5A-963E-B4EFD9D96CA9}" destId="{A3E147E7-A66C-4E46-B3D7-58F5FBD76BF1}" srcOrd="0" destOrd="0" presId="urn:microsoft.com/office/officeart/2005/8/layout/hierarchy2"/>
+    <dgm:cxn modelId="{1F3AA487-98E9-4A2A-9D52-BAA69DE67855}" type="presOf" srcId="{8F9D5AE9-F213-4BB4-AA51-6BD33C58D475}" destId="{76B3E13B-27C3-4F3E-B4C6-5CED406C0321}" srcOrd="0" destOrd="0" presId="urn:microsoft.com/office/officeart/2005/8/layout/hierarchy2"/>
+    <dgm:cxn modelId="{16C1A204-F548-451B-BE2A-B9AE87DA08B2}" type="presOf" srcId="{82330AF7-CFE0-48B2-8CC3-9F0BD31846A5}" destId="{91C9BF6A-8CA0-4C06-8A52-DB264B3C1039}" srcOrd="0" destOrd="0" presId="urn:microsoft.com/office/officeart/2005/8/layout/hierarchy2"/>
+    <dgm:cxn modelId="{AD3B0CAE-D12D-4870-8A68-18DBEAB9F0CD}" srcId="{C18BDC97-BDDD-461D-8AED-F2C04054F5E8}" destId="{82330AF7-CFE0-48B2-8CC3-9F0BD31846A5}" srcOrd="3" destOrd="0" parTransId="{FDBB49DC-E237-4331-9D9A-6C30E730AEC2}" sibTransId="{42613B49-2995-4327-9675-64B28885D9DA}"/>
+    <dgm:cxn modelId="{637EED6D-BDA4-4370-91E9-FBD3CB5BD31E}" type="presOf" srcId="{6A4D08DC-0579-44DB-8366-28068F56C0F5}" destId="{9A413A59-4C25-4DA5-A964-6EC2BDAE01E6}" srcOrd="0" destOrd="0" presId="urn:microsoft.com/office/officeart/2005/8/layout/hierarchy2"/>
+    <dgm:cxn modelId="{B2FFC91C-13E7-43D8-B924-FB2141043F2A}" srcId="{DB4975F5-044D-49ED-82EC-554A04BA60ED}" destId="{86746738-2AAC-4E86-96EF-AA2275ADEEF3}" srcOrd="0" destOrd="0" parTransId="{334BF905-A969-439D-B918-1AAC52CFCEF3}" sibTransId="{08B9D32C-F0FF-44A2-A519-3B6430C7A3D2}"/>
     <dgm:cxn modelId="{EB232E62-8E15-441B-897B-92597CC4257A}" type="presOf" srcId="{BD4BE4E4-68D6-4074-88BD-28F35657D214}" destId="{BF28130C-C4FB-437A-B58E-FAB373B3300C}" srcOrd="0" destOrd="0" presId="urn:microsoft.com/office/officeart/2005/8/layout/hierarchy2"/>
-    <dgm:cxn modelId="{A9A4428B-7898-42B2-8C26-0D822F2665A3}" type="presOf" srcId="{86746738-2AAC-4E86-96EF-AA2275ADEEF3}" destId="{6DBE5D1B-CCC7-4BB6-B705-0653077E6CEF}" srcOrd="0" destOrd="0" presId="urn:microsoft.com/office/officeart/2005/8/layout/hierarchy2"/>
-    <dgm:cxn modelId="{95749EE8-94FD-4D1F-A793-936012F3BE3C}" type="presOf" srcId="{5D08A5FF-704D-41E1-8F92-8F21BD815064}" destId="{6D09562F-B2AD-4227-99FF-F8A36A4D1839}" srcOrd="0" destOrd="0" presId="urn:microsoft.com/office/officeart/2005/8/layout/hierarchy2"/>
-    <dgm:cxn modelId="{16C1A204-F548-451B-BE2A-B9AE87DA08B2}" type="presOf" srcId="{82330AF7-CFE0-48B2-8CC3-9F0BD31846A5}" destId="{91C9BF6A-8CA0-4C06-8A52-DB264B3C1039}" srcOrd="0" destOrd="0" presId="urn:microsoft.com/office/officeart/2005/8/layout/hierarchy2"/>
-    <dgm:cxn modelId="{1F3AA487-98E9-4A2A-9D52-BAA69DE67855}" type="presOf" srcId="{8F9D5AE9-F213-4BB4-AA51-6BD33C58D475}" destId="{76B3E13B-27C3-4F3E-B4C6-5CED406C0321}" srcOrd="0" destOrd="0" presId="urn:microsoft.com/office/officeart/2005/8/layout/hierarchy2"/>
-    <dgm:cxn modelId="{C003C068-B074-4FA8-9497-AB01FB4D42DA}" type="presOf" srcId="{F0AB63C3-13DE-49CF-B11C-B216AACD103B}" destId="{8C249465-43E7-4D75-B8BA-8C5DA27057CE}" srcOrd="1" destOrd="0" presId="urn:microsoft.com/office/officeart/2005/8/layout/hierarchy2"/>
-    <dgm:cxn modelId="{42749CBB-4374-471A-AE61-4C61C919C527}" srcId="{C18BDC97-BDDD-461D-8AED-F2C04054F5E8}" destId="{5426166C-E933-4125-AC2F-37D3D26300C4}" srcOrd="0" destOrd="0" parTransId="{7C3EE6D3-8A83-46D2-9202-A93133853DC2}" sibTransId="{B8EC491B-B99D-4FDE-BB5D-FDD04A4B004D}"/>
-    <dgm:cxn modelId="{2FAAF21F-BED9-49D5-93DA-7FC039DF943E}" srcId="{DB4975F5-044D-49ED-82EC-554A04BA60ED}" destId="{C18BDC97-BDDD-461D-8AED-F2C04054F5E8}" srcOrd="1" destOrd="0" parTransId="{F0AB63C3-13DE-49CF-B11C-B216AACD103B}" sibTransId="{3FCEA467-FF8A-407F-B53C-2633C8174683}"/>
-    <dgm:cxn modelId="{3312C68E-C2CB-4409-9746-02064090D405}" type="presOf" srcId="{EFF3D82F-3421-44D3-8A60-D2497CB5B1AF}" destId="{CF4CCC0F-FCE4-49DD-B519-16D8B26F1630}" srcOrd="1" destOrd="0" presId="urn:microsoft.com/office/officeart/2005/8/layout/hierarchy2"/>
-    <dgm:cxn modelId="{1B785AC2-E8D7-4109-B9BD-98BDC13D5DD8}" srcId="{DB4975F5-044D-49ED-82EC-554A04BA60ED}" destId="{F2F4799C-E5FD-491D-9F4B-C896413695F6}" srcOrd="3" destOrd="0" parTransId="{E8D01A0E-52EC-460F-9A6C-D975239AAE58}" sibTransId="{79E2DDE4-FB7F-4261-A92A-D57E6CFFC6EB}"/>
+    <dgm:cxn modelId="{5BE9AA0C-75F5-4965-A0B2-68BE99BE31CB}" type="presOf" srcId="{BF669447-E759-4EF2-948B-ABB5AD27DD94}" destId="{45301BD4-9DBA-43FF-9F12-D815D525295C}" srcOrd="0" destOrd="0" presId="urn:microsoft.com/office/officeart/2005/8/layout/hierarchy2"/>
+    <dgm:cxn modelId="{ABCCF50F-4B6B-4DF9-84D9-B8C31275ACF9}" type="presOf" srcId="{E8D01A0E-52EC-460F-9A6C-D975239AAE58}" destId="{435EDAAC-8468-465C-88F3-293744F4545F}" srcOrd="0" destOrd="0" presId="urn:microsoft.com/office/officeart/2005/8/layout/hierarchy2"/>
+    <dgm:cxn modelId="{39C27901-C2FA-4DD3-BB33-EB9825FD175A}" type="presOf" srcId="{7C3EE6D3-8A83-46D2-9202-A93133853DC2}" destId="{0125C7F5-6A92-4710-B104-550E51494242}" srcOrd="1" destOrd="0" presId="urn:microsoft.com/office/officeart/2005/8/layout/hierarchy2"/>
+    <dgm:cxn modelId="{2A795C97-EBBC-468F-8F5A-AB31C95CC4AC}" type="presOf" srcId="{EFF3D82F-3421-44D3-8A60-D2497CB5B1AF}" destId="{B53C076F-8A3C-4841-B286-C156BCDAE294}" srcOrd="0" destOrd="0" presId="urn:microsoft.com/office/officeart/2005/8/layout/hierarchy2"/>
+    <dgm:cxn modelId="{1BE3B392-5C2F-4ACF-90DC-5122792E48D7}" type="presOf" srcId="{334BF905-A969-439D-B918-1AAC52CFCEF3}" destId="{D9E55D84-0786-44C2-A169-348BB7EAE87F}" srcOrd="0" destOrd="0" presId="urn:microsoft.com/office/officeart/2005/8/layout/hierarchy2"/>
     <dgm:cxn modelId="{8AD95E95-EFAF-49F9-BF35-B326421BE38D}" type="presParOf" srcId="{45301BD4-9DBA-43FF-9F12-D815D525295C}" destId="{3F6293C4-B2C6-42D9-B537-4C471F52B177}" srcOrd="0" destOrd="0" presId="urn:microsoft.com/office/officeart/2005/8/layout/hierarchy2"/>
     <dgm:cxn modelId="{956DC970-9722-487E-AD26-59C228917E15}" type="presParOf" srcId="{3F6293C4-B2C6-42D9-B537-4C471F52B177}" destId="{F2B55CF0-392C-4C75-8BAC-C1B58CE6B464}" srcOrd="0" destOrd="0" presId="urn:microsoft.com/office/officeart/2005/8/layout/hierarchy2"/>
     <dgm:cxn modelId="{863751C0-1074-4C0F-9D0D-2631429C2EF6}" type="presParOf" srcId="{3F6293C4-B2C6-42D9-B537-4C471F52B177}" destId="{29958A4C-8EBE-4D46-A759-403756521677}" srcOrd="1" destOrd="0" presId="urn:microsoft.com/office/officeart/2005/8/layout/hierarchy2"/>
@@ -5990,7 +5990,7 @@
           <a:p>
             <a:fld id="{E49BCDC4-3B91-4797-84EA-7FD342776545}" type="datetimeFigureOut">
               <a:rPr lang="en-IN" smtClean="0"/>
-              <a:t>08-05-2019</a:t>
+              <a:t>09-05-2019</a:t>
             </a:fld>
             <a:endParaRPr lang="en-IN"/>
           </a:p>
@@ -6155,7 +6155,7 @@
           <a:p>
             <a:fld id="{21D3BC9C-6C58-464F-B94E-FD73C5FB016E}" type="datetimeFigureOut">
               <a:rPr lang="en-US" smtClean="0"/>
-              <a:t>5/8/2019</a:t>
+              <a:t>5/9/2019</a:t>
             </a:fld>
             <a:endParaRPr lang="en-US" dirty="0"/>
           </a:p>
@@ -6673,31 +6673,7 @@
                 <a:ea typeface="+mn-ea"/>
                 <a:cs typeface="+mn-cs"/>
               </a:rPr>
-              <a:t> android development easier and seamless. Here we will discuss important Architecture components and how they </a:t>
-            </a:r>
-            <a:r>
-              <a:rPr lang="en-IN" sz="1200" b="0" kern="1200" baseline="0" dirty="0" smtClean="0">
-                <a:solidFill>
-                  <a:schemeClr val="tx1"/>
-                </a:solidFill>
-                <a:effectLst/>
-                <a:latin typeface="+mn-lt"/>
-                <a:ea typeface="+mn-ea"/>
-                <a:cs typeface="+mn-cs"/>
-              </a:rPr>
-              <a:t>work </a:t>
-            </a:r>
-            <a:r>
-              <a:rPr lang="en-IN" sz="1200" b="0" kern="1200" baseline="0" dirty="0" smtClean="0">
-                <a:solidFill>
-                  <a:schemeClr val="tx1"/>
-                </a:solidFill>
-                <a:effectLst/>
-                <a:latin typeface="+mn-lt"/>
-                <a:ea typeface="+mn-ea"/>
-                <a:cs typeface="+mn-cs"/>
-              </a:rPr>
-              <a:t>together. Will tell you about android </a:t>
+              <a:t> android development easier and seamless. Here we will discuss important Architecture components and how they work together. Will tell you about android </a:t>
             </a:r>
             <a:r>
               <a:rPr lang="en-IN" sz="1200" b="0" kern="1200" baseline="0" dirty="0" err="1" smtClean="0">
@@ -6752,19 +6728,7 @@
                 <a:ea typeface="+mn-ea"/>
                 <a:cs typeface="+mn-cs"/>
               </a:rPr>
-              <a:t>MVVM </a:t>
-            </a:r>
-            <a:r>
-              <a:rPr lang="en-IN" sz="1200" b="0" kern="1200" baseline="0" dirty="0" smtClean="0">
-                <a:solidFill>
-                  <a:schemeClr val="tx1"/>
-                </a:solidFill>
-                <a:effectLst/>
-                <a:latin typeface="+mn-lt"/>
-                <a:ea typeface="+mn-ea"/>
-                <a:cs typeface="+mn-cs"/>
-              </a:rPr>
-              <a:t>Overview : In this section I will give you a over view kind of block diagram as to how things work in MVVM.</a:t>
+              <a:t>MVVM Overview : In this section I will give you a over view kind of block diagram as to how things work in MVVM.</a:t>
             </a:r>
           </a:p>
           <a:p>
@@ -6954,11 +6918,7 @@
             </a:pPr>
             <a:r>
               <a:rPr lang="en-IN" baseline="0" dirty="0" smtClean="0"/>
-              <a:t>Need </a:t>
-            </a:r>
-            <a:r>
-              <a:rPr lang="en-IN" baseline="0" dirty="0" smtClean="0"/>
-              <a:t>of Architecture?</a:t>
+              <a:t>Need of Architecture?</a:t>
             </a:r>
             <a:endParaRPr lang="en-IN" sz="1200" b="0" kern="1200" dirty="0" smtClean="0">
               <a:solidFill>
@@ -6998,19 +6958,7 @@
                 <a:ea typeface="+mn-ea"/>
                 <a:cs typeface="+mn-cs"/>
               </a:rPr>
-              <a:t>Separation of </a:t>
-            </a:r>
-            <a:r>
-              <a:rPr lang="en-IN" sz="1200" b="0" kern="1200" dirty="0" smtClean="0">
-                <a:solidFill>
-                  <a:schemeClr val="tx1"/>
-                </a:solidFill>
-                <a:effectLst/>
-                <a:latin typeface="+mn-lt"/>
-                <a:ea typeface="+mn-ea"/>
-                <a:cs typeface="+mn-cs"/>
-              </a:rPr>
-              <a:t>concerns</a:t>
+              <a:t>Separation of concerns</a:t>
             </a:r>
           </a:p>
           <a:p>
@@ -7343,8 +7291,87 @@
               <a:buAutoNum type="arabicPeriod"/>
             </a:pPr>
             <a:r>
-              <a:rPr lang="en-IN" dirty="0" err="1" smtClean="0"/>
+              <a:rPr lang="en-IN" dirty="0" smtClean="0"/>
+              <a:t>Simple lifecycle</a:t>
+            </a:r>
+            <a:r>
+              <a:rPr lang="en-IN" baseline="0" dirty="0" smtClean="0"/>
+              <a:t> aware Observable </a:t>
+            </a:r>
+            <a:r>
+              <a:rPr lang="en-IN" baseline="0" dirty="0" err="1" smtClean="0"/>
+              <a:t>dataholder</a:t>
+            </a:r>
+            <a:r>
+              <a:rPr lang="en-IN" baseline="0" dirty="0" smtClean="0"/>
+              <a:t>.</a:t>
+            </a:r>
+          </a:p>
+          <a:p>
+            <a:pPr marL="228600" indent="-228600">
+              <a:buAutoNum type="arabicPeriod"/>
+            </a:pPr>
+            <a:r>
+              <a:rPr lang="en-IN" baseline="0" dirty="0" smtClean="0"/>
+              <a:t>When the value of </a:t>
+            </a:r>
+            <a:r>
+              <a:rPr lang="en-IN" baseline="0" dirty="0" err="1" smtClean="0"/>
+              <a:t>livedata</a:t>
+            </a:r>
+            <a:r>
+              <a:rPr lang="en-IN" baseline="0" dirty="0" smtClean="0"/>
+              <a:t> is changed </a:t>
+            </a:r>
+            <a:r>
+              <a:rPr lang="en-IN" baseline="0" dirty="0" err="1" smtClean="0"/>
+              <a:t>onChanged</a:t>
+            </a:r>
+            <a:r>
+              <a:rPr lang="en-IN" baseline="0" dirty="0" smtClean="0"/>
+              <a:t> is automatically called in UI component.</a:t>
+            </a:r>
+          </a:p>
+          <a:p>
+            <a:pPr marL="228600" indent="-228600">
+              <a:buAutoNum type="arabicPeriod"/>
+            </a:pPr>
+            <a:r>
+              <a:rPr lang="en-IN" baseline="0" dirty="0" err="1" smtClean="0"/>
               <a:t>LiveData</a:t>
+            </a:r>
+            <a:r>
+              <a:rPr lang="en-IN" baseline="0" dirty="0" smtClean="0"/>
+              <a:t> is only observable when UI Component’s </a:t>
+            </a:r>
+            <a:r>
+              <a:rPr lang="en-IN" baseline="0" dirty="0" err="1" smtClean="0"/>
+              <a:t>LifeCycle</a:t>
+            </a:r>
+            <a:r>
+              <a:rPr lang="en-IN" baseline="0" dirty="0" smtClean="0"/>
+              <a:t> is in good State.</a:t>
+            </a:r>
+          </a:p>
+          <a:p>
+            <a:pPr marL="228600" indent="-228600">
+              <a:buAutoNum type="arabicPeriod"/>
+            </a:pPr>
+            <a:r>
+              <a:rPr lang="en-IN" baseline="0" dirty="0" err="1" smtClean="0"/>
+              <a:t>LiveData</a:t>
+            </a:r>
+            <a:r>
+              <a:rPr lang="en-IN" baseline="0" dirty="0" smtClean="0"/>
+              <a:t> is a </a:t>
+            </a:r>
+            <a:r>
+              <a:rPr lang="en-IN" baseline="0" dirty="0" err="1" smtClean="0"/>
+              <a:t>dataholder</a:t>
+            </a:r>
+            <a:r>
+              <a:rPr lang="en-IN" baseline="0" dirty="0" smtClean="0"/>
+              <a:t>. It holds the data even if its UI component is not visible. It always provides most updated value.</a:t>
             </a:r>
             <a:endParaRPr lang="en-IN" dirty="0" smtClean="0"/>
           </a:p>
@@ -7353,26 +7380,56 @@
               <a:buAutoNum type="arabicPeriod"/>
             </a:pPr>
             <a:r>
-              <a:rPr lang="en-IN" dirty="0" smtClean="0"/>
-              <a:t>Mutable </a:t>
-            </a:r>
-            <a:r>
               <a:rPr lang="en-IN" dirty="0" err="1" smtClean="0"/>
               <a:t>LiveData</a:t>
             </a:r>
-            <a:r>
-              <a:rPr lang="en-IN" baseline="0" dirty="0" smtClean="0"/>
-              <a:t> (set/post)</a:t>
-            </a:r>
+            <a:endParaRPr lang="en-IN" dirty="0" smtClean="0"/>
           </a:p>
           <a:p>
             <a:pPr marL="228600" indent="-228600">
               <a:buAutoNum type="arabicPeriod"/>
             </a:pPr>
             <a:r>
+              <a:rPr lang="en-IN" dirty="0" smtClean="0"/>
+              <a:t>Mutable </a:t>
+            </a:r>
+            <a:r>
+              <a:rPr lang="en-IN" dirty="0" err="1" smtClean="0"/>
+              <a:t>LiveData</a:t>
+            </a:r>
+            <a:r>
+              <a:rPr lang="en-IN" baseline="0" dirty="0" smtClean="0"/>
+              <a:t> (set/post)</a:t>
+            </a:r>
+          </a:p>
+          <a:p>
+            <a:pPr marL="228600" indent="-228600">
+              <a:buAutoNum type="arabicPeriod"/>
+            </a:pPr>
+            <a:r>
               <a:rPr lang="en-IN" baseline="0" dirty="0" err="1" smtClean="0"/>
               <a:t>MediatorLiveData</a:t>
             </a:r>
+            <a:endParaRPr lang="en-IN" baseline="0" dirty="0" smtClean="0"/>
+          </a:p>
+          <a:p>
+            <a:pPr marL="228600" indent="-228600">
+              <a:buAutoNum type="arabicPeriod"/>
+            </a:pPr>
+            <a:r>
+              <a:rPr lang="en-IN" baseline="0" dirty="0" smtClean="0"/>
+              <a:t>Transformations : map, </a:t>
+            </a:r>
+            <a:r>
+              <a:rPr lang="en-IN" baseline="0" dirty="0" err="1" smtClean="0"/>
+              <a:t>switchmap</a:t>
+            </a:r>
+            <a:endParaRPr lang="en-IN" baseline="0" dirty="0" smtClean="0"/>
+          </a:p>
+          <a:p>
+            <a:pPr marL="0" indent="0">
+              <a:buNone/>
+            </a:pPr>
             <a:endParaRPr lang="en-IN" dirty="0"/>
           </a:p>
         </p:txBody>
@@ -7808,13 +7865,32 @@
             </a:pPr>
             <a:r>
               <a:rPr lang="en-IN" baseline="0" dirty="0" smtClean="0"/>
-              <a:t>Never pass context of UI component to </a:t>
+              <a:t>Never pass </a:t>
+            </a:r>
+            <a:r>
+              <a:rPr lang="en-IN" baseline="0" dirty="0" smtClean="0"/>
+              <a:t>context/reference </a:t>
+            </a:r>
+            <a:r>
+              <a:rPr lang="en-IN" baseline="0" dirty="0" smtClean="0"/>
+              <a:t>of UI component to </a:t>
             </a:r>
             <a:r>
               <a:rPr lang="en-IN" baseline="0" dirty="0" err="1" smtClean="0"/>
               <a:t>ViewModel</a:t>
             </a:r>
-            <a:endParaRPr lang="en-IN" baseline="0" dirty="0" smtClean="0"/>
+            <a:r>
+              <a:rPr lang="en-IN" baseline="0" dirty="0" smtClean="0"/>
+              <a:t> whereas UI component observes </a:t>
+            </a:r>
+            <a:r>
+              <a:rPr lang="en-IN" baseline="0" dirty="0" err="1" smtClean="0"/>
+              <a:t>viewModel</a:t>
+            </a:r>
+            <a:r>
+              <a:rPr lang="en-IN" baseline="0" dirty="0" smtClean="0"/>
+              <a:t>.</a:t>
+            </a:r>
           </a:p>
           <a:p>
             <a:pPr marL="228600" indent="-228600">
@@ -7822,7 +7898,11 @@
             </a:pPr>
             <a:r>
               <a:rPr lang="en-IN" baseline="0" dirty="0" smtClean="0"/>
-              <a:t>Injecting dependencies into </a:t>
+              <a:t>Injecting </a:t>
+            </a:r>
+            <a:r>
+              <a:rPr lang="en-IN" baseline="0" dirty="0" smtClean="0"/>
+              <a:t>dependencies into </a:t>
             </a:r>
             <a:r>
               <a:rPr lang="en-IN" baseline="0" dirty="0" err="1" smtClean="0"/>
@@ -8013,17 +8093,13 @@
             </a:pPr>
             <a:r>
               <a:rPr lang="en-IN" baseline="0" dirty="0" smtClean="0"/>
-              <a:t>Every Select method should return Primary key column</a:t>
-            </a:r>
-          </a:p>
-          <a:p>
-            <a:pPr marL="228600" indent="-228600">
-              <a:buAutoNum type="arabicPeriod"/>
-            </a:pPr>
+              <a:t>Every Select method should return Primary key </a:t>
+            </a:r>
             <a:r>
               <a:rPr lang="en-IN" baseline="0" dirty="0" smtClean="0"/>
-              <a:t> </a:t>
-            </a:r>
+              <a:t>column </a:t>
+            </a:r>
+            <a:endParaRPr lang="en-IN" baseline="0" dirty="0" smtClean="0"/>
           </a:p>
           <a:p>
             <a:pPr marL="228600" indent="-228600">
@@ -8091,7 +8167,7 @@
           <p:cNvPr id="2" name="Title 1">
             <a:extLst>
               <a:ext uri="{FF2B5EF4-FFF2-40B4-BE49-F238E27FC236}">
-                <a16:creationId xmlns:a16="http://schemas.microsoft.com/office/drawing/2014/main" xmlns="" id="{8E0F864C-44C4-4000-952D-01F31BFB3FD3}"/>
+                <a16:creationId xmlns="" xmlns:a16="http://schemas.microsoft.com/office/drawing/2014/main" id="{8E0F864C-44C4-4000-952D-01F31BFB3FD3}"/>
               </a:ext>
             </a:extLst>
           </p:cNvPr>
@@ -8129,7 +8205,7 @@
           <p:cNvPr id="3" name="Subtitle 2">
             <a:extLst>
               <a:ext uri="{FF2B5EF4-FFF2-40B4-BE49-F238E27FC236}">
-                <a16:creationId xmlns:a16="http://schemas.microsoft.com/office/drawing/2014/main" xmlns="" id="{21392E06-C914-467E-9D4F-BD763EDA2DD5}"/>
+                <a16:creationId xmlns="" xmlns:a16="http://schemas.microsoft.com/office/drawing/2014/main" id="{21392E06-C914-467E-9D4F-BD763EDA2DD5}"/>
               </a:ext>
             </a:extLst>
           </p:cNvPr>
@@ -8200,7 +8276,7 @@
           <p:cNvPr id="4" name="Date Placeholder 3">
             <a:extLst>
               <a:ext uri="{FF2B5EF4-FFF2-40B4-BE49-F238E27FC236}">
-                <a16:creationId xmlns:a16="http://schemas.microsoft.com/office/drawing/2014/main" xmlns="" id="{1FBEFBAF-82E9-49AD-B2CF-7D154E024431}"/>
+                <a16:creationId xmlns="" xmlns:a16="http://schemas.microsoft.com/office/drawing/2014/main" id="{1FBEFBAF-82E9-49AD-B2CF-7D154E024431}"/>
               </a:ext>
             </a:extLst>
           </p:cNvPr>
@@ -8218,7 +8294,7 @@
           <a:p>
             <a:fld id="{530F2154-24AE-499E-80D4-0ACE89BB5558}" type="datetime1">
               <a:rPr lang="en-US" smtClean="0"/>
-              <a:t>5/8/2019</a:t>
+              <a:t>5/9/2019</a:t>
             </a:fld>
             <a:endParaRPr lang="en-US" dirty="0"/>
           </a:p>
@@ -8229,7 +8305,7 @@
           <p:cNvPr id="5" name="Footer Placeholder 4">
             <a:extLst>
               <a:ext uri="{FF2B5EF4-FFF2-40B4-BE49-F238E27FC236}">
-                <a16:creationId xmlns:a16="http://schemas.microsoft.com/office/drawing/2014/main" xmlns="" id="{5AD8006A-94B1-44F7-972D-56767EDE3CC3}"/>
+                <a16:creationId xmlns="" xmlns:a16="http://schemas.microsoft.com/office/drawing/2014/main" id="{5AD8006A-94B1-44F7-972D-56767EDE3CC3}"/>
               </a:ext>
             </a:extLst>
           </p:cNvPr>
@@ -8254,7 +8330,7 @@
           <p:cNvPr id="6" name="Slide Number Placeholder 5">
             <a:extLst>
               <a:ext uri="{FF2B5EF4-FFF2-40B4-BE49-F238E27FC236}">
-                <a16:creationId xmlns:a16="http://schemas.microsoft.com/office/drawing/2014/main" xmlns="" id="{F5E7BFAB-D84B-45E1-A0BD-2516AC14F8AC}"/>
+                <a16:creationId xmlns="" xmlns:a16="http://schemas.microsoft.com/office/drawing/2014/main" id="{F5E7BFAB-D84B-45E1-A0BD-2516AC14F8AC}"/>
               </a:ext>
             </a:extLst>
           </p:cNvPr>
@@ -8313,7 +8389,7 @@
           <p:cNvPr id="2" name="Title 1">
             <a:extLst>
               <a:ext uri="{FF2B5EF4-FFF2-40B4-BE49-F238E27FC236}">
-                <a16:creationId xmlns:a16="http://schemas.microsoft.com/office/drawing/2014/main" xmlns="" id="{65F7B869-BFB2-4C20-8AB1-46704BB3D177}"/>
+                <a16:creationId xmlns="" xmlns:a16="http://schemas.microsoft.com/office/drawing/2014/main" id="{65F7B869-BFB2-4C20-8AB1-46704BB3D177}"/>
               </a:ext>
             </a:extLst>
           </p:cNvPr>
@@ -8342,7 +8418,7 @@
           <p:cNvPr id="3" name="Vertical Text Placeholder 2">
             <a:extLst>
               <a:ext uri="{FF2B5EF4-FFF2-40B4-BE49-F238E27FC236}">
-                <a16:creationId xmlns:a16="http://schemas.microsoft.com/office/drawing/2014/main" xmlns="" id="{19F007DB-4F12-4428-9C48-5120DF07046D}"/>
+                <a16:creationId xmlns="" xmlns:a16="http://schemas.microsoft.com/office/drawing/2014/main" id="{19F007DB-4F12-4428-9C48-5120DF07046D}"/>
               </a:ext>
             </a:extLst>
           </p:cNvPr>
@@ -8400,7 +8476,7 @@
           <p:cNvPr id="4" name="Date Placeholder 3">
             <a:extLst>
               <a:ext uri="{FF2B5EF4-FFF2-40B4-BE49-F238E27FC236}">
-                <a16:creationId xmlns:a16="http://schemas.microsoft.com/office/drawing/2014/main" xmlns="" id="{16FFA8DA-0E31-4CA6-BBFC-2467AAD1D30B}"/>
+                <a16:creationId xmlns="" xmlns:a16="http://schemas.microsoft.com/office/drawing/2014/main" id="{16FFA8DA-0E31-4CA6-BBFC-2467AAD1D30B}"/>
               </a:ext>
             </a:extLst>
           </p:cNvPr>
@@ -8418,7 +8494,7 @@
           <a:p>
             <a:fld id="{E895D85A-D017-49E3-98B6-7C96AF92F755}" type="datetime1">
               <a:rPr lang="en-US" smtClean="0"/>
-              <a:t>5/8/2019</a:t>
+              <a:t>5/9/2019</a:t>
             </a:fld>
             <a:endParaRPr lang="en-US" dirty="0"/>
           </a:p>
@@ -8429,7 +8505,7 @@
           <p:cNvPr id="5" name="Footer Placeholder 4">
             <a:extLst>
               <a:ext uri="{FF2B5EF4-FFF2-40B4-BE49-F238E27FC236}">
-                <a16:creationId xmlns:a16="http://schemas.microsoft.com/office/drawing/2014/main" xmlns="" id="{064974BD-9845-459A-9AAA-12731E2507C4}"/>
+                <a16:creationId xmlns="" xmlns:a16="http://schemas.microsoft.com/office/drawing/2014/main" id="{064974BD-9845-459A-9AAA-12731E2507C4}"/>
               </a:ext>
             </a:extLst>
           </p:cNvPr>
@@ -8454,7 +8530,7 @@
           <p:cNvPr id="6" name="Slide Number Placeholder 5">
             <a:extLst>
               <a:ext uri="{FF2B5EF4-FFF2-40B4-BE49-F238E27FC236}">
-                <a16:creationId xmlns:a16="http://schemas.microsoft.com/office/drawing/2014/main" xmlns="" id="{C2A71B0A-FDFB-4B2C-A9EC-2334C590013E}"/>
+                <a16:creationId xmlns="" xmlns:a16="http://schemas.microsoft.com/office/drawing/2014/main" id="{C2A71B0A-FDFB-4B2C-A9EC-2334C590013E}"/>
               </a:ext>
             </a:extLst>
           </p:cNvPr>
@@ -8513,7 +8589,7 @@
           <p:cNvPr id="2" name="Vertical Title 1">
             <a:extLst>
               <a:ext uri="{FF2B5EF4-FFF2-40B4-BE49-F238E27FC236}">
-                <a16:creationId xmlns:a16="http://schemas.microsoft.com/office/drawing/2014/main" xmlns="" id="{E60B5D73-1652-4A8E-B5A3-101523D7290A}"/>
+                <a16:creationId xmlns="" xmlns:a16="http://schemas.microsoft.com/office/drawing/2014/main" id="{E60B5D73-1652-4A8E-B5A3-101523D7290A}"/>
               </a:ext>
             </a:extLst>
           </p:cNvPr>
@@ -8547,7 +8623,7 @@
           <p:cNvPr id="3" name="Vertical Text Placeholder 2">
             <a:extLst>
               <a:ext uri="{FF2B5EF4-FFF2-40B4-BE49-F238E27FC236}">
-                <a16:creationId xmlns:a16="http://schemas.microsoft.com/office/drawing/2014/main" xmlns="" id="{A9B7FB99-7425-444D-B602-01B672BCE8C6}"/>
+                <a16:creationId xmlns="" xmlns:a16="http://schemas.microsoft.com/office/drawing/2014/main" id="{A9B7FB99-7425-444D-B602-01B672BCE8C6}"/>
               </a:ext>
             </a:extLst>
           </p:cNvPr>
@@ -8610,7 +8686,7 @@
           <p:cNvPr id="4" name="Date Placeholder 3">
             <a:extLst>
               <a:ext uri="{FF2B5EF4-FFF2-40B4-BE49-F238E27FC236}">
-                <a16:creationId xmlns:a16="http://schemas.microsoft.com/office/drawing/2014/main" xmlns="" id="{00EEA9C5-552A-48A1-AB54-ED54209B3B48}"/>
+                <a16:creationId xmlns="" xmlns:a16="http://schemas.microsoft.com/office/drawing/2014/main" id="{00EEA9C5-552A-48A1-AB54-ED54209B3B48}"/>
               </a:ext>
             </a:extLst>
           </p:cNvPr>
@@ -8628,7 +8704,7 @@
           <a:p>
             <a:fld id="{10DE9B9F-3972-4F7C-B0D6-831C5FCDB5EF}" type="datetime1">
               <a:rPr lang="en-US" smtClean="0"/>
-              <a:t>5/8/2019</a:t>
+              <a:t>5/9/2019</a:t>
             </a:fld>
             <a:endParaRPr lang="en-US" dirty="0"/>
           </a:p>
@@ -8639,7 +8715,7 @@
           <p:cNvPr id="5" name="Footer Placeholder 4">
             <a:extLst>
               <a:ext uri="{FF2B5EF4-FFF2-40B4-BE49-F238E27FC236}">
-                <a16:creationId xmlns:a16="http://schemas.microsoft.com/office/drawing/2014/main" xmlns="" id="{1A83AAA3-4155-48FB-8F00-16DBE0C9C256}"/>
+                <a16:creationId xmlns="" xmlns:a16="http://schemas.microsoft.com/office/drawing/2014/main" id="{1A83AAA3-4155-48FB-8F00-16DBE0C9C256}"/>
               </a:ext>
             </a:extLst>
           </p:cNvPr>
@@ -8664,7 +8740,7 @@
           <p:cNvPr id="6" name="Slide Number Placeholder 5">
             <a:extLst>
               <a:ext uri="{FF2B5EF4-FFF2-40B4-BE49-F238E27FC236}">
-                <a16:creationId xmlns:a16="http://schemas.microsoft.com/office/drawing/2014/main" xmlns="" id="{5D694EAE-CB3C-4DEF-A66D-583C7AAC92D8}"/>
+                <a16:creationId xmlns="" xmlns:a16="http://schemas.microsoft.com/office/drawing/2014/main" id="{5D694EAE-CB3C-4DEF-A66D-583C7AAC92D8}"/>
               </a:ext>
             </a:extLst>
           </p:cNvPr>
@@ -8723,7 +8799,7 @@
           <p:cNvPr id="2" name="Title 1">
             <a:extLst>
               <a:ext uri="{FF2B5EF4-FFF2-40B4-BE49-F238E27FC236}">
-                <a16:creationId xmlns:a16="http://schemas.microsoft.com/office/drawing/2014/main" xmlns="" id="{4C807FBE-061D-452C-A8A6-213063CFD678}"/>
+                <a16:creationId xmlns="" xmlns:a16="http://schemas.microsoft.com/office/drawing/2014/main" id="{4C807FBE-061D-452C-A8A6-213063CFD678}"/>
               </a:ext>
             </a:extLst>
           </p:cNvPr>
@@ -8752,7 +8828,7 @@
           <p:cNvPr id="3" name="Content Placeholder 2">
             <a:extLst>
               <a:ext uri="{FF2B5EF4-FFF2-40B4-BE49-F238E27FC236}">
-                <a16:creationId xmlns:a16="http://schemas.microsoft.com/office/drawing/2014/main" xmlns="" id="{433A3535-1708-499D-B5D2-7D8F9FD182D0}"/>
+                <a16:creationId xmlns="" xmlns:a16="http://schemas.microsoft.com/office/drawing/2014/main" id="{433A3535-1708-499D-B5D2-7D8F9FD182D0}"/>
               </a:ext>
             </a:extLst>
           </p:cNvPr>
@@ -8810,7 +8886,7 @@
           <p:cNvPr id="4" name="Date Placeholder 3">
             <a:extLst>
               <a:ext uri="{FF2B5EF4-FFF2-40B4-BE49-F238E27FC236}">
-                <a16:creationId xmlns:a16="http://schemas.microsoft.com/office/drawing/2014/main" xmlns="" id="{ACB06063-A112-49AB-80C8-504D99ECD771}"/>
+                <a16:creationId xmlns="" xmlns:a16="http://schemas.microsoft.com/office/drawing/2014/main" id="{ACB06063-A112-49AB-80C8-504D99ECD771}"/>
               </a:ext>
             </a:extLst>
           </p:cNvPr>
@@ -8828,7 +8904,7 @@
           <a:p>
             <a:fld id="{4B158ED4-9E6D-4EF7-AC4C-943112BEE7E8}" type="datetime1">
               <a:rPr lang="en-US" smtClean="0"/>
-              <a:t>5/8/2019</a:t>
+              <a:t>5/9/2019</a:t>
             </a:fld>
             <a:endParaRPr lang="en-US" dirty="0"/>
           </a:p>
@@ -8839,7 +8915,7 @@
           <p:cNvPr id="5" name="Footer Placeholder 4">
             <a:extLst>
               <a:ext uri="{FF2B5EF4-FFF2-40B4-BE49-F238E27FC236}">
-                <a16:creationId xmlns:a16="http://schemas.microsoft.com/office/drawing/2014/main" xmlns="" id="{6344C8D5-F898-4318-A76D-1FBD87329198}"/>
+                <a16:creationId xmlns="" xmlns:a16="http://schemas.microsoft.com/office/drawing/2014/main" id="{6344C8D5-F898-4318-A76D-1FBD87329198}"/>
               </a:ext>
             </a:extLst>
           </p:cNvPr>
@@ -8864,7 +8940,7 @@
           <p:cNvPr id="6" name="Slide Number Placeholder 5">
             <a:extLst>
               <a:ext uri="{FF2B5EF4-FFF2-40B4-BE49-F238E27FC236}">
-                <a16:creationId xmlns:a16="http://schemas.microsoft.com/office/drawing/2014/main" xmlns="" id="{2976EC76-E8E8-4FFA-B671-7FA2F3EF5DEF}"/>
+                <a16:creationId xmlns="" xmlns:a16="http://schemas.microsoft.com/office/drawing/2014/main" id="{2976EC76-E8E8-4FFA-B671-7FA2F3EF5DEF}"/>
               </a:ext>
             </a:extLst>
           </p:cNvPr>
@@ -8923,7 +8999,7 @@
           <p:cNvPr id="2" name="Title 1">
             <a:extLst>
               <a:ext uri="{FF2B5EF4-FFF2-40B4-BE49-F238E27FC236}">
-                <a16:creationId xmlns:a16="http://schemas.microsoft.com/office/drawing/2014/main" xmlns="" id="{B6C2CABF-E3C1-431A-A69C-D4881CC43F0F}"/>
+                <a16:creationId xmlns="" xmlns:a16="http://schemas.microsoft.com/office/drawing/2014/main" id="{B6C2CABF-E3C1-431A-A69C-D4881CC43F0F}"/>
               </a:ext>
             </a:extLst>
           </p:cNvPr>
@@ -8961,7 +9037,7 @@
           <p:cNvPr id="3" name="Text Placeholder 2">
             <a:extLst>
               <a:ext uri="{FF2B5EF4-FFF2-40B4-BE49-F238E27FC236}">
-                <a16:creationId xmlns:a16="http://schemas.microsoft.com/office/drawing/2014/main" xmlns="" id="{D5584226-69DA-4211-B2C8-C29FD05A4A69}"/>
+                <a16:creationId xmlns="" xmlns:a16="http://schemas.microsoft.com/office/drawing/2014/main" id="{D5584226-69DA-4211-B2C8-C29FD05A4A69}"/>
               </a:ext>
             </a:extLst>
           </p:cNvPr>
@@ -9086,7 +9162,7 @@
           <p:cNvPr id="4" name="Date Placeholder 3">
             <a:extLst>
               <a:ext uri="{FF2B5EF4-FFF2-40B4-BE49-F238E27FC236}">
-                <a16:creationId xmlns:a16="http://schemas.microsoft.com/office/drawing/2014/main" xmlns="" id="{D5FF82DB-B518-40FD-8A66-44B874C055FB}"/>
+                <a16:creationId xmlns="" xmlns:a16="http://schemas.microsoft.com/office/drawing/2014/main" id="{D5FF82DB-B518-40FD-8A66-44B874C055FB}"/>
               </a:ext>
             </a:extLst>
           </p:cNvPr>
@@ -9104,7 +9180,7 @@
           <a:p>
             <a:fld id="{2C6FCAE2-B860-418B-BAC4-C92EF3E863ED}" type="datetime1">
               <a:rPr lang="en-US" smtClean="0"/>
-              <a:t>5/8/2019</a:t>
+              <a:t>5/9/2019</a:t>
             </a:fld>
             <a:endParaRPr lang="en-US" dirty="0"/>
           </a:p>
@@ -9115,7 +9191,7 @@
           <p:cNvPr id="5" name="Footer Placeholder 4">
             <a:extLst>
               <a:ext uri="{FF2B5EF4-FFF2-40B4-BE49-F238E27FC236}">
-                <a16:creationId xmlns:a16="http://schemas.microsoft.com/office/drawing/2014/main" xmlns="" id="{FCC1CCEE-725F-4745-837B-87EFB70E71D8}"/>
+                <a16:creationId xmlns="" xmlns:a16="http://schemas.microsoft.com/office/drawing/2014/main" id="{FCC1CCEE-725F-4745-837B-87EFB70E71D8}"/>
               </a:ext>
             </a:extLst>
           </p:cNvPr>
@@ -9140,7 +9216,7 @@
           <p:cNvPr id="6" name="Slide Number Placeholder 5">
             <a:extLst>
               <a:ext uri="{FF2B5EF4-FFF2-40B4-BE49-F238E27FC236}">
-                <a16:creationId xmlns:a16="http://schemas.microsoft.com/office/drawing/2014/main" xmlns="" id="{C561522A-E0E6-406B-BF30-A7C7A57294BE}"/>
+                <a16:creationId xmlns="" xmlns:a16="http://schemas.microsoft.com/office/drawing/2014/main" id="{C561522A-E0E6-406B-BF30-A7C7A57294BE}"/>
               </a:ext>
             </a:extLst>
           </p:cNvPr>
@@ -9199,7 +9275,7 @@
           <p:cNvPr id="2" name="Title 1">
             <a:extLst>
               <a:ext uri="{FF2B5EF4-FFF2-40B4-BE49-F238E27FC236}">
-                <a16:creationId xmlns:a16="http://schemas.microsoft.com/office/drawing/2014/main" xmlns="" id="{DBCC9BDC-6F21-4EF5-A8DD-E35E27EACA58}"/>
+                <a16:creationId xmlns="" xmlns:a16="http://schemas.microsoft.com/office/drawing/2014/main" id="{DBCC9BDC-6F21-4EF5-A8DD-E35E27EACA58}"/>
               </a:ext>
             </a:extLst>
           </p:cNvPr>
@@ -9228,7 +9304,7 @@
           <p:cNvPr id="3" name="Content Placeholder 2">
             <a:extLst>
               <a:ext uri="{FF2B5EF4-FFF2-40B4-BE49-F238E27FC236}">
-                <a16:creationId xmlns:a16="http://schemas.microsoft.com/office/drawing/2014/main" xmlns="" id="{6B968D5F-2AB6-42D3-A54E-AB3E60325170}"/>
+                <a16:creationId xmlns="" xmlns:a16="http://schemas.microsoft.com/office/drawing/2014/main" id="{6B968D5F-2AB6-42D3-A54E-AB3E60325170}"/>
               </a:ext>
             </a:extLst>
           </p:cNvPr>
@@ -9291,7 +9367,7 @@
           <p:cNvPr id="4" name="Content Placeholder 3">
             <a:extLst>
               <a:ext uri="{FF2B5EF4-FFF2-40B4-BE49-F238E27FC236}">
-                <a16:creationId xmlns:a16="http://schemas.microsoft.com/office/drawing/2014/main" xmlns="" id="{465AB07F-D5F7-402A-AE4E-027BF1CA9127}"/>
+                <a16:creationId xmlns="" xmlns:a16="http://schemas.microsoft.com/office/drawing/2014/main" id="{465AB07F-D5F7-402A-AE4E-027BF1CA9127}"/>
               </a:ext>
             </a:extLst>
           </p:cNvPr>
@@ -9354,7 +9430,7 @@
           <p:cNvPr id="5" name="Date Placeholder 4">
             <a:extLst>
               <a:ext uri="{FF2B5EF4-FFF2-40B4-BE49-F238E27FC236}">
-                <a16:creationId xmlns:a16="http://schemas.microsoft.com/office/drawing/2014/main" xmlns="" id="{85108EDC-3863-43B9-93C7-37465DC73B28}"/>
+                <a16:creationId xmlns="" xmlns:a16="http://schemas.microsoft.com/office/drawing/2014/main" id="{85108EDC-3863-43B9-93C7-37465DC73B28}"/>
               </a:ext>
             </a:extLst>
           </p:cNvPr>
@@ -9372,7 +9448,7 @@
           <a:p>
             <a:fld id="{521EC74A-BCAA-449D-B387-1E1F66FCB645}" type="datetime1">
               <a:rPr lang="en-US" smtClean="0"/>
-              <a:t>5/8/2019</a:t>
+              <a:t>5/9/2019</a:t>
             </a:fld>
             <a:endParaRPr lang="en-US" dirty="0"/>
           </a:p>
@@ -9383,7 +9459,7 @@
           <p:cNvPr id="6" name="Footer Placeholder 5">
             <a:extLst>
               <a:ext uri="{FF2B5EF4-FFF2-40B4-BE49-F238E27FC236}">
-                <a16:creationId xmlns:a16="http://schemas.microsoft.com/office/drawing/2014/main" xmlns="" id="{A777D452-958D-4159-A9A4-16DD29680A04}"/>
+                <a16:creationId xmlns="" xmlns:a16="http://schemas.microsoft.com/office/drawing/2014/main" id="{A777D452-958D-4159-A9A4-16DD29680A04}"/>
               </a:ext>
             </a:extLst>
           </p:cNvPr>
@@ -9408,7 +9484,7 @@
           <p:cNvPr id="7" name="Slide Number Placeholder 6">
             <a:extLst>
               <a:ext uri="{FF2B5EF4-FFF2-40B4-BE49-F238E27FC236}">
-                <a16:creationId xmlns:a16="http://schemas.microsoft.com/office/drawing/2014/main" xmlns="" id="{289654B6-1460-48B9-AC7E-592F68BAB276}"/>
+                <a16:creationId xmlns="" xmlns:a16="http://schemas.microsoft.com/office/drawing/2014/main" id="{289654B6-1460-48B9-AC7E-592F68BAB276}"/>
               </a:ext>
             </a:extLst>
           </p:cNvPr>
@@ -9467,7 +9543,7 @@
           <p:cNvPr id="2" name="Title 1">
             <a:extLst>
               <a:ext uri="{FF2B5EF4-FFF2-40B4-BE49-F238E27FC236}">
-                <a16:creationId xmlns:a16="http://schemas.microsoft.com/office/drawing/2014/main" xmlns="" id="{7EE8C848-926A-4FD3-A311-A100A2662BE1}"/>
+                <a16:creationId xmlns="" xmlns:a16="http://schemas.microsoft.com/office/drawing/2014/main" id="{7EE8C848-926A-4FD3-A311-A100A2662BE1}"/>
               </a:ext>
             </a:extLst>
           </p:cNvPr>
@@ -9501,7 +9577,7 @@
           <p:cNvPr id="3" name="Text Placeholder 2">
             <a:extLst>
               <a:ext uri="{FF2B5EF4-FFF2-40B4-BE49-F238E27FC236}">
-                <a16:creationId xmlns:a16="http://schemas.microsoft.com/office/drawing/2014/main" xmlns="" id="{3C8ECD90-B4F0-4DFB-BB3D-F2310207896F}"/>
+                <a16:creationId xmlns="" xmlns:a16="http://schemas.microsoft.com/office/drawing/2014/main" id="{3C8ECD90-B4F0-4DFB-BB3D-F2310207896F}"/>
               </a:ext>
             </a:extLst>
           </p:cNvPr>
@@ -9572,7 +9648,7 @@
           <p:cNvPr id="4" name="Content Placeholder 3">
             <a:extLst>
               <a:ext uri="{FF2B5EF4-FFF2-40B4-BE49-F238E27FC236}">
-                <a16:creationId xmlns:a16="http://schemas.microsoft.com/office/drawing/2014/main" xmlns="" id="{335A6C3A-033E-474B-AB97-D8291A04E7DD}"/>
+                <a16:creationId xmlns="" xmlns:a16="http://schemas.microsoft.com/office/drawing/2014/main" id="{335A6C3A-033E-474B-AB97-D8291A04E7DD}"/>
               </a:ext>
             </a:extLst>
           </p:cNvPr>
@@ -9635,7 +9711,7 @@
           <p:cNvPr id="5" name="Text Placeholder 4">
             <a:extLst>
               <a:ext uri="{FF2B5EF4-FFF2-40B4-BE49-F238E27FC236}">
-                <a16:creationId xmlns:a16="http://schemas.microsoft.com/office/drawing/2014/main" xmlns="" id="{A532B928-3A23-4FCA-AD1F-E45A467B54F5}"/>
+                <a16:creationId xmlns="" xmlns:a16="http://schemas.microsoft.com/office/drawing/2014/main" id="{A532B928-3A23-4FCA-AD1F-E45A467B54F5}"/>
               </a:ext>
             </a:extLst>
           </p:cNvPr>
@@ -9706,7 +9782,7 @@
           <p:cNvPr id="6" name="Content Placeholder 5">
             <a:extLst>
               <a:ext uri="{FF2B5EF4-FFF2-40B4-BE49-F238E27FC236}">
-                <a16:creationId xmlns:a16="http://schemas.microsoft.com/office/drawing/2014/main" xmlns="" id="{3BDC8376-6FC6-4A11-B0DB-9A148E9C00E2}"/>
+                <a16:creationId xmlns="" xmlns:a16="http://schemas.microsoft.com/office/drawing/2014/main" id="{3BDC8376-6FC6-4A11-B0DB-9A148E9C00E2}"/>
               </a:ext>
             </a:extLst>
           </p:cNvPr>
@@ -9769,7 +9845,7 @@
           <p:cNvPr id="7" name="Date Placeholder 6">
             <a:extLst>
               <a:ext uri="{FF2B5EF4-FFF2-40B4-BE49-F238E27FC236}">
-                <a16:creationId xmlns:a16="http://schemas.microsoft.com/office/drawing/2014/main" xmlns="" id="{6E80206F-8846-425C-A56E-16FFBA442014}"/>
+                <a16:creationId xmlns="" xmlns:a16="http://schemas.microsoft.com/office/drawing/2014/main" id="{6E80206F-8846-425C-A56E-16FFBA442014}"/>
               </a:ext>
             </a:extLst>
           </p:cNvPr>
@@ -9787,7 +9863,7 @@
           <a:p>
             <a:fld id="{A44E568B-9848-4C04-B999-012EB66C6FF2}" type="datetime1">
               <a:rPr lang="en-US" smtClean="0"/>
-              <a:t>5/8/2019</a:t>
+              <a:t>5/9/2019</a:t>
             </a:fld>
             <a:endParaRPr lang="en-US" dirty="0"/>
           </a:p>
@@ -9798,7 +9874,7 @@
           <p:cNvPr id="8" name="Footer Placeholder 7">
             <a:extLst>
               <a:ext uri="{FF2B5EF4-FFF2-40B4-BE49-F238E27FC236}">
-                <a16:creationId xmlns:a16="http://schemas.microsoft.com/office/drawing/2014/main" xmlns="" id="{6A45E89F-12CF-4561-A5F2-1E05783A3063}"/>
+                <a16:creationId xmlns="" xmlns:a16="http://schemas.microsoft.com/office/drawing/2014/main" id="{6A45E89F-12CF-4561-A5F2-1E05783A3063}"/>
               </a:ext>
             </a:extLst>
           </p:cNvPr>
@@ -9823,7 +9899,7 @@
           <p:cNvPr id="9" name="Slide Number Placeholder 8">
             <a:extLst>
               <a:ext uri="{FF2B5EF4-FFF2-40B4-BE49-F238E27FC236}">
-                <a16:creationId xmlns:a16="http://schemas.microsoft.com/office/drawing/2014/main" xmlns="" id="{9EB4DFE4-927C-43B1-A061-5CB97FFB33BE}"/>
+                <a16:creationId xmlns="" xmlns:a16="http://schemas.microsoft.com/office/drawing/2014/main" id="{9EB4DFE4-927C-43B1-A061-5CB97FFB33BE}"/>
               </a:ext>
             </a:extLst>
           </p:cNvPr>
@@ -9882,7 +9958,7 @@
           <p:cNvPr id="2" name="Title 1">
             <a:extLst>
               <a:ext uri="{FF2B5EF4-FFF2-40B4-BE49-F238E27FC236}">
-                <a16:creationId xmlns:a16="http://schemas.microsoft.com/office/drawing/2014/main" xmlns="" id="{B560E367-8DA0-4655-BCBC-F4280D8642CD}"/>
+                <a16:creationId xmlns="" xmlns:a16="http://schemas.microsoft.com/office/drawing/2014/main" id="{B560E367-8DA0-4655-BCBC-F4280D8642CD}"/>
               </a:ext>
             </a:extLst>
           </p:cNvPr>
@@ -9911,7 +9987,7 @@
           <p:cNvPr id="3" name="Date Placeholder 2">
             <a:extLst>
               <a:ext uri="{FF2B5EF4-FFF2-40B4-BE49-F238E27FC236}">
-                <a16:creationId xmlns:a16="http://schemas.microsoft.com/office/drawing/2014/main" xmlns="" id="{2FEF9592-AA3C-4CF8-A5DB-4D010195A438}"/>
+                <a16:creationId xmlns="" xmlns:a16="http://schemas.microsoft.com/office/drawing/2014/main" id="{2FEF9592-AA3C-4CF8-A5DB-4D010195A438}"/>
               </a:ext>
             </a:extLst>
           </p:cNvPr>
@@ -9929,7 +10005,7 @@
           <a:p>
             <a:fld id="{F31BA86F-84DF-4725-8AE7-32C7D88FC8AF}" type="datetime1">
               <a:rPr lang="en-US" smtClean="0"/>
-              <a:t>5/8/2019</a:t>
+              <a:t>5/9/2019</a:t>
             </a:fld>
             <a:endParaRPr lang="en-US" dirty="0"/>
           </a:p>
@@ -9940,7 +10016,7 @@
           <p:cNvPr id="4" name="Footer Placeholder 3">
             <a:extLst>
               <a:ext uri="{FF2B5EF4-FFF2-40B4-BE49-F238E27FC236}">
-                <a16:creationId xmlns:a16="http://schemas.microsoft.com/office/drawing/2014/main" xmlns="" id="{3C2C9377-F93E-4515-852A-264707755154}"/>
+                <a16:creationId xmlns="" xmlns:a16="http://schemas.microsoft.com/office/drawing/2014/main" id="{3C2C9377-F93E-4515-852A-264707755154}"/>
               </a:ext>
             </a:extLst>
           </p:cNvPr>
@@ -9965,7 +10041,7 @@
           <p:cNvPr id="5" name="Slide Number Placeholder 4">
             <a:extLst>
               <a:ext uri="{FF2B5EF4-FFF2-40B4-BE49-F238E27FC236}">
-                <a16:creationId xmlns:a16="http://schemas.microsoft.com/office/drawing/2014/main" xmlns="" id="{9AED076D-476B-42BA-8795-14FE6C1E6974}"/>
+                <a16:creationId xmlns="" xmlns:a16="http://schemas.microsoft.com/office/drawing/2014/main" id="{9AED076D-476B-42BA-8795-14FE6C1E6974}"/>
               </a:ext>
             </a:extLst>
           </p:cNvPr>
@@ -10024,7 +10100,7 @@
           <p:cNvPr id="2" name="Date Placeholder 1">
             <a:extLst>
               <a:ext uri="{FF2B5EF4-FFF2-40B4-BE49-F238E27FC236}">
-                <a16:creationId xmlns:a16="http://schemas.microsoft.com/office/drawing/2014/main" xmlns="" id="{1EA599B4-6AB2-4190-82B5-7667EE1E922A}"/>
+                <a16:creationId xmlns="" xmlns:a16="http://schemas.microsoft.com/office/drawing/2014/main" id="{1EA599B4-6AB2-4190-82B5-7667EE1E922A}"/>
               </a:ext>
             </a:extLst>
           </p:cNvPr>
@@ -10042,7 +10118,7 @@
           <a:p>
             <a:fld id="{B2D8303A-6B99-4B71-BC66-35F897D102C8}" type="datetime1">
               <a:rPr lang="en-US" smtClean="0"/>
-              <a:t>5/8/2019</a:t>
+              <a:t>5/9/2019</a:t>
             </a:fld>
             <a:endParaRPr lang="en-US" dirty="0"/>
           </a:p>
@@ -10053,7 +10129,7 @@
           <p:cNvPr id="3" name="Footer Placeholder 2">
             <a:extLst>
               <a:ext uri="{FF2B5EF4-FFF2-40B4-BE49-F238E27FC236}">
-                <a16:creationId xmlns:a16="http://schemas.microsoft.com/office/drawing/2014/main" xmlns="" id="{1B8FBFB3-AD86-4E39-B8AE-B4EC14528156}"/>
+                <a16:creationId xmlns="" xmlns:a16="http://schemas.microsoft.com/office/drawing/2014/main" id="{1B8FBFB3-AD86-4E39-B8AE-B4EC14528156}"/>
               </a:ext>
             </a:extLst>
           </p:cNvPr>
@@ -10078,7 +10154,7 @@
           <p:cNvPr id="4" name="Slide Number Placeholder 3">
             <a:extLst>
               <a:ext uri="{FF2B5EF4-FFF2-40B4-BE49-F238E27FC236}">
-                <a16:creationId xmlns:a16="http://schemas.microsoft.com/office/drawing/2014/main" xmlns="" id="{B9A4AF55-C114-4B60-9A20-56B00A11B3BF}"/>
+                <a16:creationId xmlns="" xmlns:a16="http://schemas.microsoft.com/office/drawing/2014/main" id="{B9A4AF55-C114-4B60-9A20-56B00A11B3BF}"/>
               </a:ext>
             </a:extLst>
           </p:cNvPr>
@@ -10137,7 +10213,7 @@
           <p:cNvPr id="2" name="Title 1">
             <a:extLst>
               <a:ext uri="{FF2B5EF4-FFF2-40B4-BE49-F238E27FC236}">
-                <a16:creationId xmlns:a16="http://schemas.microsoft.com/office/drawing/2014/main" xmlns="" id="{70883DA1-5CB8-405D-9613-8A9B7BC5664C}"/>
+                <a16:creationId xmlns="" xmlns:a16="http://schemas.microsoft.com/office/drawing/2014/main" id="{70883DA1-5CB8-405D-9613-8A9B7BC5664C}"/>
               </a:ext>
             </a:extLst>
           </p:cNvPr>
@@ -10175,7 +10251,7 @@
           <p:cNvPr id="3" name="Content Placeholder 2">
             <a:extLst>
               <a:ext uri="{FF2B5EF4-FFF2-40B4-BE49-F238E27FC236}">
-                <a16:creationId xmlns:a16="http://schemas.microsoft.com/office/drawing/2014/main" xmlns="" id="{9842BB15-A24D-42E9-9CAE-BB827226301E}"/>
+                <a16:creationId xmlns="" xmlns:a16="http://schemas.microsoft.com/office/drawing/2014/main" id="{9842BB15-A24D-42E9-9CAE-BB827226301E}"/>
               </a:ext>
             </a:extLst>
           </p:cNvPr>
@@ -10266,7 +10342,7 @@
           <p:cNvPr id="4" name="Text Placeholder 3">
             <a:extLst>
               <a:ext uri="{FF2B5EF4-FFF2-40B4-BE49-F238E27FC236}">
-                <a16:creationId xmlns:a16="http://schemas.microsoft.com/office/drawing/2014/main" xmlns="" id="{78F0849D-D3C3-462A-9751-4EAB0B9145E4}"/>
+                <a16:creationId xmlns="" xmlns:a16="http://schemas.microsoft.com/office/drawing/2014/main" id="{78F0849D-D3C3-462A-9751-4EAB0B9145E4}"/>
               </a:ext>
             </a:extLst>
           </p:cNvPr>
@@ -10337,7 +10413,7 @@
           <p:cNvPr id="5" name="Date Placeholder 4">
             <a:extLst>
               <a:ext uri="{FF2B5EF4-FFF2-40B4-BE49-F238E27FC236}">
-                <a16:creationId xmlns:a16="http://schemas.microsoft.com/office/drawing/2014/main" xmlns="" id="{F180DD20-7A20-4574-98A4-427795876739}"/>
+                <a16:creationId xmlns="" xmlns:a16="http://schemas.microsoft.com/office/drawing/2014/main" id="{F180DD20-7A20-4574-98A4-427795876739}"/>
               </a:ext>
             </a:extLst>
           </p:cNvPr>
@@ -10355,7 +10431,7 @@
           <a:p>
             <a:fld id="{169B406E-D2EC-4F98-8AB2-DA5ED680FB5B}" type="datetime1">
               <a:rPr lang="en-US" smtClean="0"/>
-              <a:t>5/8/2019</a:t>
+              <a:t>5/9/2019</a:t>
             </a:fld>
             <a:endParaRPr lang="en-US" dirty="0"/>
           </a:p>
@@ -10366,7 +10442,7 @@
           <p:cNvPr id="6" name="Footer Placeholder 5">
             <a:extLst>
               <a:ext uri="{FF2B5EF4-FFF2-40B4-BE49-F238E27FC236}">
-                <a16:creationId xmlns:a16="http://schemas.microsoft.com/office/drawing/2014/main" xmlns="" id="{54D0ED2B-71C4-421A-9DB0-676E00C10BDC}"/>
+                <a16:creationId xmlns="" xmlns:a16="http://schemas.microsoft.com/office/drawing/2014/main" id="{54D0ED2B-71C4-421A-9DB0-676E00C10BDC}"/>
               </a:ext>
             </a:extLst>
           </p:cNvPr>
@@ -10391,7 +10467,7 @@
           <p:cNvPr id="7" name="Slide Number Placeholder 6">
             <a:extLst>
               <a:ext uri="{FF2B5EF4-FFF2-40B4-BE49-F238E27FC236}">
-                <a16:creationId xmlns:a16="http://schemas.microsoft.com/office/drawing/2014/main" xmlns="" id="{78C4572A-ADFC-4C53-BCA2-42BDF693BC4D}"/>
+                <a16:creationId xmlns="" xmlns:a16="http://schemas.microsoft.com/office/drawing/2014/main" id="{78C4572A-ADFC-4C53-BCA2-42BDF693BC4D}"/>
               </a:ext>
             </a:extLst>
           </p:cNvPr>
@@ -10450,7 +10526,7 @@
           <p:cNvPr id="2" name="Title 1">
             <a:extLst>
               <a:ext uri="{FF2B5EF4-FFF2-40B4-BE49-F238E27FC236}">
-                <a16:creationId xmlns:a16="http://schemas.microsoft.com/office/drawing/2014/main" xmlns="" id="{028F5C67-EEEC-4AB0-9653-0F80D6B10941}"/>
+                <a16:creationId xmlns="" xmlns:a16="http://schemas.microsoft.com/office/drawing/2014/main" id="{028F5C67-EEEC-4AB0-9653-0F80D6B10941}"/>
               </a:ext>
             </a:extLst>
           </p:cNvPr>
@@ -10488,7 +10564,7 @@
           <p:cNvPr id="3" name="Picture Placeholder 2">
             <a:extLst>
               <a:ext uri="{FF2B5EF4-FFF2-40B4-BE49-F238E27FC236}">
-                <a16:creationId xmlns:a16="http://schemas.microsoft.com/office/drawing/2014/main" xmlns="" id="{1DD50D6D-5277-4324-AF23-5FAF007834EB}"/>
+                <a16:creationId xmlns="" xmlns:a16="http://schemas.microsoft.com/office/drawing/2014/main" id="{1DD50D6D-5277-4324-AF23-5FAF007834EB}"/>
               </a:ext>
             </a:extLst>
           </p:cNvPr>
@@ -10559,7 +10635,7 @@
           <p:cNvPr id="4" name="Text Placeholder 3">
             <a:extLst>
               <a:ext uri="{FF2B5EF4-FFF2-40B4-BE49-F238E27FC236}">
-                <a16:creationId xmlns:a16="http://schemas.microsoft.com/office/drawing/2014/main" xmlns="" id="{75275657-2BF9-4761-96B6-50EE3CFCFAD0}"/>
+                <a16:creationId xmlns="" xmlns:a16="http://schemas.microsoft.com/office/drawing/2014/main" id="{75275657-2BF9-4761-96B6-50EE3CFCFAD0}"/>
               </a:ext>
             </a:extLst>
           </p:cNvPr>
@@ -10630,7 +10706,7 @@
           <p:cNvPr id="5" name="Date Placeholder 4">
             <a:extLst>
               <a:ext uri="{FF2B5EF4-FFF2-40B4-BE49-F238E27FC236}">
-                <a16:creationId xmlns:a16="http://schemas.microsoft.com/office/drawing/2014/main" xmlns="" id="{5C3C3F7B-A4C8-4F9D-8165-BC5186EA0929}"/>
+                <a16:creationId xmlns="" xmlns:a16="http://schemas.microsoft.com/office/drawing/2014/main" id="{5C3C3F7B-A4C8-4F9D-8165-BC5186EA0929}"/>
               </a:ext>
             </a:extLst>
           </p:cNvPr>
@@ -10648,7 +10724,7 @@
           <a:p>
             <a:fld id="{DBFDA130-C3F4-4D3D-94C4-2C4828A712E1}" type="datetime1">
               <a:rPr lang="en-US" smtClean="0"/>
-              <a:t>5/8/2019</a:t>
+              <a:t>5/9/2019</a:t>
             </a:fld>
             <a:endParaRPr lang="en-US" dirty="0"/>
           </a:p>
@@ -10659,7 +10735,7 @@
           <p:cNvPr id="6" name="Footer Placeholder 5">
             <a:extLst>
               <a:ext uri="{FF2B5EF4-FFF2-40B4-BE49-F238E27FC236}">
-                <a16:creationId xmlns:a16="http://schemas.microsoft.com/office/drawing/2014/main" xmlns="" id="{DE696EA5-2FA2-464D-982F-C53E6426A843}"/>
+                <a16:creationId xmlns="" xmlns:a16="http://schemas.microsoft.com/office/drawing/2014/main" id="{DE696EA5-2FA2-464D-982F-C53E6426A843}"/>
               </a:ext>
             </a:extLst>
           </p:cNvPr>
@@ -10684,7 +10760,7 @@
           <p:cNvPr id="7" name="Slide Number Placeholder 6">
             <a:extLst>
               <a:ext uri="{FF2B5EF4-FFF2-40B4-BE49-F238E27FC236}">
-                <a16:creationId xmlns:a16="http://schemas.microsoft.com/office/drawing/2014/main" xmlns="" id="{8911B398-191B-4AB1-86ED-00D0046EACF5}"/>
+                <a16:creationId xmlns="" xmlns:a16="http://schemas.microsoft.com/office/drawing/2014/main" id="{8911B398-191B-4AB1-86ED-00D0046EACF5}"/>
               </a:ext>
             </a:extLst>
           </p:cNvPr>
@@ -10748,7 +10824,7 @@
           <p:cNvPr id="2" name="Title Placeholder 1">
             <a:extLst>
               <a:ext uri="{FF2B5EF4-FFF2-40B4-BE49-F238E27FC236}">
-                <a16:creationId xmlns:a16="http://schemas.microsoft.com/office/drawing/2014/main" xmlns="" id="{7B3445CA-54C1-4DDE-A216-DD2414E3F593}"/>
+                <a16:creationId xmlns="" xmlns:a16="http://schemas.microsoft.com/office/drawing/2014/main" id="{7B3445CA-54C1-4DDE-A216-DD2414E3F593}"/>
               </a:ext>
             </a:extLst>
           </p:cNvPr>
@@ -10787,7 +10863,7 @@
           <p:cNvPr id="3" name="Text Placeholder 2">
             <a:extLst>
               <a:ext uri="{FF2B5EF4-FFF2-40B4-BE49-F238E27FC236}">
-                <a16:creationId xmlns:a16="http://schemas.microsoft.com/office/drawing/2014/main" xmlns="" id="{0306395A-6879-4E93-B24E-067F88AC1D69}"/>
+                <a16:creationId xmlns="" xmlns:a16="http://schemas.microsoft.com/office/drawing/2014/main" id="{0306395A-6879-4E93-B24E-067F88AC1D69}"/>
               </a:ext>
             </a:extLst>
           </p:cNvPr>
@@ -10854,7 +10930,7 @@
           <p:cNvPr id="4" name="Date Placeholder 3">
             <a:extLst>
               <a:ext uri="{FF2B5EF4-FFF2-40B4-BE49-F238E27FC236}">
-                <a16:creationId xmlns:a16="http://schemas.microsoft.com/office/drawing/2014/main" xmlns="" id="{9450FF5B-A6A6-4F0F-AA5D-3F0F69A43AEB}"/>
+                <a16:creationId xmlns="" xmlns:a16="http://schemas.microsoft.com/office/drawing/2014/main" id="{9450FF5B-A6A6-4F0F-AA5D-3F0F69A43AEB}"/>
               </a:ext>
             </a:extLst>
           </p:cNvPr>
@@ -10890,7 +10966,7 @@
           <a:p>
             <a:fld id="{EE22ADEE-7547-4804-BC33-3D345F8ECA1B}" type="datetime1">
               <a:rPr lang="en-US" smtClean="0"/>
-              <a:t>5/8/2019</a:t>
+              <a:t>5/9/2019</a:t>
             </a:fld>
             <a:endParaRPr lang="en-US" dirty="0"/>
           </a:p>
@@ -10901,7 +10977,7 @@
           <p:cNvPr id="5" name="Footer Placeholder 4">
             <a:extLst>
               <a:ext uri="{FF2B5EF4-FFF2-40B4-BE49-F238E27FC236}">
-                <a16:creationId xmlns:a16="http://schemas.microsoft.com/office/drawing/2014/main" xmlns="" id="{FA798FAA-76CC-42EF-8BE0-466A41BBAB09}"/>
+                <a16:creationId xmlns="" xmlns:a16="http://schemas.microsoft.com/office/drawing/2014/main" id="{FA798FAA-76CC-42EF-8BE0-466A41BBAB09}"/>
               </a:ext>
             </a:extLst>
           </p:cNvPr>
@@ -10944,7 +11020,7 @@
           <p:cNvPr id="6" name="Slide Number Placeholder 5">
             <a:extLst>
               <a:ext uri="{FF2B5EF4-FFF2-40B4-BE49-F238E27FC236}">
-                <a16:creationId xmlns:a16="http://schemas.microsoft.com/office/drawing/2014/main" xmlns="" id="{5149FF02-6890-4E10-B958-1097AD32C6FA}"/>
+                <a16:creationId xmlns="" xmlns:a16="http://schemas.microsoft.com/office/drawing/2014/main" id="{5149FF02-6890-4E10-B958-1097AD32C6FA}"/>
               </a:ext>
             </a:extLst>
           </p:cNvPr>
@@ -11330,7 +11406,7 @@
           <p:cNvPr id="2" name="Title 1">
             <a:extLst>
               <a:ext uri="{FF2B5EF4-FFF2-40B4-BE49-F238E27FC236}">
-                <a16:creationId xmlns:a16="http://schemas.microsoft.com/office/drawing/2014/main" xmlns="" id="{C4300AEF-1595-4419-801B-6E36A33BB8CF}"/>
+                <a16:creationId xmlns="" xmlns:a16="http://schemas.microsoft.com/office/drawing/2014/main" id="{C4300AEF-1595-4419-801B-6E36A33BB8CF}"/>
               </a:ext>
             </a:extLst>
           </p:cNvPr>
@@ -11397,10 +11473,10 @@
           <p:cNvPr id="4" name="Diamond 3">
             <a:extLst>
               <a:ext uri="{FF2B5EF4-FFF2-40B4-BE49-F238E27FC236}">
-                <a16:creationId xmlns:a16="http://schemas.microsoft.com/office/drawing/2014/main" xmlns="" id="{1C59176D-59A8-4C02-B448-EE01232FB3E7}"/>
+                <a16:creationId xmlns="" xmlns:a16="http://schemas.microsoft.com/office/drawing/2014/main" id="{1C59176D-59A8-4C02-B448-EE01232FB3E7}"/>
               </a:ext>
               <a:ext uri="{C183D7F6-B498-43B3-948B-1728B52AA6E4}">
-                <adec:decorative xmlns:adec="http://schemas.microsoft.com/office/drawing/2017/decorative" xmlns="" val="1"/>
+                <adec:decorative xmlns="" xmlns:adec="http://schemas.microsoft.com/office/drawing/2017/decorative" val="1"/>
               </a:ext>
             </a:extLst>
           </p:cNvPr>
@@ -11452,10 +11528,10 @@
           <p:cNvPr id="5" name="Diamond 4">
             <a:extLst>
               <a:ext uri="{FF2B5EF4-FFF2-40B4-BE49-F238E27FC236}">
-                <a16:creationId xmlns:a16="http://schemas.microsoft.com/office/drawing/2014/main" xmlns="" id="{A50B1817-3C7F-41BC-8557-7A00C928EE16}"/>
+                <a16:creationId xmlns="" xmlns:a16="http://schemas.microsoft.com/office/drawing/2014/main" id="{A50B1817-3C7F-41BC-8557-7A00C928EE16}"/>
               </a:ext>
               <a:ext uri="{C183D7F6-B498-43B3-948B-1728B52AA6E4}">
-                <adec:decorative xmlns:adec="http://schemas.microsoft.com/office/drawing/2017/decorative" xmlns="" val="1"/>
+                <adec:decorative xmlns="" xmlns:adec="http://schemas.microsoft.com/office/drawing/2017/decorative" val="1"/>
               </a:ext>
             </a:extLst>
           </p:cNvPr>
@@ -11507,7 +11583,7 @@
           <p:cNvPr id="7" name="Group 6" descr="Icon of chart. ">
             <a:extLst>
               <a:ext uri="{FF2B5EF4-FFF2-40B4-BE49-F238E27FC236}">
-                <a16:creationId xmlns:a16="http://schemas.microsoft.com/office/drawing/2014/main" xmlns="" id="{B95DF07A-CE7E-4D89-9AA0-25F4FFF3B9C7}"/>
+                <a16:creationId xmlns="" xmlns:a16="http://schemas.microsoft.com/office/drawing/2014/main" id="{B95DF07A-CE7E-4D89-9AA0-25F4FFF3B9C7}"/>
               </a:ext>
             </a:extLst>
           </p:cNvPr>
@@ -11530,7 +11606,7 @@
             <p:cNvPr id="8" name="Freeform 565">
               <a:extLst>
                 <a:ext uri="{FF2B5EF4-FFF2-40B4-BE49-F238E27FC236}">
-                  <a16:creationId xmlns:a16="http://schemas.microsoft.com/office/drawing/2014/main" xmlns="" id="{548FC78B-EF83-4185-A63D-1A5A85640B62}"/>
+                  <a16:creationId xmlns="" xmlns:a16="http://schemas.microsoft.com/office/drawing/2014/main" id="{548FC78B-EF83-4185-A63D-1A5A85640B62}"/>
                 </a:ext>
               </a:extLst>
             </p:cNvPr>
@@ -12220,7 +12296,7 @@
             <p:cNvPr id="9" name="Freeform 566">
               <a:extLst>
                 <a:ext uri="{FF2B5EF4-FFF2-40B4-BE49-F238E27FC236}">
-                  <a16:creationId xmlns:a16="http://schemas.microsoft.com/office/drawing/2014/main" xmlns="" id="{B7B50F87-A3AA-4FB6-9692-24BF5512FC5B}"/>
+                  <a16:creationId xmlns="" xmlns:a16="http://schemas.microsoft.com/office/drawing/2014/main" id="{B7B50F87-A3AA-4FB6-9692-24BF5512FC5B}"/>
                 </a:ext>
               </a:extLst>
             </p:cNvPr>
@@ -12825,7 +12901,7 @@
           <p:cNvPr id="7" name="Title 6" hidden="1">
             <a:extLst>
               <a:ext uri="{FF2B5EF4-FFF2-40B4-BE49-F238E27FC236}">
-                <a16:creationId xmlns:a16="http://schemas.microsoft.com/office/drawing/2014/main" xmlns="" id="{166BC32C-2E11-43D3-963B-9766918E0FE5}"/>
+                <a16:creationId xmlns="" xmlns:a16="http://schemas.microsoft.com/office/drawing/2014/main" id="{166BC32C-2E11-43D3-963B-9766918E0FE5}"/>
               </a:ext>
             </a:extLst>
           </p:cNvPr>
@@ -12858,10 +12934,10 @@
           <p:cNvPr id="8" name="Straight Connector 7">
             <a:extLst>
               <a:ext uri="{FF2B5EF4-FFF2-40B4-BE49-F238E27FC236}">
-                <a16:creationId xmlns:a16="http://schemas.microsoft.com/office/drawing/2014/main" xmlns="" id="{D0986099-F5F2-4E8B-BE17-81194861A00C}"/>
+                <a16:creationId xmlns="" xmlns:a16="http://schemas.microsoft.com/office/drawing/2014/main" id="{D0986099-F5F2-4E8B-BE17-81194861A00C}"/>
               </a:ext>
               <a:ext uri="{C183D7F6-B498-43B3-948B-1728B52AA6E4}">
-                <adec:decorative xmlns:adec="http://schemas.microsoft.com/office/drawing/2017/decorative" xmlns="" val="1"/>
+                <adec:decorative xmlns="" xmlns:adec="http://schemas.microsoft.com/office/drawing/2017/decorative" val="1"/>
               </a:ext>
             </a:extLst>
           </p:cNvPr>
@@ -12907,7 +12983,7 @@
           <p:cNvPr id="11" name="Title 1">
             <a:extLst>
               <a:ext uri="{FF2B5EF4-FFF2-40B4-BE49-F238E27FC236}">
-                <a16:creationId xmlns:a16="http://schemas.microsoft.com/office/drawing/2014/main" xmlns="" id="{4E3F5479-058B-4FA8-92E9-18CAB8CDC5C5}"/>
+                <a16:creationId xmlns="" xmlns:a16="http://schemas.microsoft.com/office/drawing/2014/main" id="{4E3F5479-058B-4FA8-92E9-18CAB8CDC5C5}"/>
               </a:ext>
             </a:extLst>
           </p:cNvPr>
@@ -12998,10 +13074,10 @@
           <p:cNvPr id="14" name="Straight Connector 13">
             <a:extLst>
               <a:ext uri="{FF2B5EF4-FFF2-40B4-BE49-F238E27FC236}">
-                <a16:creationId xmlns:a16="http://schemas.microsoft.com/office/drawing/2014/main" xmlns="" id="{83E690F4-843A-47A5-8620-4FB01C0D8E68}"/>
+                <a16:creationId xmlns="" xmlns:a16="http://schemas.microsoft.com/office/drawing/2014/main" id="{83E690F4-843A-47A5-8620-4FB01C0D8E68}"/>
               </a:ext>
               <a:ext uri="{C183D7F6-B498-43B3-948B-1728B52AA6E4}">
-                <adec:decorative xmlns:adec="http://schemas.microsoft.com/office/drawing/2017/decorative" xmlns="" val="1"/>
+                <adec:decorative xmlns="" xmlns:adec="http://schemas.microsoft.com/office/drawing/2017/decorative" val="1"/>
               </a:ext>
             </a:extLst>
           </p:cNvPr>
@@ -13152,7 +13228,7 @@
           <p:cNvPr id="7" name="Title 6" hidden="1">
             <a:extLst>
               <a:ext uri="{FF2B5EF4-FFF2-40B4-BE49-F238E27FC236}">
-                <a16:creationId xmlns:a16="http://schemas.microsoft.com/office/drawing/2014/main" xmlns="" id="{7C70995F-D8C5-410A-AA8B-1EE172A29454}"/>
+                <a16:creationId xmlns="" xmlns:a16="http://schemas.microsoft.com/office/drawing/2014/main" id="{7C70995F-D8C5-410A-AA8B-1EE172A29454}"/>
               </a:ext>
             </a:extLst>
           </p:cNvPr>
@@ -13185,10 +13261,10 @@
           <p:cNvPr id="8" name="Straight Connector 7">
             <a:extLst>
               <a:ext uri="{FF2B5EF4-FFF2-40B4-BE49-F238E27FC236}">
-                <a16:creationId xmlns:a16="http://schemas.microsoft.com/office/drawing/2014/main" xmlns="" id="{D0986099-F5F2-4E8B-BE17-81194861A00C}"/>
+                <a16:creationId xmlns="" xmlns:a16="http://schemas.microsoft.com/office/drawing/2014/main" id="{D0986099-F5F2-4E8B-BE17-81194861A00C}"/>
               </a:ext>
               <a:ext uri="{C183D7F6-B498-43B3-948B-1728B52AA6E4}">
-                <adec:decorative xmlns:adec="http://schemas.microsoft.com/office/drawing/2017/decorative" xmlns="" val="1"/>
+                <adec:decorative xmlns="" xmlns:adec="http://schemas.microsoft.com/office/drawing/2017/decorative" val="1"/>
               </a:ext>
             </a:extLst>
           </p:cNvPr>
@@ -13234,7 +13310,7 @@
           <p:cNvPr id="11" name="Title 1">
             <a:extLst>
               <a:ext uri="{FF2B5EF4-FFF2-40B4-BE49-F238E27FC236}">
-                <a16:creationId xmlns:a16="http://schemas.microsoft.com/office/drawing/2014/main" xmlns="" id="{4E3F5479-058B-4FA8-92E9-18CAB8CDC5C5}"/>
+                <a16:creationId xmlns="" xmlns:a16="http://schemas.microsoft.com/office/drawing/2014/main" id="{4E3F5479-058B-4FA8-92E9-18CAB8CDC5C5}"/>
               </a:ext>
             </a:extLst>
           </p:cNvPr>
@@ -13336,10 +13412,10 @@
           <p:cNvPr id="14" name="Straight Connector 13">
             <a:extLst>
               <a:ext uri="{FF2B5EF4-FFF2-40B4-BE49-F238E27FC236}">
-                <a16:creationId xmlns:a16="http://schemas.microsoft.com/office/drawing/2014/main" xmlns="" id="{83E690F4-843A-47A5-8620-4FB01C0D8E68}"/>
+                <a16:creationId xmlns="" xmlns:a16="http://schemas.microsoft.com/office/drawing/2014/main" id="{83E690F4-843A-47A5-8620-4FB01C0D8E68}"/>
               </a:ext>
               <a:ext uri="{C183D7F6-B498-43B3-948B-1728B52AA6E4}">
-                <adec:decorative xmlns:adec="http://schemas.microsoft.com/office/drawing/2017/decorative" xmlns="" val="1"/>
+                <adec:decorative xmlns="" xmlns:adec="http://schemas.microsoft.com/office/drawing/2017/decorative" val="1"/>
               </a:ext>
             </a:extLst>
           </p:cNvPr>
@@ -13463,7 +13539,7 @@
           <p:cNvPr id="7" name="Title 6" hidden="1">
             <a:extLst>
               <a:ext uri="{FF2B5EF4-FFF2-40B4-BE49-F238E27FC236}">
-                <a16:creationId xmlns:a16="http://schemas.microsoft.com/office/drawing/2014/main" xmlns="" id="{7C70995F-D8C5-410A-AA8B-1EE172A29454}"/>
+                <a16:creationId xmlns="" xmlns:a16="http://schemas.microsoft.com/office/drawing/2014/main" id="{7C70995F-D8C5-410A-AA8B-1EE172A29454}"/>
               </a:ext>
             </a:extLst>
           </p:cNvPr>
@@ -13496,10 +13572,10 @@
           <p:cNvPr id="8" name="Straight Connector 7">
             <a:extLst>
               <a:ext uri="{FF2B5EF4-FFF2-40B4-BE49-F238E27FC236}">
-                <a16:creationId xmlns:a16="http://schemas.microsoft.com/office/drawing/2014/main" xmlns="" id="{D0986099-F5F2-4E8B-BE17-81194861A00C}"/>
+                <a16:creationId xmlns="" xmlns:a16="http://schemas.microsoft.com/office/drawing/2014/main" id="{D0986099-F5F2-4E8B-BE17-81194861A00C}"/>
               </a:ext>
               <a:ext uri="{C183D7F6-B498-43B3-948B-1728B52AA6E4}">
-                <adec:decorative xmlns:adec="http://schemas.microsoft.com/office/drawing/2017/decorative" xmlns="" val="1"/>
+                <adec:decorative xmlns="" xmlns:adec="http://schemas.microsoft.com/office/drawing/2017/decorative" val="1"/>
               </a:ext>
             </a:extLst>
           </p:cNvPr>
@@ -13545,7 +13621,7 @@
           <p:cNvPr id="11" name="Title 1">
             <a:extLst>
               <a:ext uri="{FF2B5EF4-FFF2-40B4-BE49-F238E27FC236}">
-                <a16:creationId xmlns:a16="http://schemas.microsoft.com/office/drawing/2014/main" xmlns="" id="{4E3F5479-058B-4FA8-92E9-18CAB8CDC5C5}"/>
+                <a16:creationId xmlns="" xmlns:a16="http://schemas.microsoft.com/office/drawing/2014/main" id="{4E3F5479-058B-4FA8-92E9-18CAB8CDC5C5}"/>
               </a:ext>
             </a:extLst>
           </p:cNvPr>
@@ -13647,10 +13723,10 @@
           <p:cNvPr id="14" name="Straight Connector 13">
             <a:extLst>
               <a:ext uri="{FF2B5EF4-FFF2-40B4-BE49-F238E27FC236}">
-                <a16:creationId xmlns:a16="http://schemas.microsoft.com/office/drawing/2014/main" xmlns="" id="{83E690F4-843A-47A5-8620-4FB01C0D8E68}"/>
+                <a16:creationId xmlns="" xmlns:a16="http://schemas.microsoft.com/office/drawing/2014/main" id="{83E690F4-843A-47A5-8620-4FB01C0D8E68}"/>
               </a:ext>
               <a:ext uri="{C183D7F6-B498-43B3-948B-1728B52AA6E4}">
-                <adec:decorative xmlns:adec="http://schemas.microsoft.com/office/drawing/2017/decorative" xmlns="" val="1"/>
+                <adec:decorative xmlns="" xmlns:adec="http://schemas.microsoft.com/office/drawing/2017/decorative" val="1"/>
               </a:ext>
             </a:extLst>
           </p:cNvPr>
@@ -14019,11 +14095,7 @@
                       </a:r>
                       <a:r>
                         <a:rPr lang="en-IN" dirty="0" smtClean="0"/>
-                        <a:t>=..%2F..</a:t>
-                      </a:r>
-                      <a:r>
-                        <a:rPr lang="en-IN" dirty="0" smtClean="0"/>
-                        <a:t>index#0</a:t>
+                        <a:t>=..%2F..index#0</a:t>
                       </a:r>
                     </a:p>
                   </a:txBody>
@@ -14056,11 +14128,7 @@
                       </a:r>
                       <a:r>
                         <a:rPr lang="en-IN" baseline="0" dirty="0" smtClean="0"/>
-                        <a:t> </a:t>
-                      </a:r>
-                      <a:r>
-                        <a:rPr lang="en-IN" baseline="0" dirty="0" smtClean="0"/>
-                        <a:t>Demo (SK)</a:t>
+                        <a:t> Demo (SK)</a:t>
                       </a:r>
                       <a:endParaRPr lang="en-IN" dirty="0"/>
                     </a:p>
@@ -14093,7 +14161,6 @@
                         <a:rPr lang="en-IN" dirty="0" smtClean="0"/>
                         <a:t>6</a:t>
                       </a:r>
-                      <a:endParaRPr lang="en-IN" dirty="0" smtClean="0"/>
                     </a:p>
                   </a:txBody>
                   <a:tcPr/>
@@ -14194,10 +14261,10 @@
           <p:cNvPr id="11" name="Group 10">
             <a:extLst>
               <a:ext uri="{FF2B5EF4-FFF2-40B4-BE49-F238E27FC236}">
-                <a16:creationId xmlns:a16="http://schemas.microsoft.com/office/drawing/2014/main" xmlns="" id="{62A21665-C64F-4BDA-B2DE-442D70605718}"/>
+                <a16:creationId xmlns="" xmlns:a16="http://schemas.microsoft.com/office/drawing/2014/main" id="{62A21665-C64F-4BDA-B2DE-442D70605718}"/>
               </a:ext>
               <a:ext uri="{C183D7F6-B498-43B3-948B-1728B52AA6E4}">
-                <adec:decorative xmlns:adec="http://schemas.microsoft.com/office/drawing/2017/decorative" xmlns="" val="1"/>
+                <adec:decorative xmlns="" xmlns:adec="http://schemas.microsoft.com/office/drawing/2017/decorative" val="1"/>
               </a:ext>
             </a:extLst>
           </p:cNvPr>
@@ -14217,7 +14284,7 @@
             <p:cNvPr id="12" name="Diamond 11">
               <a:extLst>
                 <a:ext uri="{FF2B5EF4-FFF2-40B4-BE49-F238E27FC236}">
-                  <a16:creationId xmlns:a16="http://schemas.microsoft.com/office/drawing/2014/main" xmlns="" id="{7DC8B409-5FAC-4539-B25A-26BE925A48AF}"/>
+                  <a16:creationId xmlns="" xmlns:a16="http://schemas.microsoft.com/office/drawing/2014/main" id="{7DC8B409-5FAC-4539-B25A-26BE925A48AF}"/>
                 </a:ext>
               </a:extLst>
             </p:cNvPr>
@@ -14269,7 +14336,7 @@
             <p:cNvPr id="13" name="Diamond 12">
               <a:extLst>
                 <a:ext uri="{FF2B5EF4-FFF2-40B4-BE49-F238E27FC236}">
-                  <a16:creationId xmlns:a16="http://schemas.microsoft.com/office/drawing/2014/main" xmlns="" id="{91498E2F-539C-46D3-AF7C-BB1DAE76B114}"/>
+                  <a16:creationId xmlns="" xmlns:a16="http://schemas.microsoft.com/office/drawing/2014/main" id="{91498E2F-539C-46D3-AF7C-BB1DAE76B114}"/>
                 </a:ext>
               </a:extLst>
             </p:cNvPr>
@@ -14322,7 +14389,7 @@
           <p:cNvPr id="15" name="Title 1">
             <a:extLst>
               <a:ext uri="{FF2B5EF4-FFF2-40B4-BE49-F238E27FC236}">
-                <a16:creationId xmlns:a16="http://schemas.microsoft.com/office/drawing/2014/main" xmlns="" id="{FA061601-468D-486D-B8EE-42BD1BE3ADCC}"/>
+                <a16:creationId xmlns="" xmlns:a16="http://schemas.microsoft.com/office/drawing/2014/main" id="{FA061601-468D-486D-B8EE-42BD1BE3ADCC}"/>
               </a:ext>
             </a:extLst>
           </p:cNvPr>
@@ -14367,10 +14434,10 @@
             <a:hlinkClick r:id="rId2"/>
             <a:extLst>
               <a:ext uri="{FF2B5EF4-FFF2-40B4-BE49-F238E27FC236}">
-                <a16:creationId xmlns:a16="http://schemas.microsoft.com/office/drawing/2014/main" xmlns="" id="{A86744F2-5246-4A0A-B119-35E7FB76A0D8}"/>
+                <a16:creationId xmlns="" xmlns:a16="http://schemas.microsoft.com/office/drawing/2014/main" id="{A86744F2-5246-4A0A-B119-35E7FB76A0D8}"/>
               </a:ext>
               <a:ext uri="{C183D7F6-B498-43B3-948B-1728B52AA6E4}">
-                <adec:decorative xmlns:adec="http://schemas.microsoft.com/office/drawing/2017/decorative" xmlns="" val="0"/>
+                <adec:decorative xmlns="" xmlns:adec="http://schemas.microsoft.com/office/drawing/2017/decorative" val="0"/>
               </a:ext>
             </a:extLst>
           </p:cNvPr>
@@ -14461,10 +14528,10 @@
           <p:cNvPr id="23" name="Oval 22">
             <a:extLst>
               <a:ext uri="{FF2B5EF4-FFF2-40B4-BE49-F238E27FC236}">
-                <a16:creationId xmlns:a16="http://schemas.microsoft.com/office/drawing/2014/main" xmlns="" id="{364CFD90-D0E1-4BC3-9D8B-7503E2632C39}"/>
+                <a16:creationId xmlns="" xmlns:a16="http://schemas.microsoft.com/office/drawing/2014/main" id="{364CFD90-D0E1-4BC3-9D8B-7503E2632C39}"/>
               </a:ext>
               <a:ext uri="{C183D7F6-B498-43B3-948B-1728B52AA6E4}">
-                <adec:decorative xmlns:adec="http://schemas.microsoft.com/office/drawing/2017/decorative" xmlns="" val="1"/>
+                <adec:decorative xmlns="" xmlns:adec="http://schemas.microsoft.com/office/drawing/2017/decorative" val="1"/>
               </a:ext>
             </a:extLst>
           </p:cNvPr>
@@ -14516,7 +14583,7 @@
           <p:cNvPr id="4" name="Title 3" hidden="1">
             <a:extLst>
               <a:ext uri="{FF2B5EF4-FFF2-40B4-BE49-F238E27FC236}">
-                <a16:creationId xmlns:a16="http://schemas.microsoft.com/office/drawing/2014/main" xmlns="" id="{B5981CF1-BC08-49F8-B0F9-AAF98EC67450}"/>
+                <a16:creationId xmlns="" xmlns:a16="http://schemas.microsoft.com/office/drawing/2014/main" id="{B5981CF1-BC08-49F8-B0F9-AAF98EC67450}"/>
               </a:ext>
             </a:extLst>
           </p:cNvPr>
@@ -14549,10 +14616,10 @@
           <p:cNvPr id="8" name="Straight Connector 7">
             <a:extLst>
               <a:ext uri="{FF2B5EF4-FFF2-40B4-BE49-F238E27FC236}">
-                <a16:creationId xmlns:a16="http://schemas.microsoft.com/office/drawing/2014/main" xmlns="" id="{D0986099-F5F2-4E8B-BE17-81194861A00C}"/>
+                <a16:creationId xmlns="" xmlns:a16="http://schemas.microsoft.com/office/drawing/2014/main" id="{D0986099-F5F2-4E8B-BE17-81194861A00C}"/>
               </a:ext>
               <a:ext uri="{C183D7F6-B498-43B3-948B-1728B52AA6E4}">
-                <adec:decorative xmlns:adec="http://schemas.microsoft.com/office/drawing/2017/decorative" xmlns="" val="1"/>
+                <adec:decorative xmlns="" xmlns:adec="http://schemas.microsoft.com/office/drawing/2017/decorative" val="1"/>
               </a:ext>
             </a:extLst>
           </p:cNvPr>
@@ -14598,7 +14665,7 @@
           <p:cNvPr id="11" name="Title 1">
             <a:extLst>
               <a:ext uri="{FF2B5EF4-FFF2-40B4-BE49-F238E27FC236}">
-                <a16:creationId xmlns:a16="http://schemas.microsoft.com/office/drawing/2014/main" xmlns="" id="{4E3F5479-058B-4FA8-92E9-18CAB8CDC5C5}"/>
+                <a16:creationId xmlns="" xmlns:a16="http://schemas.microsoft.com/office/drawing/2014/main" id="{4E3F5479-058B-4FA8-92E9-18CAB8CDC5C5}"/>
               </a:ext>
             </a:extLst>
           </p:cNvPr>
@@ -14668,10 +14735,10 @@
           <p:cNvPr id="14" name="Straight Connector 13">
             <a:extLst>
               <a:ext uri="{FF2B5EF4-FFF2-40B4-BE49-F238E27FC236}">
-                <a16:creationId xmlns:a16="http://schemas.microsoft.com/office/drawing/2014/main" xmlns="" id="{83E690F4-843A-47A5-8620-4FB01C0D8E68}"/>
+                <a16:creationId xmlns="" xmlns:a16="http://schemas.microsoft.com/office/drawing/2014/main" id="{83E690F4-843A-47A5-8620-4FB01C0D8E68}"/>
               </a:ext>
               <a:ext uri="{C183D7F6-B498-43B3-948B-1728B52AA6E4}">
-                <adec:decorative xmlns:adec="http://schemas.microsoft.com/office/drawing/2017/decorative" xmlns="" val="1"/>
+                <adec:decorative xmlns="" xmlns:adec="http://schemas.microsoft.com/office/drawing/2017/decorative" val="1"/>
               </a:ext>
             </a:extLst>
           </p:cNvPr>
@@ -14717,10 +14784,10 @@
           <p:cNvPr id="13" name="Oval 12">
             <a:extLst>
               <a:ext uri="{FF2B5EF4-FFF2-40B4-BE49-F238E27FC236}">
-                <a16:creationId xmlns:a16="http://schemas.microsoft.com/office/drawing/2014/main" xmlns="" id="{E3ECCC05-FF78-40FA-84FF-172821D8B58A}"/>
+                <a16:creationId xmlns="" xmlns:a16="http://schemas.microsoft.com/office/drawing/2014/main" id="{E3ECCC05-FF78-40FA-84FF-172821D8B58A}"/>
               </a:ext>
               <a:ext uri="{C183D7F6-B498-43B3-948B-1728B52AA6E4}">
-                <adec:decorative xmlns:adec="http://schemas.microsoft.com/office/drawing/2017/decorative" xmlns="" val="1"/>
+                <adec:decorative xmlns="" xmlns:adec="http://schemas.microsoft.com/office/drawing/2017/decorative" val="1"/>
               </a:ext>
             </a:extLst>
           </p:cNvPr>
@@ -14780,10 +14847,10 @@
           <p:cNvPr id="16" name="Rectangle: Rounded Corners 15">
             <a:extLst>
               <a:ext uri="{FF2B5EF4-FFF2-40B4-BE49-F238E27FC236}">
-                <a16:creationId xmlns:a16="http://schemas.microsoft.com/office/drawing/2014/main" xmlns="" id="{D6178536-4D8A-4FF2-BBDC-4B3E7E0FCF26}"/>
+                <a16:creationId xmlns="" xmlns:a16="http://schemas.microsoft.com/office/drawing/2014/main" id="{D6178536-4D8A-4FF2-BBDC-4B3E7E0FCF26}"/>
               </a:ext>
               <a:ext uri="{C183D7F6-B498-43B3-948B-1728B52AA6E4}">
-                <adec:decorative xmlns:adec="http://schemas.microsoft.com/office/drawing/2017/decorative" xmlns="" val="1"/>
+                <adec:decorative xmlns="" xmlns:adec="http://schemas.microsoft.com/office/drawing/2017/decorative" val="1"/>
               </a:ext>
             </a:extLst>
           </p:cNvPr>
@@ -14840,10 +14907,10 @@
           <p:cNvPr id="15" name="Oval 14">
             <a:extLst>
               <a:ext uri="{FF2B5EF4-FFF2-40B4-BE49-F238E27FC236}">
-                <a16:creationId xmlns:a16="http://schemas.microsoft.com/office/drawing/2014/main" xmlns="" id="{416F1356-9015-4B5C-9C64-3C1D963E5F59}"/>
+                <a16:creationId xmlns="" xmlns:a16="http://schemas.microsoft.com/office/drawing/2014/main" id="{416F1356-9015-4B5C-9C64-3C1D963E5F59}"/>
               </a:ext>
               <a:ext uri="{C183D7F6-B498-43B3-948B-1728B52AA6E4}">
-                <adec:decorative xmlns:adec="http://schemas.microsoft.com/office/drawing/2017/decorative" xmlns="" val="1"/>
+                <adec:decorative xmlns="" xmlns:adec="http://schemas.microsoft.com/office/drawing/2017/decorative" val="1"/>
               </a:ext>
             </a:extLst>
           </p:cNvPr>
@@ -14897,10 +14964,10 @@
           <p:cNvPr id="21" name="Rectangle: Rounded Corners 20">
             <a:extLst>
               <a:ext uri="{FF2B5EF4-FFF2-40B4-BE49-F238E27FC236}">
-                <a16:creationId xmlns:a16="http://schemas.microsoft.com/office/drawing/2014/main" xmlns="" id="{952C5002-7E64-4069-ACA0-6876E54A9B46}"/>
+                <a16:creationId xmlns="" xmlns:a16="http://schemas.microsoft.com/office/drawing/2014/main" id="{952C5002-7E64-4069-ACA0-6876E54A9B46}"/>
               </a:ext>
               <a:ext uri="{C183D7F6-B498-43B3-948B-1728B52AA6E4}">
-                <adec:decorative xmlns:adec="http://schemas.microsoft.com/office/drawing/2017/decorative" xmlns="" val="1"/>
+                <adec:decorative xmlns="" xmlns:adec="http://schemas.microsoft.com/office/drawing/2017/decorative" val="1"/>
               </a:ext>
             </a:extLst>
           </p:cNvPr>
@@ -14958,10 +15025,10 @@
           <p:cNvPr id="22" name="Oval 21">
             <a:extLst>
               <a:ext uri="{FF2B5EF4-FFF2-40B4-BE49-F238E27FC236}">
-                <a16:creationId xmlns:a16="http://schemas.microsoft.com/office/drawing/2014/main" xmlns="" id="{A49C5F3A-6F0D-4A0F-AE6E-92F342C22ACD}"/>
+                <a16:creationId xmlns="" xmlns:a16="http://schemas.microsoft.com/office/drawing/2014/main" id="{A49C5F3A-6F0D-4A0F-AE6E-92F342C22ACD}"/>
               </a:ext>
               <a:ext uri="{C183D7F6-B498-43B3-948B-1728B52AA6E4}">
-                <adec:decorative xmlns:adec="http://schemas.microsoft.com/office/drawing/2017/decorative" xmlns="" val="1"/>
+                <adec:decorative xmlns="" xmlns:adec="http://schemas.microsoft.com/office/drawing/2017/decorative" val="1"/>
               </a:ext>
             </a:extLst>
           </p:cNvPr>
@@ -15015,10 +15082,10 @@
           <p:cNvPr id="25" name="Rectangle: Rounded Corners 24">
             <a:extLst>
               <a:ext uri="{FF2B5EF4-FFF2-40B4-BE49-F238E27FC236}">
-                <a16:creationId xmlns:a16="http://schemas.microsoft.com/office/drawing/2014/main" xmlns="" id="{94A75A79-A67A-4A23-8588-7FC5EB9A5183}"/>
+                <a16:creationId xmlns="" xmlns:a16="http://schemas.microsoft.com/office/drawing/2014/main" id="{94A75A79-A67A-4A23-8588-7FC5EB9A5183}"/>
               </a:ext>
               <a:ext uri="{C183D7F6-B498-43B3-948B-1728B52AA6E4}">
-                <adec:decorative xmlns:adec="http://schemas.microsoft.com/office/drawing/2017/decorative" xmlns="" val="1"/>
+                <adec:decorative xmlns="" xmlns:adec="http://schemas.microsoft.com/office/drawing/2017/decorative" val="1"/>
               </a:ext>
             </a:extLst>
           </p:cNvPr>
@@ -15082,10 +15149,10 @@
           <p:cNvPr id="26" name="Oval 25">
             <a:extLst>
               <a:ext uri="{FF2B5EF4-FFF2-40B4-BE49-F238E27FC236}">
-                <a16:creationId xmlns:a16="http://schemas.microsoft.com/office/drawing/2014/main" xmlns="" id="{BBC62739-FA35-49F8-8929-743B31F55A69}"/>
+                <a16:creationId xmlns="" xmlns:a16="http://schemas.microsoft.com/office/drawing/2014/main" id="{BBC62739-FA35-49F8-8929-743B31F55A69}"/>
               </a:ext>
               <a:ext uri="{C183D7F6-B498-43B3-948B-1728B52AA6E4}">
-                <adec:decorative xmlns:adec="http://schemas.microsoft.com/office/drawing/2017/decorative" xmlns="" val="1"/>
+                <adec:decorative xmlns="" xmlns:adec="http://schemas.microsoft.com/office/drawing/2017/decorative" val="1"/>
               </a:ext>
             </a:extLst>
           </p:cNvPr>
@@ -15139,10 +15206,10 @@
           <p:cNvPr id="29" name="Rectangle: Rounded Corners 28">
             <a:extLst>
               <a:ext uri="{FF2B5EF4-FFF2-40B4-BE49-F238E27FC236}">
-                <a16:creationId xmlns:a16="http://schemas.microsoft.com/office/drawing/2014/main" xmlns="" id="{D4D7D4B6-62C2-45AB-89A5-3A41DA021FD2}"/>
+                <a16:creationId xmlns="" xmlns:a16="http://schemas.microsoft.com/office/drawing/2014/main" id="{D4D7D4B6-62C2-45AB-89A5-3A41DA021FD2}"/>
               </a:ext>
               <a:ext uri="{C183D7F6-B498-43B3-948B-1728B52AA6E4}">
-                <adec:decorative xmlns:adec="http://schemas.microsoft.com/office/drawing/2017/decorative" xmlns="" val="1"/>
+                <adec:decorative xmlns="" xmlns:adec="http://schemas.microsoft.com/office/drawing/2017/decorative" val="1"/>
               </a:ext>
             </a:extLst>
           </p:cNvPr>
@@ -15199,10 +15266,10 @@
           <p:cNvPr id="30" name="Oval 29">
             <a:extLst>
               <a:ext uri="{FF2B5EF4-FFF2-40B4-BE49-F238E27FC236}">
-                <a16:creationId xmlns:a16="http://schemas.microsoft.com/office/drawing/2014/main" xmlns="" id="{83902602-D4BC-4D44-AC14-BB55A86C5D06}"/>
+                <a16:creationId xmlns="" xmlns:a16="http://schemas.microsoft.com/office/drawing/2014/main" id="{83902602-D4BC-4D44-AC14-BB55A86C5D06}"/>
               </a:ext>
               <a:ext uri="{C183D7F6-B498-43B3-948B-1728B52AA6E4}">
-                <adec:decorative xmlns:adec="http://schemas.microsoft.com/office/drawing/2017/decorative" xmlns="" val="1"/>
+                <adec:decorative xmlns="" xmlns:adec="http://schemas.microsoft.com/office/drawing/2017/decorative" val="1"/>
               </a:ext>
             </a:extLst>
           </p:cNvPr>
@@ -15562,7 +15629,7 @@
           <p:cNvPr id="9" name="Title 8" hidden="1">
             <a:extLst>
               <a:ext uri="{FF2B5EF4-FFF2-40B4-BE49-F238E27FC236}">
-                <a16:creationId xmlns:a16="http://schemas.microsoft.com/office/drawing/2014/main" xmlns="" id="{9FDB6406-0CDB-4213-A1B6-DE47D953FED3}"/>
+                <a16:creationId xmlns="" xmlns:a16="http://schemas.microsoft.com/office/drawing/2014/main" id="{9FDB6406-0CDB-4213-A1B6-DE47D953FED3}"/>
               </a:ext>
             </a:extLst>
           </p:cNvPr>
@@ -15595,10 +15662,10 @@
           <p:cNvPr id="8" name="Straight Connector 7">
             <a:extLst>
               <a:ext uri="{FF2B5EF4-FFF2-40B4-BE49-F238E27FC236}">
-                <a16:creationId xmlns:a16="http://schemas.microsoft.com/office/drawing/2014/main" xmlns="" id="{D0986099-F5F2-4E8B-BE17-81194861A00C}"/>
+                <a16:creationId xmlns="" xmlns:a16="http://schemas.microsoft.com/office/drawing/2014/main" id="{D0986099-F5F2-4E8B-BE17-81194861A00C}"/>
               </a:ext>
               <a:ext uri="{C183D7F6-B498-43B3-948B-1728B52AA6E4}">
-                <adec:decorative xmlns:adec="http://schemas.microsoft.com/office/drawing/2017/decorative" xmlns="" val="1"/>
+                <adec:decorative xmlns="" xmlns:adec="http://schemas.microsoft.com/office/drawing/2017/decorative" val="1"/>
               </a:ext>
             </a:extLst>
           </p:cNvPr>
@@ -15644,7 +15711,7 @@
           <p:cNvPr id="11" name="Title 1">
             <a:extLst>
               <a:ext uri="{FF2B5EF4-FFF2-40B4-BE49-F238E27FC236}">
-                <a16:creationId xmlns:a16="http://schemas.microsoft.com/office/drawing/2014/main" xmlns="" id="{4E3F5479-058B-4FA8-92E9-18CAB8CDC5C5}"/>
+                <a16:creationId xmlns="" xmlns:a16="http://schemas.microsoft.com/office/drawing/2014/main" id="{4E3F5479-058B-4FA8-92E9-18CAB8CDC5C5}"/>
               </a:ext>
             </a:extLst>
           </p:cNvPr>
@@ -15762,10 +15829,10 @@
           <p:cNvPr id="14" name="Straight Connector 13">
             <a:extLst>
               <a:ext uri="{FF2B5EF4-FFF2-40B4-BE49-F238E27FC236}">
-                <a16:creationId xmlns:a16="http://schemas.microsoft.com/office/drawing/2014/main" xmlns="" id="{83E690F4-843A-47A5-8620-4FB01C0D8E68}"/>
+                <a16:creationId xmlns="" xmlns:a16="http://schemas.microsoft.com/office/drawing/2014/main" id="{83E690F4-843A-47A5-8620-4FB01C0D8E68}"/>
               </a:ext>
               <a:ext uri="{C183D7F6-B498-43B3-948B-1728B52AA6E4}">
-                <adec:decorative xmlns:adec="http://schemas.microsoft.com/office/drawing/2017/decorative" xmlns="" val="1"/>
+                <adec:decorative xmlns="" xmlns:adec="http://schemas.microsoft.com/office/drawing/2017/decorative" val="1"/>
               </a:ext>
             </a:extLst>
           </p:cNvPr>
@@ -15812,10 +15879,10 @@
             <a:hlinkClick r:id="" action="ppaction://hlinkshowjump?jump=nextslide"/>
             <a:extLst>
               <a:ext uri="{FF2B5EF4-FFF2-40B4-BE49-F238E27FC236}">
-                <a16:creationId xmlns:a16="http://schemas.microsoft.com/office/drawing/2014/main" xmlns="" id="{5B804E9F-B6B5-41F9-9B63-9AF435FDC2B7}"/>
+                <a16:creationId xmlns="" xmlns:a16="http://schemas.microsoft.com/office/drawing/2014/main" id="{5B804E9F-B6B5-41F9-9B63-9AF435FDC2B7}"/>
               </a:ext>
               <a:ext uri="{C183D7F6-B498-43B3-948B-1728B52AA6E4}">
-                <adec:decorative xmlns:adec="http://schemas.microsoft.com/office/drawing/2017/decorative" xmlns="" val="1"/>
+                <adec:decorative xmlns="" xmlns:adec="http://schemas.microsoft.com/office/drawing/2017/decorative" val="1"/>
               </a:ext>
             </a:extLst>
           </p:cNvPr>
@@ -15870,10 +15937,10 @@
             <a:hlinkClick r:id="rId4" action="ppaction://hlinksldjump"/>
             <a:extLst>
               <a:ext uri="{FF2B5EF4-FFF2-40B4-BE49-F238E27FC236}">
-                <a16:creationId xmlns:a16="http://schemas.microsoft.com/office/drawing/2014/main" xmlns="" id="{0092C447-C8E1-4B12-B012-E6D21CBB1FBE}"/>
+                <a16:creationId xmlns="" xmlns:a16="http://schemas.microsoft.com/office/drawing/2014/main" id="{0092C447-C8E1-4B12-B012-E6D21CBB1FBE}"/>
               </a:ext>
               <a:ext uri="{C183D7F6-B498-43B3-948B-1728B52AA6E4}">
-                <adec:decorative xmlns:adec="http://schemas.microsoft.com/office/drawing/2017/decorative" xmlns="" val="1"/>
+                <adec:decorative xmlns="" xmlns:adec="http://schemas.microsoft.com/office/drawing/2017/decorative" val="1"/>
               </a:ext>
             </a:extLst>
           </p:cNvPr>
@@ -15928,10 +15995,10 @@
             <a:hlinkClick r:id="rId5" action="ppaction://hlinksldjump"/>
             <a:extLst>
               <a:ext uri="{FF2B5EF4-FFF2-40B4-BE49-F238E27FC236}">
-                <a16:creationId xmlns:a16="http://schemas.microsoft.com/office/drawing/2014/main" xmlns="" id="{7E139379-1914-4446-8D6D-984A47041A54}"/>
+                <a16:creationId xmlns="" xmlns:a16="http://schemas.microsoft.com/office/drawing/2014/main" id="{7E139379-1914-4446-8D6D-984A47041A54}"/>
               </a:ext>
               <a:ext uri="{C183D7F6-B498-43B3-948B-1728B52AA6E4}">
-                <adec:decorative xmlns:adec="http://schemas.microsoft.com/office/drawing/2017/decorative" xmlns="" val="1"/>
+                <adec:decorative xmlns="" xmlns:adec="http://schemas.microsoft.com/office/drawing/2017/decorative" val="1"/>
               </a:ext>
             </a:extLst>
           </p:cNvPr>
@@ -15986,10 +16053,10 @@
             <a:hlinkClick r:id="rId6" action="ppaction://hlinksldjump"/>
             <a:extLst>
               <a:ext uri="{FF2B5EF4-FFF2-40B4-BE49-F238E27FC236}">
-                <a16:creationId xmlns:a16="http://schemas.microsoft.com/office/drawing/2014/main" xmlns="" id="{F79B51BB-1B30-4ED8-B26D-21EE8BC675B2}"/>
+                <a16:creationId xmlns="" xmlns:a16="http://schemas.microsoft.com/office/drawing/2014/main" id="{F79B51BB-1B30-4ED8-B26D-21EE8BC675B2}"/>
               </a:ext>
               <a:ext uri="{C183D7F6-B498-43B3-948B-1728B52AA6E4}">
-                <adec:decorative xmlns:adec="http://schemas.microsoft.com/office/drawing/2017/decorative" xmlns="" val="1"/>
+                <adec:decorative xmlns="" xmlns:adec="http://schemas.microsoft.com/office/drawing/2017/decorative" val="1"/>
               </a:ext>
             </a:extLst>
           </p:cNvPr>
@@ -16043,7 +16110,7 @@
           <p:cNvPr id="4" name="Rectangle 3">
             <a:extLst>
               <a:ext uri="{FF2B5EF4-FFF2-40B4-BE49-F238E27FC236}">
-                <a16:creationId xmlns:a16="http://schemas.microsoft.com/office/drawing/2014/main" xmlns="" id="{3F19BFA5-D0CA-4CF0-8499-504D956B6563}"/>
+                <a16:creationId xmlns="" xmlns:a16="http://schemas.microsoft.com/office/drawing/2014/main" id="{3F19BFA5-D0CA-4CF0-8499-504D956B6563}"/>
               </a:ext>
             </a:extLst>
           </p:cNvPr>
@@ -16087,7 +16154,7 @@
           <p:cNvPr id="47" name="Rectangle 46">
             <a:extLst>
               <a:ext uri="{FF2B5EF4-FFF2-40B4-BE49-F238E27FC236}">
-                <a16:creationId xmlns:a16="http://schemas.microsoft.com/office/drawing/2014/main" xmlns="" id="{1751D31D-3535-411D-8BAC-95CCC90AB185}"/>
+                <a16:creationId xmlns="" xmlns:a16="http://schemas.microsoft.com/office/drawing/2014/main" id="{1751D31D-3535-411D-8BAC-95CCC90AB185}"/>
               </a:ext>
             </a:extLst>
           </p:cNvPr>
@@ -16131,7 +16198,7 @@
           <p:cNvPr id="48" name="Rectangle 47">
             <a:extLst>
               <a:ext uri="{FF2B5EF4-FFF2-40B4-BE49-F238E27FC236}">
-                <a16:creationId xmlns:a16="http://schemas.microsoft.com/office/drawing/2014/main" xmlns="" id="{FA4D735A-8F75-4E2A-8F1A-CC303B0718BA}"/>
+                <a16:creationId xmlns="" xmlns:a16="http://schemas.microsoft.com/office/drawing/2014/main" id="{FA4D735A-8F75-4E2A-8F1A-CC303B0718BA}"/>
               </a:ext>
             </a:extLst>
           </p:cNvPr>
@@ -16175,7 +16242,7 @@
           <p:cNvPr id="49" name="Rectangle 48">
             <a:extLst>
               <a:ext uri="{FF2B5EF4-FFF2-40B4-BE49-F238E27FC236}">
-                <a16:creationId xmlns:a16="http://schemas.microsoft.com/office/drawing/2014/main" xmlns="" id="{54AB9282-0505-49EB-AABF-998083225E3A}"/>
+                <a16:creationId xmlns="" xmlns:a16="http://schemas.microsoft.com/office/drawing/2014/main" id="{54AB9282-0505-49EB-AABF-998083225E3A}"/>
               </a:ext>
             </a:extLst>
           </p:cNvPr>
@@ -16219,7 +16286,7 @@
           <p:cNvPr id="51" name="Rectangle 50">
             <a:extLst>
               <a:ext uri="{FF2B5EF4-FFF2-40B4-BE49-F238E27FC236}">
-                <a16:creationId xmlns:a16="http://schemas.microsoft.com/office/drawing/2014/main" xmlns="" id="{8AA18108-5B8B-4147-84A7-D30A16BEC4EA}"/>
+                <a16:creationId xmlns="" xmlns:a16="http://schemas.microsoft.com/office/drawing/2014/main" id="{8AA18108-5B8B-4147-84A7-D30A16BEC4EA}"/>
               </a:ext>
             </a:extLst>
           </p:cNvPr>
@@ -16278,7 +16345,7 @@
           <p:cNvPr id="52" name="Rectangle 51">
             <a:extLst>
               <a:ext uri="{FF2B5EF4-FFF2-40B4-BE49-F238E27FC236}">
-                <a16:creationId xmlns:a16="http://schemas.microsoft.com/office/drawing/2014/main" xmlns="" id="{A8534162-B6E2-4579-9DAD-AD8DE07459BC}"/>
+                <a16:creationId xmlns="" xmlns:a16="http://schemas.microsoft.com/office/drawing/2014/main" id="{A8534162-B6E2-4579-9DAD-AD8DE07459BC}"/>
               </a:ext>
             </a:extLst>
           </p:cNvPr>
@@ -16364,7 +16431,7 @@
           <p:cNvPr id="53" name="Rectangle 52">
             <a:extLst>
               <a:ext uri="{FF2B5EF4-FFF2-40B4-BE49-F238E27FC236}">
-                <a16:creationId xmlns:a16="http://schemas.microsoft.com/office/drawing/2014/main" xmlns="" id="{E1535E1C-6EBC-45D8-BCE1-D5B947A61FB6}"/>
+                <a16:creationId xmlns="" xmlns:a16="http://schemas.microsoft.com/office/drawing/2014/main" id="{E1535E1C-6EBC-45D8-BCE1-D5B947A61FB6}"/>
               </a:ext>
             </a:extLst>
           </p:cNvPr>
@@ -16444,7 +16511,7 @@
           <p:cNvPr id="54" name="Rectangle 53">
             <a:extLst>
               <a:ext uri="{FF2B5EF4-FFF2-40B4-BE49-F238E27FC236}">
-                <a16:creationId xmlns:a16="http://schemas.microsoft.com/office/drawing/2014/main" xmlns="" id="{28FF18A5-7B4E-4493-B38D-E732E033F82F}"/>
+                <a16:creationId xmlns="" xmlns:a16="http://schemas.microsoft.com/office/drawing/2014/main" id="{28FF18A5-7B4E-4493-B38D-E732E033F82F}"/>
               </a:ext>
             </a:extLst>
           </p:cNvPr>
@@ -16488,7 +16555,7 @@
           <p:cNvPr id="57" name="Freeform 4344" descr="Icon of wrench. ">
             <a:extLst>
               <a:ext uri="{FF2B5EF4-FFF2-40B4-BE49-F238E27FC236}">
-                <a16:creationId xmlns:a16="http://schemas.microsoft.com/office/drawing/2014/main" xmlns="" id="{C131659B-1A41-4821-9349-1E69BBBB560E}"/>
+                <a16:creationId xmlns="" xmlns:a16="http://schemas.microsoft.com/office/drawing/2014/main" id="{C131659B-1A41-4821-9349-1E69BBBB560E}"/>
               </a:ext>
             </a:extLst>
           </p:cNvPr>
@@ -17218,7 +17285,7 @@
           <p:cNvPr id="40" name="Group 39" descr="Icon of money. ">
             <a:extLst>
               <a:ext uri="{FF2B5EF4-FFF2-40B4-BE49-F238E27FC236}">
-                <a16:creationId xmlns:a16="http://schemas.microsoft.com/office/drawing/2014/main" xmlns="" id="{8FB81822-E09C-4A9F-BCD2-4BB20E38DA03}"/>
+                <a16:creationId xmlns="" xmlns:a16="http://schemas.microsoft.com/office/drawing/2014/main" id="{8FB81822-E09C-4A9F-BCD2-4BB20E38DA03}"/>
               </a:ext>
             </a:extLst>
           </p:cNvPr>
@@ -17241,7 +17308,7 @@
             <p:cNvPr id="41" name="Freeform 497">
               <a:extLst>
                 <a:ext uri="{FF2B5EF4-FFF2-40B4-BE49-F238E27FC236}">
-                  <a16:creationId xmlns:a16="http://schemas.microsoft.com/office/drawing/2014/main" xmlns="" id="{4325703C-49C2-4EC8-BBAF-CE488FCB0CE1}"/>
+                  <a16:creationId xmlns="" xmlns:a16="http://schemas.microsoft.com/office/drawing/2014/main" id="{4325703C-49C2-4EC8-BBAF-CE488FCB0CE1}"/>
                 </a:ext>
               </a:extLst>
             </p:cNvPr>
@@ -17447,7 +17514,7 @@
             <p:cNvPr id="42" name="Freeform 498">
               <a:extLst>
                 <a:ext uri="{FF2B5EF4-FFF2-40B4-BE49-F238E27FC236}">
-                  <a16:creationId xmlns:a16="http://schemas.microsoft.com/office/drawing/2014/main" xmlns="" id="{A721923B-8DD3-47E1-B174-6D9950E778E9}"/>
+                  <a16:creationId xmlns="" xmlns:a16="http://schemas.microsoft.com/office/drawing/2014/main" id="{A721923B-8DD3-47E1-B174-6D9950E778E9}"/>
                 </a:ext>
               </a:extLst>
             </p:cNvPr>
@@ -18405,7 +18472,7 @@
             <p:cNvPr id="73" name="Freeform 499">
               <a:extLst>
                 <a:ext uri="{FF2B5EF4-FFF2-40B4-BE49-F238E27FC236}">
-                  <a16:creationId xmlns:a16="http://schemas.microsoft.com/office/drawing/2014/main" xmlns="" id="{A8E6691B-D48E-4F27-BFB8-39275098B1B8}"/>
+                  <a16:creationId xmlns="" xmlns:a16="http://schemas.microsoft.com/office/drawing/2014/main" id="{A8E6691B-D48E-4F27-BFB8-39275098B1B8}"/>
                 </a:ext>
               </a:extLst>
             </p:cNvPr>
@@ -18943,7 +19010,7 @@
             <p:cNvPr id="74" name="Freeform 500">
               <a:extLst>
                 <a:ext uri="{FF2B5EF4-FFF2-40B4-BE49-F238E27FC236}">
-                  <a16:creationId xmlns:a16="http://schemas.microsoft.com/office/drawing/2014/main" xmlns="" id="{5839F0C0-A423-4156-855A-E09BBC0F1685}"/>
+                  <a16:creationId xmlns="" xmlns:a16="http://schemas.microsoft.com/office/drawing/2014/main" id="{5839F0C0-A423-4156-855A-E09BBC0F1685}"/>
                 </a:ext>
               </a:extLst>
             </p:cNvPr>
@@ -19485,7 +19552,7 @@
             <p:cNvPr id="75" name="Freeform 501">
               <a:extLst>
                 <a:ext uri="{FF2B5EF4-FFF2-40B4-BE49-F238E27FC236}">
-                  <a16:creationId xmlns:a16="http://schemas.microsoft.com/office/drawing/2014/main" xmlns="" id="{DBE218E2-EA47-43F9-AF50-BC58701E5EAE}"/>
+                  <a16:creationId xmlns="" xmlns:a16="http://schemas.microsoft.com/office/drawing/2014/main" id="{DBE218E2-EA47-43F9-AF50-BC58701E5EAE}"/>
                 </a:ext>
               </a:extLst>
             </p:cNvPr>
@@ -19867,7 +19934,7 @@
             <p:cNvPr id="76" name="Freeform 502">
               <a:extLst>
                 <a:ext uri="{FF2B5EF4-FFF2-40B4-BE49-F238E27FC236}">
-                  <a16:creationId xmlns:a16="http://schemas.microsoft.com/office/drawing/2014/main" xmlns="" id="{FB53FF3C-7C81-42D7-820B-328F83511B89}"/>
+                  <a16:creationId xmlns="" xmlns:a16="http://schemas.microsoft.com/office/drawing/2014/main" id="{FB53FF3C-7C81-42D7-820B-328F83511B89}"/>
                 </a:ext>
               </a:extLst>
             </p:cNvPr>
@@ -20249,7 +20316,7 @@
             <p:cNvPr id="77" name="Freeform 503">
               <a:extLst>
                 <a:ext uri="{FF2B5EF4-FFF2-40B4-BE49-F238E27FC236}">
-                  <a16:creationId xmlns:a16="http://schemas.microsoft.com/office/drawing/2014/main" xmlns="" id="{B2AFC166-3690-491C-BE8E-D33917F47E78}"/>
+                  <a16:creationId xmlns="" xmlns:a16="http://schemas.microsoft.com/office/drawing/2014/main" id="{B2AFC166-3690-491C-BE8E-D33917F47E78}"/>
                 </a:ext>
               </a:extLst>
             </p:cNvPr>
@@ -20623,7 +20690,7 @@
             <p:cNvPr id="78" name="Freeform 504">
               <a:extLst>
                 <a:ext uri="{FF2B5EF4-FFF2-40B4-BE49-F238E27FC236}">
-                  <a16:creationId xmlns:a16="http://schemas.microsoft.com/office/drawing/2014/main" xmlns="" id="{9740A41F-89FD-44D8-9D1F-332E7D538EDA}"/>
+                  <a16:creationId xmlns="" xmlns:a16="http://schemas.microsoft.com/office/drawing/2014/main" id="{9740A41F-89FD-44D8-9D1F-332E7D538EDA}"/>
                 </a:ext>
               </a:extLst>
             </p:cNvPr>
@@ -21085,10 +21152,10 @@
             <a:hlinkClick r:id="rId5" action="ppaction://hlinksldjump"/>
             <a:extLst>
               <a:ext uri="{FF2B5EF4-FFF2-40B4-BE49-F238E27FC236}">
-                <a16:creationId xmlns:a16="http://schemas.microsoft.com/office/drawing/2014/main" xmlns="" id="{7E139379-1914-4446-8D6D-984A47041A54}"/>
+                <a16:creationId xmlns="" xmlns:a16="http://schemas.microsoft.com/office/drawing/2014/main" id="{7E139379-1914-4446-8D6D-984A47041A54}"/>
               </a:ext>
               <a:ext uri="{C183D7F6-B498-43B3-948B-1728B52AA6E4}">
-                <adec:decorative xmlns:adec="http://schemas.microsoft.com/office/drawing/2017/decorative" xmlns="" val="1"/>
+                <adec:decorative xmlns="" xmlns:adec="http://schemas.microsoft.com/office/drawing/2017/decorative" val="1"/>
               </a:ext>
             </a:extLst>
           </p:cNvPr>
@@ -21183,7 +21250,7 @@
           <p:cNvPr id="35" name="Rectangle 34">
             <a:extLst>
               <a:ext uri="{FF2B5EF4-FFF2-40B4-BE49-F238E27FC236}">
-                <a16:creationId xmlns:a16="http://schemas.microsoft.com/office/drawing/2014/main" xmlns="" id="{54AB9282-0505-49EB-AABF-998083225E3A}"/>
+                <a16:creationId xmlns="" xmlns:a16="http://schemas.microsoft.com/office/drawing/2014/main" id="{54AB9282-0505-49EB-AABF-998083225E3A}"/>
               </a:ext>
             </a:extLst>
           </p:cNvPr>
@@ -21227,7 +21294,7 @@
           <p:cNvPr id="36" name="Rectangle 35">
             <a:extLst>
               <a:ext uri="{FF2B5EF4-FFF2-40B4-BE49-F238E27FC236}">
-                <a16:creationId xmlns:a16="http://schemas.microsoft.com/office/drawing/2014/main" xmlns="" id="{28FF18A5-7B4E-4493-B38D-E732E033F82F}"/>
+                <a16:creationId xmlns="" xmlns:a16="http://schemas.microsoft.com/office/drawing/2014/main" id="{28FF18A5-7B4E-4493-B38D-E732E033F82F}"/>
               </a:ext>
             </a:extLst>
           </p:cNvPr>
@@ -21308,7 +21375,7 @@
           <p:cNvPr id="7" name="Title 6" hidden="1">
             <a:extLst>
               <a:ext uri="{FF2B5EF4-FFF2-40B4-BE49-F238E27FC236}">
-                <a16:creationId xmlns:a16="http://schemas.microsoft.com/office/drawing/2014/main" xmlns="" id="{ED2F5393-91A3-4102-A584-E902285C507A}"/>
+                <a16:creationId xmlns="" xmlns:a16="http://schemas.microsoft.com/office/drawing/2014/main" id="{ED2F5393-91A3-4102-A584-E902285C507A}"/>
               </a:ext>
             </a:extLst>
           </p:cNvPr>
@@ -21341,10 +21408,10 @@
           <p:cNvPr id="8" name="Straight Connector 7">
             <a:extLst>
               <a:ext uri="{FF2B5EF4-FFF2-40B4-BE49-F238E27FC236}">
-                <a16:creationId xmlns:a16="http://schemas.microsoft.com/office/drawing/2014/main" xmlns="" id="{D0986099-F5F2-4E8B-BE17-81194861A00C}"/>
+                <a16:creationId xmlns="" xmlns:a16="http://schemas.microsoft.com/office/drawing/2014/main" id="{D0986099-F5F2-4E8B-BE17-81194861A00C}"/>
               </a:ext>
               <a:ext uri="{C183D7F6-B498-43B3-948B-1728B52AA6E4}">
-                <adec:decorative xmlns:adec="http://schemas.microsoft.com/office/drawing/2017/decorative" xmlns="" val="1"/>
+                <adec:decorative xmlns="" xmlns:adec="http://schemas.microsoft.com/office/drawing/2017/decorative" val="1"/>
               </a:ext>
             </a:extLst>
           </p:cNvPr>
@@ -21390,7 +21457,7 @@
           <p:cNvPr id="11" name="Title 1">
             <a:extLst>
               <a:ext uri="{FF2B5EF4-FFF2-40B4-BE49-F238E27FC236}">
-                <a16:creationId xmlns:a16="http://schemas.microsoft.com/office/drawing/2014/main" xmlns="" id="{4E3F5479-058B-4FA8-92E9-18CAB8CDC5C5}"/>
+                <a16:creationId xmlns="" xmlns:a16="http://schemas.microsoft.com/office/drawing/2014/main" id="{4E3F5479-058B-4FA8-92E9-18CAB8CDC5C5}"/>
               </a:ext>
             </a:extLst>
           </p:cNvPr>
@@ -21503,10 +21570,10 @@
           <p:cNvPr id="14" name="Straight Connector 13">
             <a:extLst>
               <a:ext uri="{FF2B5EF4-FFF2-40B4-BE49-F238E27FC236}">
-                <a16:creationId xmlns:a16="http://schemas.microsoft.com/office/drawing/2014/main" xmlns="" id="{83E690F4-843A-47A5-8620-4FB01C0D8E68}"/>
+                <a16:creationId xmlns="" xmlns:a16="http://schemas.microsoft.com/office/drawing/2014/main" id="{83E690F4-843A-47A5-8620-4FB01C0D8E68}"/>
               </a:ext>
               <a:ext uri="{C183D7F6-B498-43B3-948B-1728B52AA6E4}">
-                <adec:decorative xmlns:adec="http://schemas.microsoft.com/office/drawing/2017/decorative" xmlns="" val="1"/>
+                <adec:decorative xmlns="" xmlns:adec="http://schemas.microsoft.com/office/drawing/2017/decorative" val="1"/>
               </a:ext>
             </a:extLst>
           </p:cNvPr>
@@ -22033,7 +22100,7 @@
           <p:cNvPr id="7" name="Title 6" hidden="1">
             <a:extLst>
               <a:ext uri="{FF2B5EF4-FFF2-40B4-BE49-F238E27FC236}">
-                <a16:creationId xmlns:a16="http://schemas.microsoft.com/office/drawing/2014/main" xmlns="" id="{ED2F5393-91A3-4102-A584-E902285C507A}"/>
+                <a16:creationId xmlns="" xmlns:a16="http://schemas.microsoft.com/office/drawing/2014/main" id="{ED2F5393-91A3-4102-A584-E902285C507A}"/>
               </a:ext>
             </a:extLst>
           </p:cNvPr>
@@ -22066,10 +22133,10 @@
           <p:cNvPr id="8" name="Straight Connector 7">
             <a:extLst>
               <a:ext uri="{FF2B5EF4-FFF2-40B4-BE49-F238E27FC236}">
-                <a16:creationId xmlns:a16="http://schemas.microsoft.com/office/drawing/2014/main" xmlns="" id="{D0986099-F5F2-4E8B-BE17-81194861A00C}"/>
+                <a16:creationId xmlns="" xmlns:a16="http://schemas.microsoft.com/office/drawing/2014/main" id="{D0986099-F5F2-4E8B-BE17-81194861A00C}"/>
               </a:ext>
               <a:ext uri="{C183D7F6-B498-43B3-948B-1728B52AA6E4}">
-                <adec:decorative xmlns:adec="http://schemas.microsoft.com/office/drawing/2017/decorative" xmlns="" val="1"/>
+                <adec:decorative xmlns="" xmlns:adec="http://schemas.microsoft.com/office/drawing/2017/decorative" val="1"/>
               </a:ext>
             </a:extLst>
           </p:cNvPr>
@@ -22115,7 +22182,7 @@
           <p:cNvPr id="11" name="Title 1">
             <a:extLst>
               <a:ext uri="{FF2B5EF4-FFF2-40B4-BE49-F238E27FC236}">
-                <a16:creationId xmlns:a16="http://schemas.microsoft.com/office/drawing/2014/main" xmlns="" id="{4E3F5479-058B-4FA8-92E9-18CAB8CDC5C5}"/>
+                <a16:creationId xmlns="" xmlns:a16="http://schemas.microsoft.com/office/drawing/2014/main" id="{4E3F5479-058B-4FA8-92E9-18CAB8CDC5C5}"/>
               </a:ext>
             </a:extLst>
           </p:cNvPr>
@@ -22206,10 +22273,10 @@
           <p:cNvPr id="14" name="Straight Connector 13">
             <a:extLst>
               <a:ext uri="{FF2B5EF4-FFF2-40B4-BE49-F238E27FC236}">
-                <a16:creationId xmlns:a16="http://schemas.microsoft.com/office/drawing/2014/main" xmlns="" id="{83E690F4-843A-47A5-8620-4FB01C0D8E68}"/>
+                <a16:creationId xmlns="" xmlns:a16="http://schemas.microsoft.com/office/drawing/2014/main" id="{83E690F4-843A-47A5-8620-4FB01C0D8E68}"/>
               </a:ext>
               <a:ext uri="{C183D7F6-B498-43B3-948B-1728B52AA6E4}">
-                <adec:decorative xmlns:adec="http://schemas.microsoft.com/office/drawing/2017/decorative" xmlns="" val="1"/>
+                <adec:decorative xmlns="" xmlns:adec="http://schemas.microsoft.com/office/drawing/2017/decorative" val="1"/>
               </a:ext>
             </a:extLst>
           </p:cNvPr>
@@ -22400,7 +22467,7 @@
           <p:cNvPr id="7" name="Title 6" hidden="1">
             <a:extLst>
               <a:ext uri="{FF2B5EF4-FFF2-40B4-BE49-F238E27FC236}">
-                <a16:creationId xmlns:a16="http://schemas.microsoft.com/office/drawing/2014/main" xmlns="" id="{166BC32C-2E11-43D3-963B-9766918E0FE5}"/>
+                <a16:creationId xmlns="" xmlns:a16="http://schemas.microsoft.com/office/drawing/2014/main" id="{166BC32C-2E11-43D3-963B-9766918E0FE5}"/>
               </a:ext>
             </a:extLst>
           </p:cNvPr>
@@ -22433,10 +22500,10 @@
           <p:cNvPr id="8" name="Straight Connector 7">
             <a:extLst>
               <a:ext uri="{FF2B5EF4-FFF2-40B4-BE49-F238E27FC236}">
-                <a16:creationId xmlns:a16="http://schemas.microsoft.com/office/drawing/2014/main" xmlns="" id="{D0986099-F5F2-4E8B-BE17-81194861A00C}"/>
+                <a16:creationId xmlns="" xmlns:a16="http://schemas.microsoft.com/office/drawing/2014/main" id="{D0986099-F5F2-4E8B-BE17-81194861A00C}"/>
               </a:ext>
               <a:ext uri="{C183D7F6-B498-43B3-948B-1728B52AA6E4}">
-                <adec:decorative xmlns:adec="http://schemas.microsoft.com/office/drawing/2017/decorative" xmlns="" val="1"/>
+                <adec:decorative xmlns="" xmlns:adec="http://schemas.microsoft.com/office/drawing/2017/decorative" val="1"/>
               </a:ext>
             </a:extLst>
           </p:cNvPr>
@@ -22482,7 +22549,7 @@
           <p:cNvPr id="11" name="Title 1">
             <a:extLst>
               <a:ext uri="{FF2B5EF4-FFF2-40B4-BE49-F238E27FC236}">
-                <a16:creationId xmlns:a16="http://schemas.microsoft.com/office/drawing/2014/main" xmlns="" id="{4E3F5479-058B-4FA8-92E9-18CAB8CDC5C5}"/>
+                <a16:creationId xmlns="" xmlns:a16="http://schemas.microsoft.com/office/drawing/2014/main" id="{4E3F5479-058B-4FA8-92E9-18CAB8CDC5C5}"/>
               </a:ext>
             </a:extLst>
           </p:cNvPr>
@@ -22573,10 +22640,10 @@
           <p:cNvPr id="14" name="Straight Connector 13">
             <a:extLst>
               <a:ext uri="{FF2B5EF4-FFF2-40B4-BE49-F238E27FC236}">
-                <a16:creationId xmlns:a16="http://schemas.microsoft.com/office/drawing/2014/main" xmlns="" id="{83E690F4-843A-47A5-8620-4FB01C0D8E68}"/>
+                <a16:creationId xmlns="" xmlns:a16="http://schemas.microsoft.com/office/drawing/2014/main" id="{83E690F4-843A-47A5-8620-4FB01C0D8E68}"/>
               </a:ext>
               <a:ext uri="{C183D7F6-B498-43B3-948B-1728B52AA6E4}">
-                <adec:decorative xmlns:adec="http://schemas.microsoft.com/office/drawing/2017/decorative" xmlns="" val="1"/>
+                <adec:decorative xmlns="" xmlns:adec="http://schemas.microsoft.com/office/drawing/2017/decorative" val="1"/>
               </a:ext>
             </a:extLst>
           </p:cNvPr>
@@ -23007,7 +23074,7 @@
           <p:cNvPr id="4" name="Title 3" hidden="1">
             <a:extLst>
               <a:ext uri="{FF2B5EF4-FFF2-40B4-BE49-F238E27FC236}">
-                <a16:creationId xmlns:a16="http://schemas.microsoft.com/office/drawing/2014/main" xmlns="" id="{2AC0C949-7A02-4C95-8017-D82E7E71C4F7}"/>
+                <a16:creationId xmlns="" xmlns:a16="http://schemas.microsoft.com/office/drawing/2014/main" id="{2AC0C949-7A02-4C95-8017-D82E7E71C4F7}"/>
               </a:ext>
             </a:extLst>
           </p:cNvPr>
@@ -23040,10 +23107,10 @@
           <p:cNvPr id="8" name="Straight Connector 7">
             <a:extLst>
               <a:ext uri="{FF2B5EF4-FFF2-40B4-BE49-F238E27FC236}">
-                <a16:creationId xmlns:a16="http://schemas.microsoft.com/office/drawing/2014/main" xmlns="" id="{D0986099-F5F2-4E8B-BE17-81194861A00C}"/>
+                <a16:creationId xmlns="" xmlns:a16="http://schemas.microsoft.com/office/drawing/2014/main" id="{D0986099-F5F2-4E8B-BE17-81194861A00C}"/>
               </a:ext>
               <a:ext uri="{C183D7F6-B498-43B3-948B-1728B52AA6E4}">
-                <adec:decorative xmlns:adec="http://schemas.microsoft.com/office/drawing/2017/decorative" xmlns="" val="1"/>
+                <adec:decorative xmlns="" xmlns:adec="http://schemas.microsoft.com/office/drawing/2017/decorative" val="1"/>
               </a:ext>
             </a:extLst>
           </p:cNvPr>
@@ -23089,7 +23156,7 @@
           <p:cNvPr id="11" name="Title 1">
             <a:extLst>
               <a:ext uri="{FF2B5EF4-FFF2-40B4-BE49-F238E27FC236}">
-                <a16:creationId xmlns:a16="http://schemas.microsoft.com/office/drawing/2014/main" xmlns="" id="{4E3F5479-058B-4FA8-92E9-18CAB8CDC5C5}"/>
+                <a16:creationId xmlns="" xmlns:a16="http://schemas.microsoft.com/office/drawing/2014/main" id="{4E3F5479-058B-4FA8-92E9-18CAB8CDC5C5}"/>
               </a:ext>
             </a:extLst>
           </p:cNvPr>
@@ -23180,10 +23247,10 @@
           <p:cNvPr id="14" name="Straight Connector 13">
             <a:extLst>
               <a:ext uri="{FF2B5EF4-FFF2-40B4-BE49-F238E27FC236}">
-                <a16:creationId xmlns:a16="http://schemas.microsoft.com/office/drawing/2014/main" xmlns="" id="{83E690F4-843A-47A5-8620-4FB01C0D8E68}"/>
+                <a16:creationId xmlns="" xmlns:a16="http://schemas.microsoft.com/office/drawing/2014/main" id="{83E690F4-843A-47A5-8620-4FB01C0D8E68}"/>
               </a:ext>
               <a:ext uri="{C183D7F6-B498-43B3-948B-1728B52AA6E4}">
-                <adec:decorative xmlns:adec="http://schemas.microsoft.com/office/drawing/2017/decorative" xmlns="" val="1"/>
+                <adec:decorative xmlns="" xmlns:adec="http://schemas.microsoft.com/office/drawing/2017/decorative" val="1"/>
               </a:ext>
             </a:extLst>
           </p:cNvPr>
@@ -23632,6 +23699,98 @@
           </a:graphicData>
         </a:graphic>
       </p:graphicFrame>
+      <p:sp>
+        <p:nvSpPr>
+          <p:cNvPr id="3" name="Rectangle 2"/>
+          <p:cNvSpPr/>
+          <p:nvPr/>
+        </p:nvSpPr>
+        <p:spPr>
+          <a:xfrm>
+            <a:off x="0" y="1320800"/>
+            <a:ext cx="5334000" cy="1219200"/>
+          </a:xfrm>
+          <a:prstGeom prst="rect">
+            <a:avLst/>
+          </a:prstGeom>
+          <a:solidFill>
+            <a:schemeClr val="accent6">
+              <a:lumMod val="75000"/>
+              <a:alpha val="30000"/>
+            </a:schemeClr>
+          </a:solidFill>
+        </p:spPr>
+        <p:style>
+          <a:lnRef idx="2">
+            <a:schemeClr val="accent1">
+              <a:shade val="50000"/>
+            </a:schemeClr>
+          </a:lnRef>
+          <a:fillRef idx="1">
+            <a:schemeClr val="accent1"/>
+          </a:fillRef>
+          <a:effectRef idx="0">
+            <a:schemeClr val="accent1"/>
+          </a:effectRef>
+          <a:fontRef idx="minor">
+            <a:schemeClr val="lt1"/>
+          </a:fontRef>
+        </p:style>
+        <p:txBody>
+          <a:bodyPr rtlCol="0" anchor="ctr"/>
+          <a:lstStyle/>
+          <a:p>
+            <a:pPr algn="ctr"/>
+            <a:endParaRPr lang="en-IN"/>
+          </a:p>
+        </p:txBody>
+      </p:sp>
+      <p:sp>
+        <p:nvSpPr>
+          <p:cNvPr id="12" name="Rectangle 11"/>
+          <p:cNvSpPr/>
+          <p:nvPr/>
+        </p:nvSpPr>
+        <p:spPr>
+          <a:xfrm>
+            <a:off x="0" y="3576416"/>
+            <a:ext cx="5334000" cy="1219200"/>
+          </a:xfrm>
+          <a:prstGeom prst="rect">
+            <a:avLst/>
+          </a:prstGeom>
+          <a:solidFill>
+            <a:schemeClr val="accent6">
+              <a:lumMod val="75000"/>
+              <a:alpha val="30000"/>
+            </a:schemeClr>
+          </a:solidFill>
+        </p:spPr>
+        <p:style>
+          <a:lnRef idx="2">
+            <a:schemeClr val="accent1">
+              <a:shade val="50000"/>
+            </a:schemeClr>
+          </a:lnRef>
+          <a:fillRef idx="1">
+            <a:schemeClr val="accent1"/>
+          </a:fillRef>
+          <a:effectRef idx="0">
+            <a:schemeClr val="accent1"/>
+          </a:effectRef>
+          <a:fontRef idx="minor">
+            <a:schemeClr val="lt1"/>
+          </a:fontRef>
+        </p:style>
+        <p:txBody>
+          <a:bodyPr rtlCol="0" anchor="ctr"/>
+          <a:lstStyle/>
+          <a:p>
+            <a:pPr algn="ctr"/>
+            <a:endParaRPr lang="en-IN"/>
+          </a:p>
+        </p:txBody>
+      </p:sp>
     </p:spTree>
     <p:extLst>
       <p:ext uri="{BB962C8B-B14F-4D97-AF65-F5344CB8AC3E}">
@@ -23642,6 +23801,14 @@
   <p:clrMapOvr>
     <a:masterClrMapping/>
   </p:clrMapOvr>
+  <mc:AlternateContent xmlns:mc="http://schemas.openxmlformats.org/markup-compatibility/2006">
+    <mc:Choice xmlns:p14="http://schemas.microsoft.com/office/powerpoint/2010/main" Requires="p14">
+      <p:transition spd="slow" p14:dur="2000"/>
+    </mc:Choice>
+    <mc:Fallback>
+      <p:transition spd="slow"/>
+    </mc:Fallback>
+  </mc:AlternateContent>
   <p:timing>
     <p:tnLst>
       <p:par>
@@ -23674,7 +23841,7 @@
           <p:cNvPr id="7" name="Title 6" hidden="1">
             <a:extLst>
               <a:ext uri="{FF2B5EF4-FFF2-40B4-BE49-F238E27FC236}">
-                <a16:creationId xmlns:a16="http://schemas.microsoft.com/office/drawing/2014/main" xmlns="" id="{166BC32C-2E11-43D3-963B-9766918E0FE5}"/>
+                <a16:creationId xmlns="" xmlns:a16="http://schemas.microsoft.com/office/drawing/2014/main" id="{166BC32C-2E11-43D3-963B-9766918E0FE5}"/>
               </a:ext>
             </a:extLst>
           </p:cNvPr>
@@ -23707,10 +23874,10 @@
           <p:cNvPr id="8" name="Straight Connector 7">
             <a:extLst>
               <a:ext uri="{FF2B5EF4-FFF2-40B4-BE49-F238E27FC236}">
-                <a16:creationId xmlns:a16="http://schemas.microsoft.com/office/drawing/2014/main" xmlns="" id="{D0986099-F5F2-4E8B-BE17-81194861A00C}"/>
+                <a16:creationId xmlns="" xmlns:a16="http://schemas.microsoft.com/office/drawing/2014/main" id="{D0986099-F5F2-4E8B-BE17-81194861A00C}"/>
               </a:ext>
               <a:ext uri="{C183D7F6-B498-43B3-948B-1728B52AA6E4}">
-                <adec:decorative xmlns:adec="http://schemas.microsoft.com/office/drawing/2017/decorative" xmlns="" val="1"/>
+                <adec:decorative xmlns="" xmlns:adec="http://schemas.microsoft.com/office/drawing/2017/decorative" val="1"/>
               </a:ext>
             </a:extLst>
           </p:cNvPr>
@@ -23756,7 +23923,7 @@
           <p:cNvPr id="11" name="Title 1">
             <a:extLst>
               <a:ext uri="{FF2B5EF4-FFF2-40B4-BE49-F238E27FC236}">
-                <a16:creationId xmlns:a16="http://schemas.microsoft.com/office/drawing/2014/main" xmlns="" id="{4E3F5479-058B-4FA8-92E9-18CAB8CDC5C5}"/>
+                <a16:creationId xmlns="" xmlns:a16="http://schemas.microsoft.com/office/drawing/2014/main" id="{4E3F5479-058B-4FA8-92E9-18CAB8CDC5C5}"/>
               </a:ext>
             </a:extLst>
           </p:cNvPr>
@@ -23847,10 +24014,10 @@
           <p:cNvPr id="14" name="Straight Connector 13">
             <a:extLst>
               <a:ext uri="{FF2B5EF4-FFF2-40B4-BE49-F238E27FC236}">
-                <a16:creationId xmlns:a16="http://schemas.microsoft.com/office/drawing/2014/main" xmlns="" id="{83E690F4-843A-47A5-8620-4FB01C0D8E68}"/>
+                <a16:creationId xmlns="" xmlns:a16="http://schemas.microsoft.com/office/drawing/2014/main" id="{83E690F4-843A-47A5-8620-4FB01C0D8E68}"/>
               </a:ext>
               <a:ext uri="{C183D7F6-B498-43B3-948B-1728B52AA6E4}">
-                <adec:decorative xmlns:adec="http://schemas.microsoft.com/office/drawing/2017/decorative" xmlns="" val="1"/>
+                <adec:decorative xmlns="" xmlns:adec="http://schemas.microsoft.com/office/drawing/2017/decorative" val="1"/>
               </a:ext>
             </a:extLst>
           </p:cNvPr>
@@ -23968,7 +24135,7 @@
           <p:nvPr>
             <p:extLst>
               <p:ext uri="{D42A27DB-BD31-4B8C-83A1-F6EECF244321}">
-                <p14:modId xmlns:p14="http://schemas.microsoft.com/office/powerpoint/2010/main" val="2214607035"/>
+                <p14:modId xmlns:p14="http://schemas.microsoft.com/office/powerpoint/2010/main" val="1413069814"/>
               </p:ext>
             </p:extLst>
           </p:nvPr>
@@ -24190,7 +24357,15 @@
                     <a:p>
                       <a:r>
                         <a:rPr lang="en-IN" dirty="0" smtClean="0"/>
-                        <a:t>Write abstract method of in database class which returns Dao</a:t>
+                        <a:t>Write abstract method </a:t>
+                      </a:r>
+                      <a:r>
+                        <a:rPr lang="en-IN" dirty="0" smtClean="0"/>
+                        <a:t> </a:t>
+                      </a:r>
+                      <a:r>
+                        <a:rPr lang="en-IN" dirty="0" smtClean="0"/>
+                        <a:t>in database class which returns Dao</a:t>
                       </a:r>
                       <a:r>
                         <a:rPr lang="en-IN" baseline="0" dirty="0" smtClean="0"/>

--- a/Model – View - View Model.pptx
+++ b/Model – View - View Model.pptx
@@ -5990,7 +5990,7 @@
           <a:p>
             <a:fld id="{E49BCDC4-3B91-4797-84EA-7FD342776545}" type="datetimeFigureOut">
               <a:rPr lang="en-IN" smtClean="0"/>
-              <a:t>09-05-2019</a:t>
+              <a:t>20-05-2019</a:t>
             </a:fld>
             <a:endParaRPr lang="en-IN"/>
           </a:p>
@@ -6155,7 +6155,7 @@
           <a:p>
             <a:fld id="{21D3BC9C-6C58-464F-B94E-FD73C5FB016E}" type="datetimeFigureOut">
               <a:rPr lang="en-US" smtClean="0"/>
-              <a:t>5/9/2019</a:t>
+              <a:t>5/20/2019</a:t>
             </a:fld>
             <a:endParaRPr lang="en-US" dirty="0"/>
           </a:p>
@@ -7865,15 +7865,7 @@
             </a:pPr>
             <a:r>
               <a:rPr lang="en-IN" baseline="0" dirty="0" smtClean="0"/>
-              <a:t>Never pass </a:t>
-            </a:r>
-            <a:r>
-              <a:rPr lang="en-IN" baseline="0" dirty="0" smtClean="0"/>
-              <a:t>context/reference </a:t>
-            </a:r>
-            <a:r>
-              <a:rPr lang="en-IN" baseline="0" dirty="0" smtClean="0"/>
-              <a:t>of UI component to </a:t>
+              <a:t>Never pass context/reference of UI component to </a:t>
             </a:r>
             <a:r>
               <a:rPr lang="en-IN" baseline="0" dirty="0" err="1" smtClean="0"/>
@@ -7898,11 +7890,7 @@
             </a:pPr>
             <a:r>
               <a:rPr lang="en-IN" baseline="0" dirty="0" smtClean="0"/>
-              <a:t>Injecting </a:t>
-            </a:r>
-            <a:r>
-              <a:rPr lang="en-IN" baseline="0" dirty="0" smtClean="0"/>
-              <a:t>dependencies into </a:t>
+              <a:t>Injecting dependencies into </a:t>
             </a:r>
             <a:r>
               <a:rPr lang="en-IN" baseline="0" dirty="0" err="1" smtClean="0"/>
@@ -8093,13 +8081,8 @@
             </a:pPr>
             <a:r>
               <a:rPr lang="en-IN" baseline="0" dirty="0" smtClean="0"/>
-              <a:t>Every Select method should return Primary key </a:t>
-            </a:r>
-            <a:r>
-              <a:rPr lang="en-IN" baseline="0" dirty="0" smtClean="0"/>
-              <a:t>column </a:t>
-            </a:r>
-            <a:endParaRPr lang="en-IN" baseline="0" dirty="0" smtClean="0"/>
+              <a:t>Every Select method should return Primary key column </a:t>
+            </a:r>
           </a:p>
           <a:p>
             <a:pPr marL="228600" indent="-228600">
@@ -8167,7 +8150,7 @@
           <p:cNvPr id="2" name="Title 1">
             <a:extLst>
               <a:ext uri="{FF2B5EF4-FFF2-40B4-BE49-F238E27FC236}">
-                <a16:creationId xmlns="" xmlns:a16="http://schemas.microsoft.com/office/drawing/2014/main" id="{8E0F864C-44C4-4000-952D-01F31BFB3FD3}"/>
+                <a16:creationId xmlns:a16="http://schemas.microsoft.com/office/drawing/2014/main" xmlns="" id="{8E0F864C-44C4-4000-952D-01F31BFB3FD3}"/>
               </a:ext>
             </a:extLst>
           </p:cNvPr>
@@ -8205,7 +8188,7 @@
           <p:cNvPr id="3" name="Subtitle 2">
             <a:extLst>
               <a:ext uri="{FF2B5EF4-FFF2-40B4-BE49-F238E27FC236}">
-                <a16:creationId xmlns="" xmlns:a16="http://schemas.microsoft.com/office/drawing/2014/main" id="{21392E06-C914-467E-9D4F-BD763EDA2DD5}"/>
+                <a16:creationId xmlns:a16="http://schemas.microsoft.com/office/drawing/2014/main" xmlns="" id="{21392E06-C914-467E-9D4F-BD763EDA2DD5}"/>
               </a:ext>
             </a:extLst>
           </p:cNvPr>
@@ -8276,7 +8259,7 @@
           <p:cNvPr id="4" name="Date Placeholder 3">
             <a:extLst>
               <a:ext uri="{FF2B5EF4-FFF2-40B4-BE49-F238E27FC236}">
-                <a16:creationId xmlns="" xmlns:a16="http://schemas.microsoft.com/office/drawing/2014/main" id="{1FBEFBAF-82E9-49AD-B2CF-7D154E024431}"/>
+                <a16:creationId xmlns:a16="http://schemas.microsoft.com/office/drawing/2014/main" xmlns="" id="{1FBEFBAF-82E9-49AD-B2CF-7D154E024431}"/>
               </a:ext>
             </a:extLst>
           </p:cNvPr>
@@ -8294,7 +8277,7 @@
           <a:p>
             <a:fld id="{530F2154-24AE-499E-80D4-0ACE89BB5558}" type="datetime1">
               <a:rPr lang="en-US" smtClean="0"/>
-              <a:t>5/9/2019</a:t>
+              <a:t>5/20/2019</a:t>
             </a:fld>
             <a:endParaRPr lang="en-US" dirty="0"/>
           </a:p>
@@ -8305,7 +8288,7 @@
           <p:cNvPr id="5" name="Footer Placeholder 4">
             <a:extLst>
               <a:ext uri="{FF2B5EF4-FFF2-40B4-BE49-F238E27FC236}">
-                <a16:creationId xmlns="" xmlns:a16="http://schemas.microsoft.com/office/drawing/2014/main" id="{5AD8006A-94B1-44F7-972D-56767EDE3CC3}"/>
+                <a16:creationId xmlns:a16="http://schemas.microsoft.com/office/drawing/2014/main" xmlns="" id="{5AD8006A-94B1-44F7-972D-56767EDE3CC3}"/>
               </a:ext>
             </a:extLst>
           </p:cNvPr>
@@ -8330,7 +8313,7 @@
           <p:cNvPr id="6" name="Slide Number Placeholder 5">
             <a:extLst>
               <a:ext uri="{FF2B5EF4-FFF2-40B4-BE49-F238E27FC236}">
-                <a16:creationId xmlns="" xmlns:a16="http://schemas.microsoft.com/office/drawing/2014/main" id="{F5E7BFAB-D84B-45E1-A0BD-2516AC14F8AC}"/>
+                <a16:creationId xmlns:a16="http://schemas.microsoft.com/office/drawing/2014/main" xmlns="" id="{F5E7BFAB-D84B-45E1-A0BD-2516AC14F8AC}"/>
               </a:ext>
             </a:extLst>
           </p:cNvPr>
@@ -8389,7 +8372,7 @@
           <p:cNvPr id="2" name="Title 1">
             <a:extLst>
               <a:ext uri="{FF2B5EF4-FFF2-40B4-BE49-F238E27FC236}">
-                <a16:creationId xmlns="" xmlns:a16="http://schemas.microsoft.com/office/drawing/2014/main" id="{65F7B869-BFB2-4C20-8AB1-46704BB3D177}"/>
+                <a16:creationId xmlns:a16="http://schemas.microsoft.com/office/drawing/2014/main" xmlns="" id="{65F7B869-BFB2-4C20-8AB1-46704BB3D177}"/>
               </a:ext>
             </a:extLst>
           </p:cNvPr>
@@ -8418,7 +8401,7 @@
           <p:cNvPr id="3" name="Vertical Text Placeholder 2">
             <a:extLst>
               <a:ext uri="{FF2B5EF4-FFF2-40B4-BE49-F238E27FC236}">
-                <a16:creationId xmlns="" xmlns:a16="http://schemas.microsoft.com/office/drawing/2014/main" id="{19F007DB-4F12-4428-9C48-5120DF07046D}"/>
+                <a16:creationId xmlns:a16="http://schemas.microsoft.com/office/drawing/2014/main" xmlns="" id="{19F007DB-4F12-4428-9C48-5120DF07046D}"/>
               </a:ext>
             </a:extLst>
           </p:cNvPr>
@@ -8476,7 +8459,7 @@
           <p:cNvPr id="4" name="Date Placeholder 3">
             <a:extLst>
               <a:ext uri="{FF2B5EF4-FFF2-40B4-BE49-F238E27FC236}">
-                <a16:creationId xmlns="" xmlns:a16="http://schemas.microsoft.com/office/drawing/2014/main" id="{16FFA8DA-0E31-4CA6-BBFC-2467AAD1D30B}"/>
+                <a16:creationId xmlns:a16="http://schemas.microsoft.com/office/drawing/2014/main" xmlns="" id="{16FFA8DA-0E31-4CA6-BBFC-2467AAD1D30B}"/>
               </a:ext>
             </a:extLst>
           </p:cNvPr>
@@ -8494,7 +8477,7 @@
           <a:p>
             <a:fld id="{E895D85A-D017-49E3-98B6-7C96AF92F755}" type="datetime1">
               <a:rPr lang="en-US" smtClean="0"/>
-              <a:t>5/9/2019</a:t>
+              <a:t>5/20/2019</a:t>
             </a:fld>
             <a:endParaRPr lang="en-US" dirty="0"/>
           </a:p>
@@ -8505,7 +8488,7 @@
           <p:cNvPr id="5" name="Footer Placeholder 4">
             <a:extLst>
               <a:ext uri="{FF2B5EF4-FFF2-40B4-BE49-F238E27FC236}">
-                <a16:creationId xmlns="" xmlns:a16="http://schemas.microsoft.com/office/drawing/2014/main" id="{064974BD-9845-459A-9AAA-12731E2507C4}"/>
+                <a16:creationId xmlns:a16="http://schemas.microsoft.com/office/drawing/2014/main" xmlns="" id="{064974BD-9845-459A-9AAA-12731E2507C4}"/>
               </a:ext>
             </a:extLst>
           </p:cNvPr>
@@ -8530,7 +8513,7 @@
           <p:cNvPr id="6" name="Slide Number Placeholder 5">
             <a:extLst>
               <a:ext uri="{FF2B5EF4-FFF2-40B4-BE49-F238E27FC236}">
-                <a16:creationId xmlns="" xmlns:a16="http://schemas.microsoft.com/office/drawing/2014/main" id="{C2A71B0A-FDFB-4B2C-A9EC-2334C590013E}"/>
+                <a16:creationId xmlns:a16="http://schemas.microsoft.com/office/drawing/2014/main" xmlns="" id="{C2A71B0A-FDFB-4B2C-A9EC-2334C590013E}"/>
               </a:ext>
             </a:extLst>
           </p:cNvPr>
@@ -8589,7 +8572,7 @@
           <p:cNvPr id="2" name="Vertical Title 1">
             <a:extLst>
               <a:ext uri="{FF2B5EF4-FFF2-40B4-BE49-F238E27FC236}">
-                <a16:creationId xmlns="" xmlns:a16="http://schemas.microsoft.com/office/drawing/2014/main" id="{E60B5D73-1652-4A8E-B5A3-101523D7290A}"/>
+                <a16:creationId xmlns:a16="http://schemas.microsoft.com/office/drawing/2014/main" xmlns="" id="{E60B5D73-1652-4A8E-B5A3-101523D7290A}"/>
               </a:ext>
             </a:extLst>
           </p:cNvPr>
@@ -8623,7 +8606,7 @@
           <p:cNvPr id="3" name="Vertical Text Placeholder 2">
             <a:extLst>
               <a:ext uri="{FF2B5EF4-FFF2-40B4-BE49-F238E27FC236}">
-                <a16:creationId xmlns="" xmlns:a16="http://schemas.microsoft.com/office/drawing/2014/main" id="{A9B7FB99-7425-444D-B602-01B672BCE8C6}"/>
+                <a16:creationId xmlns:a16="http://schemas.microsoft.com/office/drawing/2014/main" xmlns="" id="{A9B7FB99-7425-444D-B602-01B672BCE8C6}"/>
               </a:ext>
             </a:extLst>
           </p:cNvPr>
@@ -8686,7 +8669,7 @@
           <p:cNvPr id="4" name="Date Placeholder 3">
             <a:extLst>
               <a:ext uri="{FF2B5EF4-FFF2-40B4-BE49-F238E27FC236}">
-                <a16:creationId xmlns="" xmlns:a16="http://schemas.microsoft.com/office/drawing/2014/main" id="{00EEA9C5-552A-48A1-AB54-ED54209B3B48}"/>
+                <a16:creationId xmlns:a16="http://schemas.microsoft.com/office/drawing/2014/main" xmlns="" id="{00EEA9C5-552A-48A1-AB54-ED54209B3B48}"/>
               </a:ext>
             </a:extLst>
           </p:cNvPr>
@@ -8704,7 +8687,7 @@
           <a:p>
             <a:fld id="{10DE9B9F-3972-4F7C-B0D6-831C5FCDB5EF}" type="datetime1">
               <a:rPr lang="en-US" smtClean="0"/>
-              <a:t>5/9/2019</a:t>
+              <a:t>5/20/2019</a:t>
             </a:fld>
             <a:endParaRPr lang="en-US" dirty="0"/>
           </a:p>
@@ -8715,7 +8698,7 @@
           <p:cNvPr id="5" name="Footer Placeholder 4">
             <a:extLst>
               <a:ext uri="{FF2B5EF4-FFF2-40B4-BE49-F238E27FC236}">
-                <a16:creationId xmlns="" xmlns:a16="http://schemas.microsoft.com/office/drawing/2014/main" id="{1A83AAA3-4155-48FB-8F00-16DBE0C9C256}"/>
+                <a16:creationId xmlns:a16="http://schemas.microsoft.com/office/drawing/2014/main" xmlns="" id="{1A83AAA3-4155-48FB-8F00-16DBE0C9C256}"/>
               </a:ext>
             </a:extLst>
           </p:cNvPr>
@@ -8740,7 +8723,7 @@
           <p:cNvPr id="6" name="Slide Number Placeholder 5">
             <a:extLst>
               <a:ext uri="{FF2B5EF4-FFF2-40B4-BE49-F238E27FC236}">
-                <a16:creationId xmlns="" xmlns:a16="http://schemas.microsoft.com/office/drawing/2014/main" id="{5D694EAE-CB3C-4DEF-A66D-583C7AAC92D8}"/>
+                <a16:creationId xmlns:a16="http://schemas.microsoft.com/office/drawing/2014/main" xmlns="" id="{5D694EAE-CB3C-4DEF-A66D-583C7AAC92D8}"/>
               </a:ext>
             </a:extLst>
           </p:cNvPr>
@@ -8799,7 +8782,7 @@
           <p:cNvPr id="2" name="Title 1">
             <a:extLst>
               <a:ext uri="{FF2B5EF4-FFF2-40B4-BE49-F238E27FC236}">
-                <a16:creationId xmlns="" xmlns:a16="http://schemas.microsoft.com/office/drawing/2014/main" id="{4C807FBE-061D-452C-A8A6-213063CFD678}"/>
+                <a16:creationId xmlns:a16="http://schemas.microsoft.com/office/drawing/2014/main" xmlns="" id="{4C807FBE-061D-452C-A8A6-213063CFD678}"/>
               </a:ext>
             </a:extLst>
           </p:cNvPr>
@@ -8828,7 +8811,7 @@
           <p:cNvPr id="3" name="Content Placeholder 2">
             <a:extLst>
               <a:ext uri="{FF2B5EF4-FFF2-40B4-BE49-F238E27FC236}">
-                <a16:creationId xmlns="" xmlns:a16="http://schemas.microsoft.com/office/drawing/2014/main" id="{433A3535-1708-499D-B5D2-7D8F9FD182D0}"/>
+                <a16:creationId xmlns:a16="http://schemas.microsoft.com/office/drawing/2014/main" xmlns="" id="{433A3535-1708-499D-B5D2-7D8F9FD182D0}"/>
               </a:ext>
             </a:extLst>
           </p:cNvPr>
@@ -8886,7 +8869,7 @@
           <p:cNvPr id="4" name="Date Placeholder 3">
             <a:extLst>
               <a:ext uri="{FF2B5EF4-FFF2-40B4-BE49-F238E27FC236}">
-                <a16:creationId xmlns="" xmlns:a16="http://schemas.microsoft.com/office/drawing/2014/main" id="{ACB06063-A112-49AB-80C8-504D99ECD771}"/>
+                <a16:creationId xmlns:a16="http://schemas.microsoft.com/office/drawing/2014/main" xmlns="" id="{ACB06063-A112-49AB-80C8-504D99ECD771}"/>
               </a:ext>
             </a:extLst>
           </p:cNvPr>
@@ -8904,7 +8887,7 @@
           <a:p>
             <a:fld id="{4B158ED4-9E6D-4EF7-AC4C-943112BEE7E8}" type="datetime1">
               <a:rPr lang="en-US" smtClean="0"/>
-              <a:t>5/9/2019</a:t>
+              <a:t>5/20/2019</a:t>
             </a:fld>
             <a:endParaRPr lang="en-US" dirty="0"/>
           </a:p>
@@ -8915,7 +8898,7 @@
           <p:cNvPr id="5" name="Footer Placeholder 4">
             <a:extLst>
               <a:ext uri="{FF2B5EF4-FFF2-40B4-BE49-F238E27FC236}">
-                <a16:creationId xmlns="" xmlns:a16="http://schemas.microsoft.com/office/drawing/2014/main" id="{6344C8D5-F898-4318-A76D-1FBD87329198}"/>
+                <a16:creationId xmlns:a16="http://schemas.microsoft.com/office/drawing/2014/main" xmlns="" id="{6344C8D5-F898-4318-A76D-1FBD87329198}"/>
               </a:ext>
             </a:extLst>
           </p:cNvPr>
@@ -8940,7 +8923,7 @@
           <p:cNvPr id="6" name="Slide Number Placeholder 5">
             <a:extLst>
               <a:ext uri="{FF2B5EF4-FFF2-40B4-BE49-F238E27FC236}">
-                <a16:creationId xmlns="" xmlns:a16="http://schemas.microsoft.com/office/drawing/2014/main" id="{2976EC76-E8E8-4FFA-B671-7FA2F3EF5DEF}"/>
+                <a16:creationId xmlns:a16="http://schemas.microsoft.com/office/drawing/2014/main" xmlns="" id="{2976EC76-E8E8-4FFA-B671-7FA2F3EF5DEF}"/>
               </a:ext>
             </a:extLst>
           </p:cNvPr>
@@ -8999,7 +8982,7 @@
           <p:cNvPr id="2" name="Title 1">
             <a:extLst>
               <a:ext uri="{FF2B5EF4-FFF2-40B4-BE49-F238E27FC236}">
-                <a16:creationId xmlns="" xmlns:a16="http://schemas.microsoft.com/office/drawing/2014/main" id="{B6C2CABF-E3C1-431A-A69C-D4881CC43F0F}"/>
+                <a16:creationId xmlns:a16="http://schemas.microsoft.com/office/drawing/2014/main" xmlns="" id="{B6C2CABF-E3C1-431A-A69C-D4881CC43F0F}"/>
               </a:ext>
             </a:extLst>
           </p:cNvPr>
@@ -9037,7 +9020,7 @@
           <p:cNvPr id="3" name="Text Placeholder 2">
             <a:extLst>
               <a:ext uri="{FF2B5EF4-FFF2-40B4-BE49-F238E27FC236}">
-                <a16:creationId xmlns="" xmlns:a16="http://schemas.microsoft.com/office/drawing/2014/main" id="{D5584226-69DA-4211-B2C8-C29FD05A4A69}"/>
+                <a16:creationId xmlns:a16="http://schemas.microsoft.com/office/drawing/2014/main" xmlns="" id="{D5584226-69DA-4211-B2C8-C29FD05A4A69}"/>
               </a:ext>
             </a:extLst>
           </p:cNvPr>
@@ -9162,7 +9145,7 @@
           <p:cNvPr id="4" name="Date Placeholder 3">
             <a:extLst>
               <a:ext uri="{FF2B5EF4-FFF2-40B4-BE49-F238E27FC236}">
-                <a16:creationId xmlns="" xmlns:a16="http://schemas.microsoft.com/office/drawing/2014/main" id="{D5FF82DB-B518-40FD-8A66-44B874C055FB}"/>
+                <a16:creationId xmlns:a16="http://schemas.microsoft.com/office/drawing/2014/main" xmlns="" id="{D5FF82DB-B518-40FD-8A66-44B874C055FB}"/>
               </a:ext>
             </a:extLst>
           </p:cNvPr>
@@ -9180,7 +9163,7 @@
           <a:p>
             <a:fld id="{2C6FCAE2-B860-418B-BAC4-C92EF3E863ED}" type="datetime1">
               <a:rPr lang="en-US" smtClean="0"/>
-              <a:t>5/9/2019</a:t>
+              <a:t>5/20/2019</a:t>
             </a:fld>
             <a:endParaRPr lang="en-US" dirty="0"/>
           </a:p>
@@ -9191,7 +9174,7 @@
           <p:cNvPr id="5" name="Footer Placeholder 4">
             <a:extLst>
               <a:ext uri="{FF2B5EF4-FFF2-40B4-BE49-F238E27FC236}">
-                <a16:creationId xmlns="" xmlns:a16="http://schemas.microsoft.com/office/drawing/2014/main" id="{FCC1CCEE-725F-4745-837B-87EFB70E71D8}"/>
+                <a16:creationId xmlns:a16="http://schemas.microsoft.com/office/drawing/2014/main" xmlns="" id="{FCC1CCEE-725F-4745-837B-87EFB70E71D8}"/>
               </a:ext>
             </a:extLst>
           </p:cNvPr>
@@ -9216,7 +9199,7 @@
           <p:cNvPr id="6" name="Slide Number Placeholder 5">
             <a:extLst>
               <a:ext uri="{FF2B5EF4-FFF2-40B4-BE49-F238E27FC236}">
-                <a16:creationId xmlns="" xmlns:a16="http://schemas.microsoft.com/office/drawing/2014/main" id="{C561522A-E0E6-406B-BF30-A7C7A57294BE}"/>
+                <a16:creationId xmlns:a16="http://schemas.microsoft.com/office/drawing/2014/main" xmlns="" id="{C561522A-E0E6-406B-BF30-A7C7A57294BE}"/>
               </a:ext>
             </a:extLst>
           </p:cNvPr>
@@ -9275,7 +9258,7 @@
           <p:cNvPr id="2" name="Title 1">
             <a:extLst>
               <a:ext uri="{FF2B5EF4-FFF2-40B4-BE49-F238E27FC236}">
-                <a16:creationId xmlns="" xmlns:a16="http://schemas.microsoft.com/office/drawing/2014/main" id="{DBCC9BDC-6F21-4EF5-A8DD-E35E27EACA58}"/>
+                <a16:creationId xmlns:a16="http://schemas.microsoft.com/office/drawing/2014/main" xmlns="" id="{DBCC9BDC-6F21-4EF5-A8DD-E35E27EACA58}"/>
               </a:ext>
             </a:extLst>
           </p:cNvPr>
@@ -9304,7 +9287,7 @@
           <p:cNvPr id="3" name="Content Placeholder 2">
             <a:extLst>
               <a:ext uri="{FF2B5EF4-FFF2-40B4-BE49-F238E27FC236}">
-                <a16:creationId xmlns="" xmlns:a16="http://schemas.microsoft.com/office/drawing/2014/main" id="{6B968D5F-2AB6-42D3-A54E-AB3E60325170}"/>
+                <a16:creationId xmlns:a16="http://schemas.microsoft.com/office/drawing/2014/main" xmlns="" id="{6B968D5F-2AB6-42D3-A54E-AB3E60325170}"/>
               </a:ext>
             </a:extLst>
           </p:cNvPr>
@@ -9367,7 +9350,7 @@
           <p:cNvPr id="4" name="Content Placeholder 3">
             <a:extLst>
               <a:ext uri="{FF2B5EF4-FFF2-40B4-BE49-F238E27FC236}">
-                <a16:creationId xmlns="" xmlns:a16="http://schemas.microsoft.com/office/drawing/2014/main" id="{465AB07F-D5F7-402A-AE4E-027BF1CA9127}"/>
+                <a16:creationId xmlns:a16="http://schemas.microsoft.com/office/drawing/2014/main" xmlns="" id="{465AB07F-D5F7-402A-AE4E-027BF1CA9127}"/>
               </a:ext>
             </a:extLst>
           </p:cNvPr>
@@ -9430,7 +9413,7 @@
           <p:cNvPr id="5" name="Date Placeholder 4">
             <a:extLst>
               <a:ext uri="{FF2B5EF4-FFF2-40B4-BE49-F238E27FC236}">
-                <a16:creationId xmlns="" xmlns:a16="http://schemas.microsoft.com/office/drawing/2014/main" id="{85108EDC-3863-43B9-93C7-37465DC73B28}"/>
+                <a16:creationId xmlns:a16="http://schemas.microsoft.com/office/drawing/2014/main" xmlns="" id="{85108EDC-3863-43B9-93C7-37465DC73B28}"/>
               </a:ext>
             </a:extLst>
           </p:cNvPr>
@@ -9448,7 +9431,7 @@
           <a:p>
             <a:fld id="{521EC74A-BCAA-449D-B387-1E1F66FCB645}" type="datetime1">
               <a:rPr lang="en-US" smtClean="0"/>
-              <a:t>5/9/2019</a:t>
+              <a:t>5/20/2019</a:t>
             </a:fld>
             <a:endParaRPr lang="en-US" dirty="0"/>
           </a:p>
@@ -9459,7 +9442,7 @@
           <p:cNvPr id="6" name="Footer Placeholder 5">
             <a:extLst>
               <a:ext uri="{FF2B5EF4-FFF2-40B4-BE49-F238E27FC236}">
-                <a16:creationId xmlns="" xmlns:a16="http://schemas.microsoft.com/office/drawing/2014/main" id="{A777D452-958D-4159-A9A4-16DD29680A04}"/>
+                <a16:creationId xmlns:a16="http://schemas.microsoft.com/office/drawing/2014/main" xmlns="" id="{A777D452-958D-4159-A9A4-16DD29680A04}"/>
               </a:ext>
             </a:extLst>
           </p:cNvPr>
@@ -9484,7 +9467,7 @@
           <p:cNvPr id="7" name="Slide Number Placeholder 6">
             <a:extLst>
               <a:ext uri="{FF2B5EF4-FFF2-40B4-BE49-F238E27FC236}">
-                <a16:creationId xmlns="" xmlns:a16="http://schemas.microsoft.com/office/drawing/2014/main" id="{289654B6-1460-48B9-AC7E-592F68BAB276}"/>
+                <a16:creationId xmlns:a16="http://schemas.microsoft.com/office/drawing/2014/main" xmlns="" id="{289654B6-1460-48B9-AC7E-592F68BAB276}"/>
               </a:ext>
             </a:extLst>
           </p:cNvPr>
@@ -9543,7 +9526,7 @@
           <p:cNvPr id="2" name="Title 1">
             <a:extLst>
               <a:ext uri="{FF2B5EF4-FFF2-40B4-BE49-F238E27FC236}">
-                <a16:creationId xmlns="" xmlns:a16="http://schemas.microsoft.com/office/drawing/2014/main" id="{7EE8C848-926A-4FD3-A311-A100A2662BE1}"/>
+                <a16:creationId xmlns:a16="http://schemas.microsoft.com/office/drawing/2014/main" xmlns="" id="{7EE8C848-926A-4FD3-A311-A100A2662BE1}"/>
               </a:ext>
             </a:extLst>
           </p:cNvPr>
@@ -9577,7 +9560,7 @@
           <p:cNvPr id="3" name="Text Placeholder 2">
             <a:extLst>
               <a:ext uri="{FF2B5EF4-FFF2-40B4-BE49-F238E27FC236}">
-                <a16:creationId xmlns="" xmlns:a16="http://schemas.microsoft.com/office/drawing/2014/main" id="{3C8ECD90-B4F0-4DFB-BB3D-F2310207896F}"/>
+                <a16:creationId xmlns:a16="http://schemas.microsoft.com/office/drawing/2014/main" xmlns="" id="{3C8ECD90-B4F0-4DFB-BB3D-F2310207896F}"/>
               </a:ext>
             </a:extLst>
           </p:cNvPr>
@@ -9648,7 +9631,7 @@
           <p:cNvPr id="4" name="Content Placeholder 3">
             <a:extLst>
               <a:ext uri="{FF2B5EF4-FFF2-40B4-BE49-F238E27FC236}">
-                <a16:creationId xmlns="" xmlns:a16="http://schemas.microsoft.com/office/drawing/2014/main" id="{335A6C3A-033E-474B-AB97-D8291A04E7DD}"/>
+                <a16:creationId xmlns:a16="http://schemas.microsoft.com/office/drawing/2014/main" xmlns="" id="{335A6C3A-033E-474B-AB97-D8291A04E7DD}"/>
               </a:ext>
             </a:extLst>
           </p:cNvPr>
@@ -9711,7 +9694,7 @@
           <p:cNvPr id="5" name="Text Placeholder 4">
             <a:extLst>
               <a:ext uri="{FF2B5EF4-FFF2-40B4-BE49-F238E27FC236}">
-                <a16:creationId xmlns="" xmlns:a16="http://schemas.microsoft.com/office/drawing/2014/main" id="{A532B928-3A23-4FCA-AD1F-E45A467B54F5}"/>
+                <a16:creationId xmlns:a16="http://schemas.microsoft.com/office/drawing/2014/main" xmlns="" id="{A532B928-3A23-4FCA-AD1F-E45A467B54F5}"/>
               </a:ext>
             </a:extLst>
           </p:cNvPr>
@@ -9782,7 +9765,7 @@
           <p:cNvPr id="6" name="Content Placeholder 5">
             <a:extLst>
               <a:ext uri="{FF2B5EF4-FFF2-40B4-BE49-F238E27FC236}">
-                <a16:creationId xmlns="" xmlns:a16="http://schemas.microsoft.com/office/drawing/2014/main" id="{3BDC8376-6FC6-4A11-B0DB-9A148E9C00E2}"/>
+                <a16:creationId xmlns:a16="http://schemas.microsoft.com/office/drawing/2014/main" xmlns="" id="{3BDC8376-6FC6-4A11-B0DB-9A148E9C00E2}"/>
               </a:ext>
             </a:extLst>
           </p:cNvPr>
@@ -9845,7 +9828,7 @@
           <p:cNvPr id="7" name="Date Placeholder 6">
             <a:extLst>
               <a:ext uri="{FF2B5EF4-FFF2-40B4-BE49-F238E27FC236}">
-                <a16:creationId xmlns="" xmlns:a16="http://schemas.microsoft.com/office/drawing/2014/main" id="{6E80206F-8846-425C-A56E-16FFBA442014}"/>
+                <a16:creationId xmlns:a16="http://schemas.microsoft.com/office/drawing/2014/main" xmlns="" id="{6E80206F-8846-425C-A56E-16FFBA442014}"/>
               </a:ext>
             </a:extLst>
           </p:cNvPr>
@@ -9863,7 +9846,7 @@
           <a:p>
             <a:fld id="{A44E568B-9848-4C04-B999-012EB66C6FF2}" type="datetime1">
               <a:rPr lang="en-US" smtClean="0"/>
-              <a:t>5/9/2019</a:t>
+              <a:t>5/20/2019</a:t>
             </a:fld>
             <a:endParaRPr lang="en-US" dirty="0"/>
           </a:p>
@@ -9874,7 +9857,7 @@
           <p:cNvPr id="8" name="Footer Placeholder 7">
             <a:extLst>
               <a:ext uri="{FF2B5EF4-FFF2-40B4-BE49-F238E27FC236}">
-                <a16:creationId xmlns="" xmlns:a16="http://schemas.microsoft.com/office/drawing/2014/main" id="{6A45E89F-12CF-4561-A5F2-1E05783A3063}"/>
+                <a16:creationId xmlns:a16="http://schemas.microsoft.com/office/drawing/2014/main" xmlns="" id="{6A45E89F-12CF-4561-A5F2-1E05783A3063}"/>
               </a:ext>
             </a:extLst>
           </p:cNvPr>
@@ -9899,7 +9882,7 @@
           <p:cNvPr id="9" name="Slide Number Placeholder 8">
             <a:extLst>
               <a:ext uri="{FF2B5EF4-FFF2-40B4-BE49-F238E27FC236}">
-                <a16:creationId xmlns="" xmlns:a16="http://schemas.microsoft.com/office/drawing/2014/main" id="{9EB4DFE4-927C-43B1-A061-5CB97FFB33BE}"/>
+                <a16:creationId xmlns:a16="http://schemas.microsoft.com/office/drawing/2014/main" xmlns="" id="{9EB4DFE4-927C-43B1-A061-5CB97FFB33BE}"/>
               </a:ext>
             </a:extLst>
           </p:cNvPr>
@@ -9958,7 +9941,7 @@
           <p:cNvPr id="2" name="Title 1">
             <a:extLst>
               <a:ext uri="{FF2B5EF4-FFF2-40B4-BE49-F238E27FC236}">
-                <a16:creationId xmlns="" xmlns:a16="http://schemas.microsoft.com/office/drawing/2014/main" id="{B560E367-8DA0-4655-BCBC-F4280D8642CD}"/>
+                <a16:creationId xmlns:a16="http://schemas.microsoft.com/office/drawing/2014/main" xmlns="" id="{B560E367-8DA0-4655-BCBC-F4280D8642CD}"/>
               </a:ext>
             </a:extLst>
           </p:cNvPr>
@@ -9987,7 +9970,7 @@
           <p:cNvPr id="3" name="Date Placeholder 2">
             <a:extLst>
               <a:ext uri="{FF2B5EF4-FFF2-40B4-BE49-F238E27FC236}">
-                <a16:creationId xmlns="" xmlns:a16="http://schemas.microsoft.com/office/drawing/2014/main" id="{2FEF9592-AA3C-4CF8-A5DB-4D010195A438}"/>
+                <a16:creationId xmlns:a16="http://schemas.microsoft.com/office/drawing/2014/main" xmlns="" id="{2FEF9592-AA3C-4CF8-A5DB-4D010195A438}"/>
               </a:ext>
             </a:extLst>
           </p:cNvPr>
@@ -10005,7 +9988,7 @@
           <a:p>
             <a:fld id="{F31BA86F-84DF-4725-8AE7-32C7D88FC8AF}" type="datetime1">
               <a:rPr lang="en-US" smtClean="0"/>
-              <a:t>5/9/2019</a:t>
+              <a:t>5/20/2019</a:t>
             </a:fld>
             <a:endParaRPr lang="en-US" dirty="0"/>
           </a:p>
@@ -10016,7 +9999,7 @@
           <p:cNvPr id="4" name="Footer Placeholder 3">
             <a:extLst>
               <a:ext uri="{FF2B5EF4-FFF2-40B4-BE49-F238E27FC236}">
-                <a16:creationId xmlns="" xmlns:a16="http://schemas.microsoft.com/office/drawing/2014/main" id="{3C2C9377-F93E-4515-852A-264707755154}"/>
+                <a16:creationId xmlns:a16="http://schemas.microsoft.com/office/drawing/2014/main" xmlns="" id="{3C2C9377-F93E-4515-852A-264707755154}"/>
               </a:ext>
             </a:extLst>
           </p:cNvPr>
@@ -10041,7 +10024,7 @@
           <p:cNvPr id="5" name="Slide Number Placeholder 4">
             <a:extLst>
               <a:ext uri="{FF2B5EF4-FFF2-40B4-BE49-F238E27FC236}">
-                <a16:creationId xmlns="" xmlns:a16="http://schemas.microsoft.com/office/drawing/2014/main" id="{9AED076D-476B-42BA-8795-14FE6C1E6974}"/>
+                <a16:creationId xmlns:a16="http://schemas.microsoft.com/office/drawing/2014/main" xmlns="" id="{9AED076D-476B-42BA-8795-14FE6C1E6974}"/>
               </a:ext>
             </a:extLst>
           </p:cNvPr>
@@ -10100,7 +10083,7 @@
           <p:cNvPr id="2" name="Date Placeholder 1">
             <a:extLst>
               <a:ext uri="{FF2B5EF4-FFF2-40B4-BE49-F238E27FC236}">
-                <a16:creationId xmlns="" xmlns:a16="http://schemas.microsoft.com/office/drawing/2014/main" id="{1EA599B4-6AB2-4190-82B5-7667EE1E922A}"/>
+                <a16:creationId xmlns:a16="http://schemas.microsoft.com/office/drawing/2014/main" xmlns="" id="{1EA599B4-6AB2-4190-82B5-7667EE1E922A}"/>
               </a:ext>
             </a:extLst>
           </p:cNvPr>
@@ -10118,7 +10101,7 @@
           <a:p>
             <a:fld id="{B2D8303A-6B99-4B71-BC66-35F897D102C8}" type="datetime1">
               <a:rPr lang="en-US" smtClean="0"/>
-              <a:t>5/9/2019</a:t>
+              <a:t>5/20/2019</a:t>
             </a:fld>
             <a:endParaRPr lang="en-US" dirty="0"/>
           </a:p>
@@ -10129,7 +10112,7 @@
           <p:cNvPr id="3" name="Footer Placeholder 2">
             <a:extLst>
               <a:ext uri="{FF2B5EF4-FFF2-40B4-BE49-F238E27FC236}">
-                <a16:creationId xmlns="" xmlns:a16="http://schemas.microsoft.com/office/drawing/2014/main" id="{1B8FBFB3-AD86-4E39-B8AE-B4EC14528156}"/>
+                <a16:creationId xmlns:a16="http://schemas.microsoft.com/office/drawing/2014/main" xmlns="" id="{1B8FBFB3-AD86-4E39-B8AE-B4EC14528156}"/>
               </a:ext>
             </a:extLst>
           </p:cNvPr>
@@ -10154,7 +10137,7 @@
           <p:cNvPr id="4" name="Slide Number Placeholder 3">
             <a:extLst>
               <a:ext uri="{FF2B5EF4-FFF2-40B4-BE49-F238E27FC236}">
-                <a16:creationId xmlns="" xmlns:a16="http://schemas.microsoft.com/office/drawing/2014/main" id="{B9A4AF55-C114-4B60-9A20-56B00A11B3BF}"/>
+                <a16:creationId xmlns:a16="http://schemas.microsoft.com/office/drawing/2014/main" xmlns="" id="{B9A4AF55-C114-4B60-9A20-56B00A11B3BF}"/>
               </a:ext>
             </a:extLst>
           </p:cNvPr>
@@ -10213,7 +10196,7 @@
           <p:cNvPr id="2" name="Title 1">
             <a:extLst>
               <a:ext uri="{FF2B5EF4-FFF2-40B4-BE49-F238E27FC236}">
-                <a16:creationId xmlns="" xmlns:a16="http://schemas.microsoft.com/office/drawing/2014/main" id="{70883DA1-5CB8-405D-9613-8A9B7BC5664C}"/>
+                <a16:creationId xmlns:a16="http://schemas.microsoft.com/office/drawing/2014/main" xmlns="" id="{70883DA1-5CB8-405D-9613-8A9B7BC5664C}"/>
               </a:ext>
             </a:extLst>
           </p:cNvPr>
@@ -10251,7 +10234,7 @@
           <p:cNvPr id="3" name="Content Placeholder 2">
             <a:extLst>
               <a:ext uri="{FF2B5EF4-FFF2-40B4-BE49-F238E27FC236}">
-                <a16:creationId xmlns="" xmlns:a16="http://schemas.microsoft.com/office/drawing/2014/main" id="{9842BB15-A24D-42E9-9CAE-BB827226301E}"/>
+                <a16:creationId xmlns:a16="http://schemas.microsoft.com/office/drawing/2014/main" xmlns="" id="{9842BB15-A24D-42E9-9CAE-BB827226301E}"/>
               </a:ext>
             </a:extLst>
           </p:cNvPr>
@@ -10342,7 +10325,7 @@
           <p:cNvPr id="4" name="Text Placeholder 3">
             <a:extLst>
               <a:ext uri="{FF2B5EF4-FFF2-40B4-BE49-F238E27FC236}">
-                <a16:creationId xmlns="" xmlns:a16="http://schemas.microsoft.com/office/drawing/2014/main" id="{78F0849D-D3C3-462A-9751-4EAB0B9145E4}"/>
+                <a16:creationId xmlns:a16="http://schemas.microsoft.com/office/drawing/2014/main" xmlns="" id="{78F0849D-D3C3-462A-9751-4EAB0B9145E4}"/>
               </a:ext>
             </a:extLst>
           </p:cNvPr>
@@ -10413,7 +10396,7 @@
           <p:cNvPr id="5" name="Date Placeholder 4">
             <a:extLst>
               <a:ext uri="{FF2B5EF4-FFF2-40B4-BE49-F238E27FC236}">
-                <a16:creationId xmlns="" xmlns:a16="http://schemas.microsoft.com/office/drawing/2014/main" id="{F180DD20-7A20-4574-98A4-427795876739}"/>
+                <a16:creationId xmlns:a16="http://schemas.microsoft.com/office/drawing/2014/main" xmlns="" id="{F180DD20-7A20-4574-98A4-427795876739}"/>
               </a:ext>
             </a:extLst>
           </p:cNvPr>
@@ -10431,7 +10414,7 @@
           <a:p>
             <a:fld id="{169B406E-D2EC-4F98-8AB2-DA5ED680FB5B}" type="datetime1">
               <a:rPr lang="en-US" smtClean="0"/>
-              <a:t>5/9/2019</a:t>
+              <a:t>5/20/2019</a:t>
             </a:fld>
             <a:endParaRPr lang="en-US" dirty="0"/>
           </a:p>
@@ -10442,7 +10425,7 @@
           <p:cNvPr id="6" name="Footer Placeholder 5">
             <a:extLst>
               <a:ext uri="{FF2B5EF4-FFF2-40B4-BE49-F238E27FC236}">
-                <a16:creationId xmlns="" xmlns:a16="http://schemas.microsoft.com/office/drawing/2014/main" id="{54D0ED2B-71C4-421A-9DB0-676E00C10BDC}"/>
+                <a16:creationId xmlns:a16="http://schemas.microsoft.com/office/drawing/2014/main" xmlns="" id="{54D0ED2B-71C4-421A-9DB0-676E00C10BDC}"/>
               </a:ext>
             </a:extLst>
           </p:cNvPr>
@@ -10467,7 +10450,7 @@
           <p:cNvPr id="7" name="Slide Number Placeholder 6">
             <a:extLst>
               <a:ext uri="{FF2B5EF4-FFF2-40B4-BE49-F238E27FC236}">
-                <a16:creationId xmlns="" xmlns:a16="http://schemas.microsoft.com/office/drawing/2014/main" id="{78C4572A-ADFC-4C53-BCA2-42BDF693BC4D}"/>
+                <a16:creationId xmlns:a16="http://schemas.microsoft.com/office/drawing/2014/main" xmlns="" id="{78C4572A-ADFC-4C53-BCA2-42BDF693BC4D}"/>
               </a:ext>
             </a:extLst>
           </p:cNvPr>
@@ -10526,7 +10509,7 @@
           <p:cNvPr id="2" name="Title 1">
             <a:extLst>
               <a:ext uri="{FF2B5EF4-FFF2-40B4-BE49-F238E27FC236}">
-                <a16:creationId xmlns="" xmlns:a16="http://schemas.microsoft.com/office/drawing/2014/main" id="{028F5C67-EEEC-4AB0-9653-0F80D6B10941}"/>
+                <a16:creationId xmlns:a16="http://schemas.microsoft.com/office/drawing/2014/main" xmlns="" id="{028F5C67-EEEC-4AB0-9653-0F80D6B10941}"/>
               </a:ext>
             </a:extLst>
           </p:cNvPr>
@@ -10564,7 +10547,7 @@
           <p:cNvPr id="3" name="Picture Placeholder 2">
             <a:extLst>
               <a:ext uri="{FF2B5EF4-FFF2-40B4-BE49-F238E27FC236}">
-                <a16:creationId xmlns="" xmlns:a16="http://schemas.microsoft.com/office/drawing/2014/main" id="{1DD50D6D-5277-4324-AF23-5FAF007834EB}"/>
+                <a16:creationId xmlns:a16="http://schemas.microsoft.com/office/drawing/2014/main" xmlns="" id="{1DD50D6D-5277-4324-AF23-5FAF007834EB}"/>
               </a:ext>
             </a:extLst>
           </p:cNvPr>
@@ -10635,7 +10618,7 @@
           <p:cNvPr id="4" name="Text Placeholder 3">
             <a:extLst>
               <a:ext uri="{FF2B5EF4-FFF2-40B4-BE49-F238E27FC236}">
-                <a16:creationId xmlns="" xmlns:a16="http://schemas.microsoft.com/office/drawing/2014/main" id="{75275657-2BF9-4761-96B6-50EE3CFCFAD0}"/>
+                <a16:creationId xmlns:a16="http://schemas.microsoft.com/office/drawing/2014/main" xmlns="" id="{75275657-2BF9-4761-96B6-50EE3CFCFAD0}"/>
               </a:ext>
             </a:extLst>
           </p:cNvPr>
@@ -10706,7 +10689,7 @@
           <p:cNvPr id="5" name="Date Placeholder 4">
             <a:extLst>
               <a:ext uri="{FF2B5EF4-FFF2-40B4-BE49-F238E27FC236}">
-                <a16:creationId xmlns="" xmlns:a16="http://schemas.microsoft.com/office/drawing/2014/main" id="{5C3C3F7B-A4C8-4F9D-8165-BC5186EA0929}"/>
+                <a16:creationId xmlns:a16="http://schemas.microsoft.com/office/drawing/2014/main" xmlns="" id="{5C3C3F7B-A4C8-4F9D-8165-BC5186EA0929}"/>
               </a:ext>
             </a:extLst>
           </p:cNvPr>
@@ -10724,7 +10707,7 @@
           <a:p>
             <a:fld id="{DBFDA130-C3F4-4D3D-94C4-2C4828A712E1}" type="datetime1">
               <a:rPr lang="en-US" smtClean="0"/>
-              <a:t>5/9/2019</a:t>
+              <a:t>5/20/2019</a:t>
             </a:fld>
             <a:endParaRPr lang="en-US" dirty="0"/>
           </a:p>
@@ -10735,7 +10718,7 @@
           <p:cNvPr id="6" name="Footer Placeholder 5">
             <a:extLst>
               <a:ext uri="{FF2B5EF4-FFF2-40B4-BE49-F238E27FC236}">
-                <a16:creationId xmlns="" xmlns:a16="http://schemas.microsoft.com/office/drawing/2014/main" id="{DE696EA5-2FA2-464D-982F-C53E6426A843}"/>
+                <a16:creationId xmlns:a16="http://schemas.microsoft.com/office/drawing/2014/main" xmlns="" id="{DE696EA5-2FA2-464D-982F-C53E6426A843}"/>
               </a:ext>
             </a:extLst>
           </p:cNvPr>
@@ -10760,7 +10743,7 @@
           <p:cNvPr id="7" name="Slide Number Placeholder 6">
             <a:extLst>
               <a:ext uri="{FF2B5EF4-FFF2-40B4-BE49-F238E27FC236}">
-                <a16:creationId xmlns="" xmlns:a16="http://schemas.microsoft.com/office/drawing/2014/main" id="{8911B398-191B-4AB1-86ED-00D0046EACF5}"/>
+                <a16:creationId xmlns:a16="http://schemas.microsoft.com/office/drawing/2014/main" xmlns="" id="{8911B398-191B-4AB1-86ED-00D0046EACF5}"/>
               </a:ext>
             </a:extLst>
           </p:cNvPr>
@@ -10824,7 +10807,7 @@
           <p:cNvPr id="2" name="Title Placeholder 1">
             <a:extLst>
               <a:ext uri="{FF2B5EF4-FFF2-40B4-BE49-F238E27FC236}">
-                <a16:creationId xmlns="" xmlns:a16="http://schemas.microsoft.com/office/drawing/2014/main" id="{7B3445CA-54C1-4DDE-A216-DD2414E3F593}"/>
+                <a16:creationId xmlns:a16="http://schemas.microsoft.com/office/drawing/2014/main" xmlns="" id="{7B3445CA-54C1-4DDE-A216-DD2414E3F593}"/>
               </a:ext>
             </a:extLst>
           </p:cNvPr>
@@ -10863,7 +10846,7 @@
           <p:cNvPr id="3" name="Text Placeholder 2">
             <a:extLst>
               <a:ext uri="{FF2B5EF4-FFF2-40B4-BE49-F238E27FC236}">
-                <a16:creationId xmlns="" xmlns:a16="http://schemas.microsoft.com/office/drawing/2014/main" id="{0306395A-6879-4E93-B24E-067F88AC1D69}"/>
+                <a16:creationId xmlns:a16="http://schemas.microsoft.com/office/drawing/2014/main" xmlns="" id="{0306395A-6879-4E93-B24E-067F88AC1D69}"/>
               </a:ext>
             </a:extLst>
           </p:cNvPr>
@@ -10930,7 +10913,7 @@
           <p:cNvPr id="4" name="Date Placeholder 3">
             <a:extLst>
               <a:ext uri="{FF2B5EF4-FFF2-40B4-BE49-F238E27FC236}">
-                <a16:creationId xmlns="" xmlns:a16="http://schemas.microsoft.com/office/drawing/2014/main" id="{9450FF5B-A6A6-4F0F-AA5D-3F0F69A43AEB}"/>
+                <a16:creationId xmlns:a16="http://schemas.microsoft.com/office/drawing/2014/main" xmlns="" id="{9450FF5B-A6A6-4F0F-AA5D-3F0F69A43AEB}"/>
               </a:ext>
             </a:extLst>
           </p:cNvPr>
@@ -10966,7 +10949,7 @@
           <a:p>
             <a:fld id="{EE22ADEE-7547-4804-BC33-3D345F8ECA1B}" type="datetime1">
               <a:rPr lang="en-US" smtClean="0"/>
-              <a:t>5/9/2019</a:t>
+              <a:t>5/20/2019</a:t>
             </a:fld>
             <a:endParaRPr lang="en-US" dirty="0"/>
           </a:p>
@@ -10977,7 +10960,7 @@
           <p:cNvPr id="5" name="Footer Placeholder 4">
             <a:extLst>
               <a:ext uri="{FF2B5EF4-FFF2-40B4-BE49-F238E27FC236}">
-                <a16:creationId xmlns="" xmlns:a16="http://schemas.microsoft.com/office/drawing/2014/main" id="{FA798FAA-76CC-42EF-8BE0-466A41BBAB09}"/>
+                <a16:creationId xmlns:a16="http://schemas.microsoft.com/office/drawing/2014/main" xmlns="" id="{FA798FAA-76CC-42EF-8BE0-466A41BBAB09}"/>
               </a:ext>
             </a:extLst>
           </p:cNvPr>
@@ -11020,7 +11003,7 @@
           <p:cNvPr id="6" name="Slide Number Placeholder 5">
             <a:extLst>
               <a:ext uri="{FF2B5EF4-FFF2-40B4-BE49-F238E27FC236}">
-                <a16:creationId xmlns="" xmlns:a16="http://schemas.microsoft.com/office/drawing/2014/main" id="{5149FF02-6890-4E10-B958-1097AD32C6FA}"/>
+                <a16:creationId xmlns:a16="http://schemas.microsoft.com/office/drawing/2014/main" xmlns="" id="{5149FF02-6890-4E10-B958-1097AD32C6FA}"/>
               </a:ext>
             </a:extLst>
           </p:cNvPr>
@@ -11406,7 +11389,7 @@
           <p:cNvPr id="2" name="Title 1">
             <a:extLst>
               <a:ext uri="{FF2B5EF4-FFF2-40B4-BE49-F238E27FC236}">
-                <a16:creationId xmlns="" xmlns:a16="http://schemas.microsoft.com/office/drawing/2014/main" id="{C4300AEF-1595-4419-801B-6E36A33BB8CF}"/>
+                <a16:creationId xmlns:a16="http://schemas.microsoft.com/office/drawing/2014/main" xmlns="" id="{C4300AEF-1595-4419-801B-6E36A33BB8CF}"/>
               </a:ext>
             </a:extLst>
           </p:cNvPr>
@@ -11473,10 +11456,10 @@
           <p:cNvPr id="4" name="Diamond 3">
             <a:extLst>
               <a:ext uri="{FF2B5EF4-FFF2-40B4-BE49-F238E27FC236}">
-                <a16:creationId xmlns="" xmlns:a16="http://schemas.microsoft.com/office/drawing/2014/main" id="{1C59176D-59A8-4C02-B448-EE01232FB3E7}"/>
+                <a16:creationId xmlns:a16="http://schemas.microsoft.com/office/drawing/2014/main" xmlns="" id="{1C59176D-59A8-4C02-B448-EE01232FB3E7}"/>
               </a:ext>
               <a:ext uri="{C183D7F6-B498-43B3-948B-1728B52AA6E4}">
-                <adec:decorative xmlns="" xmlns:adec="http://schemas.microsoft.com/office/drawing/2017/decorative" val="1"/>
+                <adec:decorative xmlns:adec="http://schemas.microsoft.com/office/drawing/2017/decorative" xmlns="" val="1"/>
               </a:ext>
             </a:extLst>
           </p:cNvPr>
@@ -11528,10 +11511,10 @@
           <p:cNvPr id="5" name="Diamond 4">
             <a:extLst>
               <a:ext uri="{FF2B5EF4-FFF2-40B4-BE49-F238E27FC236}">
-                <a16:creationId xmlns="" xmlns:a16="http://schemas.microsoft.com/office/drawing/2014/main" id="{A50B1817-3C7F-41BC-8557-7A00C928EE16}"/>
+                <a16:creationId xmlns:a16="http://schemas.microsoft.com/office/drawing/2014/main" xmlns="" id="{A50B1817-3C7F-41BC-8557-7A00C928EE16}"/>
               </a:ext>
               <a:ext uri="{C183D7F6-B498-43B3-948B-1728B52AA6E4}">
-                <adec:decorative xmlns="" xmlns:adec="http://schemas.microsoft.com/office/drawing/2017/decorative" val="1"/>
+                <adec:decorative xmlns:adec="http://schemas.microsoft.com/office/drawing/2017/decorative" xmlns="" val="1"/>
               </a:ext>
             </a:extLst>
           </p:cNvPr>
@@ -11583,7 +11566,7 @@
           <p:cNvPr id="7" name="Group 6" descr="Icon of chart. ">
             <a:extLst>
               <a:ext uri="{FF2B5EF4-FFF2-40B4-BE49-F238E27FC236}">
-                <a16:creationId xmlns="" xmlns:a16="http://schemas.microsoft.com/office/drawing/2014/main" id="{B95DF07A-CE7E-4D89-9AA0-25F4FFF3B9C7}"/>
+                <a16:creationId xmlns:a16="http://schemas.microsoft.com/office/drawing/2014/main" xmlns="" id="{B95DF07A-CE7E-4D89-9AA0-25F4FFF3B9C7}"/>
               </a:ext>
             </a:extLst>
           </p:cNvPr>
@@ -11606,7 +11589,7 @@
             <p:cNvPr id="8" name="Freeform 565">
               <a:extLst>
                 <a:ext uri="{FF2B5EF4-FFF2-40B4-BE49-F238E27FC236}">
-                  <a16:creationId xmlns="" xmlns:a16="http://schemas.microsoft.com/office/drawing/2014/main" id="{548FC78B-EF83-4185-A63D-1A5A85640B62}"/>
+                  <a16:creationId xmlns:a16="http://schemas.microsoft.com/office/drawing/2014/main" xmlns="" id="{548FC78B-EF83-4185-A63D-1A5A85640B62}"/>
                 </a:ext>
               </a:extLst>
             </p:cNvPr>
@@ -12296,7 +12279,7 @@
             <p:cNvPr id="9" name="Freeform 566">
               <a:extLst>
                 <a:ext uri="{FF2B5EF4-FFF2-40B4-BE49-F238E27FC236}">
-                  <a16:creationId xmlns="" xmlns:a16="http://schemas.microsoft.com/office/drawing/2014/main" id="{B7B50F87-A3AA-4FB6-9692-24BF5512FC5B}"/>
+                  <a16:creationId xmlns:a16="http://schemas.microsoft.com/office/drawing/2014/main" xmlns="" id="{B7B50F87-A3AA-4FB6-9692-24BF5512FC5B}"/>
                 </a:ext>
               </a:extLst>
             </p:cNvPr>
@@ -12901,7 +12884,7 @@
           <p:cNvPr id="7" name="Title 6" hidden="1">
             <a:extLst>
               <a:ext uri="{FF2B5EF4-FFF2-40B4-BE49-F238E27FC236}">
-                <a16:creationId xmlns="" xmlns:a16="http://schemas.microsoft.com/office/drawing/2014/main" id="{166BC32C-2E11-43D3-963B-9766918E0FE5}"/>
+                <a16:creationId xmlns:a16="http://schemas.microsoft.com/office/drawing/2014/main" xmlns="" id="{166BC32C-2E11-43D3-963B-9766918E0FE5}"/>
               </a:ext>
             </a:extLst>
           </p:cNvPr>
@@ -12934,10 +12917,10 @@
           <p:cNvPr id="8" name="Straight Connector 7">
             <a:extLst>
               <a:ext uri="{FF2B5EF4-FFF2-40B4-BE49-F238E27FC236}">
-                <a16:creationId xmlns="" xmlns:a16="http://schemas.microsoft.com/office/drawing/2014/main" id="{D0986099-F5F2-4E8B-BE17-81194861A00C}"/>
+                <a16:creationId xmlns:a16="http://schemas.microsoft.com/office/drawing/2014/main" xmlns="" id="{D0986099-F5F2-4E8B-BE17-81194861A00C}"/>
               </a:ext>
               <a:ext uri="{C183D7F6-B498-43B3-948B-1728B52AA6E4}">
-                <adec:decorative xmlns="" xmlns:adec="http://schemas.microsoft.com/office/drawing/2017/decorative" val="1"/>
+                <adec:decorative xmlns:adec="http://schemas.microsoft.com/office/drawing/2017/decorative" xmlns="" val="1"/>
               </a:ext>
             </a:extLst>
           </p:cNvPr>
@@ -12983,7 +12966,7 @@
           <p:cNvPr id="11" name="Title 1">
             <a:extLst>
               <a:ext uri="{FF2B5EF4-FFF2-40B4-BE49-F238E27FC236}">
-                <a16:creationId xmlns="" xmlns:a16="http://schemas.microsoft.com/office/drawing/2014/main" id="{4E3F5479-058B-4FA8-92E9-18CAB8CDC5C5}"/>
+                <a16:creationId xmlns:a16="http://schemas.microsoft.com/office/drawing/2014/main" xmlns="" id="{4E3F5479-058B-4FA8-92E9-18CAB8CDC5C5}"/>
               </a:ext>
             </a:extLst>
           </p:cNvPr>
@@ -13074,10 +13057,10 @@
           <p:cNvPr id="14" name="Straight Connector 13">
             <a:extLst>
               <a:ext uri="{FF2B5EF4-FFF2-40B4-BE49-F238E27FC236}">
-                <a16:creationId xmlns="" xmlns:a16="http://schemas.microsoft.com/office/drawing/2014/main" id="{83E690F4-843A-47A5-8620-4FB01C0D8E68}"/>
+                <a16:creationId xmlns:a16="http://schemas.microsoft.com/office/drawing/2014/main" xmlns="" id="{83E690F4-843A-47A5-8620-4FB01C0D8E68}"/>
               </a:ext>
               <a:ext uri="{C183D7F6-B498-43B3-948B-1728B52AA6E4}">
-                <adec:decorative xmlns="" xmlns:adec="http://schemas.microsoft.com/office/drawing/2017/decorative" val="1"/>
+                <adec:decorative xmlns:adec="http://schemas.microsoft.com/office/drawing/2017/decorative" xmlns="" val="1"/>
               </a:ext>
             </a:extLst>
           </p:cNvPr>
@@ -13228,7 +13211,7 @@
           <p:cNvPr id="7" name="Title 6" hidden="1">
             <a:extLst>
               <a:ext uri="{FF2B5EF4-FFF2-40B4-BE49-F238E27FC236}">
-                <a16:creationId xmlns="" xmlns:a16="http://schemas.microsoft.com/office/drawing/2014/main" id="{7C70995F-D8C5-410A-AA8B-1EE172A29454}"/>
+                <a16:creationId xmlns:a16="http://schemas.microsoft.com/office/drawing/2014/main" xmlns="" id="{7C70995F-D8C5-410A-AA8B-1EE172A29454}"/>
               </a:ext>
             </a:extLst>
           </p:cNvPr>
@@ -13261,10 +13244,10 @@
           <p:cNvPr id="8" name="Straight Connector 7">
             <a:extLst>
               <a:ext uri="{FF2B5EF4-FFF2-40B4-BE49-F238E27FC236}">
-                <a16:creationId xmlns="" xmlns:a16="http://schemas.microsoft.com/office/drawing/2014/main" id="{D0986099-F5F2-4E8B-BE17-81194861A00C}"/>
+                <a16:creationId xmlns:a16="http://schemas.microsoft.com/office/drawing/2014/main" xmlns="" id="{D0986099-F5F2-4E8B-BE17-81194861A00C}"/>
               </a:ext>
               <a:ext uri="{C183D7F6-B498-43B3-948B-1728B52AA6E4}">
-                <adec:decorative xmlns="" xmlns:adec="http://schemas.microsoft.com/office/drawing/2017/decorative" val="1"/>
+                <adec:decorative xmlns:adec="http://schemas.microsoft.com/office/drawing/2017/decorative" xmlns="" val="1"/>
               </a:ext>
             </a:extLst>
           </p:cNvPr>
@@ -13310,7 +13293,7 @@
           <p:cNvPr id="11" name="Title 1">
             <a:extLst>
               <a:ext uri="{FF2B5EF4-FFF2-40B4-BE49-F238E27FC236}">
-                <a16:creationId xmlns="" xmlns:a16="http://schemas.microsoft.com/office/drawing/2014/main" id="{4E3F5479-058B-4FA8-92E9-18CAB8CDC5C5}"/>
+                <a16:creationId xmlns:a16="http://schemas.microsoft.com/office/drawing/2014/main" xmlns="" id="{4E3F5479-058B-4FA8-92E9-18CAB8CDC5C5}"/>
               </a:ext>
             </a:extLst>
           </p:cNvPr>
@@ -13412,10 +13395,10 @@
           <p:cNvPr id="14" name="Straight Connector 13">
             <a:extLst>
               <a:ext uri="{FF2B5EF4-FFF2-40B4-BE49-F238E27FC236}">
-                <a16:creationId xmlns="" xmlns:a16="http://schemas.microsoft.com/office/drawing/2014/main" id="{83E690F4-843A-47A5-8620-4FB01C0D8E68}"/>
+                <a16:creationId xmlns:a16="http://schemas.microsoft.com/office/drawing/2014/main" xmlns="" id="{83E690F4-843A-47A5-8620-4FB01C0D8E68}"/>
               </a:ext>
               <a:ext uri="{C183D7F6-B498-43B3-948B-1728B52AA6E4}">
-                <adec:decorative xmlns="" xmlns:adec="http://schemas.microsoft.com/office/drawing/2017/decorative" val="1"/>
+                <adec:decorative xmlns:adec="http://schemas.microsoft.com/office/drawing/2017/decorative" xmlns="" val="1"/>
               </a:ext>
             </a:extLst>
           </p:cNvPr>
@@ -13539,7 +13522,7 @@
           <p:cNvPr id="7" name="Title 6" hidden="1">
             <a:extLst>
               <a:ext uri="{FF2B5EF4-FFF2-40B4-BE49-F238E27FC236}">
-                <a16:creationId xmlns="" xmlns:a16="http://schemas.microsoft.com/office/drawing/2014/main" id="{7C70995F-D8C5-410A-AA8B-1EE172A29454}"/>
+                <a16:creationId xmlns:a16="http://schemas.microsoft.com/office/drawing/2014/main" xmlns="" id="{7C70995F-D8C5-410A-AA8B-1EE172A29454}"/>
               </a:ext>
             </a:extLst>
           </p:cNvPr>
@@ -13572,10 +13555,10 @@
           <p:cNvPr id="8" name="Straight Connector 7">
             <a:extLst>
               <a:ext uri="{FF2B5EF4-FFF2-40B4-BE49-F238E27FC236}">
-                <a16:creationId xmlns="" xmlns:a16="http://schemas.microsoft.com/office/drawing/2014/main" id="{D0986099-F5F2-4E8B-BE17-81194861A00C}"/>
+                <a16:creationId xmlns:a16="http://schemas.microsoft.com/office/drawing/2014/main" xmlns="" id="{D0986099-F5F2-4E8B-BE17-81194861A00C}"/>
               </a:ext>
               <a:ext uri="{C183D7F6-B498-43B3-948B-1728B52AA6E4}">
-                <adec:decorative xmlns="" xmlns:adec="http://schemas.microsoft.com/office/drawing/2017/decorative" val="1"/>
+                <adec:decorative xmlns:adec="http://schemas.microsoft.com/office/drawing/2017/decorative" xmlns="" val="1"/>
               </a:ext>
             </a:extLst>
           </p:cNvPr>
@@ -13621,7 +13604,7 @@
           <p:cNvPr id="11" name="Title 1">
             <a:extLst>
               <a:ext uri="{FF2B5EF4-FFF2-40B4-BE49-F238E27FC236}">
-                <a16:creationId xmlns="" xmlns:a16="http://schemas.microsoft.com/office/drawing/2014/main" id="{4E3F5479-058B-4FA8-92E9-18CAB8CDC5C5}"/>
+                <a16:creationId xmlns:a16="http://schemas.microsoft.com/office/drawing/2014/main" xmlns="" id="{4E3F5479-058B-4FA8-92E9-18CAB8CDC5C5}"/>
               </a:ext>
             </a:extLst>
           </p:cNvPr>
@@ -13723,10 +13706,10 @@
           <p:cNvPr id="14" name="Straight Connector 13">
             <a:extLst>
               <a:ext uri="{FF2B5EF4-FFF2-40B4-BE49-F238E27FC236}">
-                <a16:creationId xmlns="" xmlns:a16="http://schemas.microsoft.com/office/drawing/2014/main" id="{83E690F4-843A-47A5-8620-4FB01C0D8E68}"/>
+                <a16:creationId xmlns:a16="http://schemas.microsoft.com/office/drawing/2014/main" xmlns="" id="{83E690F4-843A-47A5-8620-4FB01C0D8E68}"/>
               </a:ext>
               <a:ext uri="{C183D7F6-B498-43B3-948B-1728B52AA6E4}">
-                <adec:decorative xmlns="" xmlns:adec="http://schemas.microsoft.com/office/drawing/2017/decorative" val="1"/>
+                <adec:decorative xmlns:adec="http://schemas.microsoft.com/office/drawing/2017/decorative" xmlns="" val="1"/>
               </a:ext>
             </a:extLst>
           </p:cNvPr>
@@ -14261,10 +14244,10 @@
           <p:cNvPr id="11" name="Group 10">
             <a:extLst>
               <a:ext uri="{FF2B5EF4-FFF2-40B4-BE49-F238E27FC236}">
-                <a16:creationId xmlns="" xmlns:a16="http://schemas.microsoft.com/office/drawing/2014/main" id="{62A21665-C64F-4BDA-B2DE-442D70605718}"/>
+                <a16:creationId xmlns:a16="http://schemas.microsoft.com/office/drawing/2014/main" xmlns="" id="{62A21665-C64F-4BDA-B2DE-442D70605718}"/>
               </a:ext>
               <a:ext uri="{C183D7F6-B498-43B3-948B-1728B52AA6E4}">
-                <adec:decorative xmlns="" xmlns:adec="http://schemas.microsoft.com/office/drawing/2017/decorative" val="1"/>
+                <adec:decorative xmlns:adec="http://schemas.microsoft.com/office/drawing/2017/decorative" xmlns="" val="1"/>
               </a:ext>
             </a:extLst>
           </p:cNvPr>
@@ -14284,7 +14267,7 @@
             <p:cNvPr id="12" name="Diamond 11">
               <a:extLst>
                 <a:ext uri="{FF2B5EF4-FFF2-40B4-BE49-F238E27FC236}">
-                  <a16:creationId xmlns="" xmlns:a16="http://schemas.microsoft.com/office/drawing/2014/main" id="{7DC8B409-5FAC-4539-B25A-26BE925A48AF}"/>
+                  <a16:creationId xmlns:a16="http://schemas.microsoft.com/office/drawing/2014/main" xmlns="" id="{7DC8B409-5FAC-4539-B25A-26BE925A48AF}"/>
                 </a:ext>
               </a:extLst>
             </p:cNvPr>
@@ -14336,7 +14319,7 @@
             <p:cNvPr id="13" name="Diamond 12">
               <a:extLst>
                 <a:ext uri="{FF2B5EF4-FFF2-40B4-BE49-F238E27FC236}">
-                  <a16:creationId xmlns="" xmlns:a16="http://schemas.microsoft.com/office/drawing/2014/main" id="{91498E2F-539C-46D3-AF7C-BB1DAE76B114}"/>
+                  <a16:creationId xmlns:a16="http://schemas.microsoft.com/office/drawing/2014/main" xmlns="" id="{91498E2F-539C-46D3-AF7C-BB1DAE76B114}"/>
                 </a:ext>
               </a:extLst>
             </p:cNvPr>
@@ -14389,7 +14372,7 @@
           <p:cNvPr id="15" name="Title 1">
             <a:extLst>
               <a:ext uri="{FF2B5EF4-FFF2-40B4-BE49-F238E27FC236}">
-                <a16:creationId xmlns="" xmlns:a16="http://schemas.microsoft.com/office/drawing/2014/main" id="{FA061601-468D-486D-B8EE-42BD1BE3ADCC}"/>
+                <a16:creationId xmlns:a16="http://schemas.microsoft.com/office/drawing/2014/main" xmlns="" id="{FA061601-468D-486D-B8EE-42BD1BE3ADCC}"/>
               </a:ext>
             </a:extLst>
           </p:cNvPr>
@@ -14434,10 +14417,10 @@
             <a:hlinkClick r:id="rId2"/>
             <a:extLst>
               <a:ext uri="{FF2B5EF4-FFF2-40B4-BE49-F238E27FC236}">
-                <a16:creationId xmlns="" xmlns:a16="http://schemas.microsoft.com/office/drawing/2014/main" id="{A86744F2-5246-4A0A-B119-35E7FB76A0D8}"/>
+                <a16:creationId xmlns:a16="http://schemas.microsoft.com/office/drawing/2014/main" xmlns="" id="{A86744F2-5246-4A0A-B119-35E7FB76A0D8}"/>
               </a:ext>
               <a:ext uri="{C183D7F6-B498-43B3-948B-1728B52AA6E4}">
-                <adec:decorative xmlns="" xmlns:adec="http://schemas.microsoft.com/office/drawing/2017/decorative" val="0"/>
+                <adec:decorative xmlns:adec="http://schemas.microsoft.com/office/drawing/2017/decorative" xmlns="" val="0"/>
               </a:ext>
             </a:extLst>
           </p:cNvPr>
@@ -14528,10 +14511,10 @@
           <p:cNvPr id="23" name="Oval 22">
             <a:extLst>
               <a:ext uri="{FF2B5EF4-FFF2-40B4-BE49-F238E27FC236}">
-                <a16:creationId xmlns="" xmlns:a16="http://schemas.microsoft.com/office/drawing/2014/main" id="{364CFD90-D0E1-4BC3-9D8B-7503E2632C39}"/>
+                <a16:creationId xmlns:a16="http://schemas.microsoft.com/office/drawing/2014/main" xmlns="" id="{364CFD90-D0E1-4BC3-9D8B-7503E2632C39}"/>
               </a:ext>
               <a:ext uri="{C183D7F6-B498-43B3-948B-1728B52AA6E4}">
-                <adec:decorative xmlns="" xmlns:adec="http://schemas.microsoft.com/office/drawing/2017/decorative" val="1"/>
+                <adec:decorative xmlns:adec="http://schemas.microsoft.com/office/drawing/2017/decorative" xmlns="" val="1"/>
               </a:ext>
             </a:extLst>
           </p:cNvPr>
@@ -14583,7 +14566,7 @@
           <p:cNvPr id="4" name="Title 3" hidden="1">
             <a:extLst>
               <a:ext uri="{FF2B5EF4-FFF2-40B4-BE49-F238E27FC236}">
-                <a16:creationId xmlns="" xmlns:a16="http://schemas.microsoft.com/office/drawing/2014/main" id="{B5981CF1-BC08-49F8-B0F9-AAF98EC67450}"/>
+                <a16:creationId xmlns:a16="http://schemas.microsoft.com/office/drawing/2014/main" xmlns="" id="{B5981CF1-BC08-49F8-B0F9-AAF98EC67450}"/>
               </a:ext>
             </a:extLst>
           </p:cNvPr>
@@ -14616,10 +14599,10 @@
           <p:cNvPr id="8" name="Straight Connector 7">
             <a:extLst>
               <a:ext uri="{FF2B5EF4-FFF2-40B4-BE49-F238E27FC236}">
-                <a16:creationId xmlns="" xmlns:a16="http://schemas.microsoft.com/office/drawing/2014/main" id="{D0986099-F5F2-4E8B-BE17-81194861A00C}"/>
+                <a16:creationId xmlns:a16="http://schemas.microsoft.com/office/drawing/2014/main" xmlns="" id="{D0986099-F5F2-4E8B-BE17-81194861A00C}"/>
               </a:ext>
               <a:ext uri="{C183D7F6-B498-43B3-948B-1728B52AA6E4}">
-                <adec:decorative xmlns="" xmlns:adec="http://schemas.microsoft.com/office/drawing/2017/decorative" val="1"/>
+                <adec:decorative xmlns:adec="http://schemas.microsoft.com/office/drawing/2017/decorative" xmlns="" val="1"/>
               </a:ext>
             </a:extLst>
           </p:cNvPr>
@@ -14665,7 +14648,7 @@
           <p:cNvPr id="11" name="Title 1">
             <a:extLst>
               <a:ext uri="{FF2B5EF4-FFF2-40B4-BE49-F238E27FC236}">
-                <a16:creationId xmlns="" xmlns:a16="http://schemas.microsoft.com/office/drawing/2014/main" id="{4E3F5479-058B-4FA8-92E9-18CAB8CDC5C5}"/>
+                <a16:creationId xmlns:a16="http://schemas.microsoft.com/office/drawing/2014/main" xmlns="" id="{4E3F5479-058B-4FA8-92E9-18CAB8CDC5C5}"/>
               </a:ext>
             </a:extLst>
           </p:cNvPr>
@@ -14735,10 +14718,10 @@
           <p:cNvPr id="14" name="Straight Connector 13">
             <a:extLst>
               <a:ext uri="{FF2B5EF4-FFF2-40B4-BE49-F238E27FC236}">
-                <a16:creationId xmlns="" xmlns:a16="http://schemas.microsoft.com/office/drawing/2014/main" id="{83E690F4-843A-47A5-8620-4FB01C0D8E68}"/>
+                <a16:creationId xmlns:a16="http://schemas.microsoft.com/office/drawing/2014/main" xmlns="" id="{83E690F4-843A-47A5-8620-4FB01C0D8E68}"/>
               </a:ext>
               <a:ext uri="{C183D7F6-B498-43B3-948B-1728B52AA6E4}">
-                <adec:decorative xmlns="" xmlns:adec="http://schemas.microsoft.com/office/drawing/2017/decorative" val="1"/>
+                <adec:decorative xmlns:adec="http://schemas.microsoft.com/office/drawing/2017/decorative" xmlns="" val="1"/>
               </a:ext>
             </a:extLst>
           </p:cNvPr>
@@ -14784,10 +14767,10 @@
           <p:cNvPr id="13" name="Oval 12">
             <a:extLst>
               <a:ext uri="{FF2B5EF4-FFF2-40B4-BE49-F238E27FC236}">
-                <a16:creationId xmlns="" xmlns:a16="http://schemas.microsoft.com/office/drawing/2014/main" id="{E3ECCC05-FF78-40FA-84FF-172821D8B58A}"/>
+                <a16:creationId xmlns:a16="http://schemas.microsoft.com/office/drawing/2014/main" xmlns="" id="{E3ECCC05-FF78-40FA-84FF-172821D8B58A}"/>
               </a:ext>
               <a:ext uri="{C183D7F6-B498-43B3-948B-1728B52AA6E4}">
-                <adec:decorative xmlns="" xmlns:adec="http://schemas.microsoft.com/office/drawing/2017/decorative" val="1"/>
+                <adec:decorative xmlns:adec="http://schemas.microsoft.com/office/drawing/2017/decorative" xmlns="" val="1"/>
               </a:ext>
             </a:extLst>
           </p:cNvPr>
@@ -14847,10 +14830,10 @@
           <p:cNvPr id="16" name="Rectangle: Rounded Corners 15">
             <a:extLst>
               <a:ext uri="{FF2B5EF4-FFF2-40B4-BE49-F238E27FC236}">
-                <a16:creationId xmlns="" xmlns:a16="http://schemas.microsoft.com/office/drawing/2014/main" id="{D6178536-4D8A-4FF2-BBDC-4B3E7E0FCF26}"/>
+                <a16:creationId xmlns:a16="http://schemas.microsoft.com/office/drawing/2014/main" xmlns="" id="{D6178536-4D8A-4FF2-BBDC-4B3E7E0FCF26}"/>
               </a:ext>
               <a:ext uri="{C183D7F6-B498-43B3-948B-1728B52AA6E4}">
-                <adec:decorative xmlns="" xmlns:adec="http://schemas.microsoft.com/office/drawing/2017/decorative" val="1"/>
+                <adec:decorative xmlns:adec="http://schemas.microsoft.com/office/drawing/2017/decorative" xmlns="" val="1"/>
               </a:ext>
             </a:extLst>
           </p:cNvPr>
@@ -14907,10 +14890,10 @@
           <p:cNvPr id="15" name="Oval 14">
             <a:extLst>
               <a:ext uri="{FF2B5EF4-FFF2-40B4-BE49-F238E27FC236}">
-                <a16:creationId xmlns="" xmlns:a16="http://schemas.microsoft.com/office/drawing/2014/main" id="{416F1356-9015-4B5C-9C64-3C1D963E5F59}"/>
+                <a16:creationId xmlns:a16="http://schemas.microsoft.com/office/drawing/2014/main" xmlns="" id="{416F1356-9015-4B5C-9C64-3C1D963E5F59}"/>
               </a:ext>
               <a:ext uri="{C183D7F6-B498-43B3-948B-1728B52AA6E4}">
-                <adec:decorative xmlns="" xmlns:adec="http://schemas.microsoft.com/office/drawing/2017/decorative" val="1"/>
+                <adec:decorative xmlns:adec="http://schemas.microsoft.com/office/drawing/2017/decorative" xmlns="" val="1"/>
               </a:ext>
             </a:extLst>
           </p:cNvPr>
@@ -14964,10 +14947,10 @@
           <p:cNvPr id="21" name="Rectangle: Rounded Corners 20">
             <a:extLst>
               <a:ext uri="{FF2B5EF4-FFF2-40B4-BE49-F238E27FC236}">
-                <a16:creationId xmlns="" xmlns:a16="http://schemas.microsoft.com/office/drawing/2014/main" id="{952C5002-7E64-4069-ACA0-6876E54A9B46}"/>
+                <a16:creationId xmlns:a16="http://schemas.microsoft.com/office/drawing/2014/main" xmlns="" id="{952C5002-7E64-4069-ACA0-6876E54A9B46}"/>
               </a:ext>
               <a:ext uri="{C183D7F6-B498-43B3-948B-1728B52AA6E4}">
-                <adec:decorative xmlns="" xmlns:adec="http://schemas.microsoft.com/office/drawing/2017/decorative" val="1"/>
+                <adec:decorative xmlns:adec="http://schemas.microsoft.com/office/drawing/2017/decorative" xmlns="" val="1"/>
               </a:ext>
             </a:extLst>
           </p:cNvPr>
@@ -15025,10 +15008,10 @@
           <p:cNvPr id="22" name="Oval 21">
             <a:extLst>
               <a:ext uri="{FF2B5EF4-FFF2-40B4-BE49-F238E27FC236}">
-                <a16:creationId xmlns="" xmlns:a16="http://schemas.microsoft.com/office/drawing/2014/main" id="{A49C5F3A-6F0D-4A0F-AE6E-92F342C22ACD}"/>
+                <a16:creationId xmlns:a16="http://schemas.microsoft.com/office/drawing/2014/main" xmlns="" id="{A49C5F3A-6F0D-4A0F-AE6E-92F342C22ACD}"/>
               </a:ext>
               <a:ext uri="{C183D7F6-B498-43B3-948B-1728B52AA6E4}">
-                <adec:decorative xmlns="" xmlns:adec="http://schemas.microsoft.com/office/drawing/2017/decorative" val="1"/>
+                <adec:decorative xmlns:adec="http://schemas.microsoft.com/office/drawing/2017/decorative" xmlns="" val="1"/>
               </a:ext>
             </a:extLst>
           </p:cNvPr>
@@ -15082,10 +15065,10 @@
           <p:cNvPr id="25" name="Rectangle: Rounded Corners 24">
             <a:extLst>
               <a:ext uri="{FF2B5EF4-FFF2-40B4-BE49-F238E27FC236}">
-                <a16:creationId xmlns="" xmlns:a16="http://schemas.microsoft.com/office/drawing/2014/main" id="{94A75A79-A67A-4A23-8588-7FC5EB9A5183}"/>
+                <a16:creationId xmlns:a16="http://schemas.microsoft.com/office/drawing/2014/main" xmlns="" id="{94A75A79-A67A-4A23-8588-7FC5EB9A5183}"/>
               </a:ext>
               <a:ext uri="{C183D7F6-B498-43B3-948B-1728B52AA6E4}">
-                <adec:decorative xmlns="" xmlns:adec="http://schemas.microsoft.com/office/drawing/2017/decorative" val="1"/>
+                <adec:decorative xmlns:adec="http://schemas.microsoft.com/office/drawing/2017/decorative" xmlns="" val="1"/>
               </a:ext>
             </a:extLst>
           </p:cNvPr>
@@ -15149,10 +15132,10 @@
           <p:cNvPr id="26" name="Oval 25">
             <a:extLst>
               <a:ext uri="{FF2B5EF4-FFF2-40B4-BE49-F238E27FC236}">
-                <a16:creationId xmlns="" xmlns:a16="http://schemas.microsoft.com/office/drawing/2014/main" id="{BBC62739-FA35-49F8-8929-743B31F55A69}"/>
+                <a16:creationId xmlns:a16="http://schemas.microsoft.com/office/drawing/2014/main" xmlns="" id="{BBC62739-FA35-49F8-8929-743B31F55A69}"/>
               </a:ext>
               <a:ext uri="{C183D7F6-B498-43B3-948B-1728B52AA6E4}">
-                <adec:decorative xmlns="" xmlns:adec="http://schemas.microsoft.com/office/drawing/2017/decorative" val="1"/>
+                <adec:decorative xmlns:adec="http://schemas.microsoft.com/office/drawing/2017/decorative" xmlns="" val="1"/>
               </a:ext>
             </a:extLst>
           </p:cNvPr>
@@ -15206,10 +15189,10 @@
           <p:cNvPr id="29" name="Rectangle: Rounded Corners 28">
             <a:extLst>
               <a:ext uri="{FF2B5EF4-FFF2-40B4-BE49-F238E27FC236}">
-                <a16:creationId xmlns="" xmlns:a16="http://schemas.microsoft.com/office/drawing/2014/main" id="{D4D7D4B6-62C2-45AB-89A5-3A41DA021FD2}"/>
+                <a16:creationId xmlns:a16="http://schemas.microsoft.com/office/drawing/2014/main" xmlns="" id="{D4D7D4B6-62C2-45AB-89A5-3A41DA021FD2}"/>
               </a:ext>
               <a:ext uri="{C183D7F6-B498-43B3-948B-1728B52AA6E4}">
-                <adec:decorative xmlns="" xmlns:adec="http://schemas.microsoft.com/office/drawing/2017/decorative" val="1"/>
+                <adec:decorative xmlns:adec="http://schemas.microsoft.com/office/drawing/2017/decorative" xmlns="" val="1"/>
               </a:ext>
             </a:extLst>
           </p:cNvPr>
@@ -15266,10 +15249,10 @@
           <p:cNvPr id="30" name="Oval 29">
             <a:extLst>
               <a:ext uri="{FF2B5EF4-FFF2-40B4-BE49-F238E27FC236}">
-                <a16:creationId xmlns="" xmlns:a16="http://schemas.microsoft.com/office/drawing/2014/main" id="{83902602-D4BC-4D44-AC14-BB55A86C5D06}"/>
+                <a16:creationId xmlns:a16="http://schemas.microsoft.com/office/drawing/2014/main" xmlns="" id="{83902602-D4BC-4D44-AC14-BB55A86C5D06}"/>
               </a:ext>
               <a:ext uri="{C183D7F6-B498-43B3-948B-1728B52AA6E4}">
-                <adec:decorative xmlns="" xmlns:adec="http://schemas.microsoft.com/office/drawing/2017/decorative" val="1"/>
+                <adec:decorative xmlns:adec="http://schemas.microsoft.com/office/drawing/2017/decorative" xmlns="" val="1"/>
               </a:ext>
             </a:extLst>
           </p:cNvPr>
@@ -15629,7 +15612,7 @@
           <p:cNvPr id="9" name="Title 8" hidden="1">
             <a:extLst>
               <a:ext uri="{FF2B5EF4-FFF2-40B4-BE49-F238E27FC236}">
-                <a16:creationId xmlns="" xmlns:a16="http://schemas.microsoft.com/office/drawing/2014/main" id="{9FDB6406-0CDB-4213-A1B6-DE47D953FED3}"/>
+                <a16:creationId xmlns:a16="http://schemas.microsoft.com/office/drawing/2014/main" xmlns="" id="{9FDB6406-0CDB-4213-A1B6-DE47D953FED3}"/>
               </a:ext>
             </a:extLst>
           </p:cNvPr>
@@ -15662,10 +15645,10 @@
           <p:cNvPr id="8" name="Straight Connector 7">
             <a:extLst>
               <a:ext uri="{FF2B5EF4-FFF2-40B4-BE49-F238E27FC236}">
-                <a16:creationId xmlns="" xmlns:a16="http://schemas.microsoft.com/office/drawing/2014/main" id="{D0986099-F5F2-4E8B-BE17-81194861A00C}"/>
+                <a16:creationId xmlns:a16="http://schemas.microsoft.com/office/drawing/2014/main" xmlns="" id="{D0986099-F5F2-4E8B-BE17-81194861A00C}"/>
               </a:ext>
               <a:ext uri="{C183D7F6-B498-43B3-948B-1728B52AA6E4}">
-                <adec:decorative xmlns="" xmlns:adec="http://schemas.microsoft.com/office/drawing/2017/decorative" val="1"/>
+                <adec:decorative xmlns:adec="http://schemas.microsoft.com/office/drawing/2017/decorative" xmlns="" val="1"/>
               </a:ext>
             </a:extLst>
           </p:cNvPr>
@@ -15711,7 +15694,7 @@
           <p:cNvPr id="11" name="Title 1">
             <a:extLst>
               <a:ext uri="{FF2B5EF4-FFF2-40B4-BE49-F238E27FC236}">
-                <a16:creationId xmlns="" xmlns:a16="http://schemas.microsoft.com/office/drawing/2014/main" id="{4E3F5479-058B-4FA8-92E9-18CAB8CDC5C5}"/>
+                <a16:creationId xmlns:a16="http://schemas.microsoft.com/office/drawing/2014/main" xmlns="" id="{4E3F5479-058B-4FA8-92E9-18CAB8CDC5C5}"/>
               </a:ext>
             </a:extLst>
           </p:cNvPr>
@@ -15829,10 +15812,10 @@
           <p:cNvPr id="14" name="Straight Connector 13">
             <a:extLst>
               <a:ext uri="{FF2B5EF4-FFF2-40B4-BE49-F238E27FC236}">
-                <a16:creationId xmlns="" xmlns:a16="http://schemas.microsoft.com/office/drawing/2014/main" id="{83E690F4-843A-47A5-8620-4FB01C0D8E68}"/>
+                <a16:creationId xmlns:a16="http://schemas.microsoft.com/office/drawing/2014/main" xmlns="" id="{83E690F4-843A-47A5-8620-4FB01C0D8E68}"/>
               </a:ext>
               <a:ext uri="{C183D7F6-B498-43B3-948B-1728B52AA6E4}">
-                <adec:decorative xmlns="" xmlns:adec="http://schemas.microsoft.com/office/drawing/2017/decorative" val="1"/>
+                <adec:decorative xmlns:adec="http://schemas.microsoft.com/office/drawing/2017/decorative" xmlns="" val="1"/>
               </a:ext>
             </a:extLst>
           </p:cNvPr>
@@ -15879,10 +15862,10 @@
             <a:hlinkClick r:id="" action="ppaction://hlinkshowjump?jump=nextslide"/>
             <a:extLst>
               <a:ext uri="{FF2B5EF4-FFF2-40B4-BE49-F238E27FC236}">
-                <a16:creationId xmlns="" xmlns:a16="http://schemas.microsoft.com/office/drawing/2014/main" id="{5B804E9F-B6B5-41F9-9B63-9AF435FDC2B7}"/>
+                <a16:creationId xmlns:a16="http://schemas.microsoft.com/office/drawing/2014/main" xmlns="" id="{5B804E9F-B6B5-41F9-9B63-9AF435FDC2B7}"/>
               </a:ext>
               <a:ext uri="{C183D7F6-B498-43B3-948B-1728B52AA6E4}">
-                <adec:decorative xmlns="" xmlns:adec="http://schemas.microsoft.com/office/drawing/2017/decorative" val="1"/>
+                <adec:decorative xmlns:adec="http://schemas.microsoft.com/office/drawing/2017/decorative" xmlns="" val="1"/>
               </a:ext>
             </a:extLst>
           </p:cNvPr>
@@ -15937,10 +15920,10 @@
             <a:hlinkClick r:id="rId4" action="ppaction://hlinksldjump"/>
             <a:extLst>
               <a:ext uri="{FF2B5EF4-FFF2-40B4-BE49-F238E27FC236}">
-                <a16:creationId xmlns="" xmlns:a16="http://schemas.microsoft.com/office/drawing/2014/main" id="{0092C447-C8E1-4B12-B012-E6D21CBB1FBE}"/>
+                <a16:creationId xmlns:a16="http://schemas.microsoft.com/office/drawing/2014/main" xmlns="" id="{0092C447-C8E1-4B12-B012-E6D21CBB1FBE}"/>
               </a:ext>
               <a:ext uri="{C183D7F6-B498-43B3-948B-1728B52AA6E4}">
-                <adec:decorative xmlns="" xmlns:adec="http://schemas.microsoft.com/office/drawing/2017/decorative" val="1"/>
+                <adec:decorative xmlns:adec="http://schemas.microsoft.com/office/drawing/2017/decorative" xmlns="" val="1"/>
               </a:ext>
             </a:extLst>
           </p:cNvPr>
@@ -15995,10 +15978,10 @@
             <a:hlinkClick r:id="rId5" action="ppaction://hlinksldjump"/>
             <a:extLst>
               <a:ext uri="{FF2B5EF4-FFF2-40B4-BE49-F238E27FC236}">
-                <a16:creationId xmlns="" xmlns:a16="http://schemas.microsoft.com/office/drawing/2014/main" id="{7E139379-1914-4446-8D6D-984A47041A54}"/>
+                <a16:creationId xmlns:a16="http://schemas.microsoft.com/office/drawing/2014/main" xmlns="" id="{7E139379-1914-4446-8D6D-984A47041A54}"/>
               </a:ext>
               <a:ext uri="{C183D7F6-B498-43B3-948B-1728B52AA6E4}">
-                <adec:decorative xmlns="" xmlns:adec="http://schemas.microsoft.com/office/drawing/2017/decorative" val="1"/>
+                <adec:decorative xmlns:adec="http://schemas.microsoft.com/office/drawing/2017/decorative" xmlns="" val="1"/>
               </a:ext>
             </a:extLst>
           </p:cNvPr>
@@ -16053,10 +16036,10 @@
             <a:hlinkClick r:id="rId6" action="ppaction://hlinksldjump"/>
             <a:extLst>
               <a:ext uri="{FF2B5EF4-FFF2-40B4-BE49-F238E27FC236}">
-                <a16:creationId xmlns="" xmlns:a16="http://schemas.microsoft.com/office/drawing/2014/main" id="{F79B51BB-1B30-4ED8-B26D-21EE8BC675B2}"/>
+                <a16:creationId xmlns:a16="http://schemas.microsoft.com/office/drawing/2014/main" xmlns="" id="{F79B51BB-1B30-4ED8-B26D-21EE8BC675B2}"/>
               </a:ext>
               <a:ext uri="{C183D7F6-B498-43B3-948B-1728B52AA6E4}">
-                <adec:decorative xmlns="" xmlns:adec="http://schemas.microsoft.com/office/drawing/2017/decorative" val="1"/>
+                <adec:decorative xmlns:adec="http://schemas.microsoft.com/office/drawing/2017/decorative" xmlns="" val="1"/>
               </a:ext>
             </a:extLst>
           </p:cNvPr>
@@ -16110,7 +16093,7 @@
           <p:cNvPr id="4" name="Rectangle 3">
             <a:extLst>
               <a:ext uri="{FF2B5EF4-FFF2-40B4-BE49-F238E27FC236}">
-                <a16:creationId xmlns="" xmlns:a16="http://schemas.microsoft.com/office/drawing/2014/main" id="{3F19BFA5-D0CA-4CF0-8499-504D956B6563}"/>
+                <a16:creationId xmlns:a16="http://schemas.microsoft.com/office/drawing/2014/main" xmlns="" id="{3F19BFA5-D0CA-4CF0-8499-504D956B6563}"/>
               </a:ext>
             </a:extLst>
           </p:cNvPr>
@@ -16154,7 +16137,7 @@
           <p:cNvPr id="47" name="Rectangle 46">
             <a:extLst>
               <a:ext uri="{FF2B5EF4-FFF2-40B4-BE49-F238E27FC236}">
-                <a16:creationId xmlns="" xmlns:a16="http://schemas.microsoft.com/office/drawing/2014/main" id="{1751D31D-3535-411D-8BAC-95CCC90AB185}"/>
+                <a16:creationId xmlns:a16="http://schemas.microsoft.com/office/drawing/2014/main" xmlns="" id="{1751D31D-3535-411D-8BAC-95CCC90AB185}"/>
               </a:ext>
             </a:extLst>
           </p:cNvPr>
@@ -16198,7 +16181,7 @@
           <p:cNvPr id="48" name="Rectangle 47">
             <a:extLst>
               <a:ext uri="{FF2B5EF4-FFF2-40B4-BE49-F238E27FC236}">
-                <a16:creationId xmlns="" xmlns:a16="http://schemas.microsoft.com/office/drawing/2014/main" id="{FA4D735A-8F75-4E2A-8F1A-CC303B0718BA}"/>
+                <a16:creationId xmlns:a16="http://schemas.microsoft.com/office/drawing/2014/main" xmlns="" id="{FA4D735A-8F75-4E2A-8F1A-CC303B0718BA}"/>
               </a:ext>
             </a:extLst>
           </p:cNvPr>
@@ -16242,7 +16225,7 @@
           <p:cNvPr id="49" name="Rectangle 48">
             <a:extLst>
               <a:ext uri="{FF2B5EF4-FFF2-40B4-BE49-F238E27FC236}">
-                <a16:creationId xmlns="" xmlns:a16="http://schemas.microsoft.com/office/drawing/2014/main" id="{54AB9282-0505-49EB-AABF-998083225E3A}"/>
+                <a16:creationId xmlns:a16="http://schemas.microsoft.com/office/drawing/2014/main" xmlns="" id="{54AB9282-0505-49EB-AABF-998083225E3A}"/>
               </a:ext>
             </a:extLst>
           </p:cNvPr>
@@ -16286,7 +16269,7 @@
           <p:cNvPr id="51" name="Rectangle 50">
             <a:extLst>
               <a:ext uri="{FF2B5EF4-FFF2-40B4-BE49-F238E27FC236}">
-                <a16:creationId xmlns="" xmlns:a16="http://schemas.microsoft.com/office/drawing/2014/main" id="{8AA18108-5B8B-4147-84A7-D30A16BEC4EA}"/>
+                <a16:creationId xmlns:a16="http://schemas.microsoft.com/office/drawing/2014/main" xmlns="" id="{8AA18108-5B8B-4147-84A7-D30A16BEC4EA}"/>
               </a:ext>
             </a:extLst>
           </p:cNvPr>
@@ -16345,7 +16328,7 @@
           <p:cNvPr id="52" name="Rectangle 51">
             <a:extLst>
               <a:ext uri="{FF2B5EF4-FFF2-40B4-BE49-F238E27FC236}">
-                <a16:creationId xmlns="" xmlns:a16="http://schemas.microsoft.com/office/drawing/2014/main" id="{A8534162-B6E2-4579-9DAD-AD8DE07459BC}"/>
+                <a16:creationId xmlns:a16="http://schemas.microsoft.com/office/drawing/2014/main" xmlns="" id="{A8534162-B6E2-4579-9DAD-AD8DE07459BC}"/>
               </a:ext>
             </a:extLst>
           </p:cNvPr>
@@ -16431,7 +16414,7 @@
           <p:cNvPr id="53" name="Rectangle 52">
             <a:extLst>
               <a:ext uri="{FF2B5EF4-FFF2-40B4-BE49-F238E27FC236}">
-                <a16:creationId xmlns="" xmlns:a16="http://schemas.microsoft.com/office/drawing/2014/main" id="{E1535E1C-6EBC-45D8-BCE1-D5B947A61FB6}"/>
+                <a16:creationId xmlns:a16="http://schemas.microsoft.com/office/drawing/2014/main" xmlns="" id="{E1535E1C-6EBC-45D8-BCE1-D5B947A61FB6}"/>
               </a:ext>
             </a:extLst>
           </p:cNvPr>
@@ -16511,7 +16494,7 @@
           <p:cNvPr id="54" name="Rectangle 53">
             <a:extLst>
               <a:ext uri="{FF2B5EF4-FFF2-40B4-BE49-F238E27FC236}">
-                <a16:creationId xmlns="" xmlns:a16="http://schemas.microsoft.com/office/drawing/2014/main" id="{28FF18A5-7B4E-4493-B38D-E732E033F82F}"/>
+                <a16:creationId xmlns:a16="http://schemas.microsoft.com/office/drawing/2014/main" xmlns="" id="{28FF18A5-7B4E-4493-B38D-E732E033F82F}"/>
               </a:ext>
             </a:extLst>
           </p:cNvPr>
@@ -16555,7 +16538,7 @@
           <p:cNvPr id="57" name="Freeform 4344" descr="Icon of wrench. ">
             <a:extLst>
               <a:ext uri="{FF2B5EF4-FFF2-40B4-BE49-F238E27FC236}">
-                <a16:creationId xmlns="" xmlns:a16="http://schemas.microsoft.com/office/drawing/2014/main" id="{C131659B-1A41-4821-9349-1E69BBBB560E}"/>
+                <a16:creationId xmlns:a16="http://schemas.microsoft.com/office/drawing/2014/main" xmlns="" id="{C131659B-1A41-4821-9349-1E69BBBB560E}"/>
               </a:ext>
             </a:extLst>
           </p:cNvPr>
@@ -17285,7 +17268,7 @@
           <p:cNvPr id="40" name="Group 39" descr="Icon of money. ">
             <a:extLst>
               <a:ext uri="{FF2B5EF4-FFF2-40B4-BE49-F238E27FC236}">
-                <a16:creationId xmlns="" xmlns:a16="http://schemas.microsoft.com/office/drawing/2014/main" id="{8FB81822-E09C-4A9F-BCD2-4BB20E38DA03}"/>
+                <a16:creationId xmlns:a16="http://schemas.microsoft.com/office/drawing/2014/main" xmlns="" id="{8FB81822-E09C-4A9F-BCD2-4BB20E38DA03}"/>
               </a:ext>
             </a:extLst>
           </p:cNvPr>
@@ -17308,7 +17291,7 @@
             <p:cNvPr id="41" name="Freeform 497">
               <a:extLst>
                 <a:ext uri="{FF2B5EF4-FFF2-40B4-BE49-F238E27FC236}">
-                  <a16:creationId xmlns="" xmlns:a16="http://schemas.microsoft.com/office/drawing/2014/main" id="{4325703C-49C2-4EC8-BBAF-CE488FCB0CE1}"/>
+                  <a16:creationId xmlns:a16="http://schemas.microsoft.com/office/drawing/2014/main" xmlns="" id="{4325703C-49C2-4EC8-BBAF-CE488FCB0CE1}"/>
                 </a:ext>
               </a:extLst>
             </p:cNvPr>
@@ -17514,7 +17497,7 @@
             <p:cNvPr id="42" name="Freeform 498">
               <a:extLst>
                 <a:ext uri="{FF2B5EF4-FFF2-40B4-BE49-F238E27FC236}">
-                  <a16:creationId xmlns="" xmlns:a16="http://schemas.microsoft.com/office/drawing/2014/main" id="{A721923B-8DD3-47E1-B174-6D9950E778E9}"/>
+                  <a16:creationId xmlns:a16="http://schemas.microsoft.com/office/drawing/2014/main" xmlns="" id="{A721923B-8DD3-47E1-B174-6D9950E778E9}"/>
                 </a:ext>
               </a:extLst>
             </p:cNvPr>
@@ -18472,7 +18455,7 @@
             <p:cNvPr id="73" name="Freeform 499">
               <a:extLst>
                 <a:ext uri="{FF2B5EF4-FFF2-40B4-BE49-F238E27FC236}">
-                  <a16:creationId xmlns="" xmlns:a16="http://schemas.microsoft.com/office/drawing/2014/main" id="{A8E6691B-D48E-4F27-BFB8-39275098B1B8}"/>
+                  <a16:creationId xmlns:a16="http://schemas.microsoft.com/office/drawing/2014/main" xmlns="" id="{A8E6691B-D48E-4F27-BFB8-39275098B1B8}"/>
                 </a:ext>
               </a:extLst>
             </p:cNvPr>
@@ -19010,7 +18993,7 @@
             <p:cNvPr id="74" name="Freeform 500">
               <a:extLst>
                 <a:ext uri="{FF2B5EF4-FFF2-40B4-BE49-F238E27FC236}">
-                  <a16:creationId xmlns="" xmlns:a16="http://schemas.microsoft.com/office/drawing/2014/main" id="{5839F0C0-A423-4156-855A-E09BBC0F1685}"/>
+                  <a16:creationId xmlns:a16="http://schemas.microsoft.com/office/drawing/2014/main" xmlns="" id="{5839F0C0-A423-4156-855A-E09BBC0F1685}"/>
                 </a:ext>
               </a:extLst>
             </p:cNvPr>
@@ -19552,7 +19535,7 @@
             <p:cNvPr id="75" name="Freeform 501">
               <a:extLst>
                 <a:ext uri="{FF2B5EF4-FFF2-40B4-BE49-F238E27FC236}">
-                  <a16:creationId xmlns="" xmlns:a16="http://schemas.microsoft.com/office/drawing/2014/main" id="{DBE218E2-EA47-43F9-AF50-BC58701E5EAE}"/>
+                  <a16:creationId xmlns:a16="http://schemas.microsoft.com/office/drawing/2014/main" xmlns="" id="{DBE218E2-EA47-43F9-AF50-BC58701E5EAE}"/>
                 </a:ext>
               </a:extLst>
             </p:cNvPr>
@@ -19934,7 +19917,7 @@
             <p:cNvPr id="76" name="Freeform 502">
               <a:extLst>
                 <a:ext uri="{FF2B5EF4-FFF2-40B4-BE49-F238E27FC236}">
-                  <a16:creationId xmlns="" xmlns:a16="http://schemas.microsoft.com/office/drawing/2014/main" id="{FB53FF3C-7C81-42D7-820B-328F83511B89}"/>
+                  <a16:creationId xmlns:a16="http://schemas.microsoft.com/office/drawing/2014/main" xmlns="" id="{FB53FF3C-7C81-42D7-820B-328F83511B89}"/>
                 </a:ext>
               </a:extLst>
             </p:cNvPr>
@@ -20316,7 +20299,7 @@
             <p:cNvPr id="77" name="Freeform 503">
               <a:extLst>
                 <a:ext uri="{FF2B5EF4-FFF2-40B4-BE49-F238E27FC236}">
-                  <a16:creationId xmlns="" xmlns:a16="http://schemas.microsoft.com/office/drawing/2014/main" id="{B2AFC166-3690-491C-BE8E-D33917F47E78}"/>
+                  <a16:creationId xmlns:a16="http://schemas.microsoft.com/office/drawing/2014/main" xmlns="" id="{B2AFC166-3690-491C-BE8E-D33917F47E78}"/>
                 </a:ext>
               </a:extLst>
             </p:cNvPr>
@@ -20690,7 +20673,7 @@
             <p:cNvPr id="78" name="Freeform 504">
               <a:extLst>
                 <a:ext uri="{FF2B5EF4-FFF2-40B4-BE49-F238E27FC236}">
-                  <a16:creationId xmlns="" xmlns:a16="http://schemas.microsoft.com/office/drawing/2014/main" id="{9740A41F-89FD-44D8-9D1F-332E7D538EDA}"/>
+                  <a16:creationId xmlns:a16="http://schemas.microsoft.com/office/drawing/2014/main" xmlns="" id="{9740A41F-89FD-44D8-9D1F-332E7D538EDA}"/>
                 </a:ext>
               </a:extLst>
             </p:cNvPr>
@@ -21152,10 +21135,10 @@
             <a:hlinkClick r:id="rId5" action="ppaction://hlinksldjump"/>
             <a:extLst>
               <a:ext uri="{FF2B5EF4-FFF2-40B4-BE49-F238E27FC236}">
-                <a16:creationId xmlns="" xmlns:a16="http://schemas.microsoft.com/office/drawing/2014/main" id="{7E139379-1914-4446-8D6D-984A47041A54}"/>
+                <a16:creationId xmlns:a16="http://schemas.microsoft.com/office/drawing/2014/main" xmlns="" id="{7E139379-1914-4446-8D6D-984A47041A54}"/>
               </a:ext>
               <a:ext uri="{C183D7F6-B498-43B3-948B-1728B52AA6E4}">
-                <adec:decorative xmlns="" xmlns:adec="http://schemas.microsoft.com/office/drawing/2017/decorative" val="1"/>
+                <adec:decorative xmlns:adec="http://schemas.microsoft.com/office/drawing/2017/decorative" xmlns="" val="1"/>
               </a:ext>
             </a:extLst>
           </p:cNvPr>
@@ -21250,7 +21233,7 @@
           <p:cNvPr id="35" name="Rectangle 34">
             <a:extLst>
               <a:ext uri="{FF2B5EF4-FFF2-40B4-BE49-F238E27FC236}">
-                <a16:creationId xmlns="" xmlns:a16="http://schemas.microsoft.com/office/drawing/2014/main" id="{54AB9282-0505-49EB-AABF-998083225E3A}"/>
+                <a16:creationId xmlns:a16="http://schemas.microsoft.com/office/drawing/2014/main" xmlns="" id="{54AB9282-0505-49EB-AABF-998083225E3A}"/>
               </a:ext>
             </a:extLst>
           </p:cNvPr>
@@ -21294,7 +21277,7 @@
           <p:cNvPr id="36" name="Rectangle 35">
             <a:extLst>
               <a:ext uri="{FF2B5EF4-FFF2-40B4-BE49-F238E27FC236}">
-                <a16:creationId xmlns="" xmlns:a16="http://schemas.microsoft.com/office/drawing/2014/main" id="{28FF18A5-7B4E-4493-B38D-E732E033F82F}"/>
+                <a16:creationId xmlns:a16="http://schemas.microsoft.com/office/drawing/2014/main" xmlns="" id="{28FF18A5-7B4E-4493-B38D-E732E033F82F}"/>
               </a:ext>
             </a:extLst>
           </p:cNvPr>
@@ -21375,7 +21358,7 @@
           <p:cNvPr id="7" name="Title 6" hidden="1">
             <a:extLst>
               <a:ext uri="{FF2B5EF4-FFF2-40B4-BE49-F238E27FC236}">
-                <a16:creationId xmlns="" xmlns:a16="http://schemas.microsoft.com/office/drawing/2014/main" id="{ED2F5393-91A3-4102-A584-E902285C507A}"/>
+                <a16:creationId xmlns:a16="http://schemas.microsoft.com/office/drawing/2014/main" xmlns="" id="{ED2F5393-91A3-4102-A584-E902285C507A}"/>
               </a:ext>
             </a:extLst>
           </p:cNvPr>
@@ -21408,10 +21391,10 @@
           <p:cNvPr id="8" name="Straight Connector 7">
             <a:extLst>
               <a:ext uri="{FF2B5EF4-FFF2-40B4-BE49-F238E27FC236}">
-                <a16:creationId xmlns="" xmlns:a16="http://schemas.microsoft.com/office/drawing/2014/main" id="{D0986099-F5F2-4E8B-BE17-81194861A00C}"/>
+                <a16:creationId xmlns:a16="http://schemas.microsoft.com/office/drawing/2014/main" xmlns="" id="{D0986099-F5F2-4E8B-BE17-81194861A00C}"/>
               </a:ext>
               <a:ext uri="{C183D7F6-B498-43B3-948B-1728B52AA6E4}">
-                <adec:decorative xmlns="" xmlns:adec="http://schemas.microsoft.com/office/drawing/2017/decorative" val="1"/>
+                <adec:decorative xmlns:adec="http://schemas.microsoft.com/office/drawing/2017/decorative" xmlns="" val="1"/>
               </a:ext>
             </a:extLst>
           </p:cNvPr>
@@ -21457,7 +21440,7 @@
           <p:cNvPr id="11" name="Title 1">
             <a:extLst>
               <a:ext uri="{FF2B5EF4-FFF2-40B4-BE49-F238E27FC236}">
-                <a16:creationId xmlns="" xmlns:a16="http://schemas.microsoft.com/office/drawing/2014/main" id="{4E3F5479-058B-4FA8-92E9-18CAB8CDC5C5}"/>
+                <a16:creationId xmlns:a16="http://schemas.microsoft.com/office/drawing/2014/main" xmlns="" id="{4E3F5479-058B-4FA8-92E9-18CAB8CDC5C5}"/>
               </a:ext>
             </a:extLst>
           </p:cNvPr>
@@ -21570,10 +21553,10 @@
           <p:cNvPr id="14" name="Straight Connector 13">
             <a:extLst>
               <a:ext uri="{FF2B5EF4-FFF2-40B4-BE49-F238E27FC236}">
-                <a16:creationId xmlns="" xmlns:a16="http://schemas.microsoft.com/office/drawing/2014/main" id="{83E690F4-843A-47A5-8620-4FB01C0D8E68}"/>
+                <a16:creationId xmlns:a16="http://schemas.microsoft.com/office/drawing/2014/main" xmlns="" id="{83E690F4-843A-47A5-8620-4FB01C0D8E68}"/>
               </a:ext>
               <a:ext uri="{C183D7F6-B498-43B3-948B-1728B52AA6E4}">
-                <adec:decorative xmlns="" xmlns:adec="http://schemas.microsoft.com/office/drawing/2017/decorative" val="1"/>
+                <adec:decorative xmlns:adec="http://schemas.microsoft.com/office/drawing/2017/decorative" xmlns="" val="1"/>
               </a:ext>
             </a:extLst>
           </p:cNvPr>
@@ -21720,7 +21703,7 @@
           <p:nvPr>
             <p:extLst>
               <p:ext uri="{D42A27DB-BD31-4B8C-83A1-F6EECF244321}">
-                <p14:modId xmlns:p14="http://schemas.microsoft.com/office/powerpoint/2010/main" val="2756626211"/>
+                <p14:modId xmlns:p14="http://schemas.microsoft.com/office/powerpoint/2010/main" val="161869335"/>
               </p:ext>
             </p:extLst>
           </p:nvPr>
@@ -21829,7 +21812,15 @@
                       </a:r>
                       <a:r>
                         <a:rPr lang="en-IN" baseline="0" dirty="0" smtClean="0"/>
-                        <a:t> Observable Class and extend with </a:t>
+                        <a:t> Observable Class and </a:t>
+                      </a:r>
+                      <a:r>
+                        <a:rPr lang="en-IN" baseline="0" dirty="0" err="1" smtClean="0"/>
+                        <a:t>implemets</a:t>
+                      </a:r>
+                      <a:r>
+                        <a:rPr lang="en-IN" baseline="0" smtClean="0"/>
+                        <a:t> with </a:t>
                       </a:r>
                       <a:r>
                         <a:rPr lang="en-IN" baseline="0" dirty="0" err="1" smtClean="0"/>
@@ -22100,7 +22091,7 @@
           <p:cNvPr id="7" name="Title 6" hidden="1">
             <a:extLst>
               <a:ext uri="{FF2B5EF4-FFF2-40B4-BE49-F238E27FC236}">
-                <a16:creationId xmlns="" xmlns:a16="http://schemas.microsoft.com/office/drawing/2014/main" id="{ED2F5393-91A3-4102-A584-E902285C507A}"/>
+                <a16:creationId xmlns:a16="http://schemas.microsoft.com/office/drawing/2014/main" xmlns="" id="{ED2F5393-91A3-4102-A584-E902285C507A}"/>
               </a:ext>
             </a:extLst>
           </p:cNvPr>
@@ -22133,10 +22124,10 @@
           <p:cNvPr id="8" name="Straight Connector 7">
             <a:extLst>
               <a:ext uri="{FF2B5EF4-FFF2-40B4-BE49-F238E27FC236}">
-                <a16:creationId xmlns="" xmlns:a16="http://schemas.microsoft.com/office/drawing/2014/main" id="{D0986099-F5F2-4E8B-BE17-81194861A00C}"/>
+                <a16:creationId xmlns:a16="http://schemas.microsoft.com/office/drawing/2014/main" xmlns="" id="{D0986099-F5F2-4E8B-BE17-81194861A00C}"/>
               </a:ext>
               <a:ext uri="{C183D7F6-B498-43B3-948B-1728B52AA6E4}">
-                <adec:decorative xmlns="" xmlns:adec="http://schemas.microsoft.com/office/drawing/2017/decorative" val="1"/>
+                <adec:decorative xmlns:adec="http://schemas.microsoft.com/office/drawing/2017/decorative" xmlns="" val="1"/>
               </a:ext>
             </a:extLst>
           </p:cNvPr>
@@ -22182,7 +22173,7 @@
           <p:cNvPr id="11" name="Title 1">
             <a:extLst>
               <a:ext uri="{FF2B5EF4-FFF2-40B4-BE49-F238E27FC236}">
-                <a16:creationId xmlns="" xmlns:a16="http://schemas.microsoft.com/office/drawing/2014/main" id="{4E3F5479-058B-4FA8-92E9-18CAB8CDC5C5}"/>
+                <a16:creationId xmlns:a16="http://schemas.microsoft.com/office/drawing/2014/main" xmlns="" id="{4E3F5479-058B-4FA8-92E9-18CAB8CDC5C5}"/>
               </a:ext>
             </a:extLst>
           </p:cNvPr>
@@ -22273,10 +22264,10 @@
           <p:cNvPr id="14" name="Straight Connector 13">
             <a:extLst>
               <a:ext uri="{FF2B5EF4-FFF2-40B4-BE49-F238E27FC236}">
-                <a16:creationId xmlns="" xmlns:a16="http://schemas.microsoft.com/office/drawing/2014/main" id="{83E690F4-843A-47A5-8620-4FB01C0D8E68}"/>
+                <a16:creationId xmlns:a16="http://schemas.microsoft.com/office/drawing/2014/main" xmlns="" id="{83E690F4-843A-47A5-8620-4FB01C0D8E68}"/>
               </a:ext>
               <a:ext uri="{C183D7F6-B498-43B3-948B-1728B52AA6E4}">
-                <adec:decorative xmlns="" xmlns:adec="http://schemas.microsoft.com/office/drawing/2017/decorative" val="1"/>
+                <adec:decorative xmlns:adec="http://schemas.microsoft.com/office/drawing/2017/decorative" xmlns="" val="1"/>
               </a:ext>
             </a:extLst>
           </p:cNvPr>
@@ -22467,7 +22458,7 @@
           <p:cNvPr id="7" name="Title 6" hidden="1">
             <a:extLst>
               <a:ext uri="{FF2B5EF4-FFF2-40B4-BE49-F238E27FC236}">
-                <a16:creationId xmlns="" xmlns:a16="http://schemas.microsoft.com/office/drawing/2014/main" id="{166BC32C-2E11-43D3-963B-9766918E0FE5}"/>
+                <a16:creationId xmlns:a16="http://schemas.microsoft.com/office/drawing/2014/main" xmlns="" id="{166BC32C-2E11-43D3-963B-9766918E0FE5}"/>
               </a:ext>
             </a:extLst>
           </p:cNvPr>
@@ -22500,10 +22491,10 @@
           <p:cNvPr id="8" name="Straight Connector 7">
             <a:extLst>
               <a:ext uri="{FF2B5EF4-FFF2-40B4-BE49-F238E27FC236}">
-                <a16:creationId xmlns="" xmlns:a16="http://schemas.microsoft.com/office/drawing/2014/main" id="{D0986099-F5F2-4E8B-BE17-81194861A00C}"/>
+                <a16:creationId xmlns:a16="http://schemas.microsoft.com/office/drawing/2014/main" xmlns="" id="{D0986099-F5F2-4E8B-BE17-81194861A00C}"/>
               </a:ext>
               <a:ext uri="{C183D7F6-B498-43B3-948B-1728B52AA6E4}">
-                <adec:decorative xmlns="" xmlns:adec="http://schemas.microsoft.com/office/drawing/2017/decorative" val="1"/>
+                <adec:decorative xmlns:adec="http://schemas.microsoft.com/office/drawing/2017/decorative" xmlns="" val="1"/>
               </a:ext>
             </a:extLst>
           </p:cNvPr>
@@ -22549,7 +22540,7 @@
           <p:cNvPr id="11" name="Title 1">
             <a:extLst>
               <a:ext uri="{FF2B5EF4-FFF2-40B4-BE49-F238E27FC236}">
-                <a16:creationId xmlns="" xmlns:a16="http://schemas.microsoft.com/office/drawing/2014/main" id="{4E3F5479-058B-4FA8-92E9-18CAB8CDC5C5}"/>
+                <a16:creationId xmlns:a16="http://schemas.microsoft.com/office/drawing/2014/main" xmlns="" id="{4E3F5479-058B-4FA8-92E9-18CAB8CDC5C5}"/>
               </a:ext>
             </a:extLst>
           </p:cNvPr>
@@ -22640,10 +22631,10 @@
           <p:cNvPr id="14" name="Straight Connector 13">
             <a:extLst>
               <a:ext uri="{FF2B5EF4-FFF2-40B4-BE49-F238E27FC236}">
-                <a16:creationId xmlns="" xmlns:a16="http://schemas.microsoft.com/office/drawing/2014/main" id="{83E690F4-843A-47A5-8620-4FB01C0D8E68}"/>
+                <a16:creationId xmlns:a16="http://schemas.microsoft.com/office/drawing/2014/main" xmlns="" id="{83E690F4-843A-47A5-8620-4FB01C0D8E68}"/>
               </a:ext>
               <a:ext uri="{C183D7F6-B498-43B3-948B-1728B52AA6E4}">
-                <adec:decorative xmlns="" xmlns:adec="http://schemas.microsoft.com/office/drawing/2017/decorative" val="1"/>
+                <adec:decorative xmlns:adec="http://schemas.microsoft.com/office/drawing/2017/decorative" xmlns="" val="1"/>
               </a:ext>
             </a:extLst>
           </p:cNvPr>
@@ -23074,7 +23065,7 @@
           <p:cNvPr id="4" name="Title 3" hidden="1">
             <a:extLst>
               <a:ext uri="{FF2B5EF4-FFF2-40B4-BE49-F238E27FC236}">
-                <a16:creationId xmlns="" xmlns:a16="http://schemas.microsoft.com/office/drawing/2014/main" id="{2AC0C949-7A02-4C95-8017-D82E7E71C4F7}"/>
+                <a16:creationId xmlns:a16="http://schemas.microsoft.com/office/drawing/2014/main" xmlns="" id="{2AC0C949-7A02-4C95-8017-D82E7E71C4F7}"/>
               </a:ext>
             </a:extLst>
           </p:cNvPr>
@@ -23107,10 +23098,10 @@
           <p:cNvPr id="8" name="Straight Connector 7">
             <a:extLst>
               <a:ext uri="{FF2B5EF4-FFF2-40B4-BE49-F238E27FC236}">
-                <a16:creationId xmlns="" xmlns:a16="http://schemas.microsoft.com/office/drawing/2014/main" id="{D0986099-F5F2-4E8B-BE17-81194861A00C}"/>
+                <a16:creationId xmlns:a16="http://schemas.microsoft.com/office/drawing/2014/main" xmlns="" id="{D0986099-F5F2-4E8B-BE17-81194861A00C}"/>
               </a:ext>
               <a:ext uri="{C183D7F6-B498-43B3-948B-1728B52AA6E4}">
-                <adec:decorative xmlns="" xmlns:adec="http://schemas.microsoft.com/office/drawing/2017/decorative" val="1"/>
+                <adec:decorative xmlns:adec="http://schemas.microsoft.com/office/drawing/2017/decorative" xmlns="" val="1"/>
               </a:ext>
             </a:extLst>
           </p:cNvPr>
@@ -23156,7 +23147,7 @@
           <p:cNvPr id="11" name="Title 1">
             <a:extLst>
               <a:ext uri="{FF2B5EF4-FFF2-40B4-BE49-F238E27FC236}">
-                <a16:creationId xmlns="" xmlns:a16="http://schemas.microsoft.com/office/drawing/2014/main" id="{4E3F5479-058B-4FA8-92E9-18CAB8CDC5C5}"/>
+                <a16:creationId xmlns:a16="http://schemas.microsoft.com/office/drawing/2014/main" xmlns="" id="{4E3F5479-058B-4FA8-92E9-18CAB8CDC5C5}"/>
               </a:ext>
             </a:extLst>
           </p:cNvPr>
@@ -23247,10 +23238,10 @@
           <p:cNvPr id="14" name="Straight Connector 13">
             <a:extLst>
               <a:ext uri="{FF2B5EF4-FFF2-40B4-BE49-F238E27FC236}">
-                <a16:creationId xmlns="" xmlns:a16="http://schemas.microsoft.com/office/drawing/2014/main" id="{83E690F4-843A-47A5-8620-4FB01C0D8E68}"/>
+                <a16:creationId xmlns:a16="http://schemas.microsoft.com/office/drawing/2014/main" xmlns="" id="{83E690F4-843A-47A5-8620-4FB01C0D8E68}"/>
               </a:ext>
               <a:ext uri="{C183D7F6-B498-43B3-948B-1728B52AA6E4}">
-                <adec:decorative xmlns="" xmlns:adec="http://schemas.microsoft.com/office/drawing/2017/decorative" val="1"/>
+                <adec:decorative xmlns:adec="http://schemas.microsoft.com/office/drawing/2017/decorative" xmlns="" val="1"/>
               </a:ext>
             </a:extLst>
           </p:cNvPr>
@@ -23801,11 +23792,11 @@
   <p:clrMapOvr>
     <a:masterClrMapping/>
   </p:clrMapOvr>
-  <mc:AlternateContent xmlns:mc="http://schemas.openxmlformats.org/markup-compatibility/2006">
-    <mc:Choice xmlns:p14="http://schemas.microsoft.com/office/powerpoint/2010/main" Requires="p14">
+  <mc:AlternateContent xmlns:mc="http://schemas.openxmlformats.org/markup-compatibility/2006" xmlns:p14="http://schemas.microsoft.com/office/powerpoint/2010/main">
+    <mc:Choice Requires="p14">
       <p:transition spd="slow" p14:dur="2000"/>
     </mc:Choice>
-    <mc:Fallback>
+    <mc:Fallback xmlns="">
       <p:transition spd="slow"/>
     </mc:Fallback>
   </mc:AlternateContent>
@@ -23841,7 +23832,7 @@
           <p:cNvPr id="7" name="Title 6" hidden="1">
             <a:extLst>
               <a:ext uri="{FF2B5EF4-FFF2-40B4-BE49-F238E27FC236}">
-                <a16:creationId xmlns="" xmlns:a16="http://schemas.microsoft.com/office/drawing/2014/main" id="{166BC32C-2E11-43D3-963B-9766918E0FE5}"/>
+                <a16:creationId xmlns:a16="http://schemas.microsoft.com/office/drawing/2014/main" xmlns="" id="{166BC32C-2E11-43D3-963B-9766918E0FE5}"/>
               </a:ext>
             </a:extLst>
           </p:cNvPr>
@@ -23874,10 +23865,10 @@
           <p:cNvPr id="8" name="Straight Connector 7">
             <a:extLst>
               <a:ext uri="{FF2B5EF4-FFF2-40B4-BE49-F238E27FC236}">
-                <a16:creationId xmlns="" xmlns:a16="http://schemas.microsoft.com/office/drawing/2014/main" id="{D0986099-F5F2-4E8B-BE17-81194861A00C}"/>
+                <a16:creationId xmlns:a16="http://schemas.microsoft.com/office/drawing/2014/main" xmlns="" id="{D0986099-F5F2-4E8B-BE17-81194861A00C}"/>
               </a:ext>
               <a:ext uri="{C183D7F6-B498-43B3-948B-1728B52AA6E4}">
-                <adec:decorative xmlns="" xmlns:adec="http://schemas.microsoft.com/office/drawing/2017/decorative" val="1"/>
+                <adec:decorative xmlns:adec="http://schemas.microsoft.com/office/drawing/2017/decorative" xmlns="" val="1"/>
               </a:ext>
             </a:extLst>
           </p:cNvPr>
@@ -23923,7 +23914,7 @@
           <p:cNvPr id="11" name="Title 1">
             <a:extLst>
               <a:ext uri="{FF2B5EF4-FFF2-40B4-BE49-F238E27FC236}">
-                <a16:creationId xmlns="" xmlns:a16="http://schemas.microsoft.com/office/drawing/2014/main" id="{4E3F5479-058B-4FA8-92E9-18CAB8CDC5C5}"/>
+                <a16:creationId xmlns:a16="http://schemas.microsoft.com/office/drawing/2014/main" xmlns="" id="{4E3F5479-058B-4FA8-92E9-18CAB8CDC5C5}"/>
               </a:ext>
             </a:extLst>
           </p:cNvPr>
@@ -24014,10 +24005,10 @@
           <p:cNvPr id="14" name="Straight Connector 13">
             <a:extLst>
               <a:ext uri="{FF2B5EF4-FFF2-40B4-BE49-F238E27FC236}">
-                <a16:creationId xmlns="" xmlns:a16="http://schemas.microsoft.com/office/drawing/2014/main" id="{83E690F4-843A-47A5-8620-4FB01C0D8E68}"/>
+                <a16:creationId xmlns:a16="http://schemas.microsoft.com/office/drawing/2014/main" xmlns="" id="{83E690F4-843A-47A5-8620-4FB01C0D8E68}"/>
               </a:ext>
               <a:ext uri="{C183D7F6-B498-43B3-948B-1728B52AA6E4}">
-                <adec:decorative xmlns="" xmlns:adec="http://schemas.microsoft.com/office/drawing/2017/decorative" val="1"/>
+                <adec:decorative xmlns:adec="http://schemas.microsoft.com/office/drawing/2017/decorative" xmlns="" val="1"/>
               </a:ext>
             </a:extLst>
           </p:cNvPr>
@@ -24357,15 +24348,7 @@
                     <a:p>
                       <a:r>
                         <a:rPr lang="en-IN" dirty="0" smtClean="0"/>
-                        <a:t>Write abstract method </a:t>
-                      </a:r>
-                      <a:r>
-                        <a:rPr lang="en-IN" dirty="0" smtClean="0"/>
-                        <a:t> </a:t>
-                      </a:r>
-                      <a:r>
-                        <a:rPr lang="en-IN" dirty="0" smtClean="0"/>
-                        <a:t>in database class which returns Dao</a:t>
+                        <a:t>Write abstract method  in database class which returns Dao</a:t>
                       </a:r>
                       <a:r>
                         <a:rPr lang="en-IN" baseline="0" dirty="0" smtClean="0"/>
